--- a/notes/01_introduction/01c_technologies.pptx
+++ b/notes/01_introduction/01c_technologies.pptx
@@ -5,10 +5,10 @@
     <p:sldMasterId id="2147483648" r:id="rId1"/>
   </p:sldMasterIdLst>
   <p:notesMasterIdLst>
-    <p:notesMasterId r:id="rId55"/>
+    <p:notesMasterId r:id="rId56"/>
   </p:notesMasterIdLst>
   <p:handoutMasterIdLst>
-    <p:handoutMasterId r:id="rId56"/>
+    <p:handoutMasterId r:id="rId57"/>
   </p:handoutMasterIdLst>
   <p:sldIdLst>
     <p:sldId id="256" r:id="rId2"/>
@@ -30,40 +30,41 @@
     <p:sldId id="330" r:id="rId18"/>
     <p:sldId id="292" r:id="rId19"/>
     <p:sldId id="331" r:id="rId20"/>
-    <p:sldId id="332" r:id="rId21"/>
-    <p:sldId id="333" r:id="rId22"/>
-    <p:sldId id="293" r:id="rId23"/>
-    <p:sldId id="295" r:id="rId24"/>
-    <p:sldId id="296" r:id="rId25"/>
-    <p:sldId id="294" r:id="rId26"/>
-    <p:sldId id="297" r:id="rId27"/>
-    <p:sldId id="298" r:id="rId28"/>
-    <p:sldId id="299" r:id="rId29"/>
-    <p:sldId id="300" r:id="rId30"/>
-    <p:sldId id="301" r:id="rId31"/>
-    <p:sldId id="342" r:id="rId32"/>
-    <p:sldId id="341" r:id="rId33"/>
-    <p:sldId id="348" r:id="rId34"/>
-    <p:sldId id="344" r:id="rId35"/>
-    <p:sldId id="343" r:id="rId36"/>
-    <p:sldId id="303" r:id="rId37"/>
-    <p:sldId id="304" r:id="rId38"/>
-    <p:sldId id="305" r:id="rId39"/>
-    <p:sldId id="306" r:id="rId40"/>
-    <p:sldId id="307" r:id="rId41"/>
-    <p:sldId id="308" r:id="rId42"/>
-    <p:sldId id="345" r:id="rId43"/>
-    <p:sldId id="311" r:id="rId44"/>
-    <p:sldId id="313" r:id="rId45"/>
-    <p:sldId id="314" r:id="rId46"/>
-    <p:sldId id="327" r:id="rId47"/>
-    <p:sldId id="335" r:id="rId48"/>
-    <p:sldId id="336" r:id="rId49"/>
-    <p:sldId id="337" r:id="rId50"/>
-    <p:sldId id="324" r:id="rId51"/>
-    <p:sldId id="325" r:id="rId52"/>
-    <p:sldId id="326" r:id="rId53"/>
-    <p:sldId id="339" r:id="rId54"/>
+    <p:sldId id="350" r:id="rId21"/>
+    <p:sldId id="332" r:id="rId22"/>
+    <p:sldId id="333" r:id="rId23"/>
+    <p:sldId id="293" r:id="rId24"/>
+    <p:sldId id="295" r:id="rId25"/>
+    <p:sldId id="296" r:id="rId26"/>
+    <p:sldId id="294" r:id="rId27"/>
+    <p:sldId id="297" r:id="rId28"/>
+    <p:sldId id="298" r:id="rId29"/>
+    <p:sldId id="299" r:id="rId30"/>
+    <p:sldId id="300" r:id="rId31"/>
+    <p:sldId id="301" r:id="rId32"/>
+    <p:sldId id="342" r:id="rId33"/>
+    <p:sldId id="341" r:id="rId34"/>
+    <p:sldId id="348" r:id="rId35"/>
+    <p:sldId id="344" r:id="rId36"/>
+    <p:sldId id="343" r:id="rId37"/>
+    <p:sldId id="303" r:id="rId38"/>
+    <p:sldId id="304" r:id="rId39"/>
+    <p:sldId id="305" r:id="rId40"/>
+    <p:sldId id="306" r:id="rId41"/>
+    <p:sldId id="307" r:id="rId42"/>
+    <p:sldId id="308" r:id="rId43"/>
+    <p:sldId id="345" r:id="rId44"/>
+    <p:sldId id="311" r:id="rId45"/>
+    <p:sldId id="313" r:id="rId46"/>
+    <p:sldId id="314" r:id="rId47"/>
+    <p:sldId id="327" r:id="rId48"/>
+    <p:sldId id="335" r:id="rId49"/>
+    <p:sldId id="336" r:id="rId50"/>
+    <p:sldId id="337" r:id="rId51"/>
+    <p:sldId id="324" r:id="rId52"/>
+    <p:sldId id="325" r:id="rId53"/>
+    <p:sldId id="326" r:id="rId54"/>
+    <p:sldId id="339" r:id="rId55"/>
   </p:sldIdLst>
   <p:sldSz cx="9144000" cy="6858000" type="screen4x3"/>
   <p:notesSz cx="9144000" cy="6858000"/>
@@ -263,7 +264,7 @@
           <a:p>
             <a:fld id="{C649893C-F6F2-1C4F-8689-76ADC4738B76}" type="datetimeFigureOut">
               <a:rPr lang="en-US" smtClean="0"/>
-              <a:t>9/9/18</a:t>
+              <a:t>9/16/19</a:t>
             </a:fld>
             <a:endParaRPr lang="en-US"/>
           </a:p>
@@ -428,7 +429,7 @@
           <a:p>
             <a:fld id="{1190AAAC-08AA-4B4D-AB79-FC662BBA0169}" type="datetimeFigureOut">
               <a:rPr lang="en-US" smtClean="0"/>
-              <a:t>9/9/18</a:t>
+              <a:t>9/16/19</a:t>
             </a:fld>
             <a:endParaRPr lang="en-US"/>
           </a:p>
@@ -811,14 +812,14 @@
           <a:ln/>
           <a:extLst>
             <a:ext uri="{909E8E84-426E-40dd-AFC4-6F175D3DCCD1}">
-              <a14:hiddenFill xmlns:a14="http://schemas.microsoft.com/office/drawing/2010/main" xmlns="">
+              <a14:hiddenFill xmlns="" xmlns:a14="http://schemas.microsoft.com/office/drawing/2010/main">
                 <a:solidFill>
                   <a:srgbClr val="FFFFFF"/>
                 </a:solidFill>
               </a14:hiddenFill>
             </a:ext>
             <a:ext uri="{91240B29-F687-4f45-9708-019B960494DF}">
-              <a14:hiddenLine xmlns:a14="http://schemas.microsoft.com/office/drawing/2010/main" xmlns="" w="9525">
+              <a14:hiddenLine xmlns="" xmlns:a14="http://schemas.microsoft.com/office/drawing/2010/main" w="9525">
                 <a:solidFill>
                   <a:srgbClr val="000000"/>
                 </a:solidFill>
@@ -979,17 +980,17 @@
           <a:ln/>
           <a:extLst>
             <a:ext uri="{FAA26D3D-D897-4be2-8F04-BA451C77F1D7}">
-              <ma14:placeholderFlag xmlns:ma14="http://schemas.microsoft.com/office/mac/drawingml/2011/main" xmlns="" val="1"/>
+              <ma14:placeholderFlag xmlns="" xmlns:ma14="http://schemas.microsoft.com/office/mac/drawingml/2011/main" val="1"/>
             </a:ext>
             <a:ext uri="{909E8E84-426E-40dd-AFC4-6F175D3DCCD1}">
-              <a14:hiddenFill xmlns:a14="http://schemas.microsoft.com/office/drawing/2010/main" xmlns="">
+              <a14:hiddenFill xmlns="" xmlns:a14="http://schemas.microsoft.com/office/drawing/2010/main">
                 <a:solidFill>
                   <a:srgbClr val="FFFFFF"/>
                 </a:solidFill>
               </a14:hiddenFill>
             </a:ext>
             <a:ext uri="{91240B29-F687-4f45-9708-019B960494DF}">
-              <a14:hiddenLine xmlns:a14="http://schemas.microsoft.com/office/drawing/2010/main" xmlns="" w="9525">
+              <a14:hiddenLine xmlns="" xmlns:a14="http://schemas.microsoft.com/office/drawing/2010/main" w="9525">
                 <a:solidFill>
                   <a:srgbClr val="000000"/>
                 </a:solidFill>
@@ -1051,14 +1052,14 @@
           <a:ln/>
           <a:extLst>
             <a:ext uri="{909E8E84-426E-40dd-AFC4-6F175D3DCCD1}">
-              <a14:hiddenFill xmlns:a14="http://schemas.microsoft.com/office/drawing/2010/main" xmlns="">
+              <a14:hiddenFill xmlns="" xmlns:a14="http://schemas.microsoft.com/office/drawing/2010/main">
                 <a:solidFill>
                   <a:srgbClr val="FFFFFF"/>
                 </a:solidFill>
               </a14:hiddenFill>
             </a:ext>
             <a:ext uri="{91240B29-F687-4f45-9708-019B960494DF}">
-              <a14:hiddenLine xmlns:a14="http://schemas.microsoft.com/office/drawing/2010/main" xmlns="" w="9525">
+              <a14:hiddenLine xmlns="" xmlns:a14="http://schemas.microsoft.com/office/drawing/2010/main" w="9525">
                 <a:solidFill>
                   <a:srgbClr val="000000"/>
                 </a:solidFill>
@@ -1219,17 +1220,17 @@
           <a:ln/>
           <a:extLst>
             <a:ext uri="{FAA26D3D-D897-4be2-8F04-BA451C77F1D7}">
-              <ma14:placeholderFlag xmlns:ma14="http://schemas.microsoft.com/office/mac/drawingml/2011/main" xmlns="" val="1"/>
+              <ma14:placeholderFlag xmlns="" xmlns:ma14="http://schemas.microsoft.com/office/mac/drawingml/2011/main" val="1"/>
             </a:ext>
             <a:ext uri="{909E8E84-426E-40dd-AFC4-6F175D3DCCD1}">
-              <a14:hiddenFill xmlns:a14="http://schemas.microsoft.com/office/drawing/2010/main" xmlns="">
+              <a14:hiddenFill xmlns="" xmlns:a14="http://schemas.microsoft.com/office/drawing/2010/main">
                 <a:solidFill>
                   <a:srgbClr val="FFFFFF"/>
                 </a:solidFill>
               </a14:hiddenFill>
             </a:ext>
             <a:ext uri="{91240B29-F687-4f45-9708-019B960494DF}">
-              <a14:hiddenLine xmlns:a14="http://schemas.microsoft.com/office/drawing/2010/main" xmlns="" w="9525">
+              <a14:hiddenLine xmlns="" xmlns:a14="http://schemas.microsoft.com/office/drawing/2010/main" w="9525">
                 <a:solidFill>
                   <a:srgbClr val="000000"/>
                 </a:solidFill>
@@ -1260,6 +1261,251 @@
 </file>
 
 <file path=ppt/notesSlides/notesSlide12.xml><?xml version="1.0" encoding="utf-8"?>
+<p:notes xmlns:a="http://schemas.openxmlformats.org/drawingml/2006/main" xmlns:r="http://schemas.openxmlformats.org/officeDocument/2006/relationships" xmlns:p="http://schemas.openxmlformats.org/presentationml/2006/main">
+  <p:cSld>
+    <p:spTree>
+      <p:nvGrpSpPr>
+        <p:cNvPr id="1" name=""/>
+        <p:cNvGrpSpPr/>
+        <p:nvPr/>
+      </p:nvGrpSpPr>
+      <p:grpSpPr>
+        <a:xfrm>
+          <a:off x="0" y="0"/>
+          <a:ext cx="0" cy="0"/>
+          <a:chOff x="0" y="0"/>
+          <a:chExt cx="0" cy="0"/>
+        </a:xfrm>
+      </p:grpSpPr>
+      <p:sp>
+        <p:nvSpPr>
+          <p:cNvPr id="63489" name="Rectangle 7"/>
+          <p:cNvSpPr>
+            <a:spLocks noGrp="1" noChangeArrowheads="1"/>
+          </p:cNvSpPr>
+          <p:nvPr>
+            <p:ph type="sldNum" sz="quarter" idx="5"/>
+          </p:nvPr>
+        </p:nvSpPr>
+        <p:spPr>
+          <a:noFill/>
+          <a:ln/>
+          <a:extLst>
+            <a:ext uri="{909E8E84-426E-40dd-AFC4-6F175D3DCCD1}">
+              <a14:hiddenFill xmlns="" xmlns:a14="http://schemas.microsoft.com/office/drawing/2010/main">
+                <a:solidFill>
+                  <a:srgbClr val="FFFFFF"/>
+                </a:solidFill>
+              </a14:hiddenFill>
+            </a:ext>
+            <a:ext uri="{91240B29-F687-4f45-9708-019B960494DF}">
+              <a14:hiddenLine xmlns="" xmlns:a14="http://schemas.microsoft.com/office/drawing/2010/main" w="9525">
+                <a:solidFill>
+                  <a:srgbClr val="000000"/>
+                </a:solidFill>
+                <a:miter lim="800000"/>
+                <a:headEnd/>
+                <a:tailEnd/>
+              </a14:hiddenLine>
+            </a:ext>
+          </a:extLst>
+        </p:spPr>
+        <p:txBody>
+          <a:bodyPr/>
+          <a:lstStyle>
+            <a:lvl1pPr eaLnBrk="0" hangingPunct="0">
+              <a:defRPr sz="2400">
+                <a:solidFill>
+                  <a:schemeClr val="tx1"/>
+                </a:solidFill>
+                <a:latin typeface="Arial" charset="0"/>
+                <a:ea typeface="ＭＳ Ｐゴシック" charset="0"/>
+                <a:cs typeface="ＭＳ Ｐゴシック" charset="0"/>
+              </a:defRPr>
+            </a:lvl1pPr>
+            <a:lvl2pPr marL="742950" indent="-285750" eaLnBrk="0" hangingPunct="0">
+              <a:defRPr sz="2400">
+                <a:solidFill>
+                  <a:schemeClr val="tx1"/>
+                </a:solidFill>
+                <a:latin typeface="Arial" charset="0"/>
+                <a:ea typeface="ＭＳ Ｐゴシック" charset="0"/>
+              </a:defRPr>
+            </a:lvl2pPr>
+            <a:lvl3pPr marL="1143000" indent="-228600" eaLnBrk="0" hangingPunct="0">
+              <a:defRPr sz="2400">
+                <a:solidFill>
+                  <a:schemeClr val="tx1"/>
+                </a:solidFill>
+                <a:latin typeface="Arial" charset="0"/>
+                <a:ea typeface="ＭＳ Ｐゴシック" charset="0"/>
+              </a:defRPr>
+            </a:lvl3pPr>
+            <a:lvl4pPr marL="1600200" indent="-228600" eaLnBrk="0" hangingPunct="0">
+              <a:defRPr sz="2400">
+                <a:solidFill>
+                  <a:schemeClr val="tx1"/>
+                </a:solidFill>
+                <a:latin typeface="Arial" charset="0"/>
+                <a:ea typeface="ＭＳ Ｐゴシック" charset="0"/>
+              </a:defRPr>
+            </a:lvl4pPr>
+            <a:lvl5pPr marL="2057400" indent="-228600" eaLnBrk="0" hangingPunct="0">
+              <a:defRPr sz="2400">
+                <a:solidFill>
+                  <a:schemeClr val="tx1"/>
+                </a:solidFill>
+                <a:latin typeface="Arial" charset="0"/>
+                <a:ea typeface="ＭＳ Ｐゴシック" charset="0"/>
+              </a:defRPr>
+            </a:lvl5pPr>
+            <a:lvl6pPr marL="2514600" indent="-228600" eaLnBrk="0" fontAlgn="base" hangingPunct="0">
+              <a:spcBef>
+                <a:spcPct val="0"/>
+              </a:spcBef>
+              <a:spcAft>
+                <a:spcPct val="0"/>
+              </a:spcAft>
+              <a:defRPr sz="2400">
+                <a:solidFill>
+                  <a:schemeClr val="tx1"/>
+                </a:solidFill>
+                <a:latin typeface="Arial" charset="0"/>
+                <a:ea typeface="ＭＳ Ｐゴシック" charset="0"/>
+              </a:defRPr>
+            </a:lvl6pPr>
+            <a:lvl7pPr marL="2971800" indent="-228600" eaLnBrk="0" fontAlgn="base" hangingPunct="0">
+              <a:spcBef>
+                <a:spcPct val="0"/>
+              </a:spcBef>
+              <a:spcAft>
+                <a:spcPct val="0"/>
+              </a:spcAft>
+              <a:defRPr sz="2400">
+                <a:solidFill>
+                  <a:schemeClr val="tx1"/>
+                </a:solidFill>
+                <a:latin typeface="Arial" charset="0"/>
+                <a:ea typeface="ＭＳ Ｐゴシック" charset="0"/>
+              </a:defRPr>
+            </a:lvl7pPr>
+            <a:lvl8pPr marL="3429000" indent="-228600" eaLnBrk="0" fontAlgn="base" hangingPunct="0">
+              <a:spcBef>
+                <a:spcPct val="0"/>
+              </a:spcBef>
+              <a:spcAft>
+                <a:spcPct val="0"/>
+              </a:spcAft>
+              <a:defRPr sz="2400">
+                <a:solidFill>
+                  <a:schemeClr val="tx1"/>
+                </a:solidFill>
+                <a:latin typeface="Arial" charset="0"/>
+                <a:ea typeface="ＭＳ Ｐゴシック" charset="0"/>
+              </a:defRPr>
+            </a:lvl8pPr>
+            <a:lvl9pPr marL="3886200" indent="-228600" eaLnBrk="0" fontAlgn="base" hangingPunct="0">
+              <a:spcBef>
+                <a:spcPct val="0"/>
+              </a:spcBef>
+              <a:spcAft>
+                <a:spcPct val="0"/>
+              </a:spcAft>
+              <a:defRPr sz="2400">
+                <a:solidFill>
+                  <a:schemeClr val="tx1"/>
+                </a:solidFill>
+                <a:latin typeface="Arial" charset="0"/>
+                <a:ea typeface="ＭＳ Ｐゴシック" charset="0"/>
+              </a:defRPr>
+            </a:lvl9pPr>
+          </a:lstStyle>
+          <a:p>
+            <a:pPr eaLnBrk="1" hangingPunct="1"/>
+            <a:fld id="{D63F6897-EC8F-4146-BFFE-C16A9722509C}" type="slidenum">
+              <a:rPr lang="en-US" sz="1200"/>
+              <a:pPr eaLnBrk="1" hangingPunct="1"/>
+              <a:t>20</a:t>
+            </a:fld>
+            <a:endParaRPr lang="en-US" sz="1200"/>
+          </a:p>
+        </p:txBody>
+      </p:sp>
+      <p:sp>
+        <p:nvSpPr>
+          <p:cNvPr id="63490" name="Rectangle 2"/>
+          <p:cNvSpPr>
+            <a:spLocks noGrp="1" noRot="1" noChangeAspect="1" noChangeArrowheads="1" noTextEdit="1"/>
+          </p:cNvSpPr>
+          <p:nvPr>
+            <p:ph type="sldImg"/>
+          </p:nvPr>
+        </p:nvSpPr>
+        <p:spPr>
+          <a:ln/>
+        </p:spPr>
+      </p:sp>
+      <p:sp>
+        <p:nvSpPr>
+          <p:cNvPr id="63491" name="Rectangle 3"/>
+          <p:cNvSpPr>
+            <a:spLocks noGrp="1" noChangeArrowheads="1"/>
+          </p:cNvSpPr>
+          <p:nvPr>
+            <p:ph type="body" idx="1"/>
+          </p:nvPr>
+        </p:nvSpPr>
+        <p:spPr>
+          <a:noFill/>
+          <a:ln/>
+          <a:extLst>
+            <a:ext uri="{FAA26D3D-D897-4be2-8F04-BA451C77F1D7}">
+              <ma14:placeholderFlag xmlns="" xmlns:ma14="http://schemas.microsoft.com/office/mac/drawingml/2011/main" val="1"/>
+            </a:ext>
+            <a:ext uri="{909E8E84-426E-40dd-AFC4-6F175D3DCCD1}">
+              <a14:hiddenFill xmlns="" xmlns:a14="http://schemas.microsoft.com/office/drawing/2010/main">
+                <a:solidFill>
+                  <a:srgbClr val="FFFFFF"/>
+                </a:solidFill>
+              </a14:hiddenFill>
+            </a:ext>
+            <a:ext uri="{91240B29-F687-4f45-9708-019B960494DF}">
+              <a14:hiddenLine xmlns="" xmlns:a14="http://schemas.microsoft.com/office/drawing/2010/main" w="9525">
+                <a:solidFill>
+                  <a:srgbClr val="000000"/>
+                </a:solidFill>
+                <a:miter lim="800000"/>
+                <a:headEnd/>
+                <a:tailEnd/>
+              </a14:hiddenLine>
+            </a:ext>
+          </a:extLst>
+        </p:spPr>
+        <p:txBody>
+          <a:bodyPr/>
+          <a:lstStyle/>
+          <a:p>
+            <a:pPr eaLnBrk="1" hangingPunct="1"/>
+            <a:endParaRPr lang="en-US">
+              <a:latin typeface="Arial" charset="0"/>
+            </a:endParaRPr>
+          </a:p>
+        </p:txBody>
+      </p:sp>
+    </p:spTree>
+    <p:extLst>
+      <p:ext uri="{BB962C8B-B14F-4D97-AF65-F5344CB8AC3E}">
+        <p14:creationId xmlns:p14="http://schemas.microsoft.com/office/powerpoint/2010/main" val="369874836"/>
+      </p:ext>
+    </p:extLst>
+  </p:cSld>
+  <p:clrMapOvr>
+    <a:masterClrMapping/>
+  </p:clrMapOvr>
+</p:notes>
+</file>
+
+<file path=ppt/notesSlides/notesSlide13.xml><?xml version="1.0" encoding="utf-8"?>
 <p:notes xmlns:a="http://schemas.openxmlformats.org/drawingml/2006/main" xmlns:r="http://schemas.openxmlformats.org/officeDocument/2006/relationships" xmlns:p="http://schemas.openxmlformats.org/presentationml/2006/main">
   <p:cSld>
     <p:spTree>
@@ -1291,14 +1537,14 @@
           <a:ln/>
           <a:extLst>
             <a:ext uri="{909E8E84-426E-40dd-AFC4-6F175D3DCCD1}">
-              <a14:hiddenFill xmlns:a14="http://schemas.microsoft.com/office/drawing/2010/main" xmlns="">
+              <a14:hiddenFill xmlns="" xmlns:a14="http://schemas.microsoft.com/office/drawing/2010/main">
                 <a:solidFill>
                   <a:srgbClr val="FFFFFF"/>
                 </a:solidFill>
               </a14:hiddenFill>
             </a:ext>
             <a:ext uri="{91240B29-F687-4f45-9708-019B960494DF}">
-              <a14:hiddenLine xmlns:a14="http://schemas.microsoft.com/office/drawing/2010/main" xmlns="" w="9525">
+              <a14:hiddenLine xmlns="" xmlns:a14="http://schemas.microsoft.com/office/drawing/2010/main" w="9525">
                 <a:solidFill>
                   <a:srgbClr val="000000"/>
                 </a:solidFill>
@@ -1424,7 +1670,7 @@
             <a:fld id="{DB4486E9-8D5A-FE44-AABF-FB5C473E7C4F}" type="slidenum">
               <a:rPr lang="en-US" sz="1200"/>
               <a:pPr eaLnBrk="1" hangingPunct="1"/>
-              <a:t>22</a:t>
+              <a:t>23</a:t>
             </a:fld>
             <a:endParaRPr lang="en-US" sz="1200"/>
           </a:p>
@@ -1459,17 +1705,17 @@
           <a:ln/>
           <a:extLst>
             <a:ext uri="{FAA26D3D-D897-4be2-8F04-BA451C77F1D7}">
-              <ma14:placeholderFlag xmlns:ma14="http://schemas.microsoft.com/office/mac/drawingml/2011/main" xmlns="" val="1"/>
+              <ma14:placeholderFlag xmlns="" xmlns:ma14="http://schemas.microsoft.com/office/mac/drawingml/2011/main" val="1"/>
             </a:ext>
             <a:ext uri="{909E8E84-426E-40dd-AFC4-6F175D3DCCD1}">
-              <a14:hiddenFill xmlns:a14="http://schemas.microsoft.com/office/drawing/2010/main" xmlns="">
+              <a14:hiddenFill xmlns="" xmlns:a14="http://schemas.microsoft.com/office/drawing/2010/main">
                 <a:solidFill>
                   <a:srgbClr val="FFFFFF"/>
                 </a:solidFill>
               </a14:hiddenFill>
             </a:ext>
             <a:ext uri="{91240B29-F687-4f45-9708-019B960494DF}">
-              <a14:hiddenLine xmlns:a14="http://schemas.microsoft.com/office/drawing/2010/main" xmlns="" w="9525">
+              <a14:hiddenLine xmlns="" xmlns:a14="http://schemas.microsoft.com/office/drawing/2010/main" w="9525">
                 <a:solidFill>
                   <a:srgbClr val="000000"/>
                 </a:solidFill>
@@ -1499,7 +1745,7 @@
 </p:notes>
 </file>
 
-<file path=ppt/notesSlides/notesSlide13.xml><?xml version="1.0" encoding="utf-8"?>
+<file path=ppt/notesSlides/notesSlide14.xml><?xml version="1.0" encoding="utf-8"?>
 <p:notes xmlns:a="http://schemas.openxmlformats.org/drawingml/2006/main" xmlns:r="http://schemas.openxmlformats.org/officeDocument/2006/relationships" xmlns:p="http://schemas.openxmlformats.org/presentationml/2006/main">
   <p:cSld>
     <p:spTree>
@@ -1531,14 +1777,14 @@
           <a:ln/>
           <a:extLst>
             <a:ext uri="{909E8E84-426E-40dd-AFC4-6F175D3DCCD1}">
-              <a14:hiddenFill xmlns:a14="http://schemas.microsoft.com/office/drawing/2010/main" xmlns="">
+              <a14:hiddenFill xmlns="" xmlns:a14="http://schemas.microsoft.com/office/drawing/2010/main">
                 <a:solidFill>
                   <a:srgbClr val="FFFFFF"/>
                 </a:solidFill>
               </a14:hiddenFill>
             </a:ext>
             <a:ext uri="{91240B29-F687-4f45-9708-019B960494DF}">
-              <a14:hiddenLine xmlns:a14="http://schemas.microsoft.com/office/drawing/2010/main" xmlns="" w="9525">
+              <a14:hiddenLine xmlns="" xmlns:a14="http://schemas.microsoft.com/office/drawing/2010/main" w="9525">
                 <a:solidFill>
                   <a:srgbClr val="000000"/>
                 </a:solidFill>
@@ -1664,7 +1910,7 @@
             <a:fld id="{7091613D-45BF-0D45-BB67-46C249AB6BBA}" type="slidenum">
               <a:rPr lang="en-US" sz="1200"/>
               <a:pPr eaLnBrk="1" hangingPunct="1"/>
-              <a:t>23</a:t>
+              <a:t>24</a:t>
             </a:fld>
             <a:endParaRPr lang="en-US" sz="1200"/>
           </a:p>
@@ -1699,17 +1945,17 @@
           <a:ln/>
           <a:extLst>
             <a:ext uri="{FAA26D3D-D897-4be2-8F04-BA451C77F1D7}">
-              <ma14:placeholderFlag xmlns:ma14="http://schemas.microsoft.com/office/mac/drawingml/2011/main" xmlns="" val="1"/>
+              <ma14:placeholderFlag xmlns="" xmlns:ma14="http://schemas.microsoft.com/office/mac/drawingml/2011/main" val="1"/>
             </a:ext>
             <a:ext uri="{909E8E84-426E-40dd-AFC4-6F175D3DCCD1}">
-              <a14:hiddenFill xmlns:a14="http://schemas.microsoft.com/office/drawing/2010/main" xmlns="">
+              <a14:hiddenFill xmlns="" xmlns:a14="http://schemas.microsoft.com/office/drawing/2010/main">
                 <a:solidFill>
                   <a:srgbClr val="FFFFFF"/>
                 </a:solidFill>
               </a14:hiddenFill>
             </a:ext>
             <a:ext uri="{91240B29-F687-4f45-9708-019B960494DF}">
-              <a14:hiddenLine xmlns:a14="http://schemas.microsoft.com/office/drawing/2010/main" xmlns="" w="9525">
+              <a14:hiddenLine xmlns="" xmlns:a14="http://schemas.microsoft.com/office/drawing/2010/main" w="9525">
                 <a:solidFill>
                   <a:srgbClr val="000000"/>
                 </a:solidFill>
@@ -1739,7 +1985,7 @@
 </p:notes>
 </file>
 
-<file path=ppt/notesSlides/notesSlide14.xml><?xml version="1.0" encoding="utf-8"?>
+<file path=ppt/notesSlides/notesSlide15.xml><?xml version="1.0" encoding="utf-8"?>
 <p:notes xmlns:a="http://schemas.openxmlformats.org/drawingml/2006/main" xmlns:r="http://schemas.openxmlformats.org/officeDocument/2006/relationships" xmlns:p="http://schemas.openxmlformats.org/presentationml/2006/main">
   <p:cSld>
     <p:spTree>
@@ -1771,14 +2017,14 @@
           <a:ln/>
           <a:extLst>
             <a:ext uri="{909E8E84-426E-40dd-AFC4-6F175D3DCCD1}">
-              <a14:hiddenFill xmlns:a14="http://schemas.microsoft.com/office/drawing/2010/main" xmlns="">
+              <a14:hiddenFill xmlns="" xmlns:a14="http://schemas.microsoft.com/office/drawing/2010/main">
                 <a:solidFill>
                   <a:srgbClr val="FFFFFF"/>
                 </a:solidFill>
               </a14:hiddenFill>
             </a:ext>
             <a:ext uri="{91240B29-F687-4f45-9708-019B960494DF}">
-              <a14:hiddenLine xmlns:a14="http://schemas.microsoft.com/office/drawing/2010/main" xmlns="" w="9525">
+              <a14:hiddenLine xmlns="" xmlns:a14="http://schemas.microsoft.com/office/drawing/2010/main" w="9525">
                 <a:solidFill>
                   <a:srgbClr val="000000"/>
                 </a:solidFill>
@@ -1904,7 +2150,7 @@
             <a:fld id="{795E2F60-7D26-E24C-9335-C6EBE873253A}" type="slidenum">
               <a:rPr lang="en-US" sz="1200"/>
               <a:pPr eaLnBrk="1" hangingPunct="1"/>
-              <a:t>24</a:t>
+              <a:t>25</a:t>
             </a:fld>
             <a:endParaRPr lang="en-US" sz="1200"/>
           </a:p>
@@ -1939,17 +2185,17 @@
           <a:ln/>
           <a:extLst>
             <a:ext uri="{FAA26D3D-D897-4be2-8F04-BA451C77F1D7}">
-              <ma14:placeholderFlag xmlns:ma14="http://schemas.microsoft.com/office/mac/drawingml/2011/main" xmlns="" val="1"/>
+              <ma14:placeholderFlag xmlns="" xmlns:ma14="http://schemas.microsoft.com/office/mac/drawingml/2011/main" val="1"/>
             </a:ext>
             <a:ext uri="{909E8E84-426E-40dd-AFC4-6F175D3DCCD1}">
-              <a14:hiddenFill xmlns:a14="http://schemas.microsoft.com/office/drawing/2010/main" xmlns="">
+              <a14:hiddenFill xmlns="" xmlns:a14="http://schemas.microsoft.com/office/drawing/2010/main">
                 <a:solidFill>
                   <a:srgbClr val="FFFFFF"/>
                 </a:solidFill>
               </a14:hiddenFill>
             </a:ext>
             <a:ext uri="{91240B29-F687-4f45-9708-019B960494DF}">
-              <a14:hiddenLine xmlns:a14="http://schemas.microsoft.com/office/drawing/2010/main" xmlns="" w="9525">
+              <a14:hiddenLine xmlns="" xmlns:a14="http://schemas.microsoft.com/office/drawing/2010/main" w="9525">
                 <a:solidFill>
                   <a:srgbClr val="000000"/>
                 </a:solidFill>
@@ -1979,7 +2225,7 @@
 </p:notes>
 </file>
 
-<file path=ppt/notesSlides/notesSlide15.xml><?xml version="1.0" encoding="utf-8"?>
+<file path=ppt/notesSlides/notesSlide16.xml><?xml version="1.0" encoding="utf-8"?>
 <p:notes xmlns:a="http://schemas.openxmlformats.org/drawingml/2006/main" xmlns:r="http://schemas.openxmlformats.org/officeDocument/2006/relationships" xmlns:p="http://schemas.openxmlformats.org/presentationml/2006/main">
   <p:cSld>
     <p:spTree>
@@ -2011,14 +2257,14 @@
           <a:ln/>
           <a:extLst>
             <a:ext uri="{909E8E84-426E-40dd-AFC4-6F175D3DCCD1}">
-              <a14:hiddenFill xmlns:a14="http://schemas.microsoft.com/office/drawing/2010/main" xmlns="">
+              <a14:hiddenFill xmlns="" xmlns:a14="http://schemas.microsoft.com/office/drawing/2010/main">
                 <a:solidFill>
                   <a:srgbClr val="FFFFFF"/>
                 </a:solidFill>
               </a14:hiddenFill>
             </a:ext>
             <a:ext uri="{91240B29-F687-4f45-9708-019B960494DF}">
-              <a14:hiddenLine xmlns:a14="http://schemas.microsoft.com/office/drawing/2010/main" xmlns="" w="9525">
+              <a14:hiddenLine xmlns="" xmlns:a14="http://schemas.microsoft.com/office/drawing/2010/main" w="9525">
                 <a:solidFill>
                   <a:srgbClr val="000000"/>
                 </a:solidFill>
@@ -2144,7 +2390,7 @@
             <a:fld id="{C9453347-63D6-F248-A95B-36E000ADBB4C}" type="slidenum">
               <a:rPr lang="en-US" sz="1200"/>
               <a:pPr eaLnBrk="1" hangingPunct="1"/>
-              <a:t>25</a:t>
+              <a:t>26</a:t>
             </a:fld>
             <a:endParaRPr lang="en-US" sz="1200"/>
           </a:p>
@@ -2179,17 +2425,17 @@
           <a:ln/>
           <a:extLst>
             <a:ext uri="{FAA26D3D-D897-4be2-8F04-BA451C77F1D7}">
-              <ma14:placeholderFlag xmlns:ma14="http://schemas.microsoft.com/office/mac/drawingml/2011/main" xmlns="" val="1"/>
+              <ma14:placeholderFlag xmlns="" xmlns:ma14="http://schemas.microsoft.com/office/mac/drawingml/2011/main" val="1"/>
             </a:ext>
             <a:ext uri="{909E8E84-426E-40dd-AFC4-6F175D3DCCD1}">
-              <a14:hiddenFill xmlns:a14="http://schemas.microsoft.com/office/drawing/2010/main" xmlns="">
+              <a14:hiddenFill xmlns="" xmlns:a14="http://schemas.microsoft.com/office/drawing/2010/main">
                 <a:solidFill>
                   <a:srgbClr val="FFFFFF"/>
                 </a:solidFill>
               </a14:hiddenFill>
             </a:ext>
             <a:ext uri="{91240B29-F687-4f45-9708-019B960494DF}">
-              <a14:hiddenLine xmlns:a14="http://schemas.microsoft.com/office/drawing/2010/main" xmlns="" w="9525">
+              <a14:hiddenLine xmlns="" xmlns:a14="http://schemas.microsoft.com/office/drawing/2010/main" w="9525">
                 <a:solidFill>
                   <a:srgbClr val="000000"/>
                 </a:solidFill>
@@ -2219,7 +2465,7 @@
 </p:notes>
 </file>
 
-<file path=ppt/notesSlides/notesSlide16.xml><?xml version="1.0" encoding="utf-8"?>
+<file path=ppt/notesSlides/notesSlide17.xml><?xml version="1.0" encoding="utf-8"?>
 <p:notes xmlns:a="http://schemas.openxmlformats.org/drawingml/2006/main" xmlns:r="http://schemas.openxmlformats.org/officeDocument/2006/relationships" xmlns:p="http://schemas.openxmlformats.org/presentationml/2006/main">
   <p:cSld>
     <p:spTree>
@@ -2251,14 +2497,14 @@
           <a:ln/>
           <a:extLst>
             <a:ext uri="{909E8E84-426E-40dd-AFC4-6F175D3DCCD1}">
-              <a14:hiddenFill xmlns:a14="http://schemas.microsoft.com/office/drawing/2010/main" xmlns="">
+              <a14:hiddenFill xmlns="" xmlns:a14="http://schemas.microsoft.com/office/drawing/2010/main">
                 <a:solidFill>
                   <a:srgbClr val="FFFFFF"/>
                 </a:solidFill>
               </a14:hiddenFill>
             </a:ext>
             <a:ext uri="{91240B29-F687-4f45-9708-019B960494DF}">
-              <a14:hiddenLine xmlns:a14="http://schemas.microsoft.com/office/drawing/2010/main" xmlns="" w="9525">
+              <a14:hiddenLine xmlns="" xmlns:a14="http://schemas.microsoft.com/office/drawing/2010/main" w="9525">
                 <a:solidFill>
                   <a:srgbClr val="000000"/>
                 </a:solidFill>
@@ -2384,7 +2630,7 @@
             <a:fld id="{36B022ED-34B7-FB4F-9917-3020592E24BF}" type="slidenum">
               <a:rPr lang="en-US" sz="1200"/>
               <a:pPr eaLnBrk="1" hangingPunct="1"/>
-              <a:t>26</a:t>
+              <a:t>27</a:t>
             </a:fld>
             <a:endParaRPr lang="en-US" sz="1200"/>
           </a:p>
@@ -2419,17 +2665,17 @@
           <a:ln/>
           <a:extLst>
             <a:ext uri="{FAA26D3D-D897-4be2-8F04-BA451C77F1D7}">
-              <ma14:placeholderFlag xmlns:ma14="http://schemas.microsoft.com/office/mac/drawingml/2011/main" xmlns="" val="1"/>
+              <ma14:placeholderFlag xmlns="" xmlns:ma14="http://schemas.microsoft.com/office/mac/drawingml/2011/main" val="1"/>
             </a:ext>
             <a:ext uri="{909E8E84-426E-40dd-AFC4-6F175D3DCCD1}">
-              <a14:hiddenFill xmlns:a14="http://schemas.microsoft.com/office/drawing/2010/main" xmlns="">
+              <a14:hiddenFill xmlns="" xmlns:a14="http://schemas.microsoft.com/office/drawing/2010/main">
                 <a:solidFill>
                   <a:srgbClr val="FFFFFF"/>
                 </a:solidFill>
               </a14:hiddenFill>
             </a:ext>
             <a:ext uri="{91240B29-F687-4f45-9708-019B960494DF}">
-              <a14:hiddenLine xmlns:a14="http://schemas.microsoft.com/office/drawing/2010/main" xmlns="" w="9525">
+              <a14:hiddenLine xmlns="" xmlns:a14="http://schemas.microsoft.com/office/drawing/2010/main" w="9525">
                 <a:solidFill>
                   <a:srgbClr val="000000"/>
                 </a:solidFill>
@@ -2459,7 +2705,7 @@
 </p:notes>
 </file>
 
-<file path=ppt/notesSlides/notesSlide17.xml><?xml version="1.0" encoding="utf-8"?>
+<file path=ppt/notesSlides/notesSlide18.xml><?xml version="1.0" encoding="utf-8"?>
 <p:notes xmlns:a="http://schemas.openxmlformats.org/drawingml/2006/main" xmlns:r="http://schemas.openxmlformats.org/officeDocument/2006/relationships" xmlns:p="http://schemas.openxmlformats.org/presentationml/2006/main">
   <p:cSld>
     <p:spTree>
@@ -2491,14 +2737,14 @@
           <a:ln/>
           <a:extLst>
             <a:ext uri="{909E8E84-426E-40dd-AFC4-6F175D3DCCD1}">
-              <a14:hiddenFill xmlns:a14="http://schemas.microsoft.com/office/drawing/2010/main" xmlns="">
+              <a14:hiddenFill xmlns="" xmlns:a14="http://schemas.microsoft.com/office/drawing/2010/main">
                 <a:solidFill>
                   <a:srgbClr val="FFFFFF"/>
                 </a:solidFill>
               </a14:hiddenFill>
             </a:ext>
             <a:ext uri="{91240B29-F687-4f45-9708-019B960494DF}">
-              <a14:hiddenLine xmlns:a14="http://schemas.microsoft.com/office/drawing/2010/main" xmlns="" w="9525">
+              <a14:hiddenLine xmlns="" xmlns:a14="http://schemas.microsoft.com/office/drawing/2010/main" w="9525">
                 <a:solidFill>
                   <a:srgbClr val="000000"/>
                 </a:solidFill>
@@ -2624,7 +2870,7 @@
             <a:fld id="{02774445-09B7-0D43-9A5E-5671F642A039}" type="slidenum">
               <a:rPr lang="en-US" sz="1200"/>
               <a:pPr eaLnBrk="1" hangingPunct="1"/>
-              <a:t>27</a:t>
+              <a:t>28</a:t>
             </a:fld>
             <a:endParaRPr lang="en-US" sz="1200"/>
           </a:p>
@@ -2659,17 +2905,17 @@
           <a:ln/>
           <a:extLst>
             <a:ext uri="{FAA26D3D-D897-4be2-8F04-BA451C77F1D7}">
-              <ma14:placeholderFlag xmlns:ma14="http://schemas.microsoft.com/office/mac/drawingml/2011/main" xmlns="" val="1"/>
+              <ma14:placeholderFlag xmlns="" xmlns:ma14="http://schemas.microsoft.com/office/mac/drawingml/2011/main" val="1"/>
             </a:ext>
             <a:ext uri="{909E8E84-426E-40dd-AFC4-6F175D3DCCD1}">
-              <a14:hiddenFill xmlns:a14="http://schemas.microsoft.com/office/drawing/2010/main" xmlns="">
+              <a14:hiddenFill xmlns="" xmlns:a14="http://schemas.microsoft.com/office/drawing/2010/main">
                 <a:solidFill>
                   <a:srgbClr val="FFFFFF"/>
                 </a:solidFill>
               </a14:hiddenFill>
             </a:ext>
             <a:ext uri="{91240B29-F687-4f45-9708-019B960494DF}">
-              <a14:hiddenLine xmlns:a14="http://schemas.microsoft.com/office/drawing/2010/main" xmlns="" w="9525">
+              <a14:hiddenLine xmlns="" xmlns:a14="http://schemas.microsoft.com/office/drawing/2010/main" w="9525">
                 <a:solidFill>
                   <a:srgbClr val="000000"/>
                 </a:solidFill>
@@ -2699,7 +2945,7 @@
 </p:notes>
 </file>
 
-<file path=ppt/notesSlides/notesSlide18.xml><?xml version="1.0" encoding="utf-8"?>
+<file path=ppt/notesSlides/notesSlide19.xml><?xml version="1.0" encoding="utf-8"?>
 <p:notes xmlns:a="http://schemas.openxmlformats.org/drawingml/2006/main" xmlns:r="http://schemas.openxmlformats.org/officeDocument/2006/relationships" xmlns:p="http://schemas.openxmlformats.org/presentationml/2006/main">
   <p:cSld>
     <p:spTree>
@@ -2731,14 +2977,14 @@
           <a:ln/>
           <a:extLst>
             <a:ext uri="{909E8E84-426E-40dd-AFC4-6F175D3DCCD1}">
-              <a14:hiddenFill xmlns:a14="http://schemas.microsoft.com/office/drawing/2010/main" xmlns="">
+              <a14:hiddenFill xmlns="" xmlns:a14="http://schemas.microsoft.com/office/drawing/2010/main">
                 <a:solidFill>
                   <a:srgbClr val="FFFFFF"/>
                 </a:solidFill>
               </a14:hiddenFill>
             </a:ext>
             <a:ext uri="{91240B29-F687-4f45-9708-019B960494DF}">
-              <a14:hiddenLine xmlns:a14="http://schemas.microsoft.com/office/drawing/2010/main" xmlns="" w="9525">
+              <a14:hiddenLine xmlns="" xmlns:a14="http://schemas.microsoft.com/office/drawing/2010/main" w="9525">
                 <a:solidFill>
                   <a:srgbClr val="000000"/>
                 </a:solidFill>
@@ -2864,7 +3110,7 @@
             <a:fld id="{F9C7DB81-F8EF-DE49-B3C0-195CDF40349C}" type="slidenum">
               <a:rPr lang="en-US" sz="1200"/>
               <a:pPr eaLnBrk="1" hangingPunct="1"/>
-              <a:t>28</a:t>
+              <a:t>29</a:t>
             </a:fld>
             <a:endParaRPr lang="en-US" sz="1200"/>
           </a:p>
@@ -2899,257 +3145,17 @@
           <a:ln/>
           <a:extLst>
             <a:ext uri="{FAA26D3D-D897-4be2-8F04-BA451C77F1D7}">
-              <ma14:placeholderFlag xmlns:ma14="http://schemas.microsoft.com/office/mac/drawingml/2011/main" xmlns="" val="1"/>
+              <ma14:placeholderFlag xmlns="" xmlns:ma14="http://schemas.microsoft.com/office/mac/drawingml/2011/main" val="1"/>
             </a:ext>
             <a:ext uri="{909E8E84-426E-40dd-AFC4-6F175D3DCCD1}">
-              <a14:hiddenFill xmlns:a14="http://schemas.microsoft.com/office/drawing/2010/main" xmlns="">
+              <a14:hiddenFill xmlns="" xmlns:a14="http://schemas.microsoft.com/office/drawing/2010/main">
                 <a:solidFill>
                   <a:srgbClr val="FFFFFF"/>
                 </a:solidFill>
               </a14:hiddenFill>
             </a:ext>
             <a:ext uri="{91240B29-F687-4f45-9708-019B960494DF}">
-              <a14:hiddenLine xmlns:a14="http://schemas.microsoft.com/office/drawing/2010/main" xmlns="" w="9525">
-                <a:solidFill>
-                  <a:srgbClr val="000000"/>
-                </a:solidFill>
-                <a:miter lim="800000"/>
-                <a:headEnd/>
-                <a:tailEnd/>
-              </a14:hiddenLine>
-            </a:ext>
-          </a:extLst>
-        </p:spPr>
-        <p:txBody>
-          <a:bodyPr/>
-          <a:lstStyle/>
-          <a:p>
-            <a:pPr eaLnBrk="1" hangingPunct="1"/>
-            <a:endParaRPr lang="en-US">
-              <a:latin typeface="Arial" charset="0"/>
-            </a:endParaRPr>
-          </a:p>
-        </p:txBody>
-      </p:sp>
-    </p:spTree>
-  </p:cSld>
-  <p:clrMapOvr>
-    <a:masterClrMapping/>
-  </p:clrMapOvr>
-</p:notes>
-</file>
-
-<file path=ppt/notesSlides/notesSlide19.xml><?xml version="1.0" encoding="utf-8"?>
-<p:notes xmlns:a="http://schemas.openxmlformats.org/drawingml/2006/main" xmlns:r="http://schemas.openxmlformats.org/officeDocument/2006/relationships" xmlns:p="http://schemas.openxmlformats.org/presentationml/2006/main">
-  <p:cSld>
-    <p:spTree>
-      <p:nvGrpSpPr>
-        <p:cNvPr id="1" name=""/>
-        <p:cNvGrpSpPr/>
-        <p:nvPr/>
-      </p:nvGrpSpPr>
-      <p:grpSpPr>
-        <a:xfrm>
-          <a:off x="0" y="0"/>
-          <a:ext cx="0" cy="0"/>
-          <a:chOff x="0" y="0"/>
-          <a:chExt cx="0" cy="0"/>
-        </a:xfrm>
-      </p:grpSpPr>
-      <p:sp>
-        <p:nvSpPr>
-          <p:cNvPr id="79873" name="Rectangle 7"/>
-          <p:cNvSpPr>
-            <a:spLocks noGrp="1" noChangeArrowheads="1"/>
-          </p:cNvSpPr>
-          <p:nvPr>
-            <p:ph type="sldNum" sz="quarter" idx="5"/>
-          </p:nvPr>
-        </p:nvSpPr>
-        <p:spPr>
-          <a:noFill/>
-          <a:ln/>
-          <a:extLst>
-            <a:ext uri="{909E8E84-426E-40dd-AFC4-6F175D3DCCD1}">
-              <a14:hiddenFill xmlns:a14="http://schemas.microsoft.com/office/drawing/2010/main" xmlns="">
-                <a:solidFill>
-                  <a:srgbClr val="FFFFFF"/>
-                </a:solidFill>
-              </a14:hiddenFill>
-            </a:ext>
-            <a:ext uri="{91240B29-F687-4f45-9708-019B960494DF}">
-              <a14:hiddenLine xmlns:a14="http://schemas.microsoft.com/office/drawing/2010/main" xmlns="" w="9525">
-                <a:solidFill>
-                  <a:srgbClr val="000000"/>
-                </a:solidFill>
-                <a:miter lim="800000"/>
-                <a:headEnd/>
-                <a:tailEnd/>
-              </a14:hiddenLine>
-            </a:ext>
-          </a:extLst>
-        </p:spPr>
-        <p:txBody>
-          <a:bodyPr/>
-          <a:lstStyle>
-            <a:lvl1pPr eaLnBrk="0" hangingPunct="0">
-              <a:defRPr sz="2400">
-                <a:solidFill>
-                  <a:schemeClr val="tx1"/>
-                </a:solidFill>
-                <a:latin typeface="Arial" charset="0"/>
-                <a:ea typeface="ＭＳ Ｐゴシック" charset="0"/>
-                <a:cs typeface="ＭＳ Ｐゴシック" charset="0"/>
-              </a:defRPr>
-            </a:lvl1pPr>
-            <a:lvl2pPr marL="742950" indent="-285750" eaLnBrk="0" hangingPunct="0">
-              <a:defRPr sz="2400">
-                <a:solidFill>
-                  <a:schemeClr val="tx1"/>
-                </a:solidFill>
-                <a:latin typeface="Arial" charset="0"/>
-                <a:ea typeface="ＭＳ Ｐゴシック" charset="0"/>
-              </a:defRPr>
-            </a:lvl2pPr>
-            <a:lvl3pPr marL="1143000" indent="-228600" eaLnBrk="0" hangingPunct="0">
-              <a:defRPr sz="2400">
-                <a:solidFill>
-                  <a:schemeClr val="tx1"/>
-                </a:solidFill>
-                <a:latin typeface="Arial" charset="0"/>
-                <a:ea typeface="ＭＳ Ｐゴシック" charset="0"/>
-              </a:defRPr>
-            </a:lvl3pPr>
-            <a:lvl4pPr marL="1600200" indent="-228600" eaLnBrk="0" hangingPunct="0">
-              <a:defRPr sz="2400">
-                <a:solidFill>
-                  <a:schemeClr val="tx1"/>
-                </a:solidFill>
-                <a:latin typeface="Arial" charset="0"/>
-                <a:ea typeface="ＭＳ Ｐゴシック" charset="0"/>
-              </a:defRPr>
-            </a:lvl4pPr>
-            <a:lvl5pPr marL="2057400" indent="-228600" eaLnBrk="0" hangingPunct="0">
-              <a:defRPr sz="2400">
-                <a:solidFill>
-                  <a:schemeClr val="tx1"/>
-                </a:solidFill>
-                <a:latin typeface="Arial" charset="0"/>
-                <a:ea typeface="ＭＳ Ｐゴシック" charset="0"/>
-              </a:defRPr>
-            </a:lvl5pPr>
-            <a:lvl6pPr marL="2514600" indent="-228600" eaLnBrk="0" fontAlgn="base" hangingPunct="0">
-              <a:spcBef>
-                <a:spcPct val="0"/>
-              </a:spcBef>
-              <a:spcAft>
-                <a:spcPct val="0"/>
-              </a:spcAft>
-              <a:defRPr sz="2400">
-                <a:solidFill>
-                  <a:schemeClr val="tx1"/>
-                </a:solidFill>
-                <a:latin typeface="Arial" charset="0"/>
-                <a:ea typeface="ＭＳ Ｐゴシック" charset="0"/>
-              </a:defRPr>
-            </a:lvl6pPr>
-            <a:lvl7pPr marL="2971800" indent="-228600" eaLnBrk="0" fontAlgn="base" hangingPunct="0">
-              <a:spcBef>
-                <a:spcPct val="0"/>
-              </a:spcBef>
-              <a:spcAft>
-                <a:spcPct val="0"/>
-              </a:spcAft>
-              <a:defRPr sz="2400">
-                <a:solidFill>
-                  <a:schemeClr val="tx1"/>
-                </a:solidFill>
-                <a:latin typeface="Arial" charset="0"/>
-                <a:ea typeface="ＭＳ Ｐゴシック" charset="0"/>
-              </a:defRPr>
-            </a:lvl7pPr>
-            <a:lvl8pPr marL="3429000" indent="-228600" eaLnBrk="0" fontAlgn="base" hangingPunct="0">
-              <a:spcBef>
-                <a:spcPct val="0"/>
-              </a:spcBef>
-              <a:spcAft>
-                <a:spcPct val="0"/>
-              </a:spcAft>
-              <a:defRPr sz="2400">
-                <a:solidFill>
-                  <a:schemeClr val="tx1"/>
-                </a:solidFill>
-                <a:latin typeface="Arial" charset="0"/>
-                <a:ea typeface="ＭＳ Ｐゴシック" charset="0"/>
-              </a:defRPr>
-            </a:lvl8pPr>
-            <a:lvl9pPr marL="3886200" indent="-228600" eaLnBrk="0" fontAlgn="base" hangingPunct="0">
-              <a:spcBef>
-                <a:spcPct val="0"/>
-              </a:spcBef>
-              <a:spcAft>
-                <a:spcPct val="0"/>
-              </a:spcAft>
-              <a:defRPr sz="2400">
-                <a:solidFill>
-                  <a:schemeClr val="tx1"/>
-                </a:solidFill>
-                <a:latin typeface="Arial" charset="0"/>
-                <a:ea typeface="ＭＳ Ｐゴシック" charset="0"/>
-              </a:defRPr>
-            </a:lvl9pPr>
-          </a:lstStyle>
-          <a:p>
-            <a:pPr eaLnBrk="1" hangingPunct="1"/>
-            <a:fld id="{8B97B76F-5CA1-7346-9D7B-14C4C5D76469}" type="slidenum">
-              <a:rPr lang="en-US" sz="1200"/>
-              <a:pPr eaLnBrk="1" hangingPunct="1"/>
-              <a:t>29</a:t>
-            </a:fld>
-            <a:endParaRPr lang="en-US" sz="1200"/>
-          </a:p>
-        </p:txBody>
-      </p:sp>
-      <p:sp>
-        <p:nvSpPr>
-          <p:cNvPr id="79874" name="Rectangle 2"/>
-          <p:cNvSpPr>
-            <a:spLocks noGrp="1" noRot="1" noChangeAspect="1" noChangeArrowheads="1" noTextEdit="1"/>
-          </p:cNvSpPr>
-          <p:nvPr>
-            <p:ph type="sldImg"/>
-          </p:nvPr>
-        </p:nvSpPr>
-        <p:spPr>
-          <a:ln/>
-        </p:spPr>
-      </p:sp>
-      <p:sp>
-        <p:nvSpPr>
-          <p:cNvPr id="79875" name="Rectangle 3"/>
-          <p:cNvSpPr>
-            <a:spLocks noGrp="1" noChangeArrowheads="1"/>
-          </p:cNvSpPr>
-          <p:nvPr>
-            <p:ph type="body" idx="1"/>
-          </p:nvPr>
-        </p:nvSpPr>
-        <p:spPr>
-          <a:noFill/>
-          <a:ln/>
-          <a:extLst>
-            <a:ext uri="{FAA26D3D-D897-4be2-8F04-BA451C77F1D7}">
-              <ma14:placeholderFlag xmlns:ma14="http://schemas.microsoft.com/office/mac/drawingml/2011/main" xmlns="" val="1"/>
-            </a:ext>
-            <a:ext uri="{909E8E84-426E-40dd-AFC4-6F175D3DCCD1}">
-              <a14:hiddenFill xmlns:a14="http://schemas.microsoft.com/office/drawing/2010/main" xmlns="">
-                <a:solidFill>
-                  <a:srgbClr val="FFFFFF"/>
-                </a:solidFill>
-              </a14:hiddenFill>
-            </a:ext>
-            <a:ext uri="{91240B29-F687-4f45-9708-019B960494DF}">
-              <a14:hiddenLine xmlns:a14="http://schemas.microsoft.com/office/drawing/2010/main" xmlns="" w="9525">
+              <a14:hiddenLine xmlns="" xmlns:a14="http://schemas.microsoft.com/office/drawing/2010/main" w="9525">
                 <a:solidFill>
                   <a:srgbClr val="000000"/>
                 </a:solidFill>
@@ -3285,7 +3291,7 @@
       </p:grpSpPr>
       <p:sp>
         <p:nvSpPr>
-          <p:cNvPr id="81921" name="Rectangle 7"/>
+          <p:cNvPr id="79873" name="Rectangle 7"/>
           <p:cNvSpPr>
             <a:spLocks noGrp="1" noChangeArrowheads="1"/>
           </p:cNvSpPr>
@@ -3298,14 +3304,14 @@
           <a:ln/>
           <a:extLst>
             <a:ext uri="{909E8E84-426E-40dd-AFC4-6F175D3DCCD1}">
-              <a14:hiddenFill xmlns:a14="http://schemas.microsoft.com/office/drawing/2010/main" xmlns="">
+              <a14:hiddenFill xmlns="" xmlns:a14="http://schemas.microsoft.com/office/drawing/2010/main">
                 <a:solidFill>
                   <a:srgbClr val="FFFFFF"/>
                 </a:solidFill>
               </a14:hiddenFill>
             </a:ext>
             <a:ext uri="{91240B29-F687-4f45-9708-019B960494DF}">
-              <a14:hiddenLine xmlns:a14="http://schemas.microsoft.com/office/drawing/2010/main" xmlns="" w="9525">
+              <a14:hiddenLine xmlns="" xmlns:a14="http://schemas.microsoft.com/office/drawing/2010/main" w="9525">
                 <a:solidFill>
                   <a:srgbClr val="000000"/>
                 </a:solidFill>
@@ -3428,7 +3434,7 @@
           </a:lstStyle>
           <a:p>
             <a:pPr eaLnBrk="1" hangingPunct="1"/>
-            <a:fld id="{4329909F-0CB8-4940-AD40-270BED9B1390}" type="slidenum">
+            <a:fld id="{8B97B76F-5CA1-7346-9D7B-14C4C5D76469}" type="slidenum">
               <a:rPr lang="en-US" sz="1200"/>
               <a:pPr eaLnBrk="1" hangingPunct="1"/>
               <a:t>30</a:t>
@@ -3439,7 +3445,7 @@
       </p:sp>
       <p:sp>
         <p:nvSpPr>
-          <p:cNvPr id="81922" name="Rectangle 2"/>
+          <p:cNvPr id="79874" name="Rectangle 2"/>
           <p:cNvSpPr>
             <a:spLocks noGrp="1" noRot="1" noChangeAspect="1" noChangeArrowheads="1" noTextEdit="1"/>
           </p:cNvSpPr>
@@ -3453,7 +3459,7 @@
       </p:sp>
       <p:sp>
         <p:nvSpPr>
-          <p:cNvPr id="81923" name="Rectangle 3"/>
+          <p:cNvPr id="79875" name="Rectangle 3"/>
           <p:cNvSpPr>
             <a:spLocks noGrp="1" noChangeArrowheads="1"/>
           </p:cNvSpPr>
@@ -3466,17 +3472,17 @@
           <a:ln/>
           <a:extLst>
             <a:ext uri="{FAA26D3D-D897-4be2-8F04-BA451C77F1D7}">
-              <ma14:placeholderFlag xmlns:ma14="http://schemas.microsoft.com/office/mac/drawingml/2011/main" xmlns="" val="1"/>
+              <ma14:placeholderFlag xmlns="" xmlns:ma14="http://schemas.microsoft.com/office/mac/drawingml/2011/main" val="1"/>
             </a:ext>
             <a:ext uri="{909E8E84-426E-40dd-AFC4-6F175D3DCCD1}">
-              <a14:hiddenFill xmlns:a14="http://schemas.microsoft.com/office/drawing/2010/main" xmlns="">
+              <a14:hiddenFill xmlns="" xmlns:a14="http://schemas.microsoft.com/office/drawing/2010/main">
                 <a:solidFill>
                   <a:srgbClr val="FFFFFF"/>
                 </a:solidFill>
               </a14:hiddenFill>
             </a:ext>
             <a:ext uri="{91240B29-F687-4f45-9708-019B960494DF}">
-              <a14:hiddenLine xmlns:a14="http://schemas.microsoft.com/office/drawing/2010/main" xmlns="" w="9525">
+              <a14:hiddenLine xmlns="" xmlns:a14="http://schemas.microsoft.com/office/drawing/2010/main" w="9525">
                 <a:solidFill>
                   <a:srgbClr val="000000"/>
                 </a:solidFill>
@@ -3538,14 +3544,14 @@
           <a:ln/>
           <a:extLst>
             <a:ext uri="{909E8E84-426E-40dd-AFC4-6F175D3DCCD1}">
-              <a14:hiddenFill xmlns:a14="http://schemas.microsoft.com/office/drawing/2010/main" xmlns="">
+              <a14:hiddenFill xmlns="" xmlns:a14="http://schemas.microsoft.com/office/drawing/2010/main">
                 <a:solidFill>
                   <a:srgbClr val="FFFFFF"/>
                 </a:solidFill>
               </a14:hiddenFill>
             </a:ext>
             <a:ext uri="{91240B29-F687-4f45-9708-019B960494DF}">
-              <a14:hiddenLine xmlns:a14="http://schemas.microsoft.com/office/drawing/2010/main" xmlns="" w="9525">
+              <a14:hiddenLine xmlns="" xmlns:a14="http://schemas.microsoft.com/office/drawing/2010/main" w="9525">
                 <a:solidFill>
                   <a:srgbClr val="000000"/>
                 </a:solidFill>
@@ -3671,7 +3677,7 @@
             <a:fld id="{4329909F-0CB8-4940-AD40-270BED9B1390}" type="slidenum">
               <a:rPr lang="en-US" sz="1200"/>
               <a:pPr eaLnBrk="1" hangingPunct="1"/>
-              <a:t>32</a:t>
+              <a:t>31</a:t>
             </a:fld>
             <a:endParaRPr lang="en-US" sz="1200"/>
           </a:p>
@@ -3706,17 +3712,17 @@
           <a:ln/>
           <a:extLst>
             <a:ext uri="{FAA26D3D-D897-4be2-8F04-BA451C77F1D7}">
-              <ma14:placeholderFlag xmlns:ma14="http://schemas.microsoft.com/office/mac/drawingml/2011/main" xmlns="" val="1"/>
+              <ma14:placeholderFlag xmlns="" xmlns:ma14="http://schemas.microsoft.com/office/mac/drawingml/2011/main" val="1"/>
             </a:ext>
             <a:ext uri="{909E8E84-426E-40dd-AFC4-6F175D3DCCD1}">
-              <a14:hiddenFill xmlns:a14="http://schemas.microsoft.com/office/drawing/2010/main" xmlns="">
+              <a14:hiddenFill xmlns="" xmlns:a14="http://schemas.microsoft.com/office/drawing/2010/main">
                 <a:solidFill>
                   <a:srgbClr val="FFFFFF"/>
                 </a:solidFill>
               </a14:hiddenFill>
             </a:ext>
             <a:ext uri="{91240B29-F687-4f45-9708-019B960494DF}">
-              <a14:hiddenLine xmlns:a14="http://schemas.microsoft.com/office/drawing/2010/main" xmlns="" w="9525">
+              <a14:hiddenLine xmlns="" xmlns:a14="http://schemas.microsoft.com/office/drawing/2010/main" w="9525">
                 <a:solidFill>
                   <a:srgbClr val="000000"/>
                 </a:solidFill>
@@ -3732,7 +3738,7 @@
           <a:lstStyle/>
           <a:p>
             <a:pPr eaLnBrk="1" hangingPunct="1"/>
-            <a:endParaRPr lang="en-US" dirty="0">
+            <a:endParaRPr lang="en-US">
               <a:latin typeface="Arial" charset="0"/>
             </a:endParaRPr>
           </a:p>
@@ -3778,14 +3784,14 @@
           <a:ln/>
           <a:extLst>
             <a:ext uri="{909E8E84-426E-40dd-AFC4-6F175D3DCCD1}">
-              <a14:hiddenFill xmlns:a14="http://schemas.microsoft.com/office/drawing/2010/main" xmlns="">
+              <a14:hiddenFill xmlns="" xmlns:a14="http://schemas.microsoft.com/office/drawing/2010/main">
                 <a:solidFill>
                   <a:srgbClr val="FFFFFF"/>
                 </a:solidFill>
               </a14:hiddenFill>
             </a:ext>
             <a:ext uri="{91240B29-F687-4f45-9708-019B960494DF}">
-              <a14:hiddenLine xmlns:a14="http://schemas.microsoft.com/office/drawing/2010/main" xmlns="" w="9525">
+              <a14:hiddenLine xmlns="" xmlns:a14="http://schemas.microsoft.com/office/drawing/2010/main" w="9525">
                 <a:solidFill>
                   <a:srgbClr val="000000"/>
                 </a:solidFill>
@@ -3946,17 +3952,17 @@
           <a:ln/>
           <a:extLst>
             <a:ext uri="{FAA26D3D-D897-4be2-8F04-BA451C77F1D7}">
-              <ma14:placeholderFlag xmlns:ma14="http://schemas.microsoft.com/office/mac/drawingml/2011/main" xmlns="" val="1"/>
+              <ma14:placeholderFlag xmlns="" xmlns:ma14="http://schemas.microsoft.com/office/mac/drawingml/2011/main" val="1"/>
             </a:ext>
             <a:ext uri="{909E8E84-426E-40dd-AFC4-6F175D3DCCD1}">
-              <a14:hiddenFill xmlns:a14="http://schemas.microsoft.com/office/drawing/2010/main" xmlns="">
+              <a14:hiddenFill xmlns="" xmlns:a14="http://schemas.microsoft.com/office/drawing/2010/main">
                 <a:solidFill>
                   <a:srgbClr val="FFFFFF"/>
                 </a:solidFill>
               </a14:hiddenFill>
             </a:ext>
             <a:ext uri="{91240B29-F687-4f45-9708-019B960494DF}">
-              <a14:hiddenLine xmlns:a14="http://schemas.microsoft.com/office/drawing/2010/main" xmlns="" w="9525">
+              <a14:hiddenLine xmlns="" xmlns:a14="http://schemas.microsoft.com/office/drawing/2010/main" w="9525">
                 <a:solidFill>
                   <a:srgbClr val="000000"/>
                 </a:solidFill>
@@ -3979,11 +3985,6 @@
         </p:txBody>
       </p:sp>
     </p:spTree>
-    <p:extLst>
-      <p:ext uri="{BB962C8B-B14F-4D97-AF65-F5344CB8AC3E}">
-        <p14:creationId xmlns:p14="http://schemas.microsoft.com/office/powerpoint/2010/main" val="502478948"/>
-      </p:ext>
-    </p:extLst>
   </p:cSld>
   <p:clrMapOvr>
     <a:masterClrMapping/>
@@ -4023,14 +4024,14 @@
           <a:ln/>
           <a:extLst>
             <a:ext uri="{909E8E84-426E-40dd-AFC4-6F175D3DCCD1}">
-              <a14:hiddenFill xmlns:a14="http://schemas.microsoft.com/office/drawing/2010/main" xmlns="">
+              <a14:hiddenFill xmlns="" xmlns:a14="http://schemas.microsoft.com/office/drawing/2010/main">
                 <a:solidFill>
                   <a:srgbClr val="FFFFFF"/>
                 </a:solidFill>
               </a14:hiddenFill>
             </a:ext>
             <a:ext uri="{91240B29-F687-4f45-9708-019B960494DF}">
-              <a14:hiddenLine xmlns:a14="http://schemas.microsoft.com/office/drawing/2010/main" xmlns="" w="9525">
+              <a14:hiddenLine xmlns="" xmlns:a14="http://schemas.microsoft.com/office/drawing/2010/main" w="9525">
                 <a:solidFill>
                   <a:srgbClr val="000000"/>
                 </a:solidFill>
@@ -4191,17 +4192,17 @@
           <a:ln/>
           <a:extLst>
             <a:ext uri="{FAA26D3D-D897-4be2-8F04-BA451C77F1D7}">
-              <ma14:placeholderFlag xmlns:ma14="http://schemas.microsoft.com/office/mac/drawingml/2011/main" xmlns="" val="1"/>
+              <ma14:placeholderFlag xmlns="" xmlns:ma14="http://schemas.microsoft.com/office/mac/drawingml/2011/main" val="1"/>
             </a:ext>
             <a:ext uri="{909E8E84-426E-40dd-AFC4-6F175D3DCCD1}">
-              <a14:hiddenFill xmlns:a14="http://schemas.microsoft.com/office/drawing/2010/main" xmlns="">
+              <a14:hiddenFill xmlns="" xmlns:a14="http://schemas.microsoft.com/office/drawing/2010/main">
                 <a:solidFill>
                   <a:srgbClr val="FFFFFF"/>
                 </a:solidFill>
               </a14:hiddenFill>
             </a:ext>
             <a:ext uri="{91240B29-F687-4f45-9708-019B960494DF}">
-              <a14:hiddenLine xmlns:a14="http://schemas.microsoft.com/office/drawing/2010/main" xmlns="" w="9525">
+              <a14:hiddenLine xmlns="" xmlns:a14="http://schemas.microsoft.com/office/drawing/2010/main" w="9525">
                 <a:solidFill>
                   <a:srgbClr val="000000"/>
                 </a:solidFill>
@@ -4217,13 +4218,18 @@
           <a:lstStyle/>
           <a:p>
             <a:pPr eaLnBrk="1" hangingPunct="1"/>
-            <a:endParaRPr lang="en-US">
+            <a:endParaRPr lang="en-US" dirty="0">
               <a:latin typeface="Arial" charset="0"/>
             </a:endParaRPr>
           </a:p>
         </p:txBody>
       </p:sp>
     </p:spTree>
+    <p:extLst>
+      <p:ext uri="{BB962C8B-B14F-4D97-AF65-F5344CB8AC3E}">
+        <p14:creationId xmlns:p14="http://schemas.microsoft.com/office/powerpoint/2010/main" val="502478948"/>
+      </p:ext>
+    </p:extLst>
   </p:cSld>
   <p:clrMapOvr>
     <a:masterClrMapping/>
@@ -4263,14 +4269,14 @@
           <a:ln/>
           <a:extLst>
             <a:ext uri="{909E8E84-426E-40dd-AFC4-6F175D3DCCD1}">
-              <a14:hiddenFill xmlns:a14="http://schemas.microsoft.com/office/drawing/2010/main" xmlns="">
+              <a14:hiddenFill xmlns="" xmlns:a14="http://schemas.microsoft.com/office/drawing/2010/main">
                 <a:solidFill>
                   <a:srgbClr val="FFFFFF"/>
                 </a:solidFill>
               </a14:hiddenFill>
             </a:ext>
             <a:ext uri="{91240B29-F687-4f45-9708-019B960494DF}">
-              <a14:hiddenLine xmlns:a14="http://schemas.microsoft.com/office/drawing/2010/main" xmlns="" w="9525">
+              <a14:hiddenLine xmlns="" xmlns:a14="http://schemas.microsoft.com/office/drawing/2010/main" w="9525">
                 <a:solidFill>
                   <a:srgbClr val="000000"/>
                 </a:solidFill>
@@ -4431,17 +4437,17 @@
           <a:ln/>
           <a:extLst>
             <a:ext uri="{FAA26D3D-D897-4be2-8F04-BA451C77F1D7}">
-              <ma14:placeholderFlag xmlns:ma14="http://schemas.microsoft.com/office/mac/drawingml/2011/main" xmlns="" val="1"/>
+              <ma14:placeholderFlag xmlns="" xmlns:ma14="http://schemas.microsoft.com/office/mac/drawingml/2011/main" val="1"/>
             </a:ext>
             <a:ext uri="{909E8E84-426E-40dd-AFC4-6F175D3DCCD1}">
-              <a14:hiddenFill xmlns:a14="http://schemas.microsoft.com/office/drawing/2010/main" xmlns="">
+              <a14:hiddenFill xmlns="" xmlns:a14="http://schemas.microsoft.com/office/drawing/2010/main">
                 <a:solidFill>
                   <a:srgbClr val="FFFFFF"/>
                 </a:solidFill>
               </a14:hiddenFill>
             </a:ext>
             <a:ext uri="{91240B29-F687-4f45-9708-019B960494DF}">
-              <a14:hiddenLine xmlns:a14="http://schemas.microsoft.com/office/drawing/2010/main" xmlns="" w="9525">
+              <a14:hiddenLine xmlns="" xmlns:a14="http://schemas.microsoft.com/office/drawing/2010/main" w="9525">
                 <a:solidFill>
                   <a:srgbClr val="000000"/>
                 </a:solidFill>
@@ -4472,6 +4478,246 @@
 </file>
 
 <file path=ppt/notesSlides/notesSlide25.xml><?xml version="1.0" encoding="utf-8"?>
+<p:notes xmlns:a="http://schemas.openxmlformats.org/drawingml/2006/main" xmlns:r="http://schemas.openxmlformats.org/officeDocument/2006/relationships" xmlns:p="http://schemas.openxmlformats.org/presentationml/2006/main">
+  <p:cSld>
+    <p:spTree>
+      <p:nvGrpSpPr>
+        <p:cNvPr id="1" name=""/>
+        <p:cNvGrpSpPr/>
+        <p:nvPr/>
+      </p:nvGrpSpPr>
+      <p:grpSpPr>
+        <a:xfrm>
+          <a:off x="0" y="0"/>
+          <a:ext cx="0" cy="0"/>
+          <a:chOff x="0" y="0"/>
+          <a:chExt cx="0" cy="0"/>
+        </a:xfrm>
+      </p:grpSpPr>
+      <p:sp>
+        <p:nvSpPr>
+          <p:cNvPr id="81921" name="Rectangle 7"/>
+          <p:cNvSpPr>
+            <a:spLocks noGrp="1" noChangeArrowheads="1"/>
+          </p:cNvSpPr>
+          <p:nvPr>
+            <p:ph type="sldNum" sz="quarter" idx="5"/>
+          </p:nvPr>
+        </p:nvSpPr>
+        <p:spPr>
+          <a:noFill/>
+          <a:ln/>
+          <a:extLst>
+            <a:ext uri="{909E8E84-426E-40dd-AFC4-6F175D3DCCD1}">
+              <a14:hiddenFill xmlns="" xmlns:a14="http://schemas.microsoft.com/office/drawing/2010/main">
+                <a:solidFill>
+                  <a:srgbClr val="FFFFFF"/>
+                </a:solidFill>
+              </a14:hiddenFill>
+            </a:ext>
+            <a:ext uri="{91240B29-F687-4f45-9708-019B960494DF}">
+              <a14:hiddenLine xmlns="" xmlns:a14="http://schemas.microsoft.com/office/drawing/2010/main" w="9525">
+                <a:solidFill>
+                  <a:srgbClr val="000000"/>
+                </a:solidFill>
+                <a:miter lim="800000"/>
+                <a:headEnd/>
+                <a:tailEnd/>
+              </a14:hiddenLine>
+            </a:ext>
+          </a:extLst>
+        </p:spPr>
+        <p:txBody>
+          <a:bodyPr/>
+          <a:lstStyle>
+            <a:lvl1pPr eaLnBrk="0" hangingPunct="0">
+              <a:defRPr sz="2400">
+                <a:solidFill>
+                  <a:schemeClr val="tx1"/>
+                </a:solidFill>
+                <a:latin typeface="Arial" charset="0"/>
+                <a:ea typeface="ＭＳ Ｐゴシック" charset="0"/>
+                <a:cs typeface="ＭＳ Ｐゴシック" charset="0"/>
+              </a:defRPr>
+            </a:lvl1pPr>
+            <a:lvl2pPr marL="742950" indent="-285750" eaLnBrk="0" hangingPunct="0">
+              <a:defRPr sz="2400">
+                <a:solidFill>
+                  <a:schemeClr val="tx1"/>
+                </a:solidFill>
+                <a:latin typeface="Arial" charset="0"/>
+                <a:ea typeface="ＭＳ Ｐゴシック" charset="0"/>
+              </a:defRPr>
+            </a:lvl2pPr>
+            <a:lvl3pPr marL="1143000" indent="-228600" eaLnBrk="0" hangingPunct="0">
+              <a:defRPr sz="2400">
+                <a:solidFill>
+                  <a:schemeClr val="tx1"/>
+                </a:solidFill>
+                <a:latin typeface="Arial" charset="0"/>
+                <a:ea typeface="ＭＳ Ｐゴシック" charset="0"/>
+              </a:defRPr>
+            </a:lvl3pPr>
+            <a:lvl4pPr marL="1600200" indent="-228600" eaLnBrk="0" hangingPunct="0">
+              <a:defRPr sz="2400">
+                <a:solidFill>
+                  <a:schemeClr val="tx1"/>
+                </a:solidFill>
+                <a:latin typeface="Arial" charset="0"/>
+                <a:ea typeface="ＭＳ Ｐゴシック" charset="0"/>
+              </a:defRPr>
+            </a:lvl4pPr>
+            <a:lvl5pPr marL="2057400" indent="-228600" eaLnBrk="0" hangingPunct="0">
+              <a:defRPr sz="2400">
+                <a:solidFill>
+                  <a:schemeClr val="tx1"/>
+                </a:solidFill>
+                <a:latin typeface="Arial" charset="0"/>
+                <a:ea typeface="ＭＳ Ｐゴシック" charset="0"/>
+              </a:defRPr>
+            </a:lvl5pPr>
+            <a:lvl6pPr marL="2514600" indent="-228600" eaLnBrk="0" fontAlgn="base" hangingPunct="0">
+              <a:spcBef>
+                <a:spcPct val="0"/>
+              </a:spcBef>
+              <a:spcAft>
+                <a:spcPct val="0"/>
+              </a:spcAft>
+              <a:defRPr sz="2400">
+                <a:solidFill>
+                  <a:schemeClr val="tx1"/>
+                </a:solidFill>
+                <a:latin typeface="Arial" charset="0"/>
+                <a:ea typeface="ＭＳ Ｐゴシック" charset="0"/>
+              </a:defRPr>
+            </a:lvl6pPr>
+            <a:lvl7pPr marL="2971800" indent="-228600" eaLnBrk="0" fontAlgn="base" hangingPunct="0">
+              <a:spcBef>
+                <a:spcPct val="0"/>
+              </a:spcBef>
+              <a:spcAft>
+                <a:spcPct val="0"/>
+              </a:spcAft>
+              <a:defRPr sz="2400">
+                <a:solidFill>
+                  <a:schemeClr val="tx1"/>
+                </a:solidFill>
+                <a:latin typeface="Arial" charset="0"/>
+                <a:ea typeface="ＭＳ Ｐゴシック" charset="0"/>
+              </a:defRPr>
+            </a:lvl7pPr>
+            <a:lvl8pPr marL="3429000" indent="-228600" eaLnBrk="0" fontAlgn="base" hangingPunct="0">
+              <a:spcBef>
+                <a:spcPct val="0"/>
+              </a:spcBef>
+              <a:spcAft>
+                <a:spcPct val="0"/>
+              </a:spcAft>
+              <a:defRPr sz="2400">
+                <a:solidFill>
+                  <a:schemeClr val="tx1"/>
+                </a:solidFill>
+                <a:latin typeface="Arial" charset="0"/>
+                <a:ea typeface="ＭＳ Ｐゴシック" charset="0"/>
+              </a:defRPr>
+            </a:lvl8pPr>
+            <a:lvl9pPr marL="3886200" indent="-228600" eaLnBrk="0" fontAlgn="base" hangingPunct="0">
+              <a:spcBef>
+                <a:spcPct val="0"/>
+              </a:spcBef>
+              <a:spcAft>
+                <a:spcPct val="0"/>
+              </a:spcAft>
+              <a:defRPr sz="2400">
+                <a:solidFill>
+                  <a:schemeClr val="tx1"/>
+                </a:solidFill>
+                <a:latin typeface="Arial" charset="0"/>
+                <a:ea typeface="ＭＳ Ｐゴシック" charset="0"/>
+              </a:defRPr>
+            </a:lvl9pPr>
+          </a:lstStyle>
+          <a:p>
+            <a:pPr eaLnBrk="1" hangingPunct="1"/>
+            <a:fld id="{4329909F-0CB8-4940-AD40-270BED9B1390}" type="slidenum">
+              <a:rPr lang="en-US" sz="1200"/>
+              <a:pPr eaLnBrk="1" hangingPunct="1"/>
+              <a:t>36</a:t>
+            </a:fld>
+            <a:endParaRPr lang="en-US" sz="1200"/>
+          </a:p>
+        </p:txBody>
+      </p:sp>
+      <p:sp>
+        <p:nvSpPr>
+          <p:cNvPr id="81922" name="Rectangle 2"/>
+          <p:cNvSpPr>
+            <a:spLocks noGrp="1" noRot="1" noChangeAspect="1" noChangeArrowheads="1" noTextEdit="1"/>
+          </p:cNvSpPr>
+          <p:nvPr>
+            <p:ph type="sldImg"/>
+          </p:nvPr>
+        </p:nvSpPr>
+        <p:spPr>
+          <a:ln/>
+        </p:spPr>
+      </p:sp>
+      <p:sp>
+        <p:nvSpPr>
+          <p:cNvPr id="81923" name="Rectangle 3"/>
+          <p:cNvSpPr>
+            <a:spLocks noGrp="1" noChangeArrowheads="1"/>
+          </p:cNvSpPr>
+          <p:nvPr>
+            <p:ph type="body" idx="1"/>
+          </p:nvPr>
+        </p:nvSpPr>
+        <p:spPr>
+          <a:noFill/>
+          <a:ln/>
+          <a:extLst>
+            <a:ext uri="{FAA26D3D-D897-4be2-8F04-BA451C77F1D7}">
+              <ma14:placeholderFlag xmlns="" xmlns:ma14="http://schemas.microsoft.com/office/mac/drawingml/2011/main" val="1"/>
+            </a:ext>
+            <a:ext uri="{909E8E84-426E-40dd-AFC4-6F175D3DCCD1}">
+              <a14:hiddenFill xmlns="" xmlns:a14="http://schemas.microsoft.com/office/drawing/2010/main">
+                <a:solidFill>
+                  <a:srgbClr val="FFFFFF"/>
+                </a:solidFill>
+              </a14:hiddenFill>
+            </a:ext>
+            <a:ext uri="{91240B29-F687-4f45-9708-019B960494DF}">
+              <a14:hiddenLine xmlns="" xmlns:a14="http://schemas.microsoft.com/office/drawing/2010/main" w="9525">
+                <a:solidFill>
+                  <a:srgbClr val="000000"/>
+                </a:solidFill>
+                <a:miter lim="800000"/>
+                <a:headEnd/>
+                <a:tailEnd/>
+              </a14:hiddenLine>
+            </a:ext>
+          </a:extLst>
+        </p:spPr>
+        <p:txBody>
+          <a:bodyPr/>
+          <a:lstStyle/>
+          <a:p>
+            <a:pPr eaLnBrk="1" hangingPunct="1"/>
+            <a:endParaRPr lang="en-US">
+              <a:latin typeface="Arial" charset="0"/>
+            </a:endParaRPr>
+          </a:p>
+        </p:txBody>
+      </p:sp>
+    </p:spTree>
+  </p:cSld>
+  <p:clrMapOvr>
+    <a:masterClrMapping/>
+  </p:clrMapOvr>
+</p:notes>
+</file>
+
+<file path=ppt/notesSlides/notesSlide26.xml><?xml version="1.0" encoding="utf-8"?>
 <p:notes xmlns:a="http://schemas.openxmlformats.org/drawingml/2006/main" xmlns:r="http://schemas.openxmlformats.org/officeDocument/2006/relationships" xmlns:p="http://schemas.openxmlformats.org/presentationml/2006/main">
   <p:cSld>
     <p:spTree>
@@ -4503,14 +4749,14 @@
           <a:ln/>
           <a:extLst>
             <a:ext uri="{909E8E84-426E-40dd-AFC4-6F175D3DCCD1}">
-              <a14:hiddenFill xmlns:a14="http://schemas.microsoft.com/office/drawing/2010/main" xmlns="">
+              <a14:hiddenFill xmlns="" xmlns:a14="http://schemas.microsoft.com/office/drawing/2010/main">
                 <a:solidFill>
                   <a:srgbClr val="FFFFFF"/>
                 </a:solidFill>
               </a14:hiddenFill>
             </a:ext>
             <a:ext uri="{91240B29-F687-4f45-9708-019B960494DF}">
-              <a14:hiddenLine xmlns:a14="http://schemas.microsoft.com/office/drawing/2010/main" xmlns="" w="9525">
+              <a14:hiddenLine xmlns="" xmlns:a14="http://schemas.microsoft.com/office/drawing/2010/main" w="9525">
                 <a:solidFill>
                   <a:srgbClr val="000000"/>
                 </a:solidFill>
@@ -4636,7 +4882,7 @@
             <a:fld id="{EFCFFF06-D83B-D74A-8AA8-0A123E13C386}" type="slidenum">
               <a:rPr lang="en-US" sz="1200"/>
               <a:pPr eaLnBrk="1" hangingPunct="1"/>
-              <a:t>36</a:t>
+              <a:t>37</a:t>
             </a:fld>
             <a:endParaRPr lang="en-US" sz="1200"/>
           </a:p>
@@ -4671,17 +4917,17 @@
           <a:ln/>
           <a:extLst>
             <a:ext uri="{FAA26D3D-D897-4be2-8F04-BA451C77F1D7}">
-              <ma14:placeholderFlag xmlns:ma14="http://schemas.microsoft.com/office/mac/drawingml/2011/main" xmlns="" val="1"/>
+              <ma14:placeholderFlag xmlns="" xmlns:ma14="http://schemas.microsoft.com/office/mac/drawingml/2011/main" val="1"/>
             </a:ext>
             <a:ext uri="{909E8E84-426E-40dd-AFC4-6F175D3DCCD1}">
-              <a14:hiddenFill xmlns:a14="http://schemas.microsoft.com/office/drawing/2010/main" xmlns="">
+              <a14:hiddenFill xmlns="" xmlns:a14="http://schemas.microsoft.com/office/drawing/2010/main">
                 <a:solidFill>
                   <a:srgbClr val="FFFFFF"/>
                 </a:solidFill>
               </a14:hiddenFill>
             </a:ext>
             <a:ext uri="{91240B29-F687-4f45-9708-019B960494DF}">
-              <a14:hiddenLine xmlns:a14="http://schemas.microsoft.com/office/drawing/2010/main" xmlns="" w="9525">
+              <a14:hiddenLine xmlns="" xmlns:a14="http://schemas.microsoft.com/office/drawing/2010/main" w="9525">
                 <a:solidFill>
                   <a:srgbClr val="000000"/>
                 </a:solidFill>
@@ -4711,7 +4957,7 @@
 </p:notes>
 </file>
 
-<file path=ppt/notesSlides/notesSlide26.xml><?xml version="1.0" encoding="utf-8"?>
+<file path=ppt/notesSlides/notesSlide27.xml><?xml version="1.0" encoding="utf-8"?>
 <p:notes xmlns:a="http://schemas.openxmlformats.org/drawingml/2006/main" xmlns:r="http://schemas.openxmlformats.org/officeDocument/2006/relationships" xmlns:p="http://schemas.openxmlformats.org/presentationml/2006/main">
   <p:cSld>
     <p:spTree>
@@ -4743,14 +4989,14 @@
           <a:ln/>
           <a:extLst>
             <a:ext uri="{909E8E84-426E-40dd-AFC4-6F175D3DCCD1}">
-              <a14:hiddenFill xmlns:a14="http://schemas.microsoft.com/office/drawing/2010/main" xmlns="">
+              <a14:hiddenFill xmlns="" xmlns:a14="http://schemas.microsoft.com/office/drawing/2010/main">
                 <a:solidFill>
                   <a:srgbClr val="FFFFFF"/>
                 </a:solidFill>
               </a14:hiddenFill>
             </a:ext>
             <a:ext uri="{91240B29-F687-4f45-9708-019B960494DF}">
-              <a14:hiddenLine xmlns:a14="http://schemas.microsoft.com/office/drawing/2010/main" xmlns="" w="9525">
+              <a14:hiddenLine xmlns="" xmlns:a14="http://schemas.microsoft.com/office/drawing/2010/main" w="9525">
                 <a:solidFill>
                   <a:srgbClr val="000000"/>
                 </a:solidFill>
@@ -4876,7 +5122,7 @@
             <a:fld id="{3CF96B7E-AC54-AA4B-BA1A-BD8B9F5055AA}" type="slidenum">
               <a:rPr lang="en-US" sz="1200"/>
               <a:pPr eaLnBrk="1" hangingPunct="1"/>
-              <a:t>37</a:t>
+              <a:t>38</a:t>
             </a:fld>
             <a:endParaRPr lang="en-US" sz="1200"/>
           </a:p>
@@ -4911,17 +5157,17 @@
           <a:ln/>
           <a:extLst>
             <a:ext uri="{FAA26D3D-D897-4be2-8F04-BA451C77F1D7}">
-              <ma14:placeholderFlag xmlns:ma14="http://schemas.microsoft.com/office/mac/drawingml/2011/main" xmlns="" val="1"/>
+              <ma14:placeholderFlag xmlns="" xmlns:ma14="http://schemas.microsoft.com/office/mac/drawingml/2011/main" val="1"/>
             </a:ext>
             <a:ext uri="{909E8E84-426E-40dd-AFC4-6F175D3DCCD1}">
-              <a14:hiddenFill xmlns:a14="http://schemas.microsoft.com/office/drawing/2010/main" xmlns="">
+              <a14:hiddenFill xmlns="" xmlns:a14="http://schemas.microsoft.com/office/drawing/2010/main">
                 <a:solidFill>
                   <a:srgbClr val="FFFFFF"/>
                 </a:solidFill>
               </a14:hiddenFill>
             </a:ext>
             <a:ext uri="{91240B29-F687-4f45-9708-019B960494DF}">
-              <a14:hiddenLine xmlns:a14="http://schemas.microsoft.com/office/drawing/2010/main" xmlns="" w="9525">
+              <a14:hiddenLine xmlns="" xmlns:a14="http://schemas.microsoft.com/office/drawing/2010/main" w="9525">
                 <a:solidFill>
                   <a:srgbClr val="000000"/>
                 </a:solidFill>
@@ -4951,7 +5197,7 @@
 </p:notes>
 </file>
 
-<file path=ppt/notesSlides/notesSlide27.xml><?xml version="1.0" encoding="utf-8"?>
+<file path=ppt/notesSlides/notesSlide28.xml><?xml version="1.0" encoding="utf-8"?>
 <p:notes xmlns:a="http://schemas.openxmlformats.org/drawingml/2006/main" xmlns:r="http://schemas.openxmlformats.org/officeDocument/2006/relationships" xmlns:p="http://schemas.openxmlformats.org/presentationml/2006/main">
   <p:cSld>
     <p:spTree>
@@ -4983,14 +5229,14 @@
           <a:ln/>
           <a:extLst>
             <a:ext uri="{909E8E84-426E-40dd-AFC4-6F175D3DCCD1}">
-              <a14:hiddenFill xmlns:a14="http://schemas.microsoft.com/office/drawing/2010/main" xmlns="">
+              <a14:hiddenFill xmlns="" xmlns:a14="http://schemas.microsoft.com/office/drawing/2010/main">
                 <a:solidFill>
                   <a:srgbClr val="FFFFFF"/>
                 </a:solidFill>
               </a14:hiddenFill>
             </a:ext>
             <a:ext uri="{91240B29-F687-4f45-9708-019B960494DF}">
-              <a14:hiddenLine xmlns:a14="http://schemas.microsoft.com/office/drawing/2010/main" xmlns="" w="9525">
+              <a14:hiddenLine xmlns="" xmlns:a14="http://schemas.microsoft.com/office/drawing/2010/main" w="9525">
                 <a:solidFill>
                   <a:srgbClr val="000000"/>
                 </a:solidFill>
@@ -5116,7 +5362,7 @@
             <a:fld id="{88087ED5-F4A9-D540-9D54-E3E2E28EA550}" type="slidenum">
               <a:rPr lang="en-US" sz="1200"/>
               <a:pPr eaLnBrk="1" hangingPunct="1"/>
-              <a:t>38</a:t>
+              <a:t>39</a:t>
             </a:fld>
             <a:endParaRPr lang="en-US" sz="1200"/>
           </a:p>
@@ -5159,17 +5405,17 @@
           <a:ln/>
           <a:extLst>
             <a:ext uri="{FAA26D3D-D897-4be2-8F04-BA451C77F1D7}">
-              <ma14:placeholderFlag xmlns:ma14="http://schemas.microsoft.com/office/mac/drawingml/2011/main" xmlns="" val="1"/>
+              <ma14:placeholderFlag xmlns="" xmlns:ma14="http://schemas.microsoft.com/office/mac/drawingml/2011/main" val="1"/>
             </a:ext>
             <a:ext uri="{909E8E84-426E-40dd-AFC4-6F175D3DCCD1}">
-              <a14:hiddenFill xmlns:a14="http://schemas.microsoft.com/office/drawing/2010/main" xmlns="">
+              <a14:hiddenFill xmlns="" xmlns:a14="http://schemas.microsoft.com/office/drawing/2010/main">
                 <a:solidFill>
                   <a:srgbClr val="FFFFFF"/>
                 </a:solidFill>
               </a14:hiddenFill>
             </a:ext>
             <a:ext uri="{91240B29-F687-4f45-9708-019B960494DF}">
-              <a14:hiddenLine xmlns:a14="http://schemas.microsoft.com/office/drawing/2010/main" xmlns="" w="9525">
+              <a14:hiddenLine xmlns="" xmlns:a14="http://schemas.microsoft.com/office/drawing/2010/main" w="9525">
                 <a:solidFill>
                   <a:srgbClr val="000000"/>
                 </a:solidFill>
@@ -5199,7 +5445,7 @@
 </p:notes>
 </file>
 
-<file path=ppt/notesSlides/notesSlide28.xml><?xml version="1.0" encoding="utf-8"?>
+<file path=ppt/notesSlides/notesSlide29.xml><?xml version="1.0" encoding="utf-8"?>
 <p:notes xmlns:a="http://schemas.openxmlformats.org/drawingml/2006/main" xmlns:r="http://schemas.openxmlformats.org/officeDocument/2006/relationships" xmlns:p="http://schemas.openxmlformats.org/presentationml/2006/main">
   <p:cSld>
     <p:spTree>
@@ -5231,14 +5477,14 @@
           <a:ln/>
           <a:extLst>
             <a:ext uri="{909E8E84-426E-40dd-AFC4-6F175D3DCCD1}">
-              <a14:hiddenFill xmlns:a14="http://schemas.microsoft.com/office/drawing/2010/main" xmlns="">
+              <a14:hiddenFill xmlns="" xmlns:a14="http://schemas.microsoft.com/office/drawing/2010/main">
                 <a:solidFill>
                   <a:srgbClr val="FFFFFF"/>
                 </a:solidFill>
               </a14:hiddenFill>
             </a:ext>
             <a:ext uri="{91240B29-F687-4f45-9708-019B960494DF}">
-              <a14:hiddenLine xmlns:a14="http://schemas.microsoft.com/office/drawing/2010/main" xmlns="" w="9525">
+              <a14:hiddenLine xmlns="" xmlns:a14="http://schemas.microsoft.com/office/drawing/2010/main" w="9525">
                 <a:solidFill>
                   <a:srgbClr val="000000"/>
                 </a:solidFill>
@@ -5364,7 +5610,7 @@
             <a:fld id="{12FA3034-78F6-4B4E-919B-5F5285575DEA}" type="slidenum">
               <a:rPr lang="en-US" sz="1200"/>
               <a:pPr eaLnBrk="1" hangingPunct="1"/>
-              <a:t>39</a:t>
+              <a:t>40</a:t>
             </a:fld>
             <a:endParaRPr lang="en-US" sz="1200"/>
           </a:p>
@@ -5399,257 +5645,17 @@
           <a:ln/>
           <a:extLst>
             <a:ext uri="{FAA26D3D-D897-4be2-8F04-BA451C77F1D7}">
-              <ma14:placeholderFlag xmlns:ma14="http://schemas.microsoft.com/office/mac/drawingml/2011/main" xmlns="" val="1"/>
+              <ma14:placeholderFlag xmlns="" xmlns:ma14="http://schemas.microsoft.com/office/mac/drawingml/2011/main" val="1"/>
             </a:ext>
             <a:ext uri="{909E8E84-426E-40dd-AFC4-6F175D3DCCD1}">
-              <a14:hiddenFill xmlns:a14="http://schemas.microsoft.com/office/drawing/2010/main" xmlns="">
+              <a14:hiddenFill xmlns="" xmlns:a14="http://schemas.microsoft.com/office/drawing/2010/main">
                 <a:solidFill>
                   <a:srgbClr val="FFFFFF"/>
                 </a:solidFill>
               </a14:hiddenFill>
             </a:ext>
             <a:ext uri="{91240B29-F687-4f45-9708-019B960494DF}">
-              <a14:hiddenLine xmlns:a14="http://schemas.microsoft.com/office/drawing/2010/main" xmlns="" w="9525">
-                <a:solidFill>
-                  <a:srgbClr val="000000"/>
-                </a:solidFill>
-                <a:miter lim="800000"/>
-                <a:headEnd/>
-                <a:tailEnd/>
-              </a14:hiddenLine>
-            </a:ext>
-          </a:extLst>
-        </p:spPr>
-        <p:txBody>
-          <a:bodyPr/>
-          <a:lstStyle/>
-          <a:p>
-            <a:pPr eaLnBrk="1" hangingPunct="1"/>
-            <a:endParaRPr lang="en-US">
-              <a:latin typeface="Arial" charset="0"/>
-            </a:endParaRPr>
-          </a:p>
-        </p:txBody>
-      </p:sp>
-    </p:spTree>
-  </p:cSld>
-  <p:clrMapOvr>
-    <a:masterClrMapping/>
-  </p:clrMapOvr>
-</p:notes>
-</file>
-
-<file path=ppt/notesSlides/notesSlide29.xml><?xml version="1.0" encoding="utf-8"?>
-<p:notes xmlns:a="http://schemas.openxmlformats.org/drawingml/2006/main" xmlns:r="http://schemas.openxmlformats.org/officeDocument/2006/relationships" xmlns:p="http://schemas.openxmlformats.org/presentationml/2006/main">
-  <p:cSld>
-    <p:spTree>
-      <p:nvGrpSpPr>
-        <p:cNvPr id="1" name=""/>
-        <p:cNvGrpSpPr/>
-        <p:nvPr/>
-      </p:nvGrpSpPr>
-      <p:grpSpPr>
-        <a:xfrm>
-          <a:off x="0" y="0"/>
-          <a:ext cx="0" cy="0"/>
-          <a:chOff x="0" y="0"/>
-          <a:chExt cx="0" cy="0"/>
-        </a:xfrm>
-      </p:grpSpPr>
-      <p:sp>
-        <p:nvSpPr>
-          <p:cNvPr id="94209" name="Rectangle 7"/>
-          <p:cNvSpPr>
-            <a:spLocks noGrp="1" noChangeArrowheads="1"/>
-          </p:cNvSpPr>
-          <p:nvPr>
-            <p:ph type="sldNum" sz="quarter" idx="5"/>
-          </p:nvPr>
-        </p:nvSpPr>
-        <p:spPr>
-          <a:noFill/>
-          <a:ln/>
-          <a:extLst>
-            <a:ext uri="{909E8E84-426E-40dd-AFC4-6F175D3DCCD1}">
-              <a14:hiddenFill xmlns:a14="http://schemas.microsoft.com/office/drawing/2010/main" xmlns="">
-                <a:solidFill>
-                  <a:srgbClr val="FFFFFF"/>
-                </a:solidFill>
-              </a14:hiddenFill>
-            </a:ext>
-            <a:ext uri="{91240B29-F687-4f45-9708-019B960494DF}">
-              <a14:hiddenLine xmlns:a14="http://schemas.microsoft.com/office/drawing/2010/main" xmlns="" w="9525">
-                <a:solidFill>
-                  <a:srgbClr val="000000"/>
-                </a:solidFill>
-                <a:miter lim="800000"/>
-                <a:headEnd/>
-                <a:tailEnd/>
-              </a14:hiddenLine>
-            </a:ext>
-          </a:extLst>
-        </p:spPr>
-        <p:txBody>
-          <a:bodyPr/>
-          <a:lstStyle>
-            <a:lvl1pPr eaLnBrk="0" hangingPunct="0">
-              <a:defRPr sz="2400">
-                <a:solidFill>
-                  <a:schemeClr val="tx1"/>
-                </a:solidFill>
-                <a:latin typeface="Arial" charset="0"/>
-                <a:ea typeface="ＭＳ Ｐゴシック" charset="0"/>
-                <a:cs typeface="ＭＳ Ｐゴシック" charset="0"/>
-              </a:defRPr>
-            </a:lvl1pPr>
-            <a:lvl2pPr marL="742950" indent="-285750" eaLnBrk="0" hangingPunct="0">
-              <a:defRPr sz="2400">
-                <a:solidFill>
-                  <a:schemeClr val="tx1"/>
-                </a:solidFill>
-                <a:latin typeface="Arial" charset="0"/>
-                <a:ea typeface="ＭＳ Ｐゴシック" charset="0"/>
-              </a:defRPr>
-            </a:lvl2pPr>
-            <a:lvl3pPr marL="1143000" indent="-228600" eaLnBrk="0" hangingPunct="0">
-              <a:defRPr sz="2400">
-                <a:solidFill>
-                  <a:schemeClr val="tx1"/>
-                </a:solidFill>
-                <a:latin typeface="Arial" charset="0"/>
-                <a:ea typeface="ＭＳ Ｐゴシック" charset="0"/>
-              </a:defRPr>
-            </a:lvl3pPr>
-            <a:lvl4pPr marL="1600200" indent="-228600" eaLnBrk="0" hangingPunct="0">
-              <a:defRPr sz="2400">
-                <a:solidFill>
-                  <a:schemeClr val="tx1"/>
-                </a:solidFill>
-                <a:latin typeface="Arial" charset="0"/>
-                <a:ea typeface="ＭＳ Ｐゴシック" charset="0"/>
-              </a:defRPr>
-            </a:lvl4pPr>
-            <a:lvl5pPr marL="2057400" indent="-228600" eaLnBrk="0" hangingPunct="0">
-              <a:defRPr sz="2400">
-                <a:solidFill>
-                  <a:schemeClr val="tx1"/>
-                </a:solidFill>
-                <a:latin typeface="Arial" charset="0"/>
-                <a:ea typeface="ＭＳ Ｐゴシック" charset="0"/>
-              </a:defRPr>
-            </a:lvl5pPr>
-            <a:lvl6pPr marL="2514600" indent="-228600" eaLnBrk="0" fontAlgn="base" hangingPunct="0">
-              <a:spcBef>
-                <a:spcPct val="0"/>
-              </a:spcBef>
-              <a:spcAft>
-                <a:spcPct val="0"/>
-              </a:spcAft>
-              <a:defRPr sz="2400">
-                <a:solidFill>
-                  <a:schemeClr val="tx1"/>
-                </a:solidFill>
-                <a:latin typeface="Arial" charset="0"/>
-                <a:ea typeface="ＭＳ Ｐゴシック" charset="0"/>
-              </a:defRPr>
-            </a:lvl6pPr>
-            <a:lvl7pPr marL="2971800" indent="-228600" eaLnBrk="0" fontAlgn="base" hangingPunct="0">
-              <a:spcBef>
-                <a:spcPct val="0"/>
-              </a:spcBef>
-              <a:spcAft>
-                <a:spcPct val="0"/>
-              </a:spcAft>
-              <a:defRPr sz="2400">
-                <a:solidFill>
-                  <a:schemeClr val="tx1"/>
-                </a:solidFill>
-                <a:latin typeface="Arial" charset="0"/>
-                <a:ea typeface="ＭＳ Ｐゴシック" charset="0"/>
-              </a:defRPr>
-            </a:lvl7pPr>
-            <a:lvl8pPr marL="3429000" indent="-228600" eaLnBrk="0" fontAlgn="base" hangingPunct="0">
-              <a:spcBef>
-                <a:spcPct val="0"/>
-              </a:spcBef>
-              <a:spcAft>
-                <a:spcPct val="0"/>
-              </a:spcAft>
-              <a:defRPr sz="2400">
-                <a:solidFill>
-                  <a:schemeClr val="tx1"/>
-                </a:solidFill>
-                <a:latin typeface="Arial" charset="0"/>
-                <a:ea typeface="ＭＳ Ｐゴシック" charset="0"/>
-              </a:defRPr>
-            </a:lvl8pPr>
-            <a:lvl9pPr marL="3886200" indent="-228600" eaLnBrk="0" fontAlgn="base" hangingPunct="0">
-              <a:spcBef>
-                <a:spcPct val="0"/>
-              </a:spcBef>
-              <a:spcAft>
-                <a:spcPct val="0"/>
-              </a:spcAft>
-              <a:defRPr sz="2400">
-                <a:solidFill>
-                  <a:schemeClr val="tx1"/>
-                </a:solidFill>
-                <a:latin typeface="Arial" charset="0"/>
-                <a:ea typeface="ＭＳ Ｐゴシック" charset="0"/>
-              </a:defRPr>
-            </a:lvl9pPr>
-          </a:lstStyle>
-          <a:p>
-            <a:pPr eaLnBrk="1" hangingPunct="1"/>
-            <a:fld id="{E45E085D-E30B-6342-ABF4-B60D27C963AA}" type="slidenum">
-              <a:rPr lang="en-US" sz="1200"/>
-              <a:pPr eaLnBrk="1" hangingPunct="1"/>
-              <a:t>40</a:t>
-            </a:fld>
-            <a:endParaRPr lang="en-US" sz="1200"/>
-          </a:p>
-        </p:txBody>
-      </p:sp>
-      <p:sp>
-        <p:nvSpPr>
-          <p:cNvPr id="94210" name="Rectangle 2"/>
-          <p:cNvSpPr>
-            <a:spLocks noGrp="1" noRot="1" noChangeAspect="1" noChangeArrowheads="1" noTextEdit="1"/>
-          </p:cNvSpPr>
-          <p:nvPr>
-            <p:ph type="sldImg"/>
-          </p:nvPr>
-        </p:nvSpPr>
-        <p:spPr>
-          <a:ln/>
-        </p:spPr>
-      </p:sp>
-      <p:sp>
-        <p:nvSpPr>
-          <p:cNvPr id="94211" name="Rectangle 3"/>
-          <p:cNvSpPr>
-            <a:spLocks noGrp="1" noChangeArrowheads="1"/>
-          </p:cNvSpPr>
-          <p:nvPr>
-            <p:ph type="body" idx="1"/>
-          </p:nvPr>
-        </p:nvSpPr>
-        <p:spPr>
-          <a:noFill/>
-          <a:ln/>
-          <a:extLst>
-            <a:ext uri="{FAA26D3D-D897-4be2-8F04-BA451C77F1D7}">
-              <ma14:placeholderFlag xmlns:ma14="http://schemas.microsoft.com/office/mac/drawingml/2011/main" xmlns="" val="1"/>
-            </a:ext>
-            <a:ext uri="{909E8E84-426E-40dd-AFC4-6F175D3DCCD1}">
-              <a14:hiddenFill xmlns:a14="http://schemas.microsoft.com/office/drawing/2010/main" xmlns="">
-                <a:solidFill>
-                  <a:srgbClr val="FFFFFF"/>
-                </a:solidFill>
-              </a14:hiddenFill>
-            </a:ext>
-            <a:ext uri="{91240B29-F687-4f45-9708-019B960494DF}">
-              <a14:hiddenLine xmlns:a14="http://schemas.microsoft.com/office/drawing/2010/main" xmlns="" w="9525">
+              <a14:hiddenLine xmlns="" xmlns:a14="http://schemas.microsoft.com/office/drawing/2010/main" w="9525">
                 <a:solidFill>
                   <a:srgbClr val="000000"/>
                 </a:solidFill>
@@ -5711,14 +5717,14 @@
           <a:ln/>
           <a:extLst>
             <a:ext uri="{909E8E84-426E-40dd-AFC4-6F175D3DCCD1}">
-              <a14:hiddenFill xmlns:a14="http://schemas.microsoft.com/office/drawing/2010/main" xmlns="">
+              <a14:hiddenFill xmlns="" xmlns:a14="http://schemas.microsoft.com/office/drawing/2010/main">
                 <a:solidFill>
                   <a:srgbClr val="FFFFFF"/>
                 </a:solidFill>
               </a14:hiddenFill>
             </a:ext>
             <a:ext uri="{91240B29-F687-4f45-9708-019B960494DF}">
-              <a14:hiddenLine xmlns:a14="http://schemas.microsoft.com/office/drawing/2010/main" xmlns="" w="9525">
+              <a14:hiddenLine xmlns="" xmlns:a14="http://schemas.microsoft.com/office/drawing/2010/main" w="9525">
                 <a:solidFill>
                   <a:srgbClr val="000000"/>
                 </a:solidFill>
@@ -5879,17 +5885,17 @@
           <a:ln/>
           <a:extLst>
             <a:ext uri="{FAA26D3D-D897-4be2-8F04-BA451C77F1D7}">
-              <ma14:placeholderFlag xmlns:ma14="http://schemas.microsoft.com/office/mac/drawingml/2011/main" xmlns="" val="1"/>
+              <ma14:placeholderFlag xmlns="" xmlns:ma14="http://schemas.microsoft.com/office/mac/drawingml/2011/main" val="1"/>
             </a:ext>
             <a:ext uri="{909E8E84-426E-40dd-AFC4-6F175D3DCCD1}">
-              <a14:hiddenFill xmlns:a14="http://schemas.microsoft.com/office/drawing/2010/main" xmlns="">
+              <a14:hiddenFill xmlns="" xmlns:a14="http://schemas.microsoft.com/office/drawing/2010/main">
                 <a:solidFill>
                   <a:srgbClr val="FFFFFF"/>
                 </a:solidFill>
               </a14:hiddenFill>
             </a:ext>
             <a:ext uri="{91240B29-F687-4f45-9708-019B960494DF}">
-              <a14:hiddenLine xmlns:a14="http://schemas.microsoft.com/office/drawing/2010/main" xmlns="" w="9525">
+              <a14:hiddenLine xmlns="" xmlns:a14="http://schemas.microsoft.com/office/drawing/2010/main" w="9525">
                 <a:solidFill>
                   <a:srgbClr val="000000"/>
                 </a:solidFill>
@@ -5920,6 +5926,246 @@
 </file>
 
 <file path=ppt/notesSlides/notesSlide30.xml><?xml version="1.0" encoding="utf-8"?>
+<p:notes xmlns:a="http://schemas.openxmlformats.org/drawingml/2006/main" xmlns:r="http://schemas.openxmlformats.org/officeDocument/2006/relationships" xmlns:p="http://schemas.openxmlformats.org/presentationml/2006/main">
+  <p:cSld>
+    <p:spTree>
+      <p:nvGrpSpPr>
+        <p:cNvPr id="1" name=""/>
+        <p:cNvGrpSpPr/>
+        <p:nvPr/>
+      </p:nvGrpSpPr>
+      <p:grpSpPr>
+        <a:xfrm>
+          <a:off x="0" y="0"/>
+          <a:ext cx="0" cy="0"/>
+          <a:chOff x="0" y="0"/>
+          <a:chExt cx="0" cy="0"/>
+        </a:xfrm>
+      </p:grpSpPr>
+      <p:sp>
+        <p:nvSpPr>
+          <p:cNvPr id="94209" name="Rectangle 7"/>
+          <p:cNvSpPr>
+            <a:spLocks noGrp="1" noChangeArrowheads="1"/>
+          </p:cNvSpPr>
+          <p:nvPr>
+            <p:ph type="sldNum" sz="quarter" idx="5"/>
+          </p:nvPr>
+        </p:nvSpPr>
+        <p:spPr>
+          <a:noFill/>
+          <a:ln/>
+          <a:extLst>
+            <a:ext uri="{909E8E84-426E-40dd-AFC4-6F175D3DCCD1}">
+              <a14:hiddenFill xmlns="" xmlns:a14="http://schemas.microsoft.com/office/drawing/2010/main">
+                <a:solidFill>
+                  <a:srgbClr val="FFFFFF"/>
+                </a:solidFill>
+              </a14:hiddenFill>
+            </a:ext>
+            <a:ext uri="{91240B29-F687-4f45-9708-019B960494DF}">
+              <a14:hiddenLine xmlns="" xmlns:a14="http://schemas.microsoft.com/office/drawing/2010/main" w="9525">
+                <a:solidFill>
+                  <a:srgbClr val="000000"/>
+                </a:solidFill>
+                <a:miter lim="800000"/>
+                <a:headEnd/>
+                <a:tailEnd/>
+              </a14:hiddenLine>
+            </a:ext>
+          </a:extLst>
+        </p:spPr>
+        <p:txBody>
+          <a:bodyPr/>
+          <a:lstStyle>
+            <a:lvl1pPr eaLnBrk="0" hangingPunct="0">
+              <a:defRPr sz="2400">
+                <a:solidFill>
+                  <a:schemeClr val="tx1"/>
+                </a:solidFill>
+                <a:latin typeface="Arial" charset="0"/>
+                <a:ea typeface="ＭＳ Ｐゴシック" charset="0"/>
+                <a:cs typeface="ＭＳ Ｐゴシック" charset="0"/>
+              </a:defRPr>
+            </a:lvl1pPr>
+            <a:lvl2pPr marL="742950" indent="-285750" eaLnBrk="0" hangingPunct="0">
+              <a:defRPr sz="2400">
+                <a:solidFill>
+                  <a:schemeClr val="tx1"/>
+                </a:solidFill>
+                <a:latin typeface="Arial" charset="0"/>
+                <a:ea typeface="ＭＳ Ｐゴシック" charset="0"/>
+              </a:defRPr>
+            </a:lvl2pPr>
+            <a:lvl3pPr marL="1143000" indent="-228600" eaLnBrk="0" hangingPunct="0">
+              <a:defRPr sz="2400">
+                <a:solidFill>
+                  <a:schemeClr val="tx1"/>
+                </a:solidFill>
+                <a:latin typeface="Arial" charset="0"/>
+                <a:ea typeface="ＭＳ Ｐゴシック" charset="0"/>
+              </a:defRPr>
+            </a:lvl3pPr>
+            <a:lvl4pPr marL="1600200" indent="-228600" eaLnBrk="0" hangingPunct="0">
+              <a:defRPr sz="2400">
+                <a:solidFill>
+                  <a:schemeClr val="tx1"/>
+                </a:solidFill>
+                <a:latin typeface="Arial" charset="0"/>
+                <a:ea typeface="ＭＳ Ｐゴシック" charset="0"/>
+              </a:defRPr>
+            </a:lvl4pPr>
+            <a:lvl5pPr marL="2057400" indent="-228600" eaLnBrk="0" hangingPunct="0">
+              <a:defRPr sz="2400">
+                <a:solidFill>
+                  <a:schemeClr val="tx1"/>
+                </a:solidFill>
+                <a:latin typeface="Arial" charset="0"/>
+                <a:ea typeface="ＭＳ Ｐゴシック" charset="0"/>
+              </a:defRPr>
+            </a:lvl5pPr>
+            <a:lvl6pPr marL="2514600" indent="-228600" eaLnBrk="0" fontAlgn="base" hangingPunct="0">
+              <a:spcBef>
+                <a:spcPct val="0"/>
+              </a:spcBef>
+              <a:spcAft>
+                <a:spcPct val="0"/>
+              </a:spcAft>
+              <a:defRPr sz="2400">
+                <a:solidFill>
+                  <a:schemeClr val="tx1"/>
+                </a:solidFill>
+                <a:latin typeface="Arial" charset="0"/>
+                <a:ea typeface="ＭＳ Ｐゴシック" charset="0"/>
+              </a:defRPr>
+            </a:lvl6pPr>
+            <a:lvl7pPr marL="2971800" indent="-228600" eaLnBrk="0" fontAlgn="base" hangingPunct="0">
+              <a:spcBef>
+                <a:spcPct val="0"/>
+              </a:spcBef>
+              <a:spcAft>
+                <a:spcPct val="0"/>
+              </a:spcAft>
+              <a:defRPr sz="2400">
+                <a:solidFill>
+                  <a:schemeClr val="tx1"/>
+                </a:solidFill>
+                <a:latin typeface="Arial" charset="0"/>
+                <a:ea typeface="ＭＳ Ｐゴシック" charset="0"/>
+              </a:defRPr>
+            </a:lvl7pPr>
+            <a:lvl8pPr marL="3429000" indent="-228600" eaLnBrk="0" fontAlgn="base" hangingPunct="0">
+              <a:spcBef>
+                <a:spcPct val="0"/>
+              </a:spcBef>
+              <a:spcAft>
+                <a:spcPct val="0"/>
+              </a:spcAft>
+              <a:defRPr sz="2400">
+                <a:solidFill>
+                  <a:schemeClr val="tx1"/>
+                </a:solidFill>
+                <a:latin typeface="Arial" charset="0"/>
+                <a:ea typeface="ＭＳ Ｐゴシック" charset="0"/>
+              </a:defRPr>
+            </a:lvl8pPr>
+            <a:lvl9pPr marL="3886200" indent="-228600" eaLnBrk="0" fontAlgn="base" hangingPunct="0">
+              <a:spcBef>
+                <a:spcPct val="0"/>
+              </a:spcBef>
+              <a:spcAft>
+                <a:spcPct val="0"/>
+              </a:spcAft>
+              <a:defRPr sz="2400">
+                <a:solidFill>
+                  <a:schemeClr val="tx1"/>
+                </a:solidFill>
+                <a:latin typeface="Arial" charset="0"/>
+                <a:ea typeface="ＭＳ Ｐゴシック" charset="0"/>
+              </a:defRPr>
+            </a:lvl9pPr>
+          </a:lstStyle>
+          <a:p>
+            <a:pPr eaLnBrk="1" hangingPunct="1"/>
+            <a:fld id="{E45E085D-E30B-6342-ABF4-B60D27C963AA}" type="slidenum">
+              <a:rPr lang="en-US" sz="1200"/>
+              <a:pPr eaLnBrk="1" hangingPunct="1"/>
+              <a:t>41</a:t>
+            </a:fld>
+            <a:endParaRPr lang="en-US" sz="1200"/>
+          </a:p>
+        </p:txBody>
+      </p:sp>
+      <p:sp>
+        <p:nvSpPr>
+          <p:cNvPr id="94210" name="Rectangle 2"/>
+          <p:cNvSpPr>
+            <a:spLocks noGrp="1" noRot="1" noChangeAspect="1" noChangeArrowheads="1" noTextEdit="1"/>
+          </p:cNvSpPr>
+          <p:nvPr>
+            <p:ph type="sldImg"/>
+          </p:nvPr>
+        </p:nvSpPr>
+        <p:spPr>
+          <a:ln/>
+        </p:spPr>
+      </p:sp>
+      <p:sp>
+        <p:nvSpPr>
+          <p:cNvPr id="94211" name="Rectangle 3"/>
+          <p:cNvSpPr>
+            <a:spLocks noGrp="1" noChangeArrowheads="1"/>
+          </p:cNvSpPr>
+          <p:nvPr>
+            <p:ph type="body" idx="1"/>
+          </p:nvPr>
+        </p:nvSpPr>
+        <p:spPr>
+          <a:noFill/>
+          <a:ln/>
+          <a:extLst>
+            <a:ext uri="{FAA26D3D-D897-4be2-8F04-BA451C77F1D7}">
+              <ma14:placeholderFlag xmlns="" xmlns:ma14="http://schemas.microsoft.com/office/mac/drawingml/2011/main" val="1"/>
+            </a:ext>
+            <a:ext uri="{909E8E84-426E-40dd-AFC4-6F175D3DCCD1}">
+              <a14:hiddenFill xmlns="" xmlns:a14="http://schemas.microsoft.com/office/drawing/2010/main">
+                <a:solidFill>
+                  <a:srgbClr val="FFFFFF"/>
+                </a:solidFill>
+              </a14:hiddenFill>
+            </a:ext>
+            <a:ext uri="{91240B29-F687-4f45-9708-019B960494DF}">
+              <a14:hiddenLine xmlns="" xmlns:a14="http://schemas.microsoft.com/office/drawing/2010/main" w="9525">
+                <a:solidFill>
+                  <a:srgbClr val="000000"/>
+                </a:solidFill>
+                <a:miter lim="800000"/>
+                <a:headEnd/>
+                <a:tailEnd/>
+              </a14:hiddenLine>
+            </a:ext>
+          </a:extLst>
+        </p:spPr>
+        <p:txBody>
+          <a:bodyPr/>
+          <a:lstStyle/>
+          <a:p>
+            <a:pPr eaLnBrk="1" hangingPunct="1"/>
+            <a:endParaRPr lang="en-US">
+              <a:latin typeface="Arial" charset="0"/>
+            </a:endParaRPr>
+          </a:p>
+        </p:txBody>
+      </p:sp>
+    </p:spTree>
+  </p:cSld>
+  <p:clrMapOvr>
+    <a:masterClrMapping/>
+  </p:clrMapOvr>
+</p:notes>
+</file>
+
+<file path=ppt/notesSlides/notesSlide31.xml><?xml version="1.0" encoding="utf-8"?>
 <p:notes xmlns:a="http://schemas.openxmlformats.org/drawingml/2006/main" xmlns:r="http://schemas.openxmlformats.org/officeDocument/2006/relationships" xmlns:p="http://schemas.openxmlformats.org/presentationml/2006/main">
   <p:cSld>
     <p:spTree>
@@ -5951,14 +6197,14 @@
           <a:ln/>
           <a:extLst>
             <a:ext uri="{909E8E84-426E-40dd-AFC4-6F175D3DCCD1}">
-              <a14:hiddenFill xmlns:a14="http://schemas.microsoft.com/office/drawing/2010/main" xmlns="">
+              <a14:hiddenFill xmlns="" xmlns:a14="http://schemas.microsoft.com/office/drawing/2010/main">
                 <a:solidFill>
                   <a:srgbClr val="FFFFFF"/>
                 </a:solidFill>
               </a14:hiddenFill>
             </a:ext>
             <a:ext uri="{91240B29-F687-4f45-9708-019B960494DF}">
-              <a14:hiddenLine xmlns:a14="http://schemas.microsoft.com/office/drawing/2010/main" xmlns="" w="9525">
+              <a14:hiddenLine xmlns="" xmlns:a14="http://schemas.microsoft.com/office/drawing/2010/main" w="9525">
                 <a:solidFill>
                   <a:srgbClr val="000000"/>
                 </a:solidFill>
@@ -6084,7 +6330,7 @@
             <a:fld id="{D8A4CAB0-FF4A-FA47-8B2A-828EE1349CAD}" type="slidenum">
               <a:rPr lang="en-US" sz="1200"/>
               <a:pPr eaLnBrk="1" hangingPunct="1"/>
-              <a:t>41</a:t>
+              <a:t>42</a:t>
             </a:fld>
             <a:endParaRPr lang="en-US" sz="1200"/>
           </a:p>
@@ -6119,17 +6365,17 @@
           <a:ln/>
           <a:extLst>
             <a:ext uri="{FAA26D3D-D897-4be2-8F04-BA451C77F1D7}">
-              <ma14:placeholderFlag xmlns:ma14="http://schemas.microsoft.com/office/mac/drawingml/2011/main" xmlns="" val="1"/>
+              <ma14:placeholderFlag xmlns="" xmlns:ma14="http://schemas.microsoft.com/office/mac/drawingml/2011/main" val="1"/>
             </a:ext>
             <a:ext uri="{909E8E84-426E-40dd-AFC4-6F175D3DCCD1}">
-              <a14:hiddenFill xmlns:a14="http://schemas.microsoft.com/office/drawing/2010/main" xmlns="">
+              <a14:hiddenFill xmlns="" xmlns:a14="http://schemas.microsoft.com/office/drawing/2010/main">
                 <a:solidFill>
                   <a:srgbClr val="FFFFFF"/>
                 </a:solidFill>
               </a14:hiddenFill>
             </a:ext>
             <a:ext uri="{91240B29-F687-4f45-9708-019B960494DF}">
-              <a14:hiddenLine xmlns:a14="http://schemas.microsoft.com/office/drawing/2010/main" xmlns="" w="9525">
+              <a14:hiddenLine xmlns="" xmlns:a14="http://schemas.microsoft.com/office/drawing/2010/main" w="9525">
                 <a:solidFill>
                   <a:srgbClr val="000000"/>
                 </a:solidFill>
@@ -6159,7 +6405,7 @@
 </p:notes>
 </file>
 
-<file path=ppt/notesSlides/notesSlide31.xml><?xml version="1.0" encoding="utf-8"?>
+<file path=ppt/notesSlides/notesSlide32.xml><?xml version="1.0" encoding="utf-8"?>
 <p:notes xmlns:a="http://schemas.openxmlformats.org/drawingml/2006/main" xmlns:r="http://schemas.openxmlformats.org/officeDocument/2006/relationships" xmlns:p="http://schemas.openxmlformats.org/presentationml/2006/main">
   <p:cSld>
     <p:spTree>
@@ -6191,14 +6437,14 @@
           <a:ln/>
           <a:extLst>
             <a:ext uri="{909E8E84-426E-40dd-AFC4-6F175D3DCCD1}">
-              <a14:hiddenFill xmlns:a14="http://schemas.microsoft.com/office/drawing/2010/main" xmlns="">
+              <a14:hiddenFill xmlns="" xmlns:a14="http://schemas.microsoft.com/office/drawing/2010/main">
                 <a:solidFill>
                   <a:srgbClr val="FFFFFF"/>
                 </a:solidFill>
               </a14:hiddenFill>
             </a:ext>
             <a:ext uri="{91240B29-F687-4f45-9708-019B960494DF}">
-              <a14:hiddenLine xmlns:a14="http://schemas.microsoft.com/office/drawing/2010/main" xmlns="" w="9525">
+              <a14:hiddenLine xmlns="" xmlns:a14="http://schemas.microsoft.com/office/drawing/2010/main" w="9525">
                 <a:solidFill>
                   <a:srgbClr val="000000"/>
                 </a:solidFill>
@@ -6324,7 +6570,7 @@
             <a:fld id="{E139C3D3-65CD-0243-BD62-B39874E54C41}" type="slidenum">
               <a:rPr lang="en-US" sz="1200"/>
               <a:pPr eaLnBrk="1" hangingPunct="1"/>
-              <a:t>43</a:t>
+              <a:t>44</a:t>
             </a:fld>
             <a:endParaRPr lang="en-US" sz="1200"/>
           </a:p>
@@ -6359,17 +6605,17 @@
           <a:ln/>
           <a:extLst>
             <a:ext uri="{FAA26D3D-D897-4be2-8F04-BA451C77F1D7}">
-              <ma14:placeholderFlag xmlns:ma14="http://schemas.microsoft.com/office/mac/drawingml/2011/main" xmlns="" val="1"/>
+              <ma14:placeholderFlag xmlns="" xmlns:ma14="http://schemas.microsoft.com/office/mac/drawingml/2011/main" val="1"/>
             </a:ext>
             <a:ext uri="{909E8E84-426E-40dd-AFC4-6F175D3DCCD1}">
-              <a14:hiddenFill xmlns:a14="http://schemas.microsoft.com/office/drawing/2010/main" xmlns="">
+              <a14:hiddenFill xmlns="" xmlns:a14="http://schemas.microsoft.com/office/drawing/2010/main">
                 <a:solidFill>
                   <a:srgbClr val="FFFFFF"/>
                 </a:solidFill>
               </a14:hiddenFill>
             </a:ext>
             <a:ext uri="{91240B29-F687-4f45-9708-019B960494DF}">
-              <a14:hiddenLine xmlns:a14="http://schemas.microsoft.com/office/drawing/2010/main" xmlns="" w="9525">
+              <a14:hiddenLine xmlns="" xmlns:a14="http://schemas.microsoft.com/office/drawing/2010/main" w="9525">
                 <a:solidFill>
                   <a:srgbClr val="000000"/>
                 </a:solidFill>
@@ -6399,7 +6645,7 @@
 </p:notes>
 </file>
 
-<file path=ppt/notesSlides/notesSlide32.xml><?xml version="1.0" encoding="utf-8"?>
+<file path=ppt/notesSlides/notesSlide33.xml><?xml version="1.0" encoding="utf-8"?>
 <p:notes xmlns:a="http://schemas.openxmlformats.org/drawingml/2006/main" xmlns:r="http://schemas.openxmlformats.org/officeDocument/2006/relationships" xmlns:p="http://schemas.openxmlformats.org/presentationml/2006/main">
   <p:cSld>
     <p:spTree>
@@ -6431,14 +6677,14 @@
           <a:ln/>
           <a:extLst>
             <a:ext uri="{909E8E84-426E-40dd-AFC4-6F175D3DCCD1}">
-              <a14:hiddenFill xmlns:a14="http://schemas.microsoft.com/office/drawing/2010/main" xmlns="">
+              <a14:hiddenFill xmlns="" xmlns:a14="http://schemas.microsoft.com/office/drawing/2010/main">
                 <a:solidFill>
                   <a:srgbClr val="FFFFFF"/>
                 </a:solidFill>
               </a14:hiddenFill>
             </a:ext>
             <a:ext uri="{91240B29-F687-4f45-9708-019B960494DF}">
-              <a14:hiddenLine xmlns:a14="http://schemas.microsoft.com/office/drawing/2010/main" xmlns="" w="9525">
+              <a14:hiddenLine xmlns="" xmlns:a14="http://schemas.microsoft.com/office/drawing/2010/main" w="9525">
                 <a:solidFill>
                   <a:srgbClr val="000000"/>
                 </a:solidFill>
@@ -6564,7 +6810,7 @@
             <a:fld id="{C7635439-FBE2-304A-BA72-7183D8FF118B}" type="slidenum">
               <a:rPr lang="en-US" sz="1200"/>
               <a:pPr eaLnBrk="1" hangingPunct="1"/>
-              <a:t>44</a:t>
+              <a:t>45</a:t>
             </a:fld>
             <a:endParaRPr lang="en-US" sz="1200"/>
           </a:p>
@@ -6599,17 +6845,17 @@
           <a:ln/>
           <a:extLst>
             <a:ext uri="{FAA26D3D-D897-4be2-8F04-BA451C77F1D7}">
-              <ma14:placeholderFlag xmlns:ma14="http://schemas.microsoft.com/office/mac/drawingml/2011/main" xmlns="" val="1"/>
+              <ma14:placeholderFlag xmlns="" xmlns:ma14="http://schemas.microsoft.com/office/mac/drawingml/2011/main" val="1"/>
             </a:ext>
             <a:ext uri="{909E8E84-426E-40dd-AFC4-6F175D3DCCD1}">
-              <a14:hiddenFill xmlns:a14="http://schemas.microsoft.com/office/drawing/2010/main" xmlns="">
+              <a14:hiddenFill xmlns="" xmlns:a14="http://schemas.microsoft.com/office/drawing/2010/main">
                 <a:solidFill>
                   <a:srgbClr val="FFFFFF"/>
                 </a:solidFill>
               </a14:hiddenFill>
             </a:ext>
             <a:ext uri="{91240B29-F687-4f45-9708-019B960494DF}">
-              <a14:hiddenLine xmlns:a14="http://schemas.microsoft.com/office/drawing/2010/main" xmlns="" w="9525">
+              <a14:hiddenLine xmlns="" xmlns:a14="http://schemas.microsoft.com/office/drawing/2010/main" w="9525">
                 <a:solidFill>
                   <a:srgbClr val="000000"/>
                 </a:solidFill>
@@ -6639,7 +6885,7 @@
 </p:notes>
 </file>
 
-<file path=ppt/notesSlides/notesSlide33.xml><?xml version="1.0" encoding="utf-8"?>
+<file path=ppt/notesSlides/notesSlide34.xml><?xml version="1.0" encoding="utf-8"?>
 <p:notes xmlns:a="http://schemas.openxmlformats.org/drawingml/2006/main" xmlns:r="http://schemas.openxmlformats.org/officeDocument/2006/relationships" xmlns:p="http://schemas.openxmlformats.org/presentationml/2006/main">
   <p:cSld>
     <p:spTree>
@@ -6671,14 +6917,14 @@
           <a:ln/>
           <a:extLst>
             <a:ext uri="{909E8E84-426E-40dd-AFC4-6F175D3DCCD1}">
-              <a14:hiddenFill xmlns:a14="http://schemas.microsoft.com/office/drawing/2010/main" xmlns="">
+              <a14:hiddenFill xmlns="" xmlns:a14="http://schemas.microsoft.com/office/drawing/2010/main">
                 <a:solidFill>
                   <a:srgbClr val="FFFFFF"/>
                 </a:solidFill>
               </a14:hiddenFill>
             </a:ext>
             <a:ext uri="{91240B29-F687-4f45-9708-019B960494DF}">
-              <a14:hiddenLine xmlns:a14="http://schemas.microsoft.com/office/drawing/2010/main" xmlns="" w="9525">
+              <a14:hiddenLine xmlns="" xmlns:a14="http://schemas.microsoft.com/office/drawing/2010/main" w="9525">
                 <a:solidFill>
                   <a:srgbClr val="000000"/>
                 </a:solidFill>
@@ -6804,7 +7050,7 @@
             <a:fld id="{31BE0DCE-6720-404F-B622-03639DF3B228}" type="slidenum">
               <a:rPr lang="en-US" sz="1200"/>
               <a:pPr eaLnBrk="1" hangingPunct="1"/>
-              <a:t>45</a:t>
+              <a:t>46</a:t>
             </a:fld>
             <a:endParaRPr lang="en-US" sz="1200"/>
           </a:p>
@@ -6839,17 +7085,17 @@
           <a:ln/>
           <a:extLst>
             <a:ext uri="{FAA26D3D-D897-4be2-8F04-BA451C77F1D7}">
-              <ma14:placeholderFlag xmlns:ma14="http://schemas.microsoft.com/office/mac/drawingml/2011/main" xmlns="" val="1"/>
+              <ma14:placeholderFlag xmlns="" xmlns:ma14="http://schemas.microsoft.com/office/mac/drawingml/2011/main" val="1"/>
             </a:ext>
             <a:ext uri="{909E8E84-426E-40dd-AFC4-6F175D3DCCD1}">
-              <a14:hiddenFill xmlns:a14="http://schemas.microsoft.com/office/drawing/2010/main" xmlns="">
+              <a14:hiddenFill xmlns="" xmlns:a14="http://schemas.microsoft.com/office/drawing/2010/main">
                 <a:solidFill>
                   <a:srgbClr val="FFFFFF"/>
                 </a:solidFill>
               </a14:hiddenFill>
             </a:ext>
             <a:ext uri="{91240B29-F687-4f45-9708-019B960494DF}">
-              <a14:hiddenLine xmlns:a14="http://schemas.microsoft.com/office/drawing/2010/main" xmlns="" w="9525">
+              <a14:hiddenLine xmlns="" xmlns:a14="http://schemas.microsoft.com/office/drawing/2010/main" w="9525">
                 <a:solidFill>
                   <a:srgbClr val="000000"/>
                 </a:solidFill>
@@ -6872,90 +7118,6 @@
         </p:txBody>
       </p:sp>
     </p:spTree>
-  </p:cSld>
-  <p:clrMapOvr>
-    <a:masterClrMapping/>
-  </p:clrMapOvr>
-</p:notes>
-</file>
-
-<file path=ppt/notesSlides/notesSlide34.xml><?xml version="1.0" encoding="utf-8"?>
-<p:notes xmlns:a="http://schemas.openxmlformats.org/drawingml/2006/main" xmlns:r="http://schemas.openxmlformats.org/officeDocument/2006/relationships" xmlns:p="http://schemas.openxmlformats.org/presentationml/2006/main">
-  <p:cSld>
-    <p:spTree>
-      <p:nvGrpSpPr>
-        <p:cNvPr id="1" name=""/>
-        <p:cNvGrpSpPr/>
-        <p:nvPr/>
-      </p:nvGrpSpPr>
-      <p:grpSpPr>
-        <a:xfrm>
-          <a:off x="0" y="0"/>
-          <a:ext cx="0" cy="0"/>
-          <a:chOff x="0" y="0"/>
-          <a:chExt cx="0" cy="0"/>
-        </a:xfrm>
-      </p:grpSpPr>
-      <p:sp>
-        <p:nvSpPr>
-          <p:cNvPr id="2" name="Slide Image Placeholder 1"/>
-          <p:cNvSpPr>
-            <a:spLocks noGrp="1" noRot="1" noChangeAspect="1"/>
-          </p:cNvSpPr>
-          <p:nvPr>
-            <p:ph type="sldImg"/>
-          </p:nvPr>
-        </p:nvSpPr>
-        <p:spPr/>
-      </p:sp>
-      <p:sp>
-        <p:nvSpPr>
-          <p:cNvPr id="3" name="Notes Placeholder 2"/>
-          <p:cNvSpPr>
-            <a:spLocks noGrp="1"/>
-          </p:cNvSpPr>
-          <p:nvPr>
-            <p:ph type="body" idx="1"/>
-          </p:nvPr>
-        </p:nvSpPr>
-        <p:spPr/>
-        <p:txBody>
-          <a:bodyPr/>
-          <a:lstStyle/>
-          <a:p>
-            <a:endParaRPr lang="en-US" dirty="0"/>
-          </a:p>
-        </p:txBody>
-      </p:sp>
-      <p:sp>
-        <p:nvSpPr>
-          <p:cNvPr id="4" name="Slide Number Placeholder 3"/>
-          <p:cNvSpPr>
-            <a:spLocks noGrp="1"/>
-          </p:cNvSpPr>
-          <p:nvPr>
-            <p:ph type="sldNum" sz="quarter" idx="10"/>
-          </p:nvPr>
-        </p:nvSpPr>
-        <p:spPr/>
-        <p:txBody>
-          <a:bodyPr/>
-          <a:lstStyle/>
-          <a:p>
-            <a:fld id="{8CCE45BC-E45D-0248-9C6A-66F5353B8A6E}" type="slidenum">
-              <a:rPr lang="en-US" smtClean="0"/>
-              <a:t>46</a:t>
-            </a:fld>
-            <a:endParaRPr lang="en-US"/>
-          </a:p>
-        </p:txBody>
-      </p:sp>
-    </p:spTree>
-    <p:extLst>
-      <p:ext uri="{BB962C8B-B14F-4D97-AF65-F5344CB8AC3E}">
-        <p14:creationId xmlns:p14="http://schemas.microsoft.com/office/powerpoint/2010/main" val="19524994"/>
-      </p:ext>
-    </p:extLst>
   </p:cSld>
   <p:clrMapOvr>
     <a:masterClrMapping/>
@@ -7007,14 +7169,6 @@
           <a:bodyPr/>
           <a:lstStyle/>
           <a:p>
-            <a:r>
-              <a:rPr lang="en-US" dirty="0"/>
-              <a:t>Click on the images to view</a:t>
-            </a:r>
-            <a:r>
-              <a:rPr lang="en-US" baseline="0" dirty="0"/>
-              <a:t> this page in your browser</a:t>
-            </a:r>
             <a:endParaRPr lang="en-US" dirty="0"/>
           </a:p>
         </p:txBody>
@@ -7036,7 +7190,99 @@
           <a:p>
             <a:fld id="{8CCE45BC-E45D-0248-9C6A-66F5353B8A6E}" type="slidenum">
               <a:rPr lang="en-US" smtClean="0"/>
-              <a:t>49</a:t>
+              <a:t>47</a:t>
+            </a:fld>
+            <a:endParaRPr lang="en-US"/>
+          </a:p>
+        </p:txBody>
+      </p:sp>
+    </p:spTree>
+    <p:extLst>
+      <p:ext uri="{BB962C8B-B14F-4D97-AF65-F5344CB8AC3E}">
+        <p14:creationId xmlns:p14="http://schemas.microsoft.com/office/powerpoint/2010/main" val="19524994"/>
+      </p:ext>
+    </p:extLst>
+  </p:cSld>
+  <p:clrMapOvr>
+    <a:masterClrMapping/>
+  </p:clrMapOvr>
+</p:notes>
+</file>
+
+<file path=ppt/notesSlides/notesSlide36.xml><?xml version="1.0" encoding="utf-8"?>
+<p:notes xmlns:a="http://schemas.openxmlformats.org/drawingml/2006/main" xmlns:r="http://schemas.openxmlformats.org/officeDocument/2006/relationships" xmlns:p="http://schemas.openxmlformats.org/presentationml/2006/main">
+  <p:cSld>
+    <p:spTree>
+      <p:nvGrpSpPr>
+        <p:cNvPr id="1" name=""/>
+        <p:cNvGrpSpPr/>
+        <p:nvPr/>
+      </p:nvGrpSpPr>
+      <p:grpSpPr>
+        <a:xfrm>
+          <a:off x="0" y="0"/>
+          <a:ext cx="0" cy="0"/>
+          <a:chOff x="0" y="0"/>
+          <a:chExt cx="0" cy="0"/>
+        </a:xfrm>
+      </p:grpSpPr>
+      <p:sp>
+        <p:nvSpPr>
+          <p:cNvPr id="2" name="Slide Image Placeholder 1"/>
+          <p:cNvSpPr>
+            <a:spLocks noGrp="1" noRot="1" noChangeAspect="1"/>
+          </p:cNvSpPr>
+          <p:nvPr>
+            <p:ph type="sldImg"/>
+          </p:nvPr>
+        </p:nvSpPr>
+        <p:spPr/>
+      </p:sp>
+      <p:sp>
+        <p:nvSpPr>
+          <p:cNvPr id="3" name="Notes Placeholder 2"/>
+          <p:cNvSpPr>
+            <a:spLocks noGrp="1"/>
+          </p:cNvSpPr>
+          <p:nvPr>
+            <p:ph type="body" idx="1"/>
+          </p:nvPr>
+        </p:nvSpPr>
+        <p:spPr/>
+        <p:txBody>
+          <a:bodyPr/>
+          <a:lstStyle/>
+          <a:p>
+            <a:r>
+              <a:rPr lang="en-US" dirty="0"/>
+              <a:t>Click on the images to view</a:t>
+            </a:r>
+            <a:r>
+              <a:rPr lang="en-US" baseline="0" dirty="0"/>
+              <a:t> this page in your browser</a:t>
+            </a:r>
+            <a:endParaRPr lang="en-US" dirty="0"/>
+          </a:p>
+        </p:txBody>
+      </p:sp>
+      <p:sp>
+        <p:nvSpPr>
+          <p:cNvPr id="4" name="Slide Number Placeholder 3"/>
+          <p:cNvSpPr>
+            <a:spLocks noGrp="1"/>
+          </p:cNvSpPr>
+          <p:nvPr>
+            <p:ph type="sldNum" sz="quarter" idx="10"/>
+          </p:nvPr>
+        </p:nvSpPr>
+        <p:spPr/>
+        <p:txBody>
+          <a:bodyPr/>
+          <a:lstStyle/>
+          <a:p>
+            <a:fld id="{8CCE45BC-E45D-0248-9C6A-66F5353B8A6E}" type="slidenum">
+              <a:rPr lang="en-US" smtClean="0"/>
+              <a:t>50</a:t>
             </a:fld>
             <a:endParaRPr lang="en-US"/>
           </a:p>
@@ -7087,14 +7333,14 @@
           <a:ln/>
           <a:extLst>
             <a:ext uri="{909E8E84-426E-40dd-AFC4-6F175D3DCCD1}">
-              <a14:hiddenFill xmlns:a14="http://schemas.microsoft.com/office/drawing/2010/main" xmlns="">
+              <a14:hiddenFill xmlns="" xmlns:a14="http://schemas.microsoft.com/office/drawing/2010/main">
                 <a:solidFill>
                   <a:srgbClr val="FFFFFF"/>
                 </a:solidFill>
               </a14:hiddenFill>
             </a:ext>
             <a:ext uri="{91240B29-F687-4f45-9708-019B960494DF}">
-              <a14:hiddenLine xmlns:a14="http://schemas.microsoft.com/office/drawing/2010/main" xmlns="" w="9525">
+              <a14:hiddenLine xmlns="" xmlns:a14="http://schemas.microsoft.com/office/drawing/2010/main" w="9525">
                 <a:solidFill>
                   <a:srgbClr val="000000"/>
                 </a:solidFill>
@@ -7255,17 +7501,17 @@
           <a:ln/>
           <a:extLst>
             <a:ext uri="{FAA26D3D-D897-4be2-8F04-BA451C77F1D7}">
-              <ma14:placeholderFlag xmlns:ma14="http://schemas.microsoft.com/office/mac/drawingml/2011/main" xmlns="" val="1"/>
+              <ma14:placeholderFlag xmlns="" xmlns:ma14="http://schemas.microsoft.com/office/mac/drawingml/2011/main" val="1"/>
             </a:ext>
             <a:ext uri="{909E8E84-426E-40dd-AFC4-6F175D3DCCD1}">
-              <a14:hiddenFill xmlns:a14="http://schemas.microsoft.com/office/drawing/2010/main" xmlns="">
+              <a14:hiddenFill xmlns="" xmlns:a14="http://schemas.microsoft.com/office/drawing/2010/main">
                 <a:solidFill>
                   <a:srgbClr val="FFFFFF"/>
                 </a:solidFill>
               </a14:hiddenFill>
             </a:ext>
             <a:ext uri="{91240B29-F687-4f45-9708-019B960494DF}">
-              <a14:hiddenLine xmlns:a14="http://schemas.microsoft.com/office/drawing/2010/main" xmlns="" w="9525">
+              <a14:hiddenLine xmlns="" xmlns:a14="http://schemas.microsoft.com/office/drawing/2010/main" w="9525">
                 <a:solidFill>
                   <a:srgbClr val="000000"/>
                 </a:solidFill>
@@ -7327,14 +7573,14 @@
           <a:ln/>
           <a:extLst>
             <a:ext uri="{909E8E84-426E-40dd-AFC4-6F175D3DCCD1}">
-              <a14:hiddenFill xmlns:a14="http://schemas.microsoft.com/office/drawing/2010/main" xmlns="">
+              <a14:hiddenFill xmlns="" xmlns:a14="http://schemas.microsoft.com/office/drawing/2010/main">
                 <a:solidFill>
                   <a:srgbClr val="FFFFFF"/>
                 </a:solidFill>
               </a14:hiddenFill>
             </a:ext>
             <a:ext uri="{91240B29-F687-4f45-9708-019B960494DF}">
-              <a14:hiddenLine xmlns:a14="http://schemas.microsoft.com/office/drawing/2010/main" xmlns="" w="9525">
+              <a14:hiddenLine xmlns="" xmlns:a14="http://schemas.microsoft.com/office/drawing/2010/main" w="9525">
                 <a:solidFill>
                   <a:srgbClr val="000000"/>
                 </a:solidFill>
@@ -7495,17 +7741,17 @@
           <a:ln/>
           <a:extLst>
             <a:ext uri="{FAA26D3D-D897-4be2-8F04-BA451C77F1D7}">
-              <ma14:placeholderFlag xmlns:ma14="http://schemas.microsoft.com/office/mac/drawingml/2011/main" xmlns="" val="1"/>
+              <ma14:placeholderFlag xmlns="" xmlns:ma14="http://schemas.microsoft.com/office/mac/drawingml/2011/main" val="1"/>
             </a:ext>
             <a:ext uri="{909E8E84-426E-40dd-AFC4-6F175D3DCCD1}">
-              <a14:hiddenFill xmlns:a14="http://schemas.microsoft.com/office/drawing/2010/main" xmlns="">
+              <a14:hiddenFill xmlns="" xmlns:a14="http://schemas.microsoft.com/office/drawing/2010/main">
                 <a:solidFill>
                   <a:srgbClr val="FFFFFF"/>
                 </a:solidFill>
               </a14:hiddenFill>
             </a:ext>
             <a:ext uri="{91240B29-F687-4f45-9708-019B960494DF}">
-              <a14:hiddenLine xmlns:a14="http://schemas.microsoft.com/office/drawing/2010/main" xmlns="" w="9525">
+              <a14:hiddenLine xmlns="" xmlns:a14="http://schemas.microsoft.com/office/drawing/2010/main" w="9525">
                 <a:solidFill>
                   <a:srgbClr val="000000"/>
                 </a:solidFill>
@@ -7567,14 +7813,14 @@
           <a:ln/>
           <a:extLst>
             <a:ext uri="{909E8E84-426E-40dd-AFC4-6F175D3DCCD1}">
-              <a14:hiddenFill xmlns:a14="http://schemas.microsoft.com/office/drawing/2010/main" xmlns="">
+              <a14:hiddenFill xmlns="" xmlns:a14="http://schemas.microsoft.com/office/drawing/2010/main">
                 <a:solidFill>
                   <a:srgbClr val="FFFFFF"/>
                 </a:solidFill>
               </a14:hiddenFill>
             </a:ext>
             <a:ext uri="{91240B29-F687-4f45-9708-019B960494DF}">
-              <a14:hiddenLine xmlns:a14="http://schemas.microsoft.com/office/drawing/2010/main" xmlns="" w="9525">
+              <a14:hiddenLine xmlns="" xmlns:a14="http://schemas.microsoft.com/office/drawing/2010/main" w="9525">
                 <a:solidFill>
                   <a:srgbClr val="000000"/>
                 </a:solidFill>
@@ -7735,17 +7981,17 @@
           <a:ln/>
           <a:extLst>
             <a:ext uri="{FAA26D3D-D897-4be2-8F04-BA451C77F1D7}">
-              <ma14:placeholderFlag xmlns:ma14="http://schemas.microsoft.com/office/mac/drawingml/2011/main" xmlns="" val="1"/>
+              <ma14:placeholderFlag xmlns="" xmlns:ma14="http://schemas.microsoft.com/office/mac/drawingml/2011/main" val="1"/>
             </a:ext>
             <a:ext uri="{909E8E84-426E-40dd-AFC4-6F175D3DCCD1}">
-              <a14:hiddenFill xmlns:a14="http://schemas.microsoft.com/office/drawing/2010/main" xmlns="">
+              <a14:hiddenFill xmlns="" xmlns:a14="http://schemas.microsoft.com/office/drawing/2010/main">
                 <a:solidFill>
                   <a:srgbClr val="FFFFFF"/>
                 </a:solidFill>
               </a14:hiddenFill>
             </a:ext>
             <a:ext uri="{91240B29-F687-4f45-9708-019B960494DF}">
-              <a14:hiddenLine xmlns:a14="http://schemas.microsoft.com/office/drawing/2010/main" xmlns="" w="9525">
+              <a14:hiddenLine xmlns="" xmlns:a14="http://schemas.microsoft.com/office/drawing/2010/main" w="9525">
                 <a:solidFill>
                   <a:srgbClr val="000000"/>
                 </a:solidFill>
@@ -7807,14 +8053,14 @@
           <a:ln/>
           <a:extLst>
             <a:ext uri="{909E8E84-426E-40dd-AFC4-6F175D3DCCD1}">
-              <a14:hiddenFill xmlns:a14="http://schemas.microsoft.com/office/drawing/2010/main" xmlns="">
+              <a14:hiddenFill xmlns="" xmlns:a14="http://schemas.microsoft.com/office/drawing/2010/main">
                 <a:solidFill>
                   <a:srgbClr val="FFFFFF"/>
                 </a:solidFill>
               </a14:hiddenFill>
             </a:ext>
             <a:ext uri="{91240B29-F687-4f45-9708-019B960494DF}">
-              <a14:hiddenLine xmlns:a14="http://schemas.microsoft.com/office/drawing/2010/main" xmlns="" w="9525">
+              <a14:hiddenLine xmlns="" xmlns:a14="http://schemas.microsoft.com/office/drawing/2010/main" w="9525">
                 <a:solidFill>
                   <a:srgbClr val="000000"/>
                 </a:solidFill>
@@ -7975,17 +8221,17 @@
           <a:ln/>
           <a:extLst>
             <a:ext uri="{FAA26D3D-D897-4be2-8F04-BA451C77F1D7}">
-              <ma14:placeholderFlag xmlns:ma14="http://schemas.microsoft.com/office/mac/drawingml/2011/main" xmlns="" val="1"/>
+              <ma14:placeholderFlag xmlns="" xmlns:ma14="http://schemas.microsoft.com/office/mac/drawingml/2011/main" val="1"/>
             </a:ext>
             <a:ext uri="{909E8E84-426E-40dd-AFC4-6F175D3DCCD1}">
-              <a14:hiddenFill xmlns:a14="http://schemas.microsoft.com/office/drawing/2010/main" xmlns="">
+              <a14:hiddenFill xmlns="" xmlns:a14="http://schemas.microsoft.com/office/drawing/2010/main">
                 <a:solidFill>
                   <a:srgbClr val="FFFFFF"/>
                 </a:solidFill>
               </a14:hiddenFill>
             </a:ext>
             <a:ext uri="{91240B29-F687-4f45-9708-019B960494DF}">
-              <a14:hiddenLine xmlns:a14="http://schemas.microsoft.com/office/drawing/2010/main" xmlns="" w="9525">
+              <a14:hiddenLine xmlns="" xmlns:a14="http://schemas.microsoft.com/office/drawing/2010/main" w="9525">
                 <a:solidFill>
                   <a:srgbClr val="000000"/>
                 </a:solidFill>
@@ -8047,14 +8293,14 @@
           <a:ln/>
           <a:extLst>
             <a:ext uri="{909E8E84-426E-40dd-AFC4-6F175D3DCCD1}">
-              <a14:hiddenFill xmlns:a14="http://schemas.microsoft.com/office/drawing/2010/main" xmlns="">
+              <a14:hiddenFill xmlns="" xmlns:a14="http://schemas.microsoft.com/office/drawing/2010/main">
                 <a:solidFill>
                   <a:srgbClr val="FFFFFF"/>
                 </a:solidFill>
               </a14:hiddenFill>
             </a:ext>
             <a:ext uri="{91240B29-F687-4f45-9708-019B960494DF}">
-              <a14:hiddenLine xmlns:a14="http://schemas.microsoft.com/office/drawing/2010/main" xmlns="" w="9525">
+              <a14:hiddenLine xmlns="" xmlns:a14="http://schemas.microsoft.com/office/drawing/2010/main" w="9525">
                 <a:solidFill>
                   <a:srgbClr val="000000"/>
                 </a:solidFill>
@@ -8215,17 +8461,17 @@
           <a:ln/>
           <a:extLst>
             <a:ext uri="{FAA26D3D-D897-4be2-8F04-BA451C77F1D7}">
-              <ma14:placeholderFlag xmlns:ma14="http://schemas.microsoft.com/office/mac/drawingml/2011/main" xmlns="" val="1"/>
+              <ma14:placeholderFlag xmlns="" xmlns:ma14="http://schemas.microsoft.com/office/mac/drawingml/2011/main" val="1"/>
             </a:ext>
             <a:ext uri="{909E8E84-426E-40dd-AFC4-6F175D3DCCD1}">
-              <a14:hiddenFill xmlns:a14="http://schemas.microsoft.com/office/drawing/2010/main" xmlns="">
+              <a14:hiddenFill xmlns="" xmlns:a14="http://schemas.microsoft.com/office/drawing/2010/main">
                 <a:solidFill>
                   <a:srgbClr val="FFFFFF"/>
                 </a:solidFill>
               </a14:hiddenFill>
             </a:ext>
             <a:ext uri="{91240B29-F687-4f45-9708-019B960494DF}">
-              <a14:hiddenLine xmlns:a14="http://schemas.microsoft.com/office/drawing/2010/main" xmlns="" w="9525">
+              <a14:hiddenLine xmlns="" xmlns:a14="http://schemas.microsoft.com/office/drawing/2010/main" w="9525">
                 <a:solidFill>
                   <a:srgbClr val="000000"/>
                 </a:solidFill>
@@ -8287,14 +8533,14 @@
           <a:ln/>
           <a:extLst>
             <a:ext uri="{909E8E84-426E-40dd-AFC4-6F175D3DCCD1}">
-              <a14:hiddenFill xmlns:a14="http://schemas.microsoft.com/office/drawing/2010/main" xmlns="">
+              <a14:hiddenFill xmlns="" xmlns:a14="http://schemas.microsoft.com/office/drawing/2010/main">
                 <a:solidFill>
                   <a:srgbClr val="FFFFFF"/>
                 </a:solidFill>
               </a14:hiddenFill>
             </a:ext>
             <a:ext uri="{91240B29-F687-4f45-9708-019B960494DF}">
-              <a14:hiddenLine xmlns:a14="http://schemas.microsoft.com/office/drawing/2010/main" xmlns="" w="9525">
+              <a14:hiddenLine xmlns="" xmlns:a14="http://schemas.microsoft.com/office/drawing/2010/main" w="9525">
                 <a:solidFill>
                   <a:srgbClr val="000000"/>
                 </a:solidFill>
@@ -8455,17 +8701,17 @@
           <a:ln/>
           <a:extLst>
             <a:ext uri="{FAA26D3D-D897-4be2-8F04-BA451C77F1D7}">
-              <ma14:placeholderFlag xmlns:ma14="http://schemas.microsoft.com/office/mac/drawingml/2011/main" xmlns="" val="1"/>
+              <ma14:placeholderFlag xmlns="" xmlns:ma14="http://schemas.microsoft.com/office/mac/drawingml/2011/main" val="1"/>
             </a:ext>
             <a:ext uri="{909E8E84-426E-40dd-AFC4-6F175D3DCCD1}">
-              <a14:hiddenFill xmlns:a14="http://schemas.microsoft.com/office/drawing/2010/main" xmlns="">
+              <a14:hiddenFill xmlns="" xmlns:a14="http://schemas.microsoft.com/office/drawing/2010/main">
                 <a:solidFill>
                   <a:srgbClr val="FFFFFF"/>
                 </a:solidFill>
               </a14:hiddenFill>
             </a:ext>
             <a:ext uri="{91240B29-F687-4f45-9708-019B960494DF}">
-              <a14:hiddenLine xmlns:a14="http://schemas.microsoft.com/office/drawing/2010/main" xmlns="" w="9525">
+              <a14:hiddenLine xmlns="" xmlns:a14="http://schemas.microsoft.com/office/drawing/2010/main" w="9525">
                 <a:solidFill>
                   <a:srgbClr val="000000"/>
                 </a:solidFill>
@@ -8682,7 +8928,7 @@
           <a:p>
             <a:fld id="{BBD45775-5459-5641-A96C-F99F22CB77BA}" type="datetimeFigureOut">
               <a:rPr lang="en-US" smtClean="0"/>
-              <a:t>9/9/18</a:t>
+              <a:t>9/16/19</a:t>
             </a:fld>
             <a:endParaRPr lang="en-US"/>
           </a:p>
@@ -8874,7 +9120,7 @@
           <a:p>
             <a:fld id="{BBD45775-5459-5641-A96C-F99F22CB77BA}" type="datetimeFigureOut">
               <a:rPr lang="en-US" smtClean="0"/>
-              <a:t>9/9/18</a:t>
+              <a:t>9/16/19</a:t>
             </a:fld>
             <a:endParaRPr lang="en-US"/>
           </a:p>
@@ -9076,7 +9322,7 @@
           <a:p>
             <a:fld id="{BBD45775-5459-5641-A96C-F99F22CB77BA}" type="datetimeFigureOut">
               <a:rPr lang="en-US" smtClean="0"/>
-              <a:t>9/9/18</a:t>
+              <a:t>9/16/19</a:t>
             </a:fld>
             <a:endParaRPr lang="en-US"/>
           </a:p>
@@ -9621,7 +9867,7 @@
           <a:p>
             <a:fld id="{BBD45775-5459-5641-A96C-F99F22CB77BA}" type="datetimeFigureOut">
               <a:rPr lang="en-US" smtClean="0"/>
-              <a:t>9/9/18</a:t>
+              <a:t>9/16/19</a:t>
             </a:fld>
             <a:endParaRPr lang="en-US"/>
           </a:p>
@@ -9930,7 +10176,7 @@
           <a:p>
             <a:fld id="{BBD45775-5459-5641-A96C-F99F22CB77BA}" type="datetimeFigureOut">
               <a:rPr lang="en-US" smtClean="0"/>
-              <a:t>9/9/18</a:t>
+              <a:t>9/16/19</a:t>
             </a:fld>
             <a:endParaRPr lang="en-US"/>
           </a:p>
@@ -10373,7 +10619,7 @@
           <a:p>
             <a:fld id="{BBD45775-5459-5641-A96C-F99F22CB77BA}" type="datetimeFigureOut">
               <a:rPr lang="en-US" smtClean="0"/>
-              <a:t>9/9/18</a:t>
+              <a:t>9/16/19</a:t>
             </a:fld>
             <a:endParaRPr lang="en-US"/>
           </a:p>
@@ -10480,10 +10726,14 @@
         <p:spPr/>
         <p:txBody>
           <a:bodyPr/>
-          <a:lstStyle/>
-          <a:p>
-            <a:r>
-              <a:rPr lang="en-US"/>
+          <a:lstStyle>
+            <a:lvl1pPr>
+              <a:defRPr b="1"/>
+            </a:lvl1pPr>
+          </a:lstStyle>
+          <a:p>
+            <a:r>
+              <a:rPr lang="en-US" dirty="0"/>
               <a:t>Click to edit Master title style</a:t>
             </a:r>
           </a:p>
@@ -10514,7 +10764,7 @@
           <a:p>
             <a:fld id="{BBD45775-5459-5641-A96C-F99F22CB77BA}" type="datetimeFigureOut">
               <a:rPr lang="en-US" smtClean="0"/>
-              <a:t>9/9/18</a:t>
+              <a:t>9/16/19</a:t>
             </a:fld>
             <a:endParaRPr lang="en-US"/>
           </a:p>
@@ -10633,7 +10883,7 @@
           <a:p>
             <a:fld id="{BBD45775-5459-5641-A96C-F99F22CB77BA}" type="datetimeFigureOut">
               <a:rPr lang="en-US" smtClean="0"/>
-              <a:t>9/9/18</a:t>
+              <a:t>9/16/19</a:t>
             </a:fld>
             <a:endParaRPr lang="en-US"/>
           </a:p>
@@ -10932,7 +11182,7 @@
           <a:p>
             <a:fld id="{BBD45775-5459-5641-A96C-F99F22CB77BA}" type="datetimeFigureOut">
               <a:rPr lang="en-US" smtClean="0"/>
-              <a:t>9/9/18</a:t>
+              <a:t>9/16/19</a:t>
             </a:fld>
             <a:endParaRPr lang="en-US"/>
           </a:p>
@@ -11208,7 +11458,7 @@
           <a:p>
             <a:fld id="{BBD45775-5459-5641-A96C-F99F22CB77BA}" type="datetimeFigureOut">
               <a:rPr lang="en-US" smtClean="0"/>
-              <a:t>9/9/18</a:t>
+              <a:t>9/16/19</a:t>
             </a:fld>
             <a:endParaRPr lang="en-US"/>
           </a:p>
@@ -11445,7 +11695,7 @@
           <a:spcPct val="0"/>
         </a:spcBef>
         <a:buNone/>
-        <a:defRPr sz="4400" kern="1200">
+        <a:defRPr sz="4400" b="1" kern="1200">
           <a:solidFill>
             <a:schemeClr val="tx1"/>
           </a:solidFill>
@@ -11826,7 +12076,7 @@
           </a:ln>
           <a:extLst>
             <a:ext uri="{909E8E84-426E-40dd-AFC4-6F175D3DCCD1}">
-              <a14:hiddenFill xmlns:a14="http://schemas.microsoft.com/office/drawing/2010/main" xmlns="">
+              <a14:hiddenFill xmlns="" xmlns:a14="http://schemas.microsoft.com/office/drawing/2010/main">
                 <a:solidFill>
                   <a:srgbClr val="FFFFFF"/>
                 </a:solidFill>
@@ -12050,14 +12300,14 @@
           </a:ln>
           <a:extLst>
             <a:ext uri="{909E8E84-426E-40dd-AFC4-6F175D3DCCD1}">
-              <a14:hiddenFill xmlns:a14="http://schemas.microsoft.com/office/drawing/2010/main" xmlns="">
+              <a14:hiddenFill xmlns="" xmlns:a14="http://schemas.microsoft.com/office/drawing/2010/main">
                 <a:solidFill>
                   <a:srgbClr val="FFFFFF"/>
                 </a:solidFill>
               </a14:hiddenFill>
             </a:ext>
             <a:ext uri="{91240B29-F687-4f45-9708-019B960494DF}">
-              <a14:hiddenLine xmlns:a14="http://schemas.microsoft.com/office/drawing/2010/main" xmlns="" w="9525">
+              <a14:hiddenLine xmlns="" xmlns:a14="http://schemas.microsoft.com/office/drawing/2010/main" w="9525">
                 <a:solidFill>
                   <a:srgbClr val="000000"/>
                 </a:solidFill>
@@ -12253,7 +12503,7 @@
               </a:ln>
               <a:extLst>
                 <a:ext uri="{909E8E84-426E-40dd-AFC4-6F175D3DCCD1}">
-                  <a14:hiddenFill xmlns:a14="http://schemas.microsoft.com/office/drawing/2010/main" xmlns="">
+                  <a14:hiddenFill xmlns="" xmlns:a14="http://schemas.microsoft.com/office/drawing/2010/main">
                     <a:solidFill>
                       <a:srgbClr val="FFFFFF"/>
                     </a:solidFill>
@@ -12296,7 +12546,7 @@
               </a:ln>
               <a:extLst>
                 <a:ext uri="{909E8E84-426E-40dd-AFC4-6F175D3DCCD1}">
-                  <a14:hiddenFill xmlns:a14="http://schemas.microsoft.com/office/drawing/2010/main" xmlns="">
+                  <a14:hiddenFill xmlns="" xmlns:a14="http://schemas.microsoft.com/office/drawing/2010/main">
                     <a:solidFill>
                       <a:srgbClr val="FFFFFF"/>
                     </a:solidFill>
@@ -12339,7 +12589,7 @@
               </a:ln>
               <a:extLst>
                 <a:ext uri="{909E8E84-426E-40dd-AFC4-6F175D3DCCD1}">
-                  <a14:hiddenFill xmlns:a14="http://schemas.microsoft.com/office/drawing/2010/main" xmlns="">
+                  <a14:hiddenFill xmlns="" xmlns:a14="http://schemas.microsoft.com/office/drawing/2010/main">
                     <a:solidFill>
                       <a:srgbClr val="FFFFFF"/>
                     </a:solidFill>
@@ -12382,7 +12632,7 @@
               </a:ln>
               <a:extLst>
                 <a:ext uri="{909E8E84-426E-40dd-AFC4-6F175D3DCCD1}">
-                  <a14:hiddenFill xmlns:a14="http://schemas.microsoft.com/office/drawing/2010/main" xmlns="">
+                  <a14:hiddenFill xmlns="" xmlns:a14="http://schemas.microsoft.com/office/drawing/2010/main">
                     <a:noFill/>
                   </a14:hiddenFill>
                 </a:ext>
@@ -12423,7 +12673,7 @@
               </a:ln>
               <a:extLst>
                 <a:ext uri="{909E8E84-426E-40dd-AFC4-6F175D3DCCD1}">
-                  <a14:hiddenFill xmlns:a14="http://schemas.microsoft.com/office/drawing/2010/main" xmlns="">
+                  <a14:hiddenFill xmlns="" xmlns:a14="http://schemas.microsoft.com/office/drawing/2010/main">
                     <a:noFill/>
                   </a14:hiddenFill>
                 </a:ext>
@@ -12465,7 +12715,7 @@
             </a:ln>
             <a:extLst>
               <a:ext uri="{909E8E84-426E-40dd-AFC4-6F175D3DCCD1}">
-                <a14:hiddenFill xmlns:a14="http://schemas.microsoft.com/office/drawing/2010/main" xmlns="">
+                <a14:hiddenFill xmlns="" xmlns:a14="http://schemas.microsoft.com/office/drawing/2010/main">
                   <a:solidFill>
                     <a:srgbClr val="FFFFFF"/>
                   </a:solidFill>
@@ -12504,14 +12754,14 @@
           </a:ln>
           <a:extLst>
             <a:ext uri="{909E8E84-426E-40dd-AFC4-6F175D3DCCD1}">
-              <a14:hiddenFill xmlns:a14="http://schemas.microsoft.com/office/drawing/2010/main" xmlns="">
+              <a14:hiddenFill xmlns="" xmlns:a14="http://schemas.microsoft.com/office/drawing/2010/main">
                 <a:solidFill>
                   <a:srgbClr val="FFFFFF"/>
                 </a:solidFill>
               </a14:hiddenFill>
             </a:ext>
             <a:ext uri="{91240B29-F687-4f45-9708-019B960494DF}">
-              <a14:hiddenLine xmlns:a14="http://schemas.microsoft.com/office/drawing/2010/main" xmlns="" w="9525">
+              <a14:hiddenLine xmlns="" xmlns:a14="http://schemas.microsoft.com/office/drawing/2010/main" w="9525">
                 <a:solidFill>
                   <a:srgbClr val="000000"/>
                 </a:solidFill>
@@ -12675,7 +12925,7 @@
           </a:ln>
           <a:extLst>
             <a:ext uri="{909E8E84-426E-40dd-AFC4-6F175D3DCCD1}">
-              <a14:hiddenFill xmlns:a14="http://schemas.microsoft.com/office/drawing/2010/main" xmlns="">
+              <a14:hiddenFill xmlns="" xmlns:a14="http://schemas.microsoft.com/office/drawing/2010/main">
                 <a:solidFill>
                   <a:srgbClr val="FFFFFF"/>
                 </a:solidFill>
@@ -12874,14 +13124,14 @@
           </a:ln>
           <a:extLst>
             <a:ext uri="{909E8E84-426E-40dd-AFC4-6F175D3DCCD1}">
-              <a14:hiddenFill xmlns:a14="http://schemas.microsoft.com/office/drawing/2010/main" xmlns="">
+              <a14:hiddenFill xmlns="" xmlns:a14="http://schemas.microsoft.com/office/drawing/2010/main">
                 <a:solidFill>
                   <a:srgbClr val="FFFFFF"/>
                 </a:solidFill>
               </a14:hiddenFill>
             </a:ext>
             <a:ext uri="{91240B29-F687-4f45-9708-019B960494DF}">
-              <a14:hiddenLine xmlns:a14="http://schemas.microsoft.com/office/drawing/2010/main" xmlns="" w="9525">
+              <a14:hiddenLine xmlns="" xmlns:a14="http://schemas.microsoft.com/office/drawing/2010/main" w="9525">
                 <a:solidFill>
                   <a:srgbClr val="000000"/>
                 </a:solidFill>
@@ -13042,7 +13292,7 @@
           </a:ln>
           <a:extLst>
             <a:ext uri="{91240B29-F687-4f45-9708-019B960494DF}">
-              <a14:hiddenLine xmlns:a14="http://schemas.microsoft.com/office/drawing/2010/main" xmlns="" w="9525">
+              <a14:hiddenLine xmlns="" xmlns:a14="http://schemas.microsoft.com/office/drawing/2010/main" w="9525">
                 <a:solidFill>
                   <a:srgbClr val="000000"/>
                 </a:solidFill>
@@ -13103,7 +13353,7 @@
           </a:ln>
           <a:extLst>
             <a:ext uri="{909E8E84-426E-40dd-AFC4-6F175D3DCCD1}">
-              <a14:hiddenFill xmlns:a14="http://schemas.microsoft.com/office/drawing/2010/main" xmlns="">
+              <a14:hiddenFill xmlns="" xmlns:a14="http://schemas.microsoft.com/office/drawing/2010/main">
                 <a:noFill/>
               </a14:hiddenFill>
             </a:ext>
@@ -13144,7 +13394,7 @@
           </a:ln>
           <a:extLst>
             <a:ext uri="{909E8E84-426E-40dd-AFC4-6F175D3DCCD1}">
-              <a14:hiddenFill xmlns:a14="http://schemas.microsoft.com/office/drawing/2010/main" xmlns="">
+              <a14:hiddenFill xmlns="" xmlns:a14="http://schemas.microsoft.com/office/drawing/2010/main">
                 <a:noFill/>
               </a14:hiddenFill>
             </a:ext>
@@ -13185,7 +13435,7 @@
           </a:ln>
           <a:extLst>
             <a:ext uri="{909E8E84-426E-40dd-AFC4-6F175D3DCCD1}">
-              <a14:hiddenFill xmlns:a14="http://schemas.microsoft.com/office/drawing/2010/main" xmlns="">
+              <a14:hiddenFill xmlns="" xmlns:a14="http://schemas.microsoft.com/office/drawing/2010/main">
                 <a:noFill/>
               </a14:hiddenFill>
             </a:ext>
@@ -13221,14 +13471,14 @@
           </a:ln>
           <a:extLst>
             <a:ext uri="{909E8E84-426E-40dd-AFC4-6F175D3DCCD1}">
-              <a14:hiddenFill xmlns:a14="http://schemas.microsoft.com/office/drawing/2010/main" xmlns="">
+              <a14:hiddenFill xmlns="" xmlns:a14="http://schemas.microsoft.com/office/drawing/2010/main">
                 <a:solidFill>
                   <a:srgbClr val="FFFFFF"/>
                 </a:solidFill>
               </a14:hiddenFill>
             </a:ext>
             <a:ext uri="{91240B29-F687-4f45-9708-019B960494DF}">
-              <a14:hiddenLine xmlns:a14="http://schemas.microsoft.com/office/drawing/2010/main" xmlns="" w="9525">
+              <a14:hiddenLine xmlns="" xmlns:a14="http://schemas.microsoft.com/office/drawing/2010/main" w="9525">
                 <a:solidFill>
                   <a:srgbClr val="000000"/>
                 </a:solidFill>
@@ -13416,14 +13666,14 @@
           </a:ln>
           <a:extLst>
             <a:ext uri="{909E8E84-426E-40dd-AFC4-6F175D3DCCD1}">
-              <a14:hiddenFill xmlns:a14="http://schemas.microsoft.com/office/drawing/2010/main" xmlns="">
+              <a14:hiddenFill xmlns="" xmlns:a14="http://schemas.microsoft.com/office/drawing/2010/main">
                 <a:solidFill>
                   <a:srgbClr val="FFFFFF"/>
                 </a:solidFill>
               </a14:hiddenFill>
             </a:ext>
             <a:ext uri="{91240B29-F687-4f45-9708-019B960494DF}">
-              <a14:hiddenLine xmlns:a14="http://schemas.microsoft.com/office/drawing/2010/main" xmlns="" w="9525">
+              <a14:hiddenLine xmlns="" xmlns:a14="http://schemas.microsoft.com/office/drawing/2010/main" w="9525">
                 <a:solidFill>
                   <a:srgbClr val="000000"/>
                 </a:solidFill>
@@ -13600,14 +13850,14 @@
           </a:ln>
           <a:extLst>
             <a:ext uri="{909E8E84-426E-40dd-AFC4-6F175D3DCCD1}">
-              <a14:hiddenFill xmlns:a14="http://schemas.microsoft.com/office/drawing/2010/main" xmlns="">
+              <a14:hiddenFill xmlns="" xmlns:a14="http://schemas.microsoft.com/office/drawing/2010/main">
                 <a:solidFill>
                   <a:srgbClr val="FFFFFF"/>
                 </a:solidFill>
               </a14:hiddenFill>
             </a:ext>
             <a:ext uri="{91240B29-F687-4f45-9708-019B960494DF}">
-              <a14:hiddenLine xmlns:a14="http://schemas.microsoft.com/office/drawing/2010/main" xmlns="" w="9525">
+              <a14:hiddenLine xmlns="" xmlns:a14="http://schemas.microsoft.com/office/drawing/2010/main" w="9525">
                 <a:solidFill>
                   <a:srgbClr val="000000"/>
                 </a:solidFill>
@@ -13783,14 +14033,14 @@
           </a:ln>
           <a:extLst>
             <a:ext uri="{909E8E84-426E-40dd-AFC4-6F175D3DCCD1}">
-              <a14:hiddenFill xmlns:a14="http://schemas.microsoft.com/office/drawing/2010/main" xmlns="">
+              <a14:hiddenFill xmlns="" xmlns:a14="http://schemas.microsoft.com/office/drawing/2010/main">
                 <a:solidFill>
                   <a:srgbClr val="FFFFFF"/>
                 </a:solidFill>
               </a14:hiddenFill>
             </a:ext>
             <a:ext uri="{91240B29-F687-4f45-9708-019B960494DF}">
-              <a14:hiddenLine xmlns:a14="http://schemas.microsoft.com/office/drawing/2010/main" xmlns="" w="9525">
+              <a14:hiddenLine xmlns="" xmlns:a14="http://schemas.microsoft.com/office/drawing/2010/main" w="9525">
                 <a:solidFill>
                   <a:srgbClr val="000000"/>
                 </a:solidFill>
@@ -13950,7 +14200,7 @@
           </a:ln>
           <a:extLst>
             <a:ext uri="{909E8E84-426E-40dd-AFC4-6F175D3DCCD1}">
-              <a14:hiddenFill xmlns:a14="http://schemas.microsoft.com/office/drawing/2010/main" xmlns="">
+              <a14:hiddenFill xmlns="" xmlns:a14="http://schemas.microsoft.com/office/drawing/2010/main">
                 <a:solidFill>
                   <a:srgbClr val="FFFFFF"/>
                 </a:solidFill>
@@ -14178,14 +14428,14 @@
           </a:ln>
           <a:extLst>
             <a:ext uri="{909E8E84-426E-40dd-AFC4-6F175D3DCCD1}">
-              <a14:hiddenFill xmlns:a14="http://schemas.microsoft.com/office/drawing/2010/main" xmlns="">
+              <a14:hiddenFill xmlns="" xmlns:a14="http://schemas.microsoft.com/office/drawing/2010/main">
                 <a:solidFill>
                   <a:srgbClr val="FFFFFF"/>
                 </a:solidFill>
               </a14:hiddenFill>
             </a:ext>
             <a:ext uri="{91240B29-F687-4f45-9708-019B960494DF}">
-              <a14:hiddenLine xmlns:a14="http://schemas.microsoft.com/office/drawing/2010/main" xmlns="" w="9525">
+              <a14:hiddenLine xmlns="" xmlns:a14="http://schemas.microsoft.com/office/drawing/2010/main" w="9525">
                 <a:solidFill>
                   <a:srgbClr val="000000"/>
                 </a:solidFill>
@@ -14349,7 +14599,7 @@
           </a:ln>
           <a:extLst>
             <a:ext uri="{909E8E84-426E-40dd-AFC4-6F175D3DCCD1}">
-              <a14:hiddenFill xmlns:a14="http://schemas.microsoft.com/office/drawing/2010/main" xmlns="">
+              <a14:hiddenFill xmlns="" xmlns:a14="http://schemas.microsoft.com/office/drawing/2010/main">
                 <a:noFill/>
               </a14:hiddenFill>
             </a:ext>
@@ -14811,14 +15061,14 @@
           </a:ln>
           <a:extLst>
             <a:ext uri="{909E8E84-426E-40dd-AFC4-6F175D3DCCD1}">
-              <a14:hiddenFill xmlns:a14="http://schemas.microsoft.com/office/drawing/2010/main" xmlns="">
+              <a14:hiddenFill xmlns="" xmlns:a14="http://schemas.microsoft.com/office/drawing/2010/main">
                 <a:solidFill>
                   <a:srgbClr val="FFFFFF"/>
                 </a:solidFill>
               </a14:hiddenFill>
             </a:ext>
             <a:ext uri="{91240B29-F687-4f45-9708-019B960494DF}">
-              <a14:hiddenLine xmlns:a14="http://schemas.microsoft.com/office/drawing/2010/main" xmlns="" w="9525">
+              <a14:hiddenLine xmlns="" xmlns:a14="http://schemas.microsoft.com/office/drawing/2010/main" w="9525">
                 <a:solidFill>
                   <a:srgbClr val="000000"/>
                 </a:solidFill>
@@ -15527,7 +15777,13 @@
           <p:nvPr/>
         </p:nvPicPr>
         <p:blipFill>
-          <a:blip r:embed="rId5"/>
+          <a:blip r:embed="rId5" cstate="print">
+            <a:extLst>
+              <a:ext uri="{28A0092B-C50C-407E-A947-70E740481C1C}">
+                <a14:useLocalDpi xmlns:a14="http://schemas.microsoft.com/office/drawing/2010/main"/>
+              </a:ext>
+            </a:extLst>
+          </a:blip>
           <a:stretch>
             <a:fillRect/>
           </a:stretch>
@@ -16353,7 +16609,7 @@
           <a:blip r:embed="rId3">
             <a:extLst>
               <a:ext uri="{28A0092B-C50C-407E-A947-70E740481C1C}">
-                <a14:useLocalDpi xmlns:a14="http://schemas.microsoft.com/office/drawing/2010/main" val="0"/>
+                <a14:useLocalDpi xmlns:a14="http://schemas.microsoft.com/office/drawing/2010/main"/>
               </a:ext>
             </a:extLst>
           </a:blip>
@@ -17006,7 +17262,7 @@
           </a:ln>
           <a:extLst>
             <a:ext uri="{909E8E84-426E-40dd-AFC4-6F175D3DCCD1}">
-              <a14:hiddenFill xmlns:a14="http://schemas.microsoft.com/office/drawing/2010/main" xmlns="">
+              <a14:hiddenFill xmlns="" xmlns:a14="http://schemas.microsoft.com/office/drawing/2010/main">
                 <a:noFill/>
               </a14:hiddenFill>
             </a:ext>
@@ -17042,14 +17298,14 @@
           </a:ln>
           <a:extLst>
             <a:ext uri="{909E8E84-426E-40dd-AFC4-6F175D3DCCD1}">
-              <a14:hiddenFill xmlns:a14="http://schemas.microsoft.com/office/drawing/2010/main" xmlns="">
+              <a14:hiddenFill xmlns="" xmlns:a14="http://schemas.microsoft.com/office/drawing/2010/main">
                 <a:solidFill>
                   <a:srgbClr val="FFFFFF"/>
                 </a:solidFill>
               </a14:hiddenFill>
             </a:ext>
             <a:ext uri="{91240B29-F687-4f45-9708-019B960494DF}">
-              <a14:hiddenLine xmlns:a14="http://schemas.microsoft.com/office/drawing/2010/main" xmlns="" w="9525">
+              <a14:hiddenLine xmlns="" xmlns:a14="http://schemas.microsoft.com/office/drawing/2010/main" w="9525">
                 <a:solidFill>
                   <a:srgbClr val="000000"/>
                 </a:solidFill>
@@ -17334,7 +17590,7 @@
           </a:ln>
           <a:extLst>
             <a:ext uri="{909E8E84-426E-40dd-AFC4-6F175D3DCCD1}">
-              <a14:hiddenFill xmlns:a14="http://schemas.microsoft.com/office/drawing/2010/main" xmlns="">
+              <a14:hiddenFill xmlns="" xmlns:a14="http://schemas.microsoft.com/office/drawing/2010/main">
                 <a:noFill/>
               </a14:hiddenFill>
             </a:ext>
@@ -17370,14 +17626,14 @@
           </a:ln>
           <a:extLst>
             <a:ext uri="{909E8E84-426E-40dd-AFC4-6F175D3DCCD1}">
-              <a14:hiddenFill xmlns:a14="http://schemas.microsoft.com/office/drawing/2010/main" xmlns="">
+              <a14:hiddenFill xmlns="" xmlns:a14="http://schemas.microsoft.com/office/drawing/2010/main">
                 <a:solidFill>
                   <a:srgbClr val="FFFFFF"/>
                 </a:solidFill>
               </a14:hiddenFill>
             </a:ext>
             <a:ext uri="{91240B29-F687-4f45-9708-019B960494DF}">
-              <a14:hiddenLine xmlns:a14="http://schemas.microsoft.com/office/drawing/2010/main" xmlns="" w="9525">
+              <a14:hiddenLine xmlns="" xmlns:a14="http://schemas.microsoft.com/office/drawing/2010/main" w="9525">
                 <a:solidFill>
                   <a:srgbClr val="000000"/>
                 </a:solidFill>
@@ -17541,14 +17797,14 @@
           </a:ln>
           <a:extLst>
             <a:ext uri="{909E8E84-426E-40dd-AFC4-6F175D3DCCD1}">
-              <a14:hiddenFill xmlns:a14="http://schemas.microsoft.com/office/drawing/2010/main" xmlns="">
+              <a14:hiddenFill xmlns="" xmlns:a14="http://schemas.microsoft.com/office/drawing/2010/main">
                 <a:solidFill>
                   <a:srgbClr val="FFFFFF"/>
                 </a:solidFill>
               </a14:hiddenFill>
             </a:ext>
             <a:ext uri="{91240B29-F687-4f45-9708-019B960494DF}">
-              <a14:hiddenLine xmlns:a14="http://schemas.microsoft.com/office/drawing/2010/main" xmlns="" w="9525">
+              <a14:hiddenLine xmlns="" xmlns:a14="http://schemas.microsoft.com/office/drawing/2010/main" w="9525">
                 <a:solidFill>
                   <a:srgbClr val="000000"/>
                 </a:solidFill>
@@ -17712,14 +17968,14 @@
           </a:ln>
           <a:extLst>
             <a:ext uri="{909E8E84-426E-40dd-AFC4-6F175D3DCCD1}">
-              <a14:hiddenFill xmlns:a14="http://schemas.microsoft.com/office/drawing/2010/main" xmlns="">
+              <a14:hiddenFill xmlns="" xmlns:a14="http://schemas.microsoft.com/office/drawing/2010/main">
                 <a:solidFill>
                   <a:srgbClr val="FFFFFF"/>
                 </a:solidFill>
               </a14:hiddenFill>
             </a:ext>
             <a:ext uri="{91240B29-F687-4f45-9708-019B960494DF}">
-              <a14:hiddenLine xmlns:a14="http://schemas.microsoft.com/office/drawing/2010/main" xmlns="" w="9525">
+              <a14:hiddenLine xmlns="" xmlns:a14="http://schemas.microsoft.com/office/drawing/2010/main" w="9525">
                 <a:solidFill>
                   <a:srgbClr val="000000"/>
                 </a:solidFill>
@@ -17883,14 +18139,14 @@
           </a:ln>
           <a:extLst>
             <a:ext uri="{909E8E84-426E-40dd-AFC4-6F175D3DCCD1}">
-              <a14:hiddenFill xmlns:a14="http://schemas.microsoft.com/office/drawing/2010/main" xmlns="">
+              <a14:hiddenFill xmlns="" xmlns:a14="http://schemas.microsoft.com/office/drawing/2010/main">
                 <a:solidFill>
                   <a:srgbClr val="FFFFFF"/>
                 </a:solidFill>
               </a14:hiddenFill>
             </a:ext>
             <a:ext uri="{91240B29-F687-4f45-9708-019B960494DF}">
-              <a14:hiddenLine xmlns:a14="http://schemas.microsoft.com/office/drawing/2010/main" xmlns="" w="9525">
+              <a14:hiddenLine xmlns="" xmlns:a14="http://schemas.microsoft.com/office/drawing/2010/main" w="9525">
                 <a:solidFill>
                   <a:srgbClr val="000000"/>
                 </a:solidFill>
@@ -18073,14 +18329,14 @@
           </a:ln>
           <a:extLst>
             <a:ext uri="{909E8E84-426E-40dd-AFC4-6F175D3DCCD1}">
-              <a14:hiddenFill xmlns:a14="http://schemas.microsoft.com/office/drawing/2010/main" xmlns="">
+              <a14:hiddenFill xmlns="" xmlns:a14="http://schemas.microsoft.com/office/drawing/2010/main">
                 <a:solidFill>
                   <a:srgbClr val="FFFFFF"/>
                 </a:solidFill>
               </a14:hiddenFill>
             </a:ext>
             <a:ext uri="{91240B29-F687-4f45-9708-019B960494DF}">
-              <a14:hiddenLine xmlns:a14="http://schemas.microsoft.com/office/drawing/2010/main" xmlns="" w="9525">
+              <a14:hiddenLine xmlns="" xmlns:a14="http://schemas.microsoft.com/office/drawing/2010/main" w="9525">
                 <a:solidFill>
                   <a:srgbClr val="000000"/>
                 </a:solidFill>
@@ -18259,7 +18515,7 @@
           </a:ln>
           <a:extLst>
             <a:ext uri="{909E8E84-426E-40dd-AFC4-6F175D3DCCD1}">
-              <a14:hiddenFill xmlns:a14="http://schemas.microsoft.com/office/drawing/2010/main" xmlns="">
+              <a14:hiddenFill xmlns="" xmlns:a14="http://schemas.microsoft.com/office/drawing/2010/main">
                 <a:noFill/>
               </a14:hiddenFill>
             </a:ext>
@@ -18295,14 +18551,14 @@
           </a:ln>
           <a:extLst>
             <a:ext uri="{909E8E84-426E-40dd-AFC4-6F175D3DCCD1}">
-              <a14:hiddenFill xmlns:a14="http://schemas.microsoft.com/office/drawing/2010/main" xmlns="">
+              <a14:hiddenFill xmlns="" xmlns:a14="http://schemas.microsoft.com/office/drawing/2010/main">
                 <a:solidFill>
                   <a:srgbClr val="FFFFFF"/>
                 </a:solidFill>
               </a14:hiddenFill>
             </a:ext>
             <a:ext uri="{91240B29-F687-4f45-9708-019B960494DF}">
-              <a14:hiddenLine xmlns:a14="http://schemas.microsoft.com/office/drawing/2010/main" xmlns="" w="9525">
+              <a14:hiddenLine xmlns="" xmlns:a14="http://schemas.microsoft.com/office/drawing/2010/main" w="9525">
                 <a:solidFill>
                   <a:srgbClr val="000000"/>
                 </a:solidFill>
@@ -18471,7 +18727,7 @@
           </a:ln>
           <a:extLst>
             <a:ext uri="{909E8E84-426E-40dd-AFC4-6F175D3DCCD1}">
-              <a14:hiddenFill xmlns:a14="http://schemas.microsoft.com/office/drawing/2010/main" xmlns="">
+              <a14:hiddenFill xmlns="" xmlns:a14="http://schemas.microsoft.com/office/drawing/2010/main">
                 <a:noFill/>
               </a14:hiddenFill>
             </a:ext>
@@ -18507,14 +18763,14 @@
           </a:ln>
           <a:extLst>
             <a:ext uri="{909E8E84-426E-40dd-AFC4-6F175D3DCCD1}">
-              <a14:hiddenFill xmlns:a14="http://schemas.microsoft.com/office/drawing/2010/main" xmlns="">
+              <a14:hiddenFill xmlns="" xmlns:a14="http://schemas.microsoft.com/office/drawing/2010/main">
                 <a:solidFill>
                   <a:srgbClr val="FFFFFF"/>
                 </a:solidFill>
               </a14:hiddenFill>
             </a:ext>
             <a:ext uri="{91240B29-F687-4f45-9708-019B960494DF}">
-              <a14:hiddenLine xmlns:a14="http://schemas.microsoft.com/office/drawing/2010/main" xmlns="" w="9525">
+              <a14:hiddenLine xmlns="" xmlns:a14="http://schemas.microsoft.com/office/drawing/2010/main" w="9525">
                 <a:solidFill>
                   <a:srgbClr val="000000"/>
                 </a:solidFill>
@@ -18683,7 +18939,7 @@
           </a:ln>
           <a:extLst>
             <a:ext uri="{909E8E84-426E-40dd-AFC4-6F175D3DCCD1}">
-              <a14:hiddenFill xmlns:a14="http://schemas.microsoft.com/office/drawing/2010/main" xmlns="">
+              <a14:hiddenFill xmlns="" xmlns:a14="http://schemas.microsoft.com/office/drawing/2010/main">
                 <a:noFill/>
               </a14:hiddenFill>
             </a:ext>
@@ -18888,14 +19144,14 @@
           </a:ln>
           <a:extLst>
             <a:ext uri="{909E8E84-426E-40dd-AFC4-6F175D3DCCD1}">
-              <a14:hiddenFill xmlns:a14="http://schemas.microsoft.com/office/drawing/2010/main" xmlns="">
+              <a14:hiddenFill xmlns="" xmlns:a14="http://schemas.microsoft.com/office/drawing/2010/main">
                 <a:solidFill>
                   <a:srgbClr val="FFFFFF"/>
                 </a:solidFill>
               </a14:hiddenFill>
             </a:ext>
             <a:ext uri="{91240B29-F687-4f45-9708-019B960494DF}">
-              <a14:hiddenLine xmlns:a14="http://schemas.microsoft.com/office/drawing/2010/main" xmlns="" w="9525">
+              <a14:hiddenLine xmlns="" xmlns:a14="http://schemas.microsoft.com/office/drawing/2010/main" w="9525">
                 <a:solidFill>
                   <a:srgbClr val="000000"/>
                 </a:solidFill>
@@ -19626,7 +19882,7 @@
           <a:p>
             <a:pPr eaLnBrk="1" hangingPunct="1"/>
             <a:r>
-              <a:rPr lang="en-US" dirty="0">
+              <a:rPr lang="en-US" b="1" dirty="0">
                 <a:latin typeface="Calibri"/>
               </a:rPr>
               <a:t>Note the prefix declarations</a:t>
@@ -19656,14 +19912,14 @@
           </a:ln>
           <a:extLst>
             <a:ext uri="{909E8E84-426E-40dd-AFC4-6F175D3DCCD1}">
-              <a14:hiddenFill xmlns:a14="http://schemas.microsoft.com/office/drawing/2010/main" xmlns="">
+              <a14:hiddenFill xmlns="" xmlns:a14="http://schemas.microsoft.com/office/drawing/2010/main">
                 <a:solidFill>
                   <a:srgbClr val="FFFFFF"/>
                 </a:solidFill>
               </a14:hiddenFill>
             </a:ext>
             <a:ext uri="{91240B29-F687-4f45-9708-019B960494DF}">
-              <a14:hiddenLine xmlns:a14="http://schemas.microsoft.com/office/drawing/2010/main" xmlns="" w="9525">
+              <a14:hiddenLine xmlns="" xmlns:a14="http://schemas.microsoft.com/office/drawing/2010/main" w="9525">
                 <a:solidFill>
                   <a:srgbClr val="000000"/>
                 </a:solidFill>
@@ -19793,23 +20049,23 @@
               </a:lnSpc>
             </a:pPr>
             <a:r>
-              <a:rPr lang="en-US" sz="2200" dirty="0"/>
+              <a:rPr lang="en-US" sz="2000" b="1" dirty="0"/>
               <a:t>&lt;</a:t>
             </a:r>
             <a:r>
-              <a:rPr lang="en-US" sz="2200" dirty="0" err="1"/>
+              <a:rPr lang="en-US" sz="2000" b="1" dirty="0" err="1"/>
               <a:t>rdf:RDF</a:t>
             </a:r>
             <a:r>
-              <a:rPr lang="en-US" sz="2200" dirty="0"/>
+              <a:rPr lang="en-US" sz="2000" b="1" dirty="0"/>
               <a:t> </a:t>
             </a:r>
             <a:r>
-              <a:rPr lang="en-US" sz="2200" dirty="0" err="1"/>
+              <a:rPr lang="en-US" sz="2000" b="1" dirty="0" err="1"/>
               <a:t>xmlns:rdf</a:t>
             </a:r>
             <a:r>
-              <a:rPr lang="en-US" sz="2200" dirty="0"/>
+              <a:rPr lang="en-US" sz="2000" b="1" dirty="0"/>
               <a:t>="http://www.w3.org/1999/02/22-rdf-syntax-ns#"</a:t>
             </a:r>
           </a:p>
@@ -19820,23 +20076,23 @@
               </a:lnSpc>
             </a:pPr>
             <a:r>
-              <a:rPr lang="en-US" sz="2200" dirty="0"/>
+              <a:rPr lang="en-US" sz="2000" b="1" dirty="0"/>
               <a:t>    </a:t>
             </a:r>
             <a:r>
-              <a:rPr lang="en-US" sz="2200" dirty="0" err="1"/>
+              <a:rPr lang="en-US" sz="2000" b="1" dirty="0" err="1"/>
               <a:t>xmlns:dc</a:t>
             </a:r>
             <a:r>
-              <a:rPr lang="en-US" sz="2200" dirty="0"/>
+              <a:rPr lang="en-US" sz="2000" b="1" dirty="0"/>
               <a:t>="http://</a:t>
             </a:r>
             <a:r>
-              <a:rPr lang="en-US" sz="2200" dirty="0" err="1"/>
+              <a:rPr lang="en-US" sz="2000" b="1" dirty="0" err="1"/>
               <a:t>purl.org</a:t>
             </a:r>
             <a:r>
-              <a:rPr lang="en-US" sz="2200" dirty="0"/>
+              <a:rPr lang="en-US" sz="2000" b="1" dirty="0"/>
               <a:t>/dc/elements/1.1/"</a:t>
             </a:r>
           </a:p>
@@ -19847,18 +20103,17 @@
               </a:lnSpc>
             </a:pPr>
             <a:r>
-              <a:rPr lang="en-US" sz="2200" dirty="0"/>
+              <a:rPr lang="en-US" sz="2000" b="1" dirty="0"/>
               <a:t>    </a:t>
             </a:r>
             <a:r>
-              <a:rPr lang="en-US" sz="2200" dirty="0" err="1"/>
+              <a:rPr lang="en-US" sz="2000" b="1" dirty="0" err="1"/>
               <a:t>xmlns:bib</a:t>
             </a:r>
             <a:r>
-              <a:rPr lang="en-US" sz="2200" dirty="0"/>
+              <a:rPr lang="en-US" sz="2000" b="1" dirty="0"/>
               <a:t>=http://daml.umbc.edu/ontologies/bib/&gt; </a:t>
             </a:r>
-            <a:endParaRPr lang="en-US" sz="900" dirty="0"/>
           </a:p>
           <a:p>
             <a:pPr>
@@ -19867,7 +20122,7 @@
               </a:lnSpc>
             </a:pPr>
             <a:r>
-              <a:rPr lang="en-US" sz="2200" dirty="0">
+              <a:rPr lang="en-US" sz="2000" dirty="0">
                 <a:solidFill>
                   <a:schemeClr val="bg1">
                     <a:lumMod val="50000"/>
@@ -19877,7 +20132,7 @@
               <a:t>&lt;</a:t>
             </a:r>
             <a:r>
-              <a:rPr lang="en-US" sz="2200" dirty="0" err="1">
+              <a:rPr lang="en-US" sz="2000" dirty="0" err="1">
                 <a:solidFill>
                   <a:schemeClr val="bg1">
                     <a:lumMod val="50000"/>
@@ -19887,7 +20142,7 @@
               <a:t>rdf:Description</a:t>
             </a:r>
             <a:r>
-              <a:rPr lang="en-US" sz="2200" dirty="0">
+              <a:rPr lang="en-US" sz="2000" dirty="0">
                 <a:solidFill>
                   <a:schemeClr val="bg1">
                     <a:lumMod val="50000"/>
@@ -19897,7 +20152,7 @@
               <a:t> </a:t>
             </a:r>
             <a:r>
-              <a:rPr lang="en-US" sz="2200" dirty="0" err="1">
+              <a:rPr lang="en-US" sz="2000" dirty="0" err="1">
                 <a:solidFill>
                   <a:schemeClr val="bg1">
                     <a:lumMod val="50000"/>
@@ -19907,7 +20162,7 @@
               <a:t>rdf:about</a:t>
             </a:r>
             <a:r>
-              <a:rPr lang="en-US" sz="2200" dirty="0">
+              <a:rPr lang="en-US" sz="2000" dirty="0">
                 <a:solidFill>
                   <a:schemeClr val="bg1">
                     <a:lumMod val="50000"/>
@@ -19924,7 +20179,7 @@
               </a:lnSpc>
             </a:pPr>
             <a:r>
-              <a:rPr lang="en-US" sz="2200" dirty="0">
+              <a:rPr lang="en-US" sz="2000" dirty="0">
                 <a:solidFill>
                   <a:schemeClr val="bg1">
                     <a:lumMod val="50000"/>
@@ -19934,7 +20189,7 @@
               <a:t>  &lt;</a:t>
             </a:r>
             <a:r>
-              <a:rPr lang="en-US" sz="2200" dirty="0" err="1">
+              <a:rPr lang="en-US" sz="2000" dirty="0" err="1">
                 <a:solidFill>
                   <a:schemeClr val="bg1">
                     <a:lumMod val="50000"/>
@@ -19944,7 +20199,7 @@
               <a:t>dc:title</a:t>
             </a:r>
             <a:r>
-              <a:rPr lang="en-US" sz="2200" dirty="0">
+              <a:rPr lang="en-US" sz="2000" dirty="0">
                 <a:solidFill>
                   <a:schemeClr val="bg1">
                     <a:lumMod val="50000"/>
@@ -19954,7 +20209,7 @@
               <a:t>&gt;Intelligent Information Systems on the Web&lt;/</a:t>
             </a:r>
             <a:r>
-              <a:rPr lang="en-US" sz="2200" dirty="0" err="1">
+              <a:rPr lang="en-US" sz="2000" dirty="0" err="1">
                 <a:solidFill>
                   <a:schemeClr val="bg1">
                     <a:lumMod val="50000"/>
@@ -19964,7 +20219,7 @@
               <a:t>dc:title</a:t>
             </a:r>
             <a:r>
-              <a:rPr lang="en-US" sz="2200" dirty="0">
+              <a:rPr lang="en-US" sz="2000" dirty="0">
                 <a:solidFill>
                   <a:schemeClr val="bg1">
                     <a:lumMod val="50000"/>
@@ -19981,7 +20236,7 @@
               </a:lnSpc>
             </a:pPr>
             <a:r>
-              <a:rPr lang="en-US" sz="2200" dirty="0">
+              <a:rPr lang="en-US" sz="2000" dirty="0">
                 <a:solidFill>
                   <a:schemeClr val="bg1">
                     <a:lumMod val="50000"/>
@@ -19991,7 +20246,7 @@
               <a:t>  &lt;</a:t>
             </a:r>
             <a:r>
-              <a:rPr lang="en-US" sz="2200" dirty="0" err="1">
+              <a:rPr lang="en-US" sz="2000" dirty="0" err="1">
                 <a:solidFill>
                   <a:schemeClr val="bg1">
                     <a:lumMod val="50000"/>
@@ -20001,7 +20256,7 @@
               <a:t>dc:creator</a:t>
             </a:r>
             <a:r>
-              <a:rPr lang="en-US" sz="2200" dirty="0">
+              <a:rPr lang="en-US" sz="2000" dirty="0">
                 <a:solidFill>
                   <a:schemeClr val="bg1">
                     <a:lumMod val="50000"/>
@@ -20018,7 +20273,7 @@
               </a:lnSpc>
             </a:pPr>
             <a:r>
-              <a:rPr lang="en-US" sz="2200" dirty="0">
+              <a:rPr lang="en-US" sz="2000" dirty="0">
                 <a:solidFill>
                   <a:schemeClr val="bg1">
                     <a:lumMod val="50000"/>
@@ -20028,7 +20283,7 @@
               <a:t>    &lt;</a:t>
             </a:r>
             <a:r>
-              <a:rPr lang="en-US" sz="2200" dirty="0" err="1">
+              <a:rPr lang="en-US" sz="2000" dirty="0" err="1">
                 <a:solidFill>
                   <a:schemeClr val="bg1">
                     <a:lumMod val="50000"/>
@@ -20038,7 +20293,7 @@
               <a:t>rdf:Description</a:t>
             </a:r>
             <a:r>
-              <a:rPr lang="en-US" sz="2200" dirty="0">
+              <a:rPr lang="en-US" sz="2000" dirty="0">
                 <a:solidFill>
                   <a:schemeClr val="bg1">
                     <a:lumMod val="50000"/>
@@ -20055,7 +20310,7 @@
               </a:lnSpc>
             </a:pPr>
             <a:r>
-              <a:rPr lang="en-US" sz="2200" dirty="0">
+              <a:rPr lang="en-US" sz="2000" dirty="0">
                 <a:solidFill>
                   <a:schemeClr val="bg1">
                     <a:lumMod val="50000"/>
@@ -20065,7 +20320,7 @@
               <a:t>      &lt;</a:t>
             </a:r>
             <a:r>
-              <a:rPr lang="en-US" sz="2200" dirty="0" err="1">
+              <a:rPr lang="en-US" sz="2000" dirty="0" err="1">
                 <a:solidFill>
                   <a:schemeClr val="bg1">
                     <a:lumMod val="50000"/>
@@ -20075,7 +20330,7 @@
               <a:t>bib:Name</a:t>
             </a:r>
             <a:r>
-              <a:rPr lang="en-US" sz="2200" dirty="0">
+              <a:rPr lang="en-US" sz="2000" dirty="0">
                 <a:solidFill>
                   <a:schemeClr val="bg1">
                     <a:lumMod val="50000"/>
@@ -20085,7 +20340,7 @@
               <a:t>&gt;Tim Finin&lt;/</a:t>
             </a:r>
             <a:r>
-              <a:rPr lang="en-US" sz="2200" dirty="0" err="1">
+              <a:rPr lang="en-US" sz="2000" dirty="0" err="1">
                 <a:solidFill>
                   <a:schemeClr val="bg1">
                     <a:lumMod val="50000"/>
@@ -20095,7 +20350,7 @@
               <a:t>bib:Name</a:t>
             </a:r>
             <a:r>
-              <a:rPr lang="en-US" sz="2200" dirty="0">
+              <a:rPr lang="en-US" sz="2000" dirty="0">
                 <a:solidFill>
                   <a:schemeClr val="bg1">
                     <a:lumMod val="50000"/>
@@ -20112,7 +20367,7 @@
               </a:lnSpc>
             </a:pPr>
             <a:r>
-              <a:rPr lang="en-US" sz="2200" dirty="0">
+              <a:rPr lang="en-US" sz="2000" dirty="0">
                 <a:solidFill>
                   <a:schemeClr val="bg1">
                     <a:lumMod val="50000"/>
@@ -20122,7 +20377,7 @@
               <a:t>      &lt;</a:t>
             </a:r>
             <a:r>
-              <a:rPr lang="en-US" sz="2200" dirty="0" err="1">
+              <a:rPr lang="en-US" sz="2000" dirty="0" err="1">
                 <a:solidFill>
                   <a:schemeClr val="bg1">
                     <a:lumMod val="50000"/>
@@ -20132,7 +20387,7 @@
               <a:t>bib:Email</a:t>
             </a:r>
             <a:r>
-              <a:rPr lang="en-US" sz="2200" dirty="0">
+              <a:rPr lang="en-US" sz="2000" dirty="0">
                 <a:solidFill>
                   <a:schemeClr val="bg1">
                     <a:lumMod val="50000"/>
@@ -20142,7 +20397,7 @@
               <a:t>&gt;finin@umbc.edu&lt;/</a:t>
             </a:r>
             <a:r>
-              <a:rPr lang="en-US" sz="2200" dirty="0" err="1">
+              <a:rPr lang="en-US" sz="2000" dirty="0" err="1">
                 <a:solidFill>
                   <a:schemeClr val="bg1">
                     <a:lumMod val="50000"/>
@@ -20152,7 +20407,7 @@
               <a:t>bib:Email</a:t>
             </a:r>
             <a:r>
-              <a:rPr lang="en-US" sz="2200" dirty="0">
+              <a:rPr lang="en-US" sz="2000" dirty="0">
                 <a:solidFill>
                   <a:schemeClr val="bg1">
                     <a:lumMod val="50000"/>
@@ -20169,7 +20424,7 @@
               </a:lnSpc>
             </a:pPr>
             <a:r>
-              <a:rPr lang="en-US" sz="2200" dirty="0">
+              <a:rPr lang="en-US" sz="2000" dirty="0">
                 <a:solidFill>
                   <a:schemeClr val="bg1">
                     <a:lumMod val="50000"/>
@@ -20179,7 +20434,7 @@
               <a:t>      &lt;</a:t>
             </a:r>
             <a:r>
-              <a:rPr lang="en-US" sz="2200" dirty="0" err="1">
+              <a:rPr lang="en-US" sz="2000" dirty="0" err="1">
                 <a:solidFill>
                   <a:schemeClr val="bg1">
                     <a:lumMod val="50000"/>
@@ -20189,7 +20444,7 @@
               <a:t>bib:Aff</a:t>
             </a:r>
             <a:r>
-              <a:rPr lang="en-US" sz="2200" dirty="0">
+              <a:rPr lang="en-US" sz="2000" dirty="0">
                 <a:solidFill>
                   <a:schemeClr val="bg1">
                     <a:lumMod val="50000"/>
@@ -20199,7 +20454,7 @@
               <a:t> </a:t>
             </a:r>
             <a:r>
-              <a:rPr lang="en-US" sz="2200" dirty="0" err="1">
+              <a:rPr lang="en-US" sz="2000" dirty="0" err="1">
                 <a:solidFill>
                   <a:schemeClr val="bg1">
                     <a:lumMod val="50000"/>
@@ -20209,7 +20464,7 @@
               <a:t>rdf:resource</a:t>
             </a:r>
             <a:r>
-              <a:rPr lang="en-US" sz="2200" dirty="0">
+              <a:rPr lang="en-US" sz="2000" dirty="0">
                 <a:solidFill>
                   <a:schemeClr val="bg1">
                     <a:lumMod val="50000"/>
@@ -20226,7 +20481,7 @@
               </a:lnSpc>
             </a:pPr>
             <a:r>
-              <a:rPr lang="en-US" sz="2200" dirty="0">
+              <a:rPr lang="en-US" sz="2000" dirty="0">
                 <a:solidFill>
                   <a:schemeClr val="bg1">
                     <a:lumMod val="50000"/>
@@ -20236,7 +20491,7 @@
               <a:t>    &lt;/</a:t>
             </a:r>
             <a:r>
-              <a:rPr lang="en-US" sz="2200" dirty="0" err="1">
+              <a:rPr lang="en-US" sz="2000" dirty="0" err="1">
                 <a:solidFill>
                   <a:schemeClr val="bg1">
                     <a:lumMod val="50000"/>
@@ -20246,7 +20501,7 @@
               <a:t>rdf:Description</a:t>
             </a:r>
             <a:r>
-              <a:rPr lang="en-US" sz="2200" dirty="0">
+              <a:rPr lang="en-US" sz="2000" dirty="0">
                 <a:solidFill>
                   <a:schemeClr val="bg1">
                     <a:lumMod val="50000"/>
@@ -20263,7 +20518,7 @@
               </a:lnSpc>
             </a:pPr>
             <a:r>
-              <a:rPr lang="en-US" sz="2200" dirty="0">
+              <a:rPr lang="en-US" sz="2000" dirty="0">
                 <a:solidFill>
                   <a:schemeClr val="bg1">
                     <a:lumMod val="50000"/>
@@ -20273,7 +20528,7 @@
               <a:t>  &lt;/</a:t>
             </a:r>
             <a:r>
-              <a:rPr lang="en-US" sz="2200" dirty="0" err="1">
+              <a:rPr lang="en-US" sz="2000" dirty="0" err="1">
                 <a:solidFill>
                   <a:schemeClr val="bg1">
                     <a:lumMod val="50000"/>
@@ -20283,7 +20538,7 @@
               <a:t>dc:creator</a:t>
             </a:r>
             <a:r>
-              <a:rPr lang="en-US" sz="2200" dirty="0">
+              <a:rPr lang="en-US" sz="2000" dirty="0">
                 <a:solidFill>
                   <a:schemeClr val="bg1">
                     <a:lumMod val="50000"/>
@@ -20300,7 +20555,7 @@
               </a:lnSpc>
             </a:pPr>
             <a:r>
-              <a:rPr lang="en-US" sz="2200" dirty="0">
+              <a:rPr lang="en-US" sz="2000" dirty="0">
                 <a:solidFill>
                   <a:schemeClr val="bg1">
                     <a:lumMod val="50000"/>
@@ -20310,7 +20565,7 @@
               <a:t>&lt;/</a:t>
             </a:r>
             <a:r>
-              <a:rPr lang="en-US" sz="2200" dirty="0" err="1">
+              <a:rPr lang="en-US" sz="2000" dirty="0" err="1">
                 <a:solidFill>
                   <a:schemeClr val="bg1">
                     <a:lumMod val="50000"/>
@@ -20320,7 +20575,7 @@
               <a:t>rdf:Description</a:t>
             </a:r>
             <a:r>
-              <a:rPr lang="en-US" sz="2200" dirty="0">
+              <a:rPr lang="en-US" sz="2000" dirty="0">
                 <a:solidFill>
                   <a:schemeClr val="bg1">
                     <a:lumMod val="50000"/>
@@ -20337,7 +20592,7 @@
               </a:lnSpc>
             </a:pPr>
             <a:r>
-              <a:rPr lang="en-US" sz="2200" dirty="0">
+              <a:rPr lang="en-US" sz="2000" dirty="0">
                 <a:solidFill>
                   <a:srgbClr val="000000"/>
                 </a:solidFill>
@@ -20345,7 +20600,7 @@
               <a:t>&lt;/</a:t>
             </a:r>
             <a:r>
-              <a:rPr lang="en-US" sz="2200" dirty="0" err="1">
+              <a:rPr lang="en-US" sz="2000" dirty="0" err="1">
                 <a:solidFill>
                   <a:srgbClr val="000000"/>
                 </a:solidFill>
@@ -20353,7 +20608,7 @@
               <a:t>rdf:RDF</a:t>
             </a:r>
             <a:r>
-              <a:rPr lang="en-US" sz="2200" dirty="0">
+              <a:rPr lang="en-US" sz="2000" dirty="0">
                 <a:solidFill>
                   <a:srgbClr val="000000"/>
                 </a:solidFill>
@@ -20517,6 +20772,899 @@
 </file>
 
 <file path=ppt/slides/slide20.xml><?xml version="1.0" encoding="utf-8"?>
+<p:sld xmlns:a="http://schemas.openxmlformats.org/drawingml/2006/main" xmlns:r="http://schemas.openxmlformats.org/officeDocument/2006/relationships" xmlns:p="http://schemas.openxmlformats.org/presentationml/2006/main" showMasterPhAnim="0">
+  <p:cSld>
+    <p:spTree>
+      <p:nvGrpSpPr>
+        <p:cNvPr id="1" name=""/>
+        <p:cNvGrpSpPr/>
+        <p:nvPr/>
+      </p:nvGrpSpPr>
+      <p:grpSpPr>
+        <a:xfrm>
+          <a:off x="0" y="0"/>
+          <a:ext cx="0" cy="0"/>
+          <a:chOff x="0" y="0"/>
+          <a:chExt cx="0" cy="0"/>
+        </a:xfrm>
+      </p:grpSpPr>
+      <p:sp>
+        <p:nvSpPr>
+          <p:cNvPr id="62465" name="Rectangle 2"/>
+          <p:cNvSpPr>
+            <a:spLocks noGrp="1" noChangeArrowheads="1"/>
+          </p:cNvSpPr>
+          <p:nvPr>
+            <p:ph type="title"/>
+          </p:nvPr>
+        </p:nvSpPr>
+        <p:spPr>
+          <a:xfrm>
+            <a:off x="887413" y="203200"/>
+            <a:ext cx="7299325" cy="781050"/>
+          </a:xfrm>
+        </p:spPr>
+        <p:txBody>
+          <a:bodyPr>
+            <a:normAutofit/>
+          </a:bodyPr>
+          <a:lstStyle/>
+          <a:p>
+            <a:pPr eaLnBrk="1" hangingPunct="1"/>
+            <a:r>
+              <a:rPr lang="en-US" b="1" dirty="0">
+                <a:latin typeface="Calibri"/>
+              </a:rPr>
+              <a:t>Note the prefix declarations</a:t>
+            </a:r>
+          </a:p>
+        </p:txBody>
+      </p:sp>
+      <p:sp>
+        <p:nvSpPr>
+          <p:cNvPr id="62466" name="Text Box 3"/>
+          <p:cNvSpPr txBox="1">
+            <a:spLocks noChangeArrowheads="1"/>
+          </p:cNvSpPr>
+          <p:nvPr/>
+        </p:nvSpPr>
+        <p:spPr bwMode="auto">
+          <a:xfrm>
+            <a:off x="342900" y="1305456"/>
+            <a:ext cx="8458200" cy="5186889"/>
+          </a:xfrm>
+          <a:prstGeom prst="rect">
+            <a:avLst/>
+          </a:prstGeom>
+          <a:noFill/>
+          <a:ln>
+            <a:noFill/>
+          </a:ln>
+          <a:extLst>
+            <a:ext uri="{909E8E84-426E-40dd-AFC4-6F175D3DCCD1}">
+              <a14:hiddenFill xmlns="" xmlns:a14="http://schemas.microsoft.com/office/drawing/2010/main">
+                <a:solidFill>
+                  <a:srgbClr val="FFFFFF"/>
+                </a:solidFill>
+              </a14:hiddenFill>
+            </a:ext>
+            <a:ext uri="{91240B29-F687-4f45-9708-019B960494DF}">
+              <a14:hiddenLine xmlns="" xmlns:a14="http://schemas.microsoft.com/office/drawing/2010/main" w="9525">
+                <a:solidFill>
+                  <a:srgbClr val="000000"/>
+                </a:solidFill>
+                <a:miter lim="800000"/>
+                <a:headEnd/>
+                <a:tailEnd/>
+              </a14:hiddenLine>
+            </a:ext>
+          </a:extLst>
+        </p:spPr>
+        <p:txBody>
+          <a:bodyPr anchor="ctr">
+            <a:spAutoFit/>
+          </a:bodyPr>
+          <a:lstStyle>
+            <a:lvl1pPr eaLnBrk="0" hangingPunct="0">
+              <a:defRPr sz="2400">
+                <a:solidFill>
+                  <a:schemeClr val="tx1"/>
+                </a:solidFill>
+                <a:latin typeface="Arial" charset="0"/>
+                <a:ea typeface="ＭＳ Ｐゴシック" charset="0"/>
+                <a:cs typeface="ＭＳ Ｐゴシック" charset="0"/>
+              </a:defRPr>
+            </a:lvl1pPr>
+            <a:lvl2pPr marL="742950" indent="-285750" eaLnBrk="0" hangingPunct="0">
+              <a:defRPr sz="2400">
+                <a:solidFill>
+                  <a:schemeClr val="tx1"/>
+                </a:solidFill>
+                <a:latin typeface="Arial" charset="0"/>
+                <a:ea typeface="ＭＳ Ｐゴシック" charset="0"/>
+              </a:defRPr>
+            </a:lvl2pPr>
+            <a:lvl3pPr marL="1143000" indent="-228600" eaLnBrk="0" hangingPunct="0">
+              <a:defRPr sz="2400">
+                <a:solidFill>
+                  <a:schemeClr val="tx1"/>
+                </a:solidFill>
+                <a:latin typeface="Arial" charset="0"/>
+                <a:ea typeface="ＭＳ Ｐゴシック" charset="0"/>
+              </a:defRPr>
+            </a:lvl3pPr>
+            <a:lvl4pPr marL="1600200" indent="-228600" eaLnBrk="0" hangingPunct="0">
+              <a:defRPr sz="2400">
+                <a:solidFill>
+                  <a:schemeClr val="tx1"/>
+                </a:solidFill>
+                <a:latin typeface="Arial" charset="0"/>
+                <a:ea typeface="ＭＳ Ｐゴシック" charset="0"/>
+              </a:defRPr>
+            </a:lvl4pPr>
+            <a:lvl5pPr marL="2057400" indent="-228600" eaLnBrk="0" hangingPunct="0">
+              <a:defRPr sz="2400">
+                <a:solidFill>
+                  <a:schemeClr val="tx1"/>
+                </a:solidFill>
+                <a:latin typeface="Arial" charset="0"/>
+                <a:ea typeface="ＭＳ Ｐゴシック" charset="0"/>
+              </a:defRPr>
+            </a:lvl5pPr>
+            <a:lvl6pPr marL="2514600" indent="-228600" eaLnBrk="0" fontAlgn="base" hangingPunct="0">
+              <a:spcBef>
+                <a:spcPct val="0"/>
+              </a:spcBef>
+              <a:spcAft>
+                <a:spcPct val="0"/>
+              </a:spcAft>
+              <a:defRPr sz="2400">
+                <a:solidFill>
+                  <a:schemeClr val="tx1"/>
+                </a:solidFill>
+                <a:latin typeface="Arial" charset="0"/>
+                <a:ea typeface="ＭＳ Ｐゴシック" charset="0"/>
+              </a:defRPr>
+            </a:lvl6pPr>
+            <a:lvl7pPr marL="2971800" indent="-228600" eaLnBrk="0" fontAlgn="base" hangingPunct="0">
+              <a:spcBef>
+                <a:spcPct val="0"/>
+              </a:spcBef>
+              <a:spcAft>
+                <a:spcPct val="0"/>
+              </a:spcAft>
+              <a:defRPr sz="2400">
+                <a:solidFill>
+                  <a:schemeClr val="tx1"/>
+                </a:solidFill>
+                <a:latin typeface="Arial" charset="0"/>
+                <a:ea typeface="ＭＳ Ｐゴシック" charset="0"/>
+              </a:defRPr>
+            </a:lvl7pPr>
+            <a:lvl8pPr marL="3429000" indent="-228600" eaLnBrk="0" fontAlgn="base" hangingPunct="0">
+              <a:spcBef>
+                <a:spcPct val="0"/>
+              </a:spcBef>
+              <a:spcAft>
+                <a:spcPct val="0"/>
+              </a:spcAft>
+              <a:defRPr sz="2400">
+                <a:solidFill>
+                  <a:schemeClr val="tx1"/>
+                </a:solidFill>
+                <a:latin typeface="Arial" charset="0"/>
+                <a:ea typeface="ＭＳ Ｐゴシック" charset="0"/>
+              </a:defRPr>
+            </a:lvl8pPr>
+            <a:lvl9pPr marL="3886200" indent="-228600" eaLnBrk="0" fontAlgn="base" hangingPunct="0">
+              <a:spcBef>
+                <a:spcPct val="0"/>
+              </a:spcBef>
+              <a:spcAft>
+                <a:spcPct val="0"/>
+              </a:spcAft>
+              <a:defRPr sz="2400">
+                <a:solidFill>
+                  <a:schemeClr val="tx1"/>
+                </a:solidFill>
+                <a:latin typeface="Arial" charset="0"/>
+                <a:ea typeface="ＭＳ Ｐゴシック" charset="0"/>
+              </a:defRPr>
+            </a:lvl9pPr>
+          </a:lstStyle>
+          <a:p>
+            <a:pPr>
+              <a:lnSpc>
+                <a:spcPts val="2840"/>
+              </a:lnSpc>
+            </a:pPr>
+            <a:r>
+              <a:rPr lang="en-US" sz="2000" b="1" dirty="0"/>
+              <a:t>&lt;</a:t>
+            </a:r>
+            <a:r>
+              <a:rPr lang="en-US" sz="2000" b="1" dirty="0" err="1"/>
+              <a:t>rdf:RDF</a:t>
+            </a:r>
+            <a:r>
+              <a:rPr lang="en-US" sz="2000" b="1" dirty="0"/>
+              <a:t> </a:t>
+            </a:r>
+            <a:r>
+              <a:rPr lang="en-US" sz="2000" b="1" dirty="0" err="1"/>
+              <a:t>xmlns:rdf</a:t>
+            </a:r>
+            <a:r>
+              <a:rPr lang="en-US" sz="2000" b="1" dirty="0"/>
+              <a:t>="http://www.w3.org/1999/02/22-rdf-syntax-ns#"</a:t>
+            </a:r>
+          </a:p>
+          <a:p>
+            <a:pPr>
+              <a:lnSpc>
+                <a:spcPts val="2840"/>
+              </a:lnSpc>
+            </a:pPr>
+            <a:r>
+              <a:rPr lang="en-US" sz="2000" b="1" dirty="0"/>
+              <a:t>    </a:t>
+            </a:r>
+            <a:r>
+              <a:rPr lang="en-US" sz="2000" b="1" dirty="0" err="1"/>
+              <a:t>xmlns:dc</a:t>
+            </a:r>
+            <a:r>
+              <a:rPr lang="en-US" sz="2000" b="1" dirty="0"/>
+              <a:t>="http://</a:t>
+            </a:r>
+            <a:r>
+              <a:rPr lang="en-US" sz="2000" b="1" dirty="0" err="1"/>
+              <a:t>purl.org</a:t>
+            </a:r>
+            <a:r>
+              <a:rPr lang="en-US" sz="2000" b="1" dirty="0"/>
+              <a:t>/dc/elements/1.1/"</a:t>
+            </a:r>
+          </a:p>
+          <a:p>
+            <a:pPr>
+              <a:lnSpc>
+                <a:spcPts val="2840"/>
+              </a:lnSpc>
+            </a:pPr>
+            <a:r>
+              <a:rPr lang="en-US" sz="2000" b="1" dirty="0"/>
+              <a:t>    </a:t>
+            </a:r>
+            <a:r>
+              <a:rPr lang="en-US" sz="2000" b="1" dirty="0" err="1"/>
+              <a:t>xmlns:bib</a:t>
+            </a:r>
+            <a:r>
+              <a:rPr lang="en-US" sz="2000" b="1" dirty="0"/>
+              <a:t>=http://daml.umbc.edu/ontologies/bib/&gt; </a:t>
+            </a:r>
+          </a:p>
+          <a:p>
+            <a:pPr>
+              <a:lnSpc>
+                <a:spcPts val="2840"/>
+              </a:lnSpc>
+            </a:pPr>
+            <a:r>
+              <a:rPr lang="en-US" sz="2000" dirty="0">
+                <a:solidFill>
+                  <a:schemeClr val="bg1">
+                    <a:lumMod val="50000"/>
+                  </a:schemeClr>
+                </a:solidFill>
+              </a:rPr>
+              <a:t>&lt;</a:t>
+            </a:r>
+            <a:r>
+              <a:rPr lang="en-US" sz="2000" dirty="0" err="1">
+                <a:solidFill>
+                  <a:schemeClr val="bg1">
+                    <a:lumMod val="50000"/>
+                  </a:schemeClr>
+                </a:solidFill>
+              </a:rPr>
+              <a:t>rdf:Description</a:t>
+            </a:r>
+            <a:r>
+              <a:rPr lang="en-US" sz="2000" dirty="0">
+                <a:solidFill>
+                  <a:schemeClr val="bg1">
+                    <a:lumMod val="50000"/>
+                  </a:schemeClr>
+                </a:solidFill>
+              </a:rPr>
+              <a:t> </a:t>
+            </a:r>
+            <a:r>
+              <a:rPr lang="en-US" sz="2000" dirty="0" err="1">
+                <a:solidFill>
+                  <a:schemeClr val="bg1">
+                    <a:lumMod val="50000"/>
+                  </a:schemeClr>
+                </a:solidFill>
+              </a:rPr>
+              <a:t>rdf:about</a:t>
+            </a:r>
+            <a:r>
+              <a:rPr lang="en-US" sz="2000" dirty="0">
+                <a:solidFill>
+                  <a:schemeClr val="bg1">
+                    <a:lumMod val="50000"/>
+                  </a:schemeClr>
+                </a:solidFill>
+              </a:rPr>
+              <a:t>="http://umbc.edu/~finin/talks/idm02/"&gt;</a:t>
+            </a:r>
+          </a:p>
+          <a:p>
+            <a:pPr>
+              <a:lnSpc>
+                <a:spcPts val="2840"/>
+              </a:lnSpc>
+            </a:pPr>
+            <a:r>
+              <a:rPr lang="en-US" sz="2000" dirty="0">
+                <a:solidFill>
+                  <a:schemeClr val="bg1">
+                    <a:lumMod val="50000"/>
+                  </a:schemeClr>
+                </a:solidFill>
+              </a:rPr>
+              <a:t>  &lt;</a:t>
+            </a:r>
+            <a:r>
+              <a:rPr lang="en-US" sz="2000" dirty="0" err="1">
+                <a:solidFill>
+                  <a:schemeClr val="bg1">
+                    <a:lumMod val="50000"/>
+                  </a:schemeClr>
+                </a:solidFill>
+              </a:rPr>
+              <a:t>dc:title</a:t>
+            </a:r>
+            <a:r>
+              <a:rPr lang="en-US" sz="2000" dirty="0">
+                <a:solidFill>
+                  <a:schemeClr val="bg1">
+                    <a:lumMod val="50000"/>
+                  </a:schemeClr>
+                </a:solidFill>
+              </a:rPr>
+              <a:t>&gt;Intelligent Information Systems on the Web&lt;/</a:t>
+            </a:r>
+            <a:r>
+              <a:rPr lang="en-US" sz="2000" dirty="0" err="1">
+                <a:solidFill>
+                  <a:schemeClr val="bg1">
+                    <a:lumMod val="50000"/>
+                  </a:schemeClr>
+                </a:solidFill>
+              </a:rPr>
+              <a:t>dc:title</a:t>
+            </a:r>
+            <a:r>
+              <a:rPr lang="en-US" sz="2000" dirty="0">
+                <a:solidFill>
+                  <a:schemeClr val="bg1">
+                    <a:lumMod val="50000"/>
+                  </a:schemeClr>
+                </a:solidFill>
+              </a:rPr>
+              <a:t>&gt;</a:t>
+            </a:r>
+          </a:p>
+          <a:p>
+            <a:pPr>
+              <a:lnSpc>
+                <a:spcPts val="2840"/>
+              </a:lnSpc>
+            </a:pPr>
+            <a:r>
+              <a:rPr lang="en-US" sz="2000" dirty="0">
+                <a:solidFill>
+                  <a:schemeClr val="bg1">
+                    <a:lumMod val="50000"/>
+                  </a:schemeClr>
+                </a:solidFill>
+              </a:rPr>
+              <a:t>  &lt;</a:t>
+            </a:r>
+            <a:r>
+              <a:rPr lang="en-US" sz="2000" dirty="0" err="1">
+                <a:solidFill>
+                  <a:schemeClr val="bg1">
+                    <a:lumMod val="50000"/>
+                  </a:schemeClr>
+                </a:solidFill>
+              </a:rPr>
+              <a:t>dc:creator</a:t>
+            </a:r>
+            <a:r>
+              <a:rPr lang="en-US" sz="2000" dirty="0">
+                <a:solidFill>
+                  <a:schemeClr val="bg1">
+                    <a:lumMod val="50000"/>
+                  </a:schemeClr>
+                </a:solidFill>
+              </a:rPr>
+              <a:t>&gt;</a:t>
+            </a:r>
+          </a:p>
+          <a:p>
+            <a:pPr>
+              <a:lnSpc>
+                <a:spcPts val="2840"/>
+              </a:lnSpc>
+            </a:pPr>
+            <a:r>
+              <a:rPr lang="en-US" sz="2000" dirty="0">
+                <a:solidFill>
+                  <a:schemeClr val="bg1">
+                    <a:lumMod val="50000"/>
+                  </a:schemeClr>
+                </a:solidFill>
+              </a:rPr>
+              <a:t>    &lt;</a:t>
+            </a:r>
+            <a:r>
+              <a:rPr lang="en-US" sz="2000" dirty="0" err="1">
+                <a:solidFill>
+                  <a:schemeClr val="bg1">
+                    <a:lumMod val="50000"/>
+                  </a:schemeClr>
+                </a:solidFill>
+              </a:rPr>
+              <a:t>rdf:Description</a:t>
+            </a:r>
+            <a:r>
+              <a:rPr lang="en-US" sz="2000" dirty="0">
+                <a:solidFill>
+                  <a:schemeClr val="bg1">
+                    <a:lumMod val="50000"/>
+                  </a:schemeClr>
+                </a:solidFill>
+              </a:rPr>
+              <a:t>&gt;</a:t>
+            </a:r>
+          </a:p>
+          <a:p>
+            <a:pPr>
+              <a:lnSpc>
+                <a:spcPts val="2840"/>
+              </a:lnSpc>
+            </a:pPr>
+            <a:r>
+              <a:rPr lang="en-US" sz="2000" dirty="0">
+                <a:solidFill>
+                  <a:schemeClr val="bg1">
+                    <a:lumMod val="50000"/>
+                  </a:schemeClr>
+                </a:solidFill>
+              </a:rPr>
+              <a:t>      &lt;</a:t>
+            </a:r>
+            <a:r>
+              <a:rPr lang="en-US" sz="2000" dirty="0" err="1">
+                <a:solidFill>
+                  <a:schemeClr val="bg1">
+                    <a:lumMod val="50000"/>
+                  </a:schemeClr>
+                </a:solidFill>
+              </a:rPr>
+              <a:t>bib:Name</a:t>
+            </a:r>
+            <a:r>
+              <a:rPr lang="en-US" sz="2000" dirty="0">
+                <a:solidFill>
+                  <a:schemeClr val="bg1">
+                    <a:lumMod val="50000"/>
+                  </a:schemeClr>
+                </a:solidFill>
+              </a:rPr>
+              <a:t>&gt;Tim Finin&lt;/</a:t>
+            </a:r>
+            <a:r>
+              <a:rPr lang="en-US" sz="2000" dirty="0" err="1">
+                <a:solidFill>
+                  <a:schemeClr val="bg1">
+                    <a:lumMod val="50000"/>
+                  </a:schemeClr>
+                </a:solidFill>
+              </a:rPr>
+              <a:t>bib:Name</a:t>
+            </a:r>
+            <a:r>
+              <a:rPr lang="en-US" sz="2000" dirty="0">
+                <a:solidFill>
+                  <a:schemeClr val="bg1">
+                    <a:lumMod val="50000"/>
+                  </a:schemeClr>
+                </a:solidFill>
+              </a:rPr>
+              <a:t>&gt;</a:t>
+            </a:r>
+          </a:p>
+          <a:p>
+            <a:pPr>
+              <a:lnSpc>
+                <a:spcPts val="2840"/>
+              </a:lnSpc>
+            </a:pPr>
+            <a:r>
+              <a:rPr lang="en-US" sz="2000" dirty="0">
+                <a:solidFill>
+                  <a:schemeClr val="bg1">
+                    <a:lumMod val="50000"/>
+                  </a:schemeClr>
+                </a:solidFill>
+              </a:rPr>
+              <a:t>      &lt;</a:t>
+            </a:r>
+            <a:r>
+              <a:rPr lang="en-US" sz="2000" dirty="0" err="1">
+                <a:solidFill>
+                  <a:schemeClr val="bg1">
+                    <a:lumMod val="50000"/>
+                  </a:schemeClr>
+                </a:solidFill>
+              </a:rPr>
+              <a:t>bib:Email</a:t>
+            </a:r>
+            <a:r>
+              <a:rPr lang="en-US" sz="2000" dirty="0">
+                <a:solidFill>
+                  <a:schemeClr val="bg1">
+                    <a:lumMod val="50000"/>
+                  </a:schemeClr>
+                </a:solidFill>
+              </a:rPr>
+              <a:t>&gt;finin@umbc.edu&lt;/</a:t>
+            </a:r>
+            <a:r>
+              <a:rPr lang="en-US" sz="2000" dirty="0" err="1">
+                <a:solidFill>
+                  <a:schemeClr val="bg1">
+                    <a:lumMod val="50000"/>
+                  </a:schemeClr>
+                </a:solidFill>
+              </a:rPr>
+              <a:t>bib:Email</a:t>
+            </a:r>
+            <a:r>
+              <a:rPr lang="en-US" sz="2000" dirty="0">
+                <a:solidFill>
+                  <a:schemeClr val="bg1">
+                    <a:lumMod val="50000"/>
+                  </a:schemeClr>
+                </a:solidFill>
+              </a:rPr>
+              <a:t>&gt;</a:t>
+            </a:r>
+          </a:p>
+          <a:p>
+            <a:pPr>
+              <a:lnSpc>
+                <a:spcPts val="2840"/>
+              </a:lnSpc>
+            </a:pPr>
+            <a:r>
+              <a:rPr lang="en-US" sz="2000" dirty="0">
+                <a:solidFill>
+                  <a:schemeClr val="bg1">
+                    <a:lumMod val="50000"/>
+                  </a:schemeClr>
+                </a:solidFill>
+              </a:rPr>
+              <a:t>      &lt;</a:t>
+            </a:r>
+            <a:r>
+              <a:rPr lang="en-US" sz="2000" dirty="0" err="1">
+                <a:solidFill>
+                  <a:schemeClr val="bg1">
+                    <a:lumMod val="50000"/>
+                  </a:schemeClr>
+                </a:solidFill>
+              </a:rPr>
+              <a:t>bib:Aff</a:t>
+            </a:r>
+            <a:r>
+              <a:rPr lang="en-US" sz="2000" dirty="0">
+                <a:solidFill>
+                  <a:schemeClr val="bg1">
+                    <a:lumMod val="50000"/>
+                  </a:schemeClr>
+                </a:solidFill>
+              </a:rPr>
+              <a:t> </a:t>
+            </a:r>
+            <a:r>
+              <a:rPr lang="en-US" sz="2000" dirty="0" err="1">
+                <a:solidFill>
+                  <a:schemeClr val="bg1">
+                    <a:lumMod val="50000"/>
+                  </a:schemeClr>
+                </a:solidFill>
+              </a:rPr>
+              <a:t>rdf:resource</a:t>
+            </a:r>
+            <a:r>
+              <a:rPr lang="en-US" sz="2000" dirty="0">
+                <a:solidFill>
+                  <a:schemeClr val="bg1">
+                    <a:lumMod val="50000"/>
+                  </a:schemeClr>
+                </a:solidFill>
+              </a:rPr>
+              <a:t>="http://umbc.edu/" /&gt;</a:t>
+            </a:r>
+          </a:p>
+          <a:p>
+            <a:pPr>
+              <a:lnSpc>
+                <a:spcPts val="2840"/>
+              </a:lnSpc>
+            </a:pPr>
+            <a:r>
+              <a:rPr lang="en-US" sz="2000" dirty="0">
+                <a:solidFill>
+                  <a:schemeClr val="bg1">
+                    <a:lumMod val="50000"/>
+                  </a:schemeClr>
+                </a:solidFill>
+              </a:rPr>
+              <a:t>    &lt;/</a:t>
+            </a:r>
+            <a:r>
+              <a:rPr lang="en-US" sz="2000" dirty="0" err="1">
+                <a:solidFill>
+                  <a:schemeClr val="bg1">
+                    <a:lumMod val="50000"/>
+                  </a:schemeClr>
+                </a:solidFill>
+              </a:rPr>
+              <a:t>rdf:Description</a:t>
+            </a:r>
+            <a:r>
+              <a:rPr lang="en-US" sz="2000" dirty="0">
+                <a:solidFill>
+                  <a:schemeClr val="bg1">
+                    <a:lumMod val="50000"/>
+                  </a:schemeClr>
+                </a:solidFill>
+              </a:rPr>
+              <a:t>&gt; </a:t>
+            </a:r>
+          </a:p>
+          <a:p>
+            <a:pPr>
+              <a:lnSpc>
+                <a:spcPts val="2840"/>
+              </a:lnSpc>
+            </a:pPr>
+            <a:r>
+              <a:rPr lang="en-US" sz="2000" dirty="0">
+                <a:solidFill>
+                  <a:schemeClr val="bg1">
+                    <a:lumMod val="50000"/>
+                  </a:schemeClr>
+                </a:solidFill>
+              </a:rPr>
+              <a:t>  &lt;/</a:t>
+            </a:r>
+            <a:r>
+              <a:rPr lang="en-US" sz="2000" dirty="0" err="1">
+                <a:solidFill>
+                  <a:schemeClr val="bg1">
+                    <a:lumMod val="50000"/>
+                  </a:schemeClr>
+                </a:solidFill>
+              </a:rPr>
+              <a:t>dc:creator</a:t>
+            </a:r>
+            <a:r>
+              <a:rPr lang="en-US" sz="2000" dirty="0">
+                <a:solidFill>
+                  <a:schemeClr val="bg1">
+                    <a:lumMod val="50000"/>
+                  </a:schemeClr>
+                </a:solidFill>
+              </a:rPr>
+              <a:t>&gt;</a:t>
+            </a:r>
+          </a:p>
+          <a:p>
+            <a:pPr>
+              <a:lnSpc>
+                <a:spcPts val="2840"/>
+              </a:lnSpc>
+            </a:pPr>
+            <a:r>
+              <a:rPr lang="en-US" sz="2000" dirty="0">
+                <a:solidFill>
+                  <a:schemeClr val="bg1">
+                    <a:lumMod val="50000"/>
+                  </a:schemeClr>
+                </a:solidFill>
+              </a:rPr>
+              <a:t>&lt;/</a:t>
+            </a:r>
+            <a:r>
+              <a:rPr lang="en-US" sz="2000" dirty="0" err="1">
+                <a:solidFill>
+                  <a:schemeClr val="bg1">
+                    <a:lumMod val="50000"/>
+                  </a:schemeClr>
+                </a:solidFill>
+              </a:rPr>
+              <a:t>rdf:Description</a:t>
+            </a:r>
+            <a:r>
+              <a:rPr lang="en-US" sz="2000" dirty="0">
+                <a:solidFill>
+                  <a:schemeClr val="bg1">
+                    <a:lumMod val="50000"/>
+                  </a:schemeClr>
+                </a:solidFill>
+              </a:rPr>
+              <a:t>&gt;</a:t>
+            </a:r>
+          </a:p>
+          <a:p>
+            <a:pPr>
+              <a:lnSpc>
+                <a:spcPts val="2840"/>
+              </a:lnSpc>
+            </a:pPr>
+            <a:r>
+              <a:rPr lang="en-US" sz="2000" dirty="0">
+                <a:solidFill>
+                  <a:srgbClr val="000000"/>
+                </a:solidFill>
+              </a:rPr>
+              <a:t>&lt;/</a:t>
+            </a:r>
+            <a:r>
+              <a:rPr lang="en-US" sz="2000" dirty="0" err="1">
+                <a:solidFill>
+                  <a:srgbClr val="000000"/>
+                </a:solidFill>
+              </a:rPr>
+              <a:t>rdf:RDF</a:t>
+            </a:r>
+            <a:r>
+              <a:rPr lang="en-US" sz="2000" dirty="0">
+                <a:solidFill>
+                  <a:srgbClr val="000000"/>
+                </a:solidFill>
+              </a:rPr>
+              <a:t>&gt;</a:t>
+            </a:r>
+          </a:p>
+        </p:txBody>
+      </p:sp>
+      <p:sp>
+        <p:nvSpPr>
+          <p:cNvPr id="2" name="TextBox 1">
+            <a:extLst>
+              <a:ext uri="{FF2B5EF4-FFF2-40B4-BE49-F238E27FC236}">
+                <a16:creationId xmlns:a16="http://schemas.microsoft.com/office/drawing/2014/main" id="{A680467D-67DB-F548-A673-305E74E50124}"/>
+              </a:ext>
+            </a:extLst>
+          </p:cNvPr>
+          <p:cNvSpPr txBox="1"/>
+          <p:nvPr/>
+        </p:nvSpPr>
+        <p:spPr>
+          <a:xfrm>
+            <a:off x="4004356" y="3418114"/>
+            <a:ext cx="4182382" cy="2308324"/>
+          </a:xfrm>
+          <a:prstGeom prst="rect">
+            <a:avLst/>
+          </a:prstGeom>
+          <a:solidFill>
+            <a:schemeClr val="bg1">
+              <a:lumMod val="85000"/>
+              <a:alpha val="86000"/>
+            </a:schemeClr>
+          </a:solidFill>
+          <a:ln w="6350">
+            <a:solidFill>
+              <a:schemeClr val="tx1"/>
+            </a:solidFill>
+          </a:ln>
+          <a:effectLst>
+            <a:outerShdw blurRad="50800" dist="38100" dir="2700000" algn="tl" rotWithShape="0">
+              <a:prstClr val="black">
+                <a:alpha val="40000"/>
+              </a:prstClr>
+            </a:outerShdw>
+          </a:effectLst>
+        </p:spPr>
+        <p:txBody>
+          <a:bodyPr wrap="square" rtlCol="0">
+            <a:spAutoFit/>
+          </a:bodyPr>
+          <a:lstStyle/>
+          <a:p>
+            <a:r>
+              <a:rPr lang="en-US" dirty="0"/>
+              <a:t>Makes it easy to include terms from three different “vocabularies”:</a:t>
+            </a:r>
+          </a:p>
+          <a:p>
+            <a:pPr marL="238125" indent="-228600">
+              <a:buFont typeface="Arial" panose="020B0604020202020204" pitchFamily="34" charset="0"/>
+              <a:buChar char="•"/>
+            </a:pPr>
+            <a:r>
+              <a:rPr lang="en-US" b="1" dirty="0" err="1"/>
+              <a:t>rdf</a:t>
+            </a:r>
+            <a:r>
+              <a:rPr lang="en-US" dirty="0"/>
+              <a:t> for terms that are part of its representation language (e.g., </a:t>
+            </a:r>
+            <a:r>
+              <a:rPr lang="en-US" dirty="0" err="1"/>
+              <a:t>rdf:type</a:t>
+            </a:r>
+            <a:r>
+              <a:rPr lang="en-US" dirty="0"/>
+              <a:t>)</a:t>
+            </a:r>
+          </a:p>
+          <a:p>
+            <a:pPr marL="238125" indent="-228600">
+              <a:buFont typeface="Arial" panose="020B0604020202020204" pitchFamily="34" charset="0"/>
+              <a:buChar char="•"/>
+            </a:pPr>
+            <a:r>
+              <a:rPr lang="en-US" b="1" dirty="0"/>
+              <a:t>dc</a:t>
+            </a:r>
+            <a:r>
+              <a:rPr lang="en-US" dirty="0"/>
+              <a:t> for terms from the Dublin Core vocabulary developed by librarians</a:t>
+            </a:r>
+          </a:p>
+          <a:p>
+            <a:pPr marL="238125" indent="-238125">
+              <a:buFont typeface="Arial" panose="020B0604020202020204" pitchFamily="34" charset="0"/>
+              <a:buChar char="•"/>
+            </a:pPr>
+            <a:r>
+              <a:rPr lang="en-US" b="1" dirty="0"/>
+              <a:t>bib</a:t>
+            </a:r>
+            <a:r>
+              <a:rPr lang="en-US" dirty="0"/>
+              <a:t> for terms from a bibliography vocabulary developed at UMBC</a:t>
+            </a:r>
+          </a:p>
+        </p:txBody>
+      </p:sp>
+    </p:spTree>
+    <p:extLst>
+      <p:ext uri="{BB962C8B-B14F-4D97-AF65-F5344CB8AC3E}">
+        <p14:creationId xmlns:p14="http://schemas.microsoft.com/office/powerpoint/2010/main" val="538034986"/>
+      </p:ext>
+    </p:extLst>
+  </p:cSld>
+  <p:clrMapOvr>
+    <a:masterClrMapping/>
+  </p:clrMapOvr>
+  <p:transition/>
+</p:sld>
+</file>
+
+<file path=ppt/slides/slide21.xml><?xml version="1.0" encoding="utf-8"?>
 <p:sld xmlns:a="http://schemas.openxmlformats.org/drawingml/2006/main" xmlns:r="http://schemas.openxmlformats.org/officeDocument/2006/relationships" xmlns:p="http://schemas.openxmlformats.org/presentationml/2006/main">
   <p:cSld>
     <p:spTree>
@@ -20569,10 +21717,10 @@
           <p:nvPr/>
         </p:nvPicPr>
         <p:blipFill>
-          <a:blip r:embed="rId2">
+          <a:blip r:embed="rId2" cstate="print">
             <a:extLst>
               <a:ext uri="{28A0092B-C50C-407E-A947-70E740481C1C}">
-                <a14:useLocalDpi xmlns:a14="http://schemas.microsoft.com/office/drawing/2010/main" val="0"/>
+                <a14:useLocalDpi xmlns:a14="http://schemas.microsoft.com/office/drawing/2010/main"/>
               </a:ext>
             </a:extLst>
           </a:blip>
@@ -20633,7 +21781,7 @@
 </p:sld>
 </file>
 
-<file path=ppt/slides/slide21.xml><?xml version="1.0" encoding="utf-8"?>
+<file path=ppt/slides/slide22.xml><?xml version="1.0" encoding="utf-8"?>
 <p:sld xmlns:a="http://schemas.openxmlformats.org/drawingml/2006/main" xmlns:r="http://schemas.openxmlformats.org/officeDocument/2006/relationships" xmlns:p="http://schemas.openxmlformats.org/presentationml/2006/main">
   <p:cSld>
     <p:spTree>
@@ -20733,7 +21881,7 @@
 </p:sld>
 </file>
 
-<file path=ppt/slides/slide22.xml><?xml version="1.0" encoding="utf-8"?>
+<file path=ppt/slides/slide23.xml><?xml version="1.0" encoding="utf-8"?>
 <p:sld xmlns:a="http://schemas.openxmlformats.org/drawingml/2006/main" xmlns:r="http://schemas.openxmlformats.org/officeDocument/2006/relationships" xmlns:p="http://schemas.openxmlformats.org/presentationml/2006/main" showMasterPhAnim="0">
   <p:cSld>
     <p:spTree>
@@ -21088,7 +22236,7 @@
 </p:sld>
 </file>
 
-<file path=ppt/slides/slide23.xml><?xml version="1.0" encoding="utf-8"?>
+<file path=ppt/slides/slide24.xml><?xml version="1.0" encoding="utf-8"?>
 <p:sld xmlns:a="http://schemas.openxmlformats.org/drawingml/2006/main" xmlns:r="http://schemas.openxmlformats.org/officeDocument/2006/relationships" xmlns:p="http://schemas.openxmlformats.org/presentationml/2006/main" showMasterPhAnim="0">
   <p:cSld>
     <p:spTree>
@@ -21214,6 +22362,36 @@
           </a:p>
         </p:txBody>
       </p:sp>
+      <p:pic>
+        <p:nvPicPr>
+          <p:cNvPr id="2" name="Picture 1">
+            <a:extLst>
+              <a:ext uri="{FF2B5EF4-FFF2-40B4-BE49-F238E27FC236}">
+                <a16:creationId xmlns:a16="http://schemas.microsoft.com/office/drawing/2014/main" id="{029C682A-BC3E-5D44-B184-8ED7275DCF25}"/>
+              </a:ext>
+            </a:extLst>
+          </p:cNvPr>
+          <p:cNvPicPr>
+            <a:picLocks noChangeAspect="1"/>
+          </p:cNvPicPr>
+          <p:nvPr/>
+        </p:nvPicPr>
+        <p:blipFill>
+          <a:blip r:embed="rId4"/>
+          <a:stretch>
+            <a:fillRect/>
+          </a:stretch>
+        </p:blipFill>
+        <p:spPr>
+          <a:xfrm>
+            <a:off x="0" y="0"/>
+            <a:ext cx="9144000" cy="6858000"/>
+          </a:xfrm>
+          <a:prstGeom prst="rect">
+            <a:avLst/>
+          </a:prstGeom>
+        </p:spPr>
+      </p:pic>
     </p:spTree>
     <p:extLst>
       <p:ext uri="{BB962C8B-B14F-4D97-AF65-F5344CB8AC3E}">
@@ -21228,7 +22406,7 @@
 </p:sld>
 </file>
 
-<file path=ppt/slides/slide24.xml><?xml version="1.0" encoding="utf-8"?>
+<file path=ppt/slides/slide25.xml><?xml version="1.0" encoding="utf-8"?>
 <p:sld xmlns:a="http://schemas.openxmlformats.org/drawingml/2006/main" xmlns:r="http://schemas.openxmlformats.org/officeDocument/2006/relationships" xmlns:p="http://schemas.openxmlformats.org/presentationml/2006/main">
   <p:cSld>
     <p:spTree>
@@ -21525,7 +22703,7 @@
 </p:sld>
 </file>
 
-<file path=ppt/slides/slide25.xml><?xml version="1.0" encoding="utf-8"?>
+<file path=ppt/slides/slide26.xml><?xml version="1.0" encoding="utf-8"?>
 <p:sld xmlns:a="http://schemas.openxmlformats.org/drawingml/2006/main" xmlns:r="http://schemas.openxmlformats.org/officeDocument/2006/relationships" xmlns:p="http://schemas.openxmlformats.org/presentationml/2006/main" showMasterPhAnim="0" show="0">
   <p:cSld>
     <p:spTree>
@@ -21820,14 +22998,14 @@
           </a:ln>
           <a:extLst>
             <a:ext uri="{909E8E84-426E-40dd-AFC4-6F175D3DCCD1}">
-              <a14:hiddenFill xmlns:a14="http://schemas.microsoft.com/office/drawing/2010/main" xmlns="">
+              <a14:hiddenFill xmlns="" xmlns:a14="http://schemas.microsoft.com/office/drawing/2010/main">
                 <a:solidFill>
                   <a:srgbClr val="FFFFFF"/>
                 </a:solidFill>
               </a14:hiddenFill>
             </a:ext>
             <a:ext uri="{91240B29-F687-4f45-9708-019B960494DF}">
-              <a14:hiddenLine xmlns:a14="http://schemas.microsoft.com/office/drawing/2010/main" xmlns="" w="9525">
+              <a14:hiddenLine xmlns="" xmlns:a14="http://schemas.microsoft.com/office/drawing/2010/main" w="9525">
                 <a:solidFill>
                   <a:srgbClr val="000000"/>
                 </a:solidFill>
@@ -22011,8 +23189,8 @@
 </p:sld>
 </file>
 
-<file path=ppt/slides/slide26.xml><?xml version="1.0" encoding="utf-8"?>
-<p:sld xmlns:a="http://schemas.openxmlformats.org/drawingml/2006/main" xmlns:r="http://schemas.openxmlformats.org/officeDocument/2006/relationships" xmlns:p="http://schemas.openxmlformats.org/presentationml/2006/main">
+<file path=ppt/slides/slide27.xml><?xml version="1.0" encoding="utf-8"?>
+<p:sld xmlns:a="http://schemas.openxmlformats.org/drawingml/2006/main" xmlns:r="http://schemas.openxmlformats.org/officeDocument/2006/relationships" xmlns:p="http://schemas.openxmlformats.org/presentationml/2006/main" show="0">
   <p:cSld>
     <p:spTree>
       <p:nvGrpSpPr>
@@ -22258,7 +23436,7 @@
           <a:blip r:embed="rId5">
             <a:extLst>
               <a:ext uri="{28A0092B-C50C-407E-A947-70E740481C1C}">
-                <a14:useLocalDpi xmlns:a14="http://schemas.microsoft.com/office/drawing/2010/main" val="0"/>
+                <a14:useLocalDpi xmlns:a14="http://schemas.microsoft.com/office/drawing/2010/main"/>
               </a:ext>
             </a:extLst>
           </a:blip>
@@ -22307,7 +23485,6 @@
               </a:srgbClr>
             </a:outerShdw>
           </a:effectLst>
-          <a:extLst/>
         </p:spPr>
         <p:txBody>
           <a:bodyPr>
@@ -22622,8 +23799,8 @@
 </p:sld>
 </file>
 
-<file path=ppt/slides/slide27.xml><?xml version="1.0" encoding="utf-8"?>
-<p:sld xmlns:a="http://schemas.openxmlformats.org/drawingml/2006/main" xmlns:r="http://schemas.openxmlformats.org/officeDocument/2006/relationships" xmlns:p="http://schemas.openxmlformats.org/presentationml/2006/main">
+<file path=ppt/slides/slide28.xml><?xml version="1.0" encoding="utf-8"?>
+<p:sld xmlns:a="http://schemas.openxmlformats.org/drawingml/2006/main" xmlns:r="http://schemas.openxmlformats.org/officeDocument/2006/relationships" xmlns:p="http://schemas.openxmlformats.org/presentationml/2006/main" show="0">
   <p:cSld>
     <p:spTree>
       <p:nvGrpSpPr>
@@ -23063,7 +24240,7 @@
           </a:ln>
           <a:extLst>
             <a:ext uri="{909E8E84-426E-40dd-AFC4-6F175D3DCCD1}">
-              <a14:hiddenFill xmlns:a14="http://schemas.microsoft.com/office/drawing/2010/main" xmlns="">
+              <a14:hiddenFill xmlns="" xmlns:a14="http://schemas.microsoft.com/office/drawing/2010/main">
                 <a:solidFill>
                   <a:srgbClr val="FFFFFF"/>
                 </a:solidFill>
@@ -23419,7 +24596,7 @@
           </a:ln>
           <a:extLst>
             <a:ext uri="{909E8E84-426E-40dd-AFC4-6F175D3DCCD1}">
-              <a14:hiddenFill xmlns:a14="http://schemas.microsoft.com/office/drawing/2010/main" xmlns="">
+              <a14:hiddenFill xmlns="" xmlns:a14="http://schemas.microsoft.com/office/drawing/2010/main">
                 <a:solidFill>
                   <a:srgbClr val="FFFFFF"/>
                 </a:solidFill>
@@ -23701,7 +24878,7 @@
           </a:ln>
           <a:extLst>
             <a:ext uri="{909E8E84-426E-40dd-AFC4-6F175D3DCCD1}">
-              <a14:hiddenFill xmlns:a14="http://schemas.microsoft.com/office/drawing/2010/main" xmlns="">
+              <a14:hiddenFill xmlns="" xmlns:a14="http://schemas.microsoft.com/office/drawing/2010/main">
                 <a:solidFill>
                   <a:srgbClr val="FFFFFF"/>
                 </a:solidFill>
@@ -23886,7 +25063,7 @@
           </a:ln>
           <a:extLst>
             <a:ext uri="{909E8E84-426E-40dd-AFC4-6F175D3DCCD1}">
-              <a14:hiddenFill xmlns:a14="http://schemas.microsoft.com/office/drawing/2010/main" xmlns="">
+              <a14:hiddenFill xmlns="" xmlns:a14="http://schemas.microsoft.com/office/drawing/2010/main">
                 <a:solidFill>
                   <a:srgbClr val="FFFFFF"/>
                 </a:solidFill>
@@ -24180,8 +25357,8 @@
 </p:sld>
 </file>
 
-<file path=ppt/slides/slide28.xml><?xml version="1.0" encoding="utf-8"?>
-<p:sld xmlns:a="http://schemas.openxmlformats.org/drawingml/2006/main" xmlns:r="http://schemas.openxmlformats.org/officeDocument/2006/relationships" xmlns:p="http://schemas.openxmlformats.org/presentationml/2006/main">
+<file path=ppt/slides/slide29.xml><?xml version="1.0" encoding="utf-8"?>
+<p:sld xmlns:a="http://schemas.openxmlformats.org/drawingml/2006/main" xmlns:r="http://schemas.openxmlformats.org/officeDocument/2006/relationships" xmlns:p="http://schemas.openxmlformats.org/presentationml/2006/main" show="0">
   <p:cSld>
     <p:spTree>
       <p:nvGrpSpPr>
@@ -24377,14 +25554,14 @@
           </a:ln>
           <a:extLst>
             <a:ext uri="{909E8E84-426E-40dd-AFC4-6F175D3DCCD1}">
-              <a14:hiddenFill xmlns:a14="http://schemas.microsoft.com/office/drawing/2010/main" xmlns="">
+              <a14:hiddenFill xmlns="" xmlns:a14="http://schemas.microsoft.com/office/drawing/2010/main">
                 <a:solidFill>
                   <a:srgbClr val="FFFFFF"/>
                 </a:solidFill>
               </a14:hiddenFill>
             </a:ext>
             <a:ext uri="{91240B29-F687-4f45-9708-019B960494DF}">
-              <a14:hiddenLine xmlns:a14="http://schemas.microsoft.com/office/drawing/2010/main" xmlns="" w="9525">
+              <a14:hiddenLine xmlns="" xmlns:a14="http://schemas.microsoft.com/office/drawing/2010/main" w="9525">
                 <a:solidFill>
                   <a:srgbClr val="000000"/>
                 </a:solidFill>
@@ -24533,345 +25710,6 @@
     <p:extLst>
       <p:ext uri="{BB962C8B-B14F-4D97-AF65-F5344CB8AC3E}">
         <p14:creationId xmlns:p14="http://schemas.microsoft.com/office/powerpoint/2010/main" val="1043595331"/>
-      </p:ext>
-    </p:extLst>
-  </p:cSld>
-  <p:clrMapOvr>
-    <a:masterClrMapping/>
-  </p:clrMapOvr>
-</p:sld>
-</file>
-
-<file path=ppt/slides/slide29.xml><?xml version="1.0" encoding="utf-8"?>
-<p:sld xmlns:a="http://schemas.openxmlformats.org/drawingml/2006/main" xmlns:r="http://schemas.openxmlformats.org/officeDocument/2006/relationships" xmlns:p="http://schemas.openxmlformats.org/presentationml/2006/main" show="0">
-  <p:cSld>
-    <p:spTree>
-      <p:nvGrpSpPr>
-        <p:cNvPr id="1" name=""/>
-        <p:cNvGrpSpPr/>
-        <p:nvPr/>
-      </p:nvGrpSpPr>
-      <p:grpSpPr>
-        <a:xfrm>
-          <a:off x="0" y="0"/>
-          <a:ext cx="0" cy="0"/>
-          <a:chOff x="0" y="0"/>
-          <a:chExt cx="0" cy="0"/>
-        </a:xfrm>
-      </p:grpSpPr>
-      <p:sp>
-        <p:nvSpPr>
-          <p:cNvPr id="78849" name="Rectangle 2"/>
-          <p:cNvSpPr>
-            <a:spLocks noGrp="1" noChangeArrowheads="1"/>
-          </p:cNvSpPr>
-          <p:nvPr>
-            <p:ph type="title"/>
-          </p:nvPr>
-        </p:nvSpPr>
-        <p:spPr>
-          <a:xfrm>
-            <a:off x="457200" y="211138"/>
-            <a:ext cx="8229600" cy="1143000"/>
-          </a:xfrm>
-        </p:spPr>
-        <p:txBody>
-          <a:bodyPr/>
-          <a:lstStyle/>
-          <a:p>
-            <a:pPr eaLnBrk="1" hangingPunct="1"/>
-            <a:r>
-              <a:rPr lang="en-US" sz="4800" dirty="0">
-                <a:latin typeface="Calibri"/>
-              </a:rPr>
-              <a:t>No free lunch!</a:t>
-            </a:r>
-          </a:p>
-        </p:txBody>
-      </p:sp>
-      <p:sp>
-        <p:nvSpPr>
-          <p:cNvPr id="78850" name="Rectangle 3"/>
-          <p:cNvSpPr>
-            <a:spLocks noGrp="1" noChangeArrowheads="1"/>
-          </p:cNvSpPr>
-          <p:nvPr>
-            <p:ph type="body" idx="1"/>
-          </p:nvPr>
-        </p:nvSpPr>
-        <p:spPr>
-          <a:xfrm>
-            <a:off x="457200" y="1219200"/>
-            <a:ext cx="8229600" cy="5029200"/>
-          </a:xfrm>
-        </p:spPr>
-        <p:txBody>
-          <a:bodyPr>
-            <a:normAutofit/>
-          </a:bodyPr>
-          <a:lstStyle/>
-          <a:p>
-            <a:pPr eaLnBrk="1" hangingPunct="1"/>
-            <a:r>
-              <a:rPr lang="en-US" dirty="0">
-                <a:latin typeface="Calibri"/>
-              </a:rPr>
-              <a:t>Must plan for lies, mischief, mistakes, stale data, slander, idiosyncratic terms</a:t>
-            </a:r>
-          </a:p>
-          <a:p>
-            <a:pPr eaLnBrk="1" hangingPunct="1"/>
-            <a:r>
-              <a:rPr lang="en-US" dirty="0">
-                <a:latin typeface="Calibri"/>
-              </a:rPr>
-              <a:t>Dataset is out of control, distributed, dynamic</a:t>
-            </a:r>
-          </a:p>
-          <a:p>
-            <a:pPr eaLnBrk="1" hangingPunct="1"/>
-            <a:r>
-              <a:rPr lang="en-US" dirty="0">
-                <a:latin typeface="Calibri"/>
-              </a:rPr>
-              <a:t>Importance of knowing who-said-what </a:t>
-            </a:r>
-          </a:p>
-          <a:p>
-            <a:pPr lvl="1" eaLnBrk="1" hangingPunct="1"/>
-            <a:r>
-              <a:rPr lang="en-US" dirty="0">
-                <a:latin typeface="Calibri"/>
-                <a:ea typeface="ＭＳ Ｐゴシック" charset="0"/>
-              </a:rPr>
-              <a:t>Anyone can describe anyone</a:t>
-            </a:r>
-          </a:p>
-          <a:p>
-            <a:pPr lvl="1" eaLnBrk="1" hangingPunct="1"/>
-            <a:r>
-              <a:rPr lang="en-US" dirty="0">
-                <a:latin typeface="Calibri"/>
-                <a:ea typeface="ＭＳ Ｐゴシック" charset="0"/>
-              </a:rPr>
-              <a:t>We must record data </a:t>
-            </a:r>
-            <a:r>
-              <a:rPr lang="en-US" b="1" dirty="0">
-                <a:latin typeface="Calibri"/>
-                <a:ea typeface="ＭＳ Ｐゴシック" charset="0"/>
-              </a:rPr>
-              <a:t>provenance</a:t>
-            </a:r>
-          </a:p>
-          <a:p>
-            <a:pPr lvl="1" eaLnBrk="1" hangingPunct="1"/>
-            <a:r>
-              <a:rPr lang="en-US" dirty="0">
-                <a:latin typeface="Calibri"/>
-                <a:ea typeface="ＭＳ Ｐゴシック" charset="0"/>
-              </a:rPr>
-              <a:t>Modeling and reasoning about trust is critical</a:t>
-            </a:r>
-          </a:p>
-          <a:p>
-            <a:pPr eaLnBrk="1" hangingPunct="1"/>
-            <a:r>
-              <a:rPr lang="en-US" dirty="0">
-                <a:latin typeface="Calibri"/>
-              </a:rPr>
-              <a:t>Legal, privacy and etiquette issues emerge</a:t>
-            </a:r>
-          </a:p>
-          <a:p>
-            <a:pPr eaLnBrk="1" hangingPunct="1"/>
-            <a:r>
-              <a:rPr lang="en-US" dirty="0">
-                <a:latin typeface="Calibri"/>
-              </a:rPr>
-              <a:t>Welcome to the real world</a:t>
-            </a:r>
-          </a:p>
-        </p:txBody>
-      </p:sp>
-      <p:sp>
-        <p:nvSpPr>
-          <p:cNvPr id="78851" name="Text Box 4"/>
-          <p:cNvSpPr txBox="1">
-            <a:spLocks noChangeArrowheads="1"/>
-          </p:cNvSpPr>
-          <p:nvPr/>
-        </p:nvSpPr>
-        <p:spPr bwMode="auto">
-          <a:xfrm>
-            <a:off x="5943600" y="6096000"/>
-            <a:ext cx="2798538" cy="307777"/>
-          </a:xfrm>
-          <a:prstGeom prst="rect">
-            <a:avLst/>
-          </a:prstGeom>
-          <a:noFill/>
-          <a:ln>
-            <a:noFill/>
-          </a:ln>
-          <a:extLst>
-            <a:ext uri="{909E8E84-426E-40dd-AFC4-6F175D3DCCD1}">
-              <a14:hiddenFill xmlns:a14="http://schemas.microsoft.com/office/drawing/2010/main" xmlns="">
-                <a:solidFill>
-                  <a:srgbClr val="FFFFFF"/>
-                </a:solidFill>
-              </a14:hiddenFill>
-            </a:ext>
-            <a:ext uri="{91240B29-F687-4f45-9708-019B960494DF}">
-              <a14:hiddenLine xmlns:a14="http://schemas.microsoft.com/office/drawing/2010/main" xmlns="" w="9525">
-                <a:solidFill>
-                  <a:srgbClr val="000000"/>
-                </a:solidFill>
-                <a:miter lim="800000"/>
-                <a:headEnd/>
-                <a:tailEnd/>
-              </a14:hiddenLine>
-            </a:ext>
-          </a:extLst>
-        </p:spPr>
-        <p:txBody>
-          <a:bodyPr wrap="none">
-            <a:spAutoFit/>
-          </a:bodyPr>
-          <a:lstStyle>
-            <a:lvl1pPr eaLnBrk="0" hangingPunct="0">
-              <a:defRPr sz="2400">
-                <a:solidFill>
-                  <a:schemeClr val="tx1"/>
-                </a:solidFill>
-                <a:latin typeface="Arial" charset="0"/>
-                <a:ea typeface="ＭＳ Ｐゴシック" charset="0"/>
-                <a:cs typeface="ＭＳ Ｐゴシック" charset="0"/>
-              </a:defRPr>
-            </a:lvl1pPr>
-            <a:lvl2pPr marL="742950" indent="-285750" eaLnBrk="0" hangingPunct="0">
-              <a:defRPr sz="2400">
-                <a:solidFill>
-                  <a:schemeClr val="tx1"/>
-                </a:solidFill>
-                <a:latin typeface="Arial" charset="0"/>
-                <a:ea typeface="ＭＳ Ｐゴシック" charset="0"/>
-              </a:defRPr>
-            </a:lvl2pPr>
-            <a:lvl3pPr marL="1143000" indent="-228600" eaLnBrk="0" hangingPunct="0">
-              <a:defRPr sz="2400">
-                <a:solidFill>
-                  <a:schemeClr val="tx1"/>
-                </a:solidFill>
-                <a:latin typeface="Arial" charset="0"/>
-                <a:ea typeface="ＭＳ Ｐゴシック" charset="0"/>
-              </a:defRPr>
-            </a:lvl3pPr>
-            <a:lvl4pPr marL="1600200" indent="-228600" eaLnBrk="0" hangingPunct="0">
-              <a:defRPr sz="2400">
-                <a:solidFill>
-                  <a:schemeClr val="tx1"/>
-                </a:solidFill>
-                <a:latin typeface="Arial" charset="0"/>
-                <a:ea typeface="ＭＳ Ｐゴシック" charset="0"/>
-              </a:defRPr>
-            </a:lvl4pPr>
-            <a:lvl5pPr marL="2057400" indent="-228600" eaLnBrk="0" hangingPunct="0">
-              <a:defRPr sz="2400">
-                <a:solidFill>
-                  <a:schemeClr val="tx1"/>
-                </a:solidFill>
-                <a:latin typeface="Arial" charset="0"/>
-                <a:ea typeface="ＭＳ Ｐゴシック" charset="0"/>
-              </a:defRPr>
-            </a:lvl5pPr>
-            <a:lvl6pPr marL="2514600" indent="-228600" eaLnBrk="0" fontAlgn="base" hangingPunct="0">
-              <a:spcBef>
-                <a:spcPct val="0"/>
-              </a:spcBef>
-              <a:spcAft>
-                <a:spcPct val="0"/>
-              </a:spcAft>
-              <a:defRPr sz="2400">
-                <a:solidFill>
-                  <a:schemeClr val="tx1"/>
-                </a:solidFill>
-                <a:latin typeface="Arial" charset="0"/>
-                <a:ea typeface="ＭＳ Ｐゴシック" charset="0"/>
-              </a:defRPr>
-            </a:lvl6pPr>
-            <a:lvl7pPr marL="2971800" indent="-228600" eaLnBrk="0" fontAlgn="base" hangingPunct="0">
-              <a:spcBef>
-                <a:spcPct val="0"/>
-              </a:spcBef>
-              <a:spcAft>
-                <a:spcPct val="0"/>
-              </a:spcAft>
-              <a:defRPr sz="2400">
-                <a:solidFill>
-                  <a:schemeClr val="tx1"/>
-                </a:solidFill>
-                <a:latin typeface="Arial" charset="0"/>
-                <a:ea typeface="ＭＳ Ｐゴシック" charset="0"/>
-              </a:defRPr>
-            </a:lvl7pPr>
-            <a:lvl8pPr marL="3429000" indent="-228600" eaLnBrk="0" fontAlgn="base" hangingPunct="0">
-              <a:spcBef>
-                <a:spcPct val="0"/>
-              </a:spcBef>
-              <a:spcAft>
-                <a:spcPct val="0"/>
-              </a:spcAft>
-              <a:defRPr sz="2400">
-                <a:solidFill>
-                  <a:schemeClr val="tx1"/>
-                </a:solidFill>
-                <a:latin typeface="Arial" charset="0"/>
-                <a:ea typeface="ＭＳ Ｐゴシック" charset="0"/>
-              </a:defRPr>
-            </a:lvl8pPr>
-            <a:lvl9pPr marL="3886200" indent="-228600" eaLnBrk="0" fontAlgn="base" hangingPunct="0">
-              <a:spcBef>
-                <a:spcPct val="0"/>
-              </a:spcBef>
-              <a:spcAft>
-                <a:spcPct val="0"/>
-              </a:spcAft>
-              <a:defRPr sz="2400">
-                <a:solidFill>
-                  <a:schemeClr val="tx1"/>
-                </a:solidFill>
-                <a:latin typeface="Arial" charset="0"/>
-                <a:ea typeface="ＭＳ Ｐゴシック" charset="0"/>
-              </a:defRPr>
-            </a:lvl9pPr>
-          </a:lstStyle>
-          <a:p>
-            <a:r>
-              <a:rPr lang="en-US" sz="1400" i="1" dirty="0">
-                <a:latin typeface="Calibri"/>
-              </a:rPr>
-              <a:t>After Dan </a:t>
-            </a:r>
-            <a:r>
-              <a:rPr lang="en-US" sz="1400" i="1" dirty="0" err="1">
-                <a:latin typeface="Calibri"/>
-              </a:rPr>
-              <a:t>Brickley</a:t>
-            </a:r>
-            <a:r>
-              <a:rPr lang="en-US" sz="1400" i="1" dirty="0">
-                <a:latin typeface="Calibri"/>
-              </a:rPr>
-              <a:t>, danbri@w3.org  </a:t>
-            </a:r>
-          </a:p>
-        </p:txBody>
-      </p:sp>
-    </p:spTree>
-    <p:extLst>
-      <p:ext uri="{BB962C8B-B14F-4D97-AF65-F5344CB8AC3E}">
-        <p14:creationId xmlns:p14="http://schemas.microsoft.com/office/powerpoint/2010/main" val="3047154947"/>
       </p:ext>
     </p:extLst>
   </p:cSld>
@@ -25006,6 +25844,345 @@
 </file>
 
 <file path=ppt/slides/slide30.xml><?xml version="1.0" encoding="utf-8"?>
+<p:sld xmlns:a="http://schemas.openxmlformats.org/drawingml/2006/main" xmlns:r="http://schemas.openxmlformats.org/officeDocument/2006/relationships" xmlns:p="http://schemas.openxmlformats.org/presentationml/2006/main" show="0">
+  <p:cSld>
+    <p:spTree>
+      <p:nvGrpSpPr>
+        <p:cNvPr id="1" name=""/>
+        <p:cNvGrpSpPr/>
+        <p:nvPr/>
+      </p:nvGrpSpPr>
+      <p:grpSpPr>
+        <a:xfrm>
+          <a:off x="0" y="0"/>
+          <a:ext cx="0" cy="0"/>
+          <a:chOff x="0" y="0"/>
+          <a:chExt cx="0" cy="0"/>
+        </a:xfrm>
+      </p:grpSpPr>
+      <p:sp>
+        <p:nvSpPr>
+          <p:cNvPr id="78849" name="Rectangle 2"/>
+          <p:cNvSpPr>
+            <a:spLocks noGrp="1" noChangeArrowheads="1"/>
+          </p:cNvSpPr>
+          <p:nvPr>
+            <p:ph type="title"/>
+          </p:nvPr>
+        </p:nvSpPr>
+        <p:spPr>
+          <a:xfrm>
+            <a:off x="457200" y="211138"/>
+            <a:ext cx="8229600" cy="1143000"/>
+          </a:xfrm>
+        </p:spPr>
+        <p:txBody>
+          <a:bodyPr/>
+          <a:lstStyle/>
+          <a:p>
+            <a:pPr eaLnBrk="1" hangingPunct="1"/>
+            <a:r>
+              <a:rPr lang="en-US" sz="4800" dirty="0">
+                <a:latin typeface="Calibri"/>
+              </a:rPr>
+              <a:t>No free lunch!</a:t>
+            </a:r>
+          </a:p>
+        </p:txBody>
+      </p:sp>
+      <p:sp>
+        <p:nvSpPr>
+          <p:cNvPr id="78850" name="Rectangle 3"/>
+          <p:cNvSpPr>
+            <a:spLocks noGrp="1" noChangeArrowheads="1"/>
+          </p:cNvSpPr>
+          <p:nvPr>
+            <p:ph type="body" idx="1"/>
+          </p:nvPr>
+        </p:nvSpPr>
+        <p:spPr>
+          <a:xfrm>
+            <a:off x="457200" y="1219200"/>
+            <a:ext cx="8229600" cy="5029200"/>
+          </a:xfrm>
+        </p:spPr>
+        <p:txBody>
+          <a:bodyPr>
+            <a:normAutofit/>
+          </a:bodyPr>
+          <a:lstStyle/>
+          <a:p>
+            <a:pPr eaLnBrk="1" hangingPunct="1"/>
+            <a:r>
+              <a:rPr lang="en-US" dirty="0">
+                <a:latin typeface="Calibri"/>
+              </a:rPr>
+              <a:t>Must plan for lies, mischief, mistakes, stale data, slander, idiosyncratic terms</a:t>
+            </a:r>
+          </a:p>
+          <a:p>
+            <a:pPr eaLnBrk="1" hangingPunct="1"/>
+            <a:r>
+              <a:rPr lang="en-US" dirty="0">
+                <a:latin typeface="Calibri"/>
+              </a:rPr>
+              <a:t>Dataset is out of control, distributed, dynamic</a:t>
+            </a:r>
+          </a:p>
+          <a:p>
+            <a:pPr eaLnBrk="1" hangingPunct="1"/>
+            <a:r>
+              <a:rPr lang="en-US" dirty="0">
+                <a:latin typeface="Calibri"/>
+              </a:rPr>
+              <a:t>Importance of knowing who-said-what </a:t>
+            </a:r>
+          </a:p>
+          <a:p>
+            <a:pPr lvl="1" eaLnBrk="1" hangingPunct="1"/>
+            <a:r>
+              <a:rPr lang="en-US" dirty="0">
+                <a:latin typeface="Calibri"/>
+                <a:ea typeface="ＭＳ Ｐゴシック" charset="0"/>
+              </a:rPr>
+              <a:t>Anyone can describe anyone</a:t>
+            </a:r>
+          </a:p>
+          <a:p>
+            <a:pPr lvl="1" eaLnBrk="1" hangingPunct="1"/>
+            <a:r>
+              <a:rPr lang="en-US" dirty="0">
+                <a:latin typeface="Calibri"/>
+                <a:ea typeface="ＭＳ Ｐゴシック" charset="0"/>
+              </a:rPr>
+              <a:t>We must record data </a:t>
+            </a:r>
+            <a:r>
+              <a:rPr lang="en-US" b="1" dirty="0">
+                <a:latin typeface="Calibri"/>
+                <a:ea typeface="ＭＳ Ｐゴシック" charset="0"/>
+              </a:rPr>
+              <a:t>provenance</a:t>
+            </a:r>
+          </a:p>
+          <a:p>
+            <a:pPr lvl="1" eaLnBrk="1" hangingPunct="1"/>
+            <a:r>
+              <a:rPr lang="en-US" dirty="0">
+                <a:latin typeface="Calibri"/>
+                <a:ea typeface="ＭＳ Ｐゴシック" charset="0"/>
+              </a:rPr>
+              <a:t>Modeling and reasoning about trust is critical</a:t>
+            </a:r>
+          </a:p>
+          <a:p>
+            <a:pPr eaLnBrk="1" hangingPunct="1"/>
+            <a:r>
+              <a:rPr lang="en-US" dirty="0">
+                <a:latin typeface="Calibri"/>
+              </a:rPr>
+              <a:t>Legal, privacy and etiquette issues emerge</a:t>
+            </a:r>
+          </a:p>
+          <a:p>
+            <a:pPr eaLnBrk="1" hangingPunct="1"/>
+            <a:r>
+              <a:rPr lang="en-US" dirty="0">
+                <a:latin typeface="Calibri"/>
+              </a:rPr>
+              <a:t>Welcome to the real world</a:t>
+            </a:r>
+          </a:p>
+        </p:txBody>
+      </p:sp>
+      <p:sp>
+        <p:nvSpPr>
+          <p:cNvPr id="78851" name="Text Box 4"/>
+          <p:cNvSpPr txBox="1">
+            <a:spLocks noChangeArrowheads="1"/>
+          </p:cNvSpPr>
+          <p:nvPr/>
+        </p:nvSpPr>
+        <p:spPr bwMode="auto">
+          <a:xfrm>
+            <a:off x="5943600" y="6096000"/>
+            <a:ext cx="2798538" cy="307777"/>
+          </a:xfrm>
+          <a:prstGeom prst="rect">
+            <a:avLst/>
+          </a:prstGeom>
+          <a:noFill/>
+          <a:ln>
+            <a:noFill/>
+          </a:ln>
+          <a:extLst>
+            <a:ext uri="{909E8E84-426E-40dd-AFC4-6F175D3DCCD1}">
+              <a14:hiddenFill xmlns="" xmlns:a14="http://schemas.microsoft.com/office/drawing/2010/main">
+                <a:solidFill>
+                  <a:srgbClr val="FFFFFF"/>
+                </a:solidFill>
+              </a14:hiddenFill>
+            </a:ext>
+            <a:ext uri="{91240B29-F687-4f45-9708-019B960494DF}">
+              <a14:hiddenLine xmlns="" xmlns:a14="http://schemas.microsoft.com/office/drawing/2010/main" w="9525">
+                <a:solidFill>
+                  <a:srgbClr val="000000"/>
+                </a:solidFill>
+                <a:miter lim="800000"/>
+                <a:headEnd/>
+                <a:tailEnd/>
+              </a14:hiddenLine>
+            </a:ext>
+          </a:extLst>
+        </p:spPr>
+        <p:txBody>
+          <a:bodyPr wrap="none">
+            <a:spAutoFit/>
+          </a:bodyPr>
+          <a:lstStyle>
+            <a:lvl1pPr eaLnBrk="0" hangingPunct="0">
+              <a:defRPr sz="2400">
+                <a:solidFill>
+                  <a:schemeClr val="tx1"/>
+                </a:solidFill>
+                <a:latin typeface="Arial" charset="0"/>
+                <a:ea typeface="ＭＳ Ｐゴシック" charset="0"/>
+                <a:cs typeface="ＭＳ Ｐゴシック" charset="0"/>
+              </a:defRPr>
+            </a:lvl1pPr>
+            <a:lvl2pPr marL="742950" indent="-285750" eaLnBrk="0" hangingPunct="0">
+              <a:defRPr sz="2400">
+                <a:solidFill>
+                  <a:schemeClr val="tx1"/>
+                </a:solidFill>
+                <a:latin typeface="Arial" charset="0"/>
+                <a:ea typeface="ＭＳ Ｐゴシック" charset="0"/>
+              </a:defRPr>
+            </a:lvl2pPr>
+            <a:lvl3pPr marL="1143000" indent="-228600" eaLnBrk="0" hangingPunct="0">
+              <a:defRPr sz="2400">
+                <a:solidFill>
+                  <a:schemeClr val="tx1"/>
+                </a:solidFill>
+                <a:latin typeface="Arial" charset="0"/>
+                <a:ea typeface="ＭＳ Ｐゴシック" charset="0"/>
+              </a:defRPr>
+            </a:lvl3pPr>
+            <a:lvl4pPr marL="1600200" indent="-228600" eaLnBrk="0" hangingPunct="0">
+              <a:defRPr sz="2400">
+                <a:solidFill>
+                  <a:schemeClr val="tx1"/>
+                </a:solidFill>
+                <a:latin typeface="Arial" charset="0"/>
+                <a:ea typeface="ＭＳ Ｐゴシック" charset="0"/>
+              </a:defRPr>
+            </a:lvl4pPr>
+            <a:lvl5pPr marL="2057400" indent="-228600" eaLnBrk="0" hangingPunct="0">
+              <a:defRPr sz="2400">
+                <a:solidFill>
+                  <a:schemeClr val="tx1"/>
+                </a:solidFill>
+                <a:latin typeface="Arial" charset="0"/>
+                <a:ea typeface="ＭＳ Ｐゴシック" charset="0"/>
+              </a:defRPr>
+            </a:lvl5pPr>
+            <a:lvl6pPr marL="2514600" indent="-228600" eaLnBrk="0" fontAlgn="base" hangingPunct="0">
+              <a:spcBef>
+                <a:spcPct val="0"/>
+              </a:spcBef>
+              <a:spcAft>
+                <a:spcPct val="0"/>
+              </a:spcAft>
+              <a:defRPr sz="2400">
+                <a:solidFill>
+                  <a:schemeClr val="tx1"/>
+                </a:solidFill>
+                <a:latin typeface="Arial" charset="0"/>
+                <a:ea typeface="ＭＳ Ｐゴシック" charset="0"/>
+              </a:defRPr>
+            </a:lvl6pPr>
+            <a:lvl7pPr marL="2971800" indent="-228600" eaLnBrk="0" fontAlgn="base" hangingPunct="0">
+              <a:spcBef>
+                <a:spcPct val="0"/>
+              </a:spcBef>
+              <a:spcAft>
+                <a:spcPct val="0"/>
+              </a:spcAft>
+              <a:defRPr sz="2400">
+                <a:solidFill>
+                  <a:schemeClr val="tx1"/>
+                </a:solidFill>
+                <a:latin typeface="Arial" charset="0"/>
+                <a:ea typeface="ＭＳ Ｐゴシック" charset="0"/>
+              </a:defRPr>
+            </a:lvl7pPr>
+            <a:lvl8pPr marL="3429000" indent="-228600" eaLnBrk="0" fontAlgn="base" hangingPunct="0">
+              <a:spcBef>
+                <a:spcPct val="0"/>
+              </a:spcBef>
+              <a:spcAft>
+                <a:spcPct val="0"/>
+              </a:spcAft>
+              <a:defRPr sz="2400">
+                <a:solidFill>
+                  <a:schemeClr val="tx1"/>
+                </a:solidFill>
+                <a:latin typeface="Arial" charset="0"/>
+                <a:ea typeface="ＭＳ Ｐゴシック" charset="0"/>
+              </a:defRPr>
+            </a:lvl8pPr>
+            <a:lvl9pPr marL="3886200" indent="-228600" eaLnBrk="0" fontAlgn="base" hangingPunct="0">
+              <a:spcBef>
+                <a:spcPct val="0"/>
+              </a:spcBef>
+              <a:spcAft>
+                <a:spcPct val="0"/>
+              </a:spcAft>
+              <a:defRPr sz="2400">
+                <a:solidFill>
+                  <a:schemeClr val="tx1"/>
+                </a:solidFill>
+                <a:latin typeface="Arial" charset="0"/>
+                <a:ea typeface="ＭＳ Ｐゴシック" charset="0"/>
+              </a:defRPr>
+            </a:lvl9pPr>
+          </a:lstStyle>
+          <a:p>
+            <a:r>
+              <a:rPr lang="en-US" sz="1400" i="1" dirty="0">
+                <a:latin typeface="Calibri"/>
+              </a:rPr>
+              <a:t>After Dan </a:t>
+            </a:r>
+            <a:r>
+              <a:rPr lang="en-US" sz="1400" i="1" dirty="0" err="1">
+                <a:latin typeface="Calibri"/>
+              </a:rPr>
+              <a:t>Brickley</a:t>
+            </a:r>
+            <a:r>
+              <a:rPr lang="en-US" sz="1400" i="1" dirty="0">
+                <a:latin typeface="Calibri"/>
+              </a:rPr>
+              <a:t>, danbri@w3.org  </a:t>
+            </a:r>
+          </a:p>
+        </p:txBody>
+      </p:sp>
+    </p:spTree>
+    <p:extLst>
+      <p:ext uri="{BB962C8B-B14F-4D97-AF65-F5344CB8AC3E}">
+        <p14:creationId xmlns:p14="http://schemas.microsoft.com/office/powerpoint/2010/main" val="3047154947"/>
+      </p:ext>
+    </p:extLst>
+  </p:cSld>
+  <p:clrMapOvr>
+    <a:masterClrMapping/>
+  </p:clrMapOvr>
+</p:sld>
+</file>
+
+<file path=ppt/slides/slide31.xml><?xml version="1.0" encoding="utf-8"?>
 <p:sld xmlns:a="http://schemas.openxmlformats.org/drawingml/2006/main" xmlns:r="http://schemas.openxmlformats.org/officeDocument/2006/relationships" xmlns:p="http://schemas.openxmlformats.org/presentationml/2006/main">
   <p:cSld>
     <p:spTree>
@@ -25186,7 +26363,7 @@
 </p:sld>
 </file>
 
-<file path=ppt/slides/slide31.xml><?xml version="1.0" encoding="utf-8"?>
+<file path=ppt/slides/slide32.xml><?xml version="1.0" encoding="utf-8"?>
 <p:sld xmlns:a="http://schemas.openxmlformats.org/drawingml/2006/main" xmlns:r="http://schemas.openxmlformats.org/officeDocument/2006/relationships" xmlns:p="http://schemas.openxmlformats.org/presentationml/2006/main">
   <p:cSld>
     <p:spTree>
@@ -25304,289 +26481,6 @@
     <p:extLst>
       <p:ext uri="{BB962C8B-B14F-4D97-AF65-F5344CB8AC3E}">
         <p14:creationId xmlns:p14="http://schemas.microsoft.com/office/powerpoint/2010/main" val="3550934276"/>
-      </p:ext>
-    </p:extLst>
-  </p:cSld>
-  <p:clrMapOvr>
-    <a:masterClrMapping/>
-  </p:clrMapOvr>
-</p:sld>
-</file>
-
-<file path=ppt/slides/slide32.xml><?xml version="1.0" encoding="utf-8"?>
-<p:sld xmlns:a="http://schemas.openxmlformats.org/drawingml/2006/main" xmlns:r="http://schemas.openxmlformats.org/officeDocument/2006/relationships" xmlns:p="http://schemas.openxmlformats.org/presentationml/2006/main">
-  <p:cSld>
-    <p:spTree>
-      <p:nvGrpSpPr>
-        <p:cNvPr id="1" name=""/>
-        <p:cNvGrpSpPr/>
-        <p:nvPr/>
-      </p:nvGrpSpPr>
-      <p:grpSpPr>
-        <a:xfrm>
-          <a:off x="0" y="0"/>
-          <a:ext cx="0" cy="0"/>
-          <a:chOff x="0" y="0"/>
-          <a:chExt cx="0" cy="0"/>
-        </a:xfrm>
-      </p:grpSpPr>
-      <p:sp>
-        <p:nvSpPr>
-          <p:cNvPr id="80897" name="Rectangle 2"/>
-          <p:cNvSpPr>
-            <a:spLocks noGrp="1" noChangeArrowheads="1"/>
-          </p:cNvSpPr>
-          <p:nvPr>
-            <p:ph type="title"/>
-          </p:nvPr>
-        </p:nvSpPr>
-        <p:spPr/>
-        <p:txBody>
-          <a:bodyPr/>
-          <a:lstStyle/>
-          <a:p>
-            <a:pPr eaLnBrk="1" hangingPunct="1"/>
-            <a:r>
-              <a:rPr lang="en-US" dirty="0">
-                <a:latin typeface="Calibri"/>
-              </a:rPr>
-              <a:t>More RDF Vocabulary</a:t>
-            </a:r>
-          </a:p>
-        </p:txBody>
-      </p:sp>
-      <p:sp>
-        <p:nvSpPr>
-          <p:cNvPr id="80898" name="Rectangle 3"/>
-          <p:cNvSpPr>
-            <a:spLocks noGrp="1" noChangeArrowheads="1"/>
-          </p:cNvSpPr>
-          <p:nvPr>
-            <p:ph type="body" idx="1"/>
-          </p:nvPr>
-        </p:nvSpPr>
-        <p:spPr>
-          <a:xfrm>
-            <a:off x="304800" y="1371600"/>
-            <a:ext cx="8712200" cy="5359400"/>
-          </a:xfrm>
-        </p:spPr>
-        <p:txBody>
-          <a:bodyPr/>
-          <a:lstStyle/>
-          <a:p>
-            <a:pPr marL="231775" indent="-231775" eaLnBrk="1" hangingPunct="1">
-              <a:lnSpc>
-                <a:spcPct val="90000"/>
-              </a:lnSpc>
-            </a:pPr>
-            <a:r>
-              <a:rPr lang="en-US" dirty="0">
-                <a:latin typeface="Calibri"/>
-              </a:rPr>
-              <a:t>RDF also can describe triples through </a:t>
-            </a:r>
-            <a:r>
-              <a:rPr lang="en-US" b="1" dirty="0">
-                <a:latin typeface="Calibri"/>
-                <a:hlinkClick r:id="rId3"/>
-              </a:rPr>
-              <a:t>reification</a:t>
-            </a:r>
-            <a:endParaRPr lang="en-US" b="1" dirty="0">
-              <a:latin typeface="Calibri"/>
-            </a:endParaRPr>
-          </a:p>
-          <a:p>
-            <a:pPr marL="231775" indent="-231775" eaLnBrk="1" hangingPunct="1">
-              <a:lnSpc>
-                <a:spcPct val="90000"/>
-              </a:lnSpc>
-            </a:pPr>
-            <a:r>
-              <a:rPr lang="en-US" dirty="0">
-                <a:latin typeface="Calibri"/>
-              </a:rPr>
-              <a:t>Enabling statements about statements</a:t>
-            </a:r>
-          </a:p>
-          <a:p>
-            <a:pPr marL="0" indent="0" eaLnBrk="1" hangingPunct="1">
-              <a:lnSpc>
-                <a:spcPct val="90000"/>
-              </a:lnSpc>
-              <a:buNone/>
-            </a:pPr>
-            <a:endParaRPr lang="en-US" dirty="0">
-              <a:latin typeface="Calibri"/>
-            </a:endParaRPr>
-          </a:p>
-          <a:p>
-            <a:pPr marL="520700" lvl="1" indent="0" eaLnBrk="1" hangingPunct="1">
-              <a:lnSpc>
-                <a:spcPct val="90000"/>
-              </a:lnSpc>
-              <a:buFont typeface="Georgia" charset="0"/>
-              <a:buNone/>
-            </a:pPr>
-            <a:r>
-              <a:rPr lang="en-US" dirty="0">
-                <a:latin typeface="Calibri"/>
-                <a:ea typeface="ＭＳ Ｐゴシック" charset="0"/>
-              </a:rPr>
-              <a:t>:flipper </a:t>
-            </a:r>
-            <a:r>
-              <a:rPr lang="en-US" dirty="0" err="1">
-                <a:latin typeface="Calibri"/>
-                <a:ea typeface="ＭＳ Ｐゴシック" charset="0"/>
-              </a:rPr>
-              <a:t>rdf:type</a:t>
-            </a:r>
-            <a:r>
-              <a:rPr lang="en-US" dirty="0">
-                <a:latin typeface="Calibri"/>
-                <a:ea typeface="ＭＳ Ｐゴシック" charset="0"/>
-              </a:rPr>
-              <a:t> :mammal .</a:t>
-            </a:r>
-            <a:br>
-              <a:rPr lang="en-US" dirty="0">
-                <a:latin typeface="Calibri"/>
-                <a:ea typeface="ＭＳ Ｐゴシック" charset="0"/>
-              </a:rPr>
-            </a:br>
-            <a:endParaRPr lang="en-US" dirty="0">
-              <a:latin typeface="Calibri"/>
-              <a:ea typeface="ＭＳ Ｐゴシック" charset="0"/>
-            </a:endParaRPr>
-          </a:p>
-        </p:txBody>
-      </p:sp>
-      <p:sp>
-        <p:nvSpPr>
-          <p:cNvPr id="5" name="TextBox 4"/>
-          <p:cNvSpPr txBox="1"/>
-          <p:nvPr/>
-        </p:nvSpPr>
-        <p:spPr>
-          <a:xfrm>
-            <a:off x="6042991" y="2435622"/>
-            <a:ext cx="2974009" cy="4154984"/>
-          </a:xfrm>
-          <a:prstGeom prst="rect">
-            <a:avLst/>
-          </a:prstGeom>
-          <a:noFill/>
-        </p:spPr>
-        <p:txBody>
-          <a:bodyPr wrap="square" rtlCol="0">
-            <a:spAutoFit/>
-          </a:bodyPr>
-          <a:lstStyle/>
-          <a:p>
-            <a:pPr marL="182563" indent="-182563">
-              <a:buFont typeface="Arial" charset="0"/>
-              <a:buChar char="•"/>
-            </a:pPr>
-            <a:r>
-              <a:rPr lang="en-US" sz="2400" dirty="0">
-                <a:solidFill>
-                  <a:schemeClr val="tx1">
-                    <a:lumMod val="50000"/>
-                    <a:lumOff val="50000"/>
-                  </a:schemeClr>
-                </a:solidFill>
-              </a:rPr>
-              <a:t>All non-literals have to be URIs</a:t>
-            </a:r>
-          </a:p>
-          <a:p>
-            <a:pPr marL="182563" indent="-182563">
-              <a:buFont typeface="Arial" charset="0"/>
-              <a:buChar char="•"/>
-            </a:pPr>
-            <a:r>
-              <a:rPr lang="en-US" sz="2400" dirty="0">
-                <a:solidFill>
-                  <a:schemeClr val="tx1">
-                    <a:lumMod val="50000"/>
-                    <a:lumOff val="50000"/>
-                  </a:schemeClr>
-                </a:solidFill>
-              </a:rPr>
-              <a:t>RDF uses prefixes for readability</a:t>
-            </a:r>
-          </a:p>
-          <a:p>
-            <a:pPr marL="182563" indent="-182563">
-              <a:buFont typeface="Arial" charset="0"/>
-              <a:buChar char="•"/>
-            </a:pPr>
-            <a:r>
-              <a:rPr lang="en-US" sz="2400" dirty="0">
-                <a:solidFill>
-                  <a:schemeClr val="tx1">
-                    <a:lumMod val="50000"/>
-                    <a:lumOff val="50000"/>
-                  </a:schemeClr>
-                </a:solidFill>
-              </a:rPr>
-              <a:t> We can specify what a null prefix means</a:t>
-            </a:r>
-          </a:p>
-          <a:p>
-            <a:pPr marL="182563" indent="-182563">
-              <a:buFont typeface="Arial" charset="0"/>
-              <a:buChar char="•"/>
-            </a:pPr>
-            <a:r>
-              <a:rPr lang="en-US" sz="2400" dirty="0">
-                <a:solidFill>
-                  <a:schemeClr val="tx1">
-                    <a:lumMod val="50000"/>
-                    <a:lumOff val="50000"/>
-                  </a:schemeClr>
-                </a:solidFill>
-              </a:rPr>
-              <a:t>If we don’t it means “in this file”</a:t>
-            </a:r>
-          </a:p>
-          <a:p>
-            <a:pPr marL="182563" indent="-182563">
-              <a:buFont typeface="Arial" charset="0"/>
-              <a:buChar char="•"/>
-            </a:pPr>
-            <a:r>
-              <a:rPr lang="en-US" sz="2400" dirty="0">
-                <a:solidFill>
-                  <a:schemeClr val="tx1">
-                    <a:lumMod val="50000"/>
-                    <a:lumOff val="50000"/>
-                  </a:schemeClr>
-                </a:solidFill>
-                <a:hlinkClick r:id="rId4"/>
-              </a:rPr>
-              <a:t>https://prefix.cc/</a:t>
-            </a:r>
-            <a:r>
-              <a:rPr lang="en-US" sz="2400" dirty="0">
-                <a:solidFill>
-                  <a:schemeClr val="tx1">
-                    <a:lumMod val="50000"/>
-                    <a:lumOff val="50000"/>
-                  </a:schemeClr>
-                </a:solidFill>
-              </a:rPr>
-              <a:t> is one service for looking up prefixes</a:t>
-            </a:r>
-          </a:p>
-        </p:txBody>
-      </p:sp>
-    </p:spTree>
-    <p:extLst>
-      <p:ext uri="{BB962C8B-B14F-4D97-AF65-F5344CB8AC3E}">
-        <p14:creationId xmlns:p14="http://schemas.microsoft.com/office/powerpoint/2010/main" val="3051166476"/>
       </p:ext>
     </p:extLst>
   </p:cSld>
@@ -25739,147 +26633,10 @@
                 <a:ea typeface="ＭＳ Ｐゴシック" charset="0"/>
               </a:rPr>
             </a:br>
-            <a:r>
-              <a:rPr lang="en-US" dirty="0">
-                <a:latin typeface="Calibri"/>
-                <a:ea typeface="ＭＳ Ｐゴシック" charset="0"/>
-              </a:rPr>
-              <a:t>_:s1 </a:t>
-            </a:r>
-            <a:r>
-              <a:rPr lang="en-US" dirty="0" err="1">
-                <a:latin typeface="Calibri"/>
-                <a:ea typeface="ＭＳ Ｐゴシック" charset="0"/>
-              </a:rPr>
-              <a:t>rdf:type</a:t>
-            </a:r>
-            <a:r>
-              <a:rPr lang="en-US" dirty="0">
-                <a:latin typeface="Calibri"/>
-                <a:ea typeface="ＭＳ Ｐゴシック" charset="0"/>
-              </a:rPr>
-              <a:t> </a:t>
-            </a:r>
-            <a:r>
-              <a:rPr lang="en-US" dirty="0" err="1">
-                <a:latin typeface="Calibri"/>
-                <a:ea typeface="ＭＳ Ｐゴシック" charset="0"/>
-              </a:rPr>
-              <a:t>rdf:Statement</a:t>
-            </a:r>
-            <a:r>
-              <a:rPr lang="en-US" dirty="0">
-                <a:latin typeface="Calibri"/>
-                <a:ea typeface="ＭＳ Ｐゴシック" charset="0"/>
-              </a:rPr>
-              <a:t> . </a:t>
-            </a:r>
-          </a:p>
-          <a:p>
-            <a:pPr marL="520700" lvl="1" indent="0" eaLnBrk="1" hangingPunct="1">
-              <a:lnSpc>
-                <a:spcPct val="90000"/>
-              </a:lnSpc>
-              <a:buFont typeface="Georgia" charset="0"/>
-              <a:buNone/>
-            </a:pPr>
-            <a:r>
-              <a:rPr lang="en-US" dirty="0">
-                <a:latin typeface="Calibri"/>
-                <a:ea typeface="ＭＳ Ｐゴシック" charset="0"/>
-              </a:rPr>
-              <a:t>_:s1 </a:t>
-            </a:r>
-            <a:r>
-              <a:rPr lang="en-US" dirty="0" err="1">
-                <a:latin typeface="Calibri"/>
-                <a:ea typeface="ＭＳ Ｐゴシック" charset="0"/>
-              </a:rPr>
-              <a:t>rdf:subject</a:t>
-            </a:r>
-            <a:r>
-              <a:rPr lang="en-US" dirty="0">
-                <a:latin typeface="Calibri"/>
-                <a:ea typeface="ＭＳ Ｐゴシック" charset="0"/>
-              </a:rPr>
-              <a:t> :flipper .</a:t>
-            </a:r>
-          </a:p>
-          <a:p>
-            <a:pPr marL="520700" lvl="1" indent="0" eaLnBrk="1" hangingPunct="1">
-              <a:lnSpc>
-                <a:spcPct val="90000"/>
-              </a:lnSpc>
-              <a:buFont typeface="Georgia" charset="0"/>
-              <a:buNone/>
-            </a:pPr>
-            <a:r>
-              <a:rPr lang="en-US" dirty="0">
-                <a:latin typeface="Calibri"/>
-                <a:ea typeface="ＭＳ Ｐゴシック" charset="0"/>
-              </a:rPr>
-              <a:t>_:s1 </a:t>
-            </a:r>
-            <a:r>
-              <a:rPr lang="en-US" dirty="0" err="1">
-                <a:latin typeface="Calibri"/>
-                <a:ea typeface="ＭＳ Ｐゴシック" charset="0"/>
-              </a:rPr>
-              <a:t>rdf:predicate</a:t>
-            </a:r>
-            <a:r>
-              <a:rPr lang="en-US" dirty="0">
-                <a:latin typeface="Calibri"/>
-                <a:ea typeface="ＭＳ Ｐゴシック" charset="0"/>
-              </a:rPr>
-              <a:t> :type . </a:t>
-            </a:r>
-          </a:p>
-          <a:p>
-            <a:pPr marL="520700" lvl="1" indent="0" eaLnBrk="1" hangingPunct="1">
-              <a:lnSpc>
-                <a:spcPct val="90000"/>
-              </a:lnSpc>
-              <a:buFont typeface="Georgia" charset="0"/>
-              <a:buNone/>
-            </a:pPr>
-            <a:r>
-              <a:rPr lang="en-US" dirty="0">
-                <a:latin typeface="Calibri"/>
-                <a:ea typeface="ＭＳ Ｐゴシック" charset="0"/>
-              </a:rPr>
-              <a:t>_:s1 </a:t>
-            </a:r>
-            <a:r>
-              <a:rPr lang="en-US" dirty="0" err="1">
-                <a:latin typeface="Calibri"/>
-                <a:ea typeface="ＭＳ Ｐゴシック" charset="0"/>
-              </a:rPr>
-              <a:t>rdf:object</a:t>
-            </a:r>
-            <a:r>
-              <a:rPr lang="en-US" dirty="0">
-                <a:latin typeface="Calibri"/>
-                <a:ea typeface="ＭＳ Ｐゴシック" charset="0"/>
-              </a:rPr>
-              <a:t> :mammal . </a:t>
-            </a:r>
-          </a:p>
-          <a:p>
-            <a:pPr marL="520700" lvl="1" indent="0" eaLnBrk="1" hangingPunct="1">
-              <a:lnSpc>
-                <a:spcPct val="90000"/>
-              </a:lnSpc>
-              <a:buFont typeface="Georgia" charset="0"/>
-              <a:buNone/>
-            </a:pPr>
-            <a:r>
-              <a:rPr lang="en-US" dirty="0">
-                <a:latin typeface="Calibri"/>
-                <a:ea typeface="ＭＳ Ｐゴシック" charset="0"/>
-              </a:rPr>
-              <a:t>_:s1 :probability 0.9</a:t>
-            </a:r>
+            <a:endParaRPr lang="en-US" dirty="0">
+              <a:latin typeface="Calibri"/>
+              <a:ea typeface="ＭＳ Ｐゴシック" charset="0"/>
+            </a:endParaRPr>
           </a:p>
         </p:txBody>
       </p:sp>
@@ -25891,8 +26648,8 @@
         </p:nvSpPr>
         <p:spPr>
           <a:xfrm>
-            <a:off x="6042991" y="2846439"/>
-            <a:ext cx="2974009" cy="3785652"/>
+            <a:off x="6042991" y="2435622"/>
+            <a:ext cx="2974009" cy="4154984"/>
           </a:xfrm>
           <a:prstGeom prst="rect">
             <a:avLst/>
@@ -25918,7 +26675,7 @@
                   </a:schemeClr>
                 </a:solidFill>
               </a:rPr>
-              <a:t>The underscore prefix is special</a:t>
+              <a:t>All non-literals have to be URIs</a:t>
             </a:r>
           </a:p>
           <a:p>
@@ -25935,10 +26692,16 @@
                   </a:schemeClr>
                 </a:solidFill>
               </a:rPr>
-              <a:t>It introduces </a:t>
-            </a:r>
-            <a:r>
-              <a:rPr lang="en-US" sz="2400" i="1" dirty="0">
+              <a:t>RDF uses prefixes for readability</a:t>
+            </a:r>
+          </a:p>
+          <a:p>
+            <a:pPr marL="182563" indent="-182563">
+              <a:buFont typeface="Arial" charset="0"/>
+              <a:buChar char="•"/>
+            </a:pPr>
+            <a:r>
+              <a:rPr lang="en-US" sz="2400" dirty="0">
                 <a:solidFill>
                   <a:schemeClr val="tx1">
                     <a:lumMod val="50000"/>
@@ -25946,8 +26709,14 @@
                   </a:schemeClr>
                 </a:solidFill>
               </a:rPr>
-              <a:t>blank node</a:t>
-            </a:r>
+              <a:t> We can specify what a null prefix means</a:t>
+            </a:r>
+          </a:p>
+          <a:p>
+            <a:pPr marL="182563" indent="-182563">
+              <a:buFont typeface="Arial" charset="0"/>
+              <a:buChar char="•"/>
+            </a:pPr>
             <a:r>
               <a:rPr lang="en-US" sz="2400" dirty="0">
                 <a:solidFill>
@@ -25957,7 +26726,7 @@
                   </a:schemeClr>
                 </a:solidFill>
               </a:rPr>
-              <a:t>s</a:t>
+              <a:t>If we don’t it means “in this file”</a:t>
             </a:r>
           </a:p>
           <a:p>
@@ -25973,15 +26742,10 @@
                     <a:lumOff val="50000"/>
                   </a:schemeClr>
                 </a:solidFill>
-              </a:rPr>
-              <a:t>We’ll talk about this in more detail later</a:t>
-            </a:r>
-          </a:p>
-          <a:p>
-            <a:pPr marL="182563" indent="-182563">
-              <a:buFont typeface="Arial" charset="0"/>
-              <a:buChar char="•"/>
-            </a:pPr>
+                <a:hlinkClick r:id="rId4"/>
+              </a:rPr>
+              <a:t>https://prefix.cc/</a:t>
+            </a:r>
             <a:r>
               <a:rPr lang="en-US" sz="2400" dirty="0">
                 <a:solidFill>
@@ -25991,7 +26755,7 @@
                   </a:schemeClr>
                 </a:solidFill>
               </a:rPr>
-              <a:t>For now, think of it as introducing “a new, nameless thing”</a:t>
+              <a:t> is one service for looking up prefixes</a:t>
             </a:r>
           </a:p>
         </p:txBody>
@@ -25999,7 +26763,7 @@
     </p:spTree>
     <p:extLst>
       <p:ext uri="{BB962C8B-B14F-4D97-AF65-F5344CB8AC3E}">
-        <p14:creationId xmlns:p14="http://schemas.microsoft.com/office/powerpoint/2010/main" val="492978782"/>
+        <p14:creationId xmlns:p14="http://schemas.microsoft.com/office/powerpoint/2010/main" val="3051166476"/>
       </p:ext>
     </p:extLst>
   </p:cSld>
@@ -26118,67 +26882,6 @@
             </a:endParaRPr>
           </a:p>
           <a:p>
-            <a:pPr marL="520700" lvl="1" indent="0">
-              <a:lnSpc>
-                <a:spcPct val="90000"/>
-              </a:lnSpc>
-              <a:buNone/>
-            </a:pPr>
-            <a:r>
-              <a:rPr lang="en-US" dirty="0">
-                <a:ea typeface="ＭＳ Ｐゴシック" charset="0"/>
-              </a:rPr>
-              <a:t>:flipper </a:t>
-            </a:r>
-            <a:r>
-              <a:rPr lang="en-US" dirty="0" err="1">
-                <a:ea typeface="ＭＳ Ｐゴシック" charset="0"/>
-              </a:rPr>
-              <a:t>rdf:type</a:t>
-            </a:r>
-            <a:r>
-              <a:rPr lang="en-US" dirty="0">
-                <a:ea typeface="ＭＳ Ｐゴシック" charset="0"/>
-              </a:rPr>
-              <a:t> :mammal . </a:t>
-            </a:r>
-          </a:p>
-          <a:p>
-            <a:pPr marL="520700" lvl="1" indent="0">
-              <a:lnSpc>
-                <a:spcPct val="90000"/>
-              </a:lnSpc>
-              <a:buNone/>
-            </a:pPr>
-            <a:r>
-              <a:rPr lang="en-US" dirty="0">
-                <a:ea typeface="ＭＳ Ｐゴシック" charset="0"/>
-              </a:rPr>
-              <a:t>_:</a:t>
-            </a:r>
-            <a:r>
-              <a:rPr lang="en-US" dirty="0">
-                <a:latin typeface="Calibri"/>
-                <a:ea typeface="ＭＳ Ｐゴシック" charset="0"/>
-              </a:rPr>
-              <a:t>s1 a </a:t>
-            </a:r>
-            <a:r>
-              <a:rPr lang="en-US" dirty="0" err="1">
-                <a:latin typeface="Calibri"/>
-                <a:ea typeface="ＭＳ Ｐゴシック" charset="0"/>
-              </a:rPr>
-              <a:t>rdf:Statement</a:t>
-            </a:r>
-            <a:r>
-              <a:rPr lang="en-US" dirty="0">
-                <a:latin typeface="Calibri"/>
-                <a:ea typeface="ＭＳ Ｐゴシック" charset="0"/>
-              </a:rPr>
-              <a:t>;</a:t>
-            </a:r>
-          </a:p>
-          <a:p>
             <a:pPr marL="520700" lvl="1" indent="0" eaLnBrk="1" hangingPunct="1">
               <a:lnSpc>
                 <a:spcPct val="90000"/>
@@ -26191,21 +26894,62 @@
                 <a:latin typeface="Calibri"/>
                 <a:ea typeface="ＭＳ Ｐゴシック" charset="0"/>
               </a:rPr>
-              <a:t>         </a:t>
+              <a:t>:flipper </a:t>
             </a:r>
             <a:r>
               <a:rPr lang="en-US" dirty="0" err="1">
                 <a:latin typeface="Calibri"/>
                 <a:ea typeface="ＭＳ Ｐゴシック" charset="0"/>
               </a:rPr>
-              <a:t>rdf:subject</a:t>
+              <a:t>rdf:type</a:t>
             </a:r>
             <a:r>
               <a:rPr lang="en-US" dirty="0">
                 <a:latin typeface="Calibri"/>
                 <a:ea typeface="ＭＳ Ｐゴシック" charset="0"/>
               </a:rPr>
-              <a:t> :flipper;</a:t>
+              <a:t> :mammal .</a:t>
+            </a:r>
+            <a:br>
+              <a:rPr lang="en-US" dirty="0">
+                <a:latin typeface="Calibri"/>
+                <a:ea typeface="ＭＳ Ｐゴシック" charset="0"/>
+              </a:rPr>
+            </a:br>
+            <a:r>
+              <a:rPr lang="en-US" dirty="0">
+                <a:latin typeface="Calibri"/>
+                <a:ea typeface="ＭＳ Ｐゴシック" charset="0"/>
+              </a:rPr>
+              <a:t>_:s1 </a:t>
+            </a:r>
+            <a:r>
+              <a:rPr lang="en-US" dirty="0" err="1">
+                <a:latin typeface="Calibri"/>
+                <a:ea typeface="ＭＳ Ｐゴシック" charset="0"/>
+              </a:rPr>
+              <a:t>rdf:type</a:t>
+            </a:r>
+            <a:r>
+              <a:rPr lang="en-US" dirty="0">
+                <a:latin typeface="Calibri"/>
+                <a:ea typeface="ＭＳ Ｐゴシック" charset="0"/>
+              </a:rPr>
+              <a:t> </a:t>
+            </a:r>
+            <a:r>
+              <a:rPr lang="en-US" dirty="0" err="1">
+                <a:latin typeface="Calibri"/>
+                <a:ea typeface="ＭＳ Ｐゴシック" charset="0"/>
+              </a:rPr>
+              <a:t>rdf:Statement</a:t>
+            </a:r>
+            <a:r>
+              <a:rPr lang="en-US" dirty="0">
+                <a:latin typeface="Calibri"/>
+                <a:ea typeface="ＭＳ Ｐゴシック" charset="0"/>
+              </a:rPr>
+              <a:t> . </a:t>
             </a:r>
           </a:p>
           <a:p>
@@ -26221,21 +26965,21 @@
                 <a:latin typeface="Calibri"/>
                 <a:ea typeface="ＭＳ Ｐゴシック" charset="0"/>
               </a:rPr>
-              <a:t>         </a:t>
+              <a:t>_:s1 </a:t>
             </a:r>
             <a:r>
               <a:rPr lang="en-US" dirty="0" err="1">
                 <a:latin typeface="Calibri"/>
                 <a:ea typeface="ＭＳ Ｐゴシック" charset="0"/>
               </a:rPr>
-              <a:t>rdf:predicate</a:t>
+              <a:t>rdf:subject</a:t>
             </a:r>
             <a:r>
               <a:rPr lang="en-US" dirty="0">
                 <a:latin typeface="Calibri"/>
                 <a:ea typeface="ＭＳ Ｐゴシック" charset="0"/>
               </a:rPr>
-              <a:t> :type; </a:t>
+              <a:t> :flipper .</a:t>
             </a:r>
           </a:p>
           <a:p>
@@ -26251,21 +26995,21 @@
                 <a:latin typeface="Calibri"/>
                 <a:ea typeface="ＭＳ Ｐゴシック" charset="0"/>
               </a:rPr>
-              <a:t>         </a:t>
+              <a:t>_:s1 </a:t>
             </a:r>
             <a:r>
               <a:rPr lang="en-US" dirty="0" err="1">
                 <a:latin typeface="Calibri"/>
                 <a:ea typeface="ＭＳ Ｐゴシック" charset="0"/>
               </a:rPr>
-              <a:t>rdf:object</a:t>
+              <a:t>rdf:predicate</a:t>
             </a:r>
             <a:r>
               <a:rPr lang="en-US" dirty="0">
                 <a:latin typeface="Calibri"/>
                 <a:ea typeface="ＭＳ Ｐゴシック" charset="0"/>
               </a:rPr>
-              <a:t> :mammal; </a:t>
+              <a:t> :type . </a:t>
             </a:r>
           </a:p>
           <a:p>
@@ -26281,7 +27025,150 @@
                 <a:latin typeface="Calibri"/>
                 <a:ea typeface="ＭＳ Ｐゴシック" charset="0"/>
               </a:rPr>
-              <a:t>         :probability 0.9 .</a:t>
+              <a:t>_:s1 </a:t>
+            </a:r>
+            <a:r>
+              <a:rPr lang="en-US" dirty="0" err="1">
+                <a:latin typeface="Calibri"/>
+                <a:ea typeface="ＭＳ Ｐゴシック" charset="0"/>
+              </a:rPr>
+              <a:t>rdf:object</a:t>
+            </a:r>
+            <a:r>
+              <a:rPr lang="en-US" dirty="0">
+                <a:latin typeface="Calibri"/>
+                <a:ea typeface="ＭＳ Ｐゴシック" charset="0"/>
+              </a:rPr>
+              <a:t> :mammal . </a:t>
+            </a:r>
+          </a:p>
+          <a:p>
+            <a:pPr marL="520700" lvl="1" indent="0" eaLnBrk="1" hangingPunct="1">
+              <a:lnSpc>
+                <a:spcPct val="90000"/>
+              </a:lnSpc>
+              <a:buFont typeface="Georgia" charset="0"/>
+              <a:buNone/>
+            </a:pPr>
+            <a:r>
+              <a:rPr lang="en-US" dirty="0">
+                <a:latin typeface="Calibri"/>
+                <a:ea typeface="ＭＳ Ｐゴシック" charset="0"/>
+              </a:rPr>
+              <a:t>_:s1 :probability 0.9</a:t>
+            </a:r>
+          </a:p>
+        </p:txBody>
+      </p:sp>
+      <p:sp>
+        <p:nvSpPr>
+          <p:cNvPr id="5" name="TextBox 4"/>
+          <p:cNvSpPr txBox="1"/>
+          <p:nvPr/>
+        </p:nvSpPr>
+        <p:spPr>
+          <a:xfrm>
+            <a:off x="6042991" y="2846439"/>
+            <a:ext cx="2974009" cy="3785652"/>
+          </a:xfrm>
+          <a:prstGeom prst="rect">
+            <a:avLst/>
+          </a:prstGeom>
+          <a:noFill/>
+        </p:spPr>
+        <p:txBody>
+          <a:bodyPr wrap="square" rtlCol="0">
+            <a:spAutoFit/>
+          </a:bodyPr>
+          <a:lstStyle/>
+          <a:p>
+            <a:pPr marL="182563" indent="-182563">
+              <a:buFont typeface="Arial" charset="0"/>
+              <a:buChar char="•"/>
+            </a:pPr>
+            <a:r>
+              <a:rPr lang="en-US" sz="2400" dirty="0">
+                <a:solidFill>
+                  <a:schemeClr val="tx1">
+                    <a:lumMod val="50000"/>
+                    <a:lumOff val="50000"/>
+                  </a:schemeClr>
+                </a:solidFill>
+              </a:rPr>
+              <a:t>The underscore prefix is special</a:t>
+            </a:r>
+          </a:p>
+          <a:p>
+            <a:pPr marL="182563" indent="-182563">
+              <a:buFont typeface="Arial" charset="0"/>
+              <a:buChar char="•"/>
+            </a:pPr>
+            <a:r>
+              <a:rPr lang="en-US" sz="2400" dirty="0">
+                <a:solidFill>
+                  <a:schemeClr val="tx1">
+                    <a:lumMod val="50000"/>
+                    <a:lumOff val="50000"/>
+                  </a:schemeClr>
+                </a:solidFill>
+              </a:rPr>
+              <a:t>It introduces </a:t>
+            </a:r>
+            <a:r>
+              <a:rPr lang="en-US" sz="2400" i="1" dirty="0">
+                <a:solidFill>
+                  <a:schemeClr val="tx1">
+                    <a:lumMod val="50000"/>
+                    <a:lumOff val="50000"/>
+                  </a:schemeClr>
+                </a:solidFill>
+              </a:rPr>
+              <a:t>blank node</a:t>
+            </a:r>
+            <a:r>
+              <a:rPr lang="en-US" sz="2400" dirty="0">
+                <a:solidFill>
+                  <a:schemeClr val="tx1">
+                    <a:lumMod val="50000"/>
+                    <a:lumOff val="50000"/>
+                  </a:schemeClr>
+                </a:solidFill>
+              </a:rPr>
+              <a:t>s</a:t>
+            </a:r>
+          </a:p>
+          <a:p>
+            <a:pPr marL="182563" indent="-182563">
+              <a:buFont typeface="Arial" charset="0"/>
+              <a:buChar char="•"/>
+            </a:pPr>
+            <a:r>
+              <a:rPr lang="en-US" sz="2400" dirty="0">
+                <a:solidFill>
+                  <a:schemeClr val="tx1">
+                    <a:lumMod val="50000"/>
+                    <a:lumOff val="50000"/>
+                  </a:schemeClr>
+                </a:solidFill>
+              </a:rPr>
+              <a:t>We’ll talk about this in more detail later</a:t>
+            </a:r>
+          </a:p>
+          <a:p>
+            <a:pPr marL="182563" indent="-182563">
+              <a:buFont typeface="Arial" charset="0"/>
+              <a:buChar char="•"/>
+            </a:pPr>
+            <a:r>
+              <a:rPr lang="en-US" sz="2400" dirty="0">
+                <a:solidFill>
+                  <a:schemeClr val="tx1">
+                    <a:lumMod val="50000"/>
+                    <a:lumOff val="50000"/>
+                  </a:schemeClr>
+                </a:solidFill>
+              </a:rPr>
+              <a:t>For now, think of it as introducing “a new, nameless thing”</a:t>
             </a:r>
           </a:p>
         </p:txBody>
@@ -26289,7 +27176,7 @@
     </p:spTree>
     <p:extLst>
       <p:ext uri="{BB962C8B-B14F-4D97-AF65-F5344CB8AC3E}">
-        <p14:creationId xmlns:p14="http://schemas.microsoft.com/office/powerpoint/2010/main" val="416263470"/>
+        <p14:creationId xmlns:p14="http://schemas.microsoft.com/office/powerpoint/2010/main" val="492978782"/>
       </p:ext>
     </p:extLst>
   </p:cSld>
@@ -26408,6 +27295,296 @@
             </a:endParaRPr>
           </a:p>
           <a:p>
+            <a:pPr marL="520700" lvl="1" indent="0">
+              <a:lnSpc>
+                <a:spcPct val="90000"/>
+              </a:lnSpc>
+              <a:buNone/>
+            </a:pPr>
+            <a:r>
+              <a:rPr lang="en-US" dirty="0">
+                <a:ea typeface="ＭＳ Ｐゴシック" charset="0"/>
+              </a:rPr>
+              <a:t>:flipper </a:t>
+            </a:r>
+            <a:r>
+              <a:rPr lang="en-US" dirty="0" err="1">
+                <a:ea typeface="ＭＳ Ｐゴシック" charset="0"/>
+              </a:rPr>
+              <a:t>rdf:type</a:t>
+            </a:r>
+            <a:r>
+              <a:rPr lang="en-US" dirty="0">
+                <a:ea typeface="ＭＳ Ｐゴシック" charset="0"/>
+              </a:rPr>
+              <a:t> :mammal . </a:t>
+            </a:r>
+          </a:p>
+          <a:p>
+            <a:pPr marL="520700" lvl="1" indent="0">
+              <a:lnSpc>
+                <a:spcPct val="90000"/>
+              </a:lnSpc>
+              <a:buNone/>
+            </a:pPr>
+            <a:r>
+              <a:rPr lang="en-US" dirty="0">
+                <a:ea typeface="ＭＳ Ｐゴシック" charset="0"/>
+              </a:rPr>
+              <a:t>_:</a:t>
+            </a:r>
+            <a:r>
+              <a:rPr lang="en-US" dirty="0">
+                <a:latin typeface="Calibri"/>
+                <a:ea typeface="ＭＳ Ｐゴシック" charset="0"/>
+              </a:rPr>
+              <a:t>s1 a </a:t>
+            </a:r>
+            <a:r>
+              <a:rPr lang="en-US" dirty="0" err="1">
+                <a:latin typeface="Calibri"/>
+                <a:ea typeface="ＭＳ Ｐゴシック" charset="0"/>
+              </a:rPr>
+              <a:t>rdf:Statement</a:t>
+            </a:r>
+            <a:r>
+              <a:rPr lang="en-US" dirty="0">
+                <a:latin typeface="Calibri"/>
+                <a:ea typeface="ＭＳ Ｐゴシック" charset="0"/>
+              </a:rPr>
+              <a:t>;</a:t>
+            </a:r>
+          </a:p>
+          <a:p>
+            <a:pPr marL="520700" lvl="1" indent="0" eaLnBrk="1" hangingPunct="1">
+              <a:lnSpc>
+                <a:spcPct val="90000"/>
+              </a:lnSpc>
+              <a:buFont typeface="Georgia" charset="0"/>
+              <a:buNone/>
+            </a:pPr>
+            <a:r>
+              <a:rPr lang="en-US" dirty="0">
+                <a:latin typeface="Calibri"/>
+                <a:ea typeface="ＭＳ Ｐゴシック" charset="0"/>
+              </a:rPr>
+              <a:t>         </a:t>
+            </a:r>
+            <a:r>
+              <a:rPr lang="en-US" dirty="0" err="1">
+                <a:latin typeface="Calibri"/>
+                <a:ea typeface="ＭＳ Ｐゴシック" charset="0"/>
+              </a:rPr>
+              <a:t>rdf:subject</a:t>
+            </a:r>
+            <a:r>
+              <a:rPr lang="en-US" dirty="0">
+                <a:latin typeface="Calibri"/>
+                <a:ea typeface="ＭＳ Ｐゴシック" charset="0"/>
+              </a:rPr>
+              <a:t> :flipper;</a:t>
+            </a:r>
+          </a:p>
+          <a:p>
+            <a:pPr marL="520700" lvl="1" indent="0" eaLnBrk="1" hangingPunct="1">
+              <a:lnSpc>
+                <a:spcPct val="90000"/>
+              </a:lnSpc>
+              <a:buFont typeface="Georgia" charset="0"/>
+              <a:buNone/>
+            </a:pPr>
+            <a:r>
+              <a:rPr lang="en-US" dirty="0">
+                <a:latin typeface="Calibri"/>
+                <a:ea typeface="ＭＳ Ｐゴシック" charset="0"/>
+              </a:rPr>
+              <a:t>         </a:t>
+            </a:r>
+            <a:r>
+              <a:rPr lang="en-US" dirty="0" err="1">
+                <a:latin typeface="Calibri"/>
+                <a:ea typeface="ＭＳ Ｐゴシック" charset="0"/>
+              </a:rPr>
+              <a:t>rdf:predicate</a:t>
+            </a:r>
+            <a:r>
+              <a:rPr lang="en-US" dirty="0">
+                <a:latin typeface="Calibri"/>
+                <a:ea typeface="ＭＳ Ｐゴシック" charset="0"/>
+              </a:rPr>
+              <a:t> :type; </a:t>
+            </a:r>
+          </a:p>
+          <a:p>
+            <a:pPr marL="520700" lvl="1" indent="0" eaLnBrk="1" hangingPunct="1">
+              <a:lnSpc>
+                <a:spcPct val="90000"/>
+              </a:lnSpc>
+              <a:buFont typeface="Georgia" charset="0"/>
+              <a:buNone/>
+            </a:pPr>
+            <a:r>
+              <a:rPr lang="en-US" dirty="0">
+                <a:latin typeface="Calibri"/>
+                <a:ea typeface="ＭＳ Ｐゴシック" charset="0"/>
+              </a:rPr>
+              <a:t>         </a:t>
+            </a:r>
+            <a:r>
+              <a:rPr lang="en-US" dirty="0" err="1">
+                <a:latin typeface="Calibri"/>
+                <a:ea typeface="ＭＳ Ｐゴシック" charset="0"/>
+              </a:rPr>
+              <a:t>rdf:object</a:t>
+            </a:r>
+            <a:r>
+              <a:rPr lang="en-US" dirty="0">
+                <a:latin typeface="Calibri"/>
+                <a:ea typeface="ＭＳ Ｐゴシック" charset="0"/>
+              </a:rPr>
+              <a:t> :mammal; </a:t>
+            </a:r>
+          </a:p>
+          <a:p>
+            <a:pPr marL="520700" lvl="1" indent="0" eaLnBrk="1" hangingPunct="1">
+              <a:lnSpc>
+                <a:spcPct val="90000"/>
+              </a:lnSpc>
+              <a:buFont typeface="Georgia" charset="0"/>
+              <a:buNone/>
+            </a:pPr>
+            <a:r>
+              <a:rPr lang="en-US" dirty="0">
+                <a:latin typeface="Calibri"/>
+                <a:ea typeface="ＭＳ Ｐゴシック" charset="0"/>
+              </a:rPr>
+              <a:t>         :probability 0.9 .</a:t>
+            </a:r>
+          </a:p>
+        </p:txBody>
+      </p:sp>
+    </p:spTree>
+    <p:extLst>
+      <p:ext uri="{BB962C8B-B14F-4D97-AF65-F5344CB8AC3E}">
+        <p14:creationId xmlns:p14="http://schemas.microsoft.com/office/powerpoint/2010/main" val="416263470"/>
+      </p:ext>
+    </p:extLst>
+  </p:cSld>
+  <p:clrMapOvr>
+    <a:masterClrMapping/>
+  </p:clrMapOvr>
+</p:sld>
+</file>
+
+<file path=ppt/slides/slide36.xml><?xml version="1.0" encoding="utf-8"?>
+<p:sld xmlns:a="http://schemas.openxmlformats.org/drawingml/2006/main" xmlns:r="http://schemas.openxmlformats.org/officeDocument/2006/relationships" xmlns:p="http://schemas.openxmlformats.org/presentationml/2006/main">
+  <p:cSld>
+    <p:spTree>
+      <p:nvGrpSpPr>
+        <p:cNvPr id="1" name=""/>
+        <p:cNvGrpSpPr/>
+        <p:nvPr/>
+      </p:nvGrpSpPr>
+      <p:grpSpPr>
+        <a:xfrm>
+          <a:off x="0" y="0"/>
+          <a:ext cx="0" cy="0"/>
+          <a:chOff x="0" y="0"/>
+          <a:chExt cx="0" cy="0"/>
+        </a:xfrm>
+      </p:grpSpPr>
+      <p:sp>
+        <p:nvSpPr>
+          <p:cNvPr id="80897" name="Rectangle 2"/>
+          <p:cNvSpPr>
+            <a:spLocks noGrp="1" noChangeArrowheads="1"/>
+          </p:cNvSpPr>
+          <p:nvPr>
+            <p:ph type="title"/>
+          </p:nvPr>
+        </p:nvSpPr>
+        <p:spPr/>
+        <p:txBody>
+          <a:bodyPr/>
+          <a:lstStyle/>
+          <a:p>
+            <a:pPr eaLnBrk="1" hangingPunct="1"/>
+            <a:r>
+              <a:rPr lang="en-US" dirty="0">
+                <a:latin typeface="Calibri"/>
+              </a:rPr>
+              <a:t>More RDF Vocabulary</a:t>
+            </a:r>
+          </a:p>
+        </p:txBody>
+      </p:sp>
+      <p:sp>
+        <p:nvSpPr>
+          <p:cNvPr id="80898" name="Rectangle 3"/>
+          <p:cNvSpPr>
+            <a:spLocks noGrp="1" noChangeArrowheads="1"/>
+          </p:cNvSpPr>
+          <p:nvPr>
+            <p:ph type="body" idx="1"/>
+          </p:nvPr>
+        </p:nvSpPr>
+        <p:spPr>
+          <a:xfrm>
+            <a:off x="304800" y="1371600"/>
+            <a:ext cx="8712200" cy="5359400"/>
+          </a:xfrm>
+        </p:spPr>
+        <p:txBody>
+          <a:bodyPr/>
+          <a:lstStyle/>
+          <a:p>
+            <a:pPr marL="231775" indent="-231775" eaLnBrk="1" hangingPunct="1">
+              <a:lnSpc>
+                <a:spcPct val="90000"/>
+              </a:lnSpc>
+            </a:pPr>
+            <a:r>
+              <a:rPr lang="en-US" dirty="0">
+                <a:latin typeface="Calibri"/>
+              </a:rPr>
+              <a:t>RDF also can describe triples through </a:t>
+            </a:r>
+            <a:r>
+              <a:rPr lang="en-US" b="1" dirty="0">
+                <a:latin typeface="Calibri"/>
+                <a:hlinkClick r:id="rId3"/>
+              </a:rPr>
+              <a:t>reification</a:t>
+            </a:r>
+            <a:endParaRPr lang="en-US" b="1" dirty="0">
+              <a:latin typeface="Calibri"/>
+            </a:endParaRPr>
+          </a:p>
+          <a:p>
+            <a:pPr marL="231775" indent="-231775" eaLnBrk="1" hangingPunct="1">
+              <a:lnSpc>
+                <a:spcPct val="90000"/>
+              </a:lnSpc>
+            </a:pPr>
+            <a:r>
+              <a:rPr lang="en-US" dirty="0">
+                <a:latin typeface="Calibri"/>
+              </a:rPr>
+              <a:t>Enabling statements about statements</a:t>
+            </a:r>
+          </a:p>
+          <a:p>
+            <a:pPr marL="0" indent="0" eaLnBrk="1" hangingPunct="1">
+              <a:lnSpc>
+                <a:spcPct val="90000"/>
+              </a:lnSpc>
+              <a:buNone/>
+            </a:pPr>
+            <a:endParaRPr lang="en-US" dirty="0">
+              <a:latin typeface="Calibri"/>
+            </a:endParaRPr>
+          </a:p>
+          <a:p>
             <a:pPr marL="520700" lvl="1" indent="0" eaLnBrk="1" hangingPunct="1">
               <a:lnSpc>
                 <a:spcPct val="90000"/>
@@ -26628,7 +27805,7 @@
 </p:sld>
 </file>
 
-<file path=ppt/slides/slide36.xml><?xml version="1.0" encoding="utf-8"?>
+<file path=ppt/slides/slide37.xml><?xml version="1.0" encoding="utf-8"?>
 <p:sld xmlns:a="http://schemas.openxmlformats.org/drawingml/2006/main" xmlns:r="http://schemas.openxmlformats.org/officeDocument/2006/relationships" xmlns:p="http://schemas.openxmlformats.org/presentationml/2006/main" showMasterPhAnim="0">
   <p:cSld>
     <p:spTree>
@@ -26823,7 +28000,7 @@
           <a:blip r:embed="rId3">
             <a:extLst>
               <a:ext uri="{28A0092B-C50C-407E-A947-70E740481C1C}">
-                <a14:useLocalDpi xmlns:a14="http://schemas.microsoft.com/office/drawing/2010/main" val="0"/>
+                <a14:useLocalDpi xmlns:a14="http://schemas.microsoft.com/office/drawing/2010/main"/>
               </a:ext>
             </a:extLst>
           </a:blip>
@@ -26862,14 +28039,14 @@
           </a:ln>
           <a:extLst>
             <a:ext uri="{909E8E84-426E-40dd-AFC4-6F175D3DCCD1}">
-              <a14:hiddenFill xmlns:a14="http://schemas.microsoft.com/office/drawing/2010/main" xmlns="">
+              <a14:hiddenFill xmlns="" xmlns:a14="http://schemas.microsoft.com/office/drawing/2010/main">
                 <a:solidFill>
                   <a:srgbClr val="FFFFFF"/>
                 </a:solidFill>
               </a14:hiddenFill>
             </a:ext>
             <a:ext uri="{91240B29-F687-4f45-9708-019B960494DF}">
-              <a14:hiddenLine xmlns:a14="http://schemas.microsoft.com/office/drawing/2010/main" xmlns="" w="9525">
+              <a14:hiddenLine xmlns="" xmlns:a14="http://schemas.microsoft.com/office/drawing/2010/main" w="9525">
                 <a:solidFill>
                   <a:srgbClr val="000000"/>
                 </a:solidFill>
@@ -27064,7 +28241,7 @@
 </p:sld>
 </file>
 
-<file path=ppt/slides/slide37.xml><?xml version="1.0" encoding="utf-8"?>
+<file path=ppt/slides/slide38.xml><?xml version="1.0" encoding="utf-8"?>
 <p:sld xmlns:a="http://schemas.openxmlformats.org/drawingml/2006/main" xmlns:r="http://schemas.openxmlformats.org/officeDocument/2006/relationships" xmlns:p="http://schemas.openxmlformats.org/presentationml/2006/main">
   <p:cSld>
     <p:spTree>
@@ -27371,14 +28548,14 @@
           </a:ln>
           <a:extLst>
             <a:ext uri="{909E8E84-426E-40dd-AFC4-6F175D3DCCD1}">
-              <a14:hiddenFill xmlns:a14="http://schemas.microsoft.com/office/drawing/2010/main" xmlns="">
+              <a14:hiddenFill xmlns="" xmlns:a14="http://schemas.microsoft.com/office/drawing/2010/main">
                 <a:solidFill>
                   <a:srgbClr val="FFFFFF"/>
                 </a:solidFill>
               </a14:hiddenFill>
             </a:ext>
             <a:ext uri="{91240B29-F687-4f45-9708-019B960494DF}">
-              <a14:hiddenLine xmlns:a14="http://schemas.microsoft.com/office/drawing/2010/main" xmlns="" w="9525">
+              <a14:hiddenLine xmlns="" xmlns:a14="http://schemas.microsoft.com/office/drawing/2010/main" w="9525">
                 <a:solidFill>
                   <a:srgbClr val="000000"/>
                 </a:solidFill>
@@ -27602,7 +28779,7 @@
           </a:ln>
           <a:extLst>
             <a:ext uri="{909E8E84-426E-40dd-AFC4-6F175D3DCCD1}">
-              <a14:hiddenFill xmlns:a14="http://schemas.microsoft.com/office/drawing/2010/main" xmlns="">
+              <a14:hiddenFill xmlns="" xmlns:a14="http://schemas.microsoft.com/office/drawing/2010/main">
                 <a:solidFill>
                   <a:srgbClr val="FFFFFF"/>
                 </a:solidFill>
@@ -27798,7 +28975,7 @@
 </p:sld>
 </file>
 
-<file path=ppt/slides/slide38.xml><?xml version="1.0" encoding="utf-8"?>
+<file path=ppt/slides/slide39.xml><?xml version="1.0" encoding="utf-8"?>
 <p:sld xmlns:a="http://schemas.openxmlformats.org/drawingml/2006/main" xmlns:r="http://schemas.openxmlformats.org/officeDocument/2006/relationships" xmlns:p="http://schemas.openxmlformats.org/presentationml/2006/main">
   <p:cSld>
     <p:spTree>
@@ -27870,7 +29047,7 @@
           </a:ln>
           <a:extLst>
             <a:ext uri="{91240B29-F687-4f45-9708-019B960494DF}">
-              <a14:hiddenLine xmlns:a14="http://schemas.microsoft.com/office/drawing/2010/main" xmlns="" w="9525">
+              <a14:hiddenLine xmlns="" xmlns:a14="http://schemas.microsoft.com/office/drawing/2010/main" w="9525">
                 <a:solidFill>
                   <a:srgbClr val="000000"/>
                 </a:solidFill>
@@ -28089,7 +29266,7 @@
           </a:ln>
           <a:extLst>
             <a:ext uri="{91240B29-F687-4f45-9708-019B960494DF}">
-              <a14:hiddenLine xmlns:a14="http://schemas.microsoft.com/office/drawing/2010/main" xmlns="" w="9525">
+              <a14:hiddenLine xmlns="" xmlns:a14="http://schemas.microsoft.com/office/drawing/2010/main" w="9525">
                 <a:solidFill>
                   <a:srgbClr val="000000"/>
                 </a:solidFill>
@@ -28610,14 +29787,14 @@
             </a:ln>
             <a:extLst>
               <a:ext uri="{909E8E84-426E-40dd-AFC4-6F175D3DCCD1}">
-                <a14:hiddenFill xmlns:a14="http://schemas.microsoft.com/office/drawing/2010/main" xmlns="">
+                <a14:hiddenFill xmlns="" xmlns:a14="http://schemas.microsoft.com/office/drawing/2010/main">
                   <a:solidFill>
                     <a:srgbClr val="FFFFFF"/>
                   </a:solidFill>
                 </a14:hiddenFill>
               </a:ext>
               <a:ext uri="{91240B29-F687-4f45-9708-019B960494DF}">
-                <a14:hiddenLine xmlns:a14="http://schemas.microsoft.com/office/drawing/2010/main" xmlns="" w="9525">
+                <a14:hiddenLine xmlns="" xmlns:a14="http://schemas.microsoft.com/office/drawing/2010/main" w="9525">
                   <a:solidFill>
                     <a:srgbClr val="000000"/>
                   </a:solidFill>
@@ -28675,14 +29852,14 @@
             </a:ln>
             <a:extLst>
               <a:ext uri="{909E8E84-426E-40dd-AFC4-6F175D3DCCD1}">
-                <a14:hiddenFill xmlns:a14="http://schemas.microsoft.com/office/drawing/2010/main" xmlns="">
+                <a14:hiddenFill xmlns="" xmlns:a14="http://schemas.microsoft.com/office/drawing/2010/main">
                   <a:solidFill>
                     <a:srgbClr val="FFFFFF"/>
                   </a:solidFill>
                 </a14:hiddenFill>
               </a:ext>
               <a:ext uri="{91240B29-F687-4f45-9708-019B960494DF}">
-                <a14:hiddenLine xmlns:a14="http://schemas.microsoft.com/office/drawing/2010/main" xmlns="" w="9525">
+                <a14:hiddenLine xmlns="" xmlns:a14="http://schemas.microsoft.com/office/drawing/2010/main" w="9525">
                   <a:solidFill>
                     <a:srgbClr val="000000"/>
                   </a:solidFill>
@@ -28739,7 +29916,7 @@
             </a:ln>
             <a:extLst>
               <a:ext uri="{909E8E84-426E-40dd-AFC4-6F175D3DCCD1}">
-                <a14:hiddenFill xmlns:a14="http://schemas.microsoft.com/office/drawing/2010/main" xmlns="">
+                <a14:hiddenFill xmlns="" xmlns:a14="http://schemas.microsoft.com/office/drawing/2010/main">
                   <a:noFill/>
                 </a14:hiddenFill>
               </a:ext>
@@ -28780,7 +29957,7 @@
             </a:ln>
             <a:extLst>
               <a:ext uri="{909E8E84-426E-40dd-AFC4-6F175D3DCCD1}">
-                <a14:hiddenFill xmlns:a14="http://schemas.microsoft.com/office/drawing/2010/main" xmlns="">
+                <a14:hiddenFill xmlns="" xmlns:a14="http://schemas.microsoft.com/office/drawing/2010/main">
                   <a:noFill/>
                 </a14:hiddenFill>
               </a:ext>
@@ -28816,14 +29993,14 @@
             </a:ln>
             <a:extLst>
               <a:ext uri="{909E8E84-426E-40dd-AFC4-6F175D3DCCD1}">
-                <a14:hiddenFill xmlns:a14="http://schemas.microsoft.com/office/drawing/2010/main" xmlns="">
+                <a14:hiddenFill xmlns="" xmlns:a14="http://schemas.microsoft.com/office/drawing/2010/main">
                   <a:solidFill>
                     <a:srgbClr val="FFFFFF"/>
                   </a:solidFill>
                 </a14:hiddenFill>
               </a:ext>
               <a:ext uri="{91240B29-F687-4f45-9708-019B960494DF}">
-                <a14:hiddenLine xmlns:a14="http://schemas.microsoft.com/office/drawing/2010/main" xmlns="" w="9525">
+                <a14:hiddenLine xmlns="" xmlns:a14="http://schemas.microsoft.com/office/drawing/2010/main" w="9525">
                   <a:solidFill>
                     <a:srgbClr val="000000"/>
                   </a:solidFill>
@@ -28881,14 +30058,14 @@
             </a:ln>
             <a:extLst>
               <a:ext uri="{909E8E84-426E-40dd-AFC4-6F175D3DCCD1}">
-                <a14:hiddenFill xmlns:a14="http://schemas.microsoft.com/office/drawing/2010/main" xmlns="">
+                <a14:hiddenFill xmlns="" xmlns:a14="http://schemas.microsoft.com/office/drawing/2010/main">
                   <a:solidFill>
                     <a:srgbClr val="FFFFFF"/>
                   </a:solidFill>
                 </a14:hiddenFill>
               </a:ext>
               <a:ext uri="{91240B29-F687-4f45-9708-019B960494DF}">
-                <a14:hiddenLine xmlns:a14="http://schemas.microsoft.com/office/drawing/2010/main" xmlns="" w="9525">
+                <a14:hiddenLine xmlns="" xmlns:a14="http://schemas.microsoft.com/office/drawing/2010/main" w="9525">
                   <a:solidFill>
                     <a:srgbClr val="000000"/>
                   </a:solidFill>
@@ -28946,14 +30123,14 @@
             </a:ln>
             <a:extLst>
               <a:ext uri="{909E8E84-426E-40dd-AFC4-6F175D3DCCD1}">
-                <a14:hiddenFill xmlns:a14="http://schemas.microsoft.com/office/drawing/2010/main" xmlns="">
+                <a14:hiddenFill xmlns="" xmlns:a14="http://schemas.microsoft.com/office/drawing/2010/main">
                   <a:solidFill>
                     <a:srgbClr val="FFFFFF"/>
                   </a:solidFill>
                 </a14:hiddenFill>
               </a:ext>
               <a:ext uri="{91240B29-F687-4f45-9708-019B960494DF}">
-                <a14:hiddenLine xmlns:a14="http://schemas.microsoft.com/office/drawing/2010/main" xmlns="" w="9525">
+                <a14:hiddenLine xmlns="" xmlns:a14="http://schemas.microsoft.com/office/drawing/2010/main" w="9525">
                   <a:solidFill>
                     <a:srgbClr val="000000"/>
                   </a:solidFill>
@@ -29011,14 +30188,14 @@
             </a:ln>
             <a:extLst>
               <a:ext uri="{909E8E84-426E-40dd-AFC4-6F175D3DCCD1}">
-                <a14:hiddenFill xmlns:a14="http://schemas.microsoft.com/office/drawing/2010/main" xmlns="">
+                <a14:hiddenFill xmlns="" xmlns:a14="http://schemas.microsoft.com/office/drawing/2010/main">
                   <a:solidFill>
                     <a:srgbClr val="FFFFFF"/>
                   </a:solidFill>
                 </a14:hiddenFill>
               </a:ext>
               <a:ext uri="{91240B29-F687-4f45-9708-019B960494DF}">
-                <a14:hiddenLine xmlns:a14="http://schemas.microsoft.com/office/drawing/2010/main" xmlns="" w="9525">
+                <a14:hiddenLine xmlns="" xmlns:a14="http://schemas.microsoft.com/office/drawing/2010/main" w="9525">
                   <a:solidFill>
                     <a:srgbClr val="000000"/>
                   </a:solidFill>
@@ -29076,14 +30253,14 @@
             </a:ln>
             <a:extLst>
               <a:ext uri="{909E8E84-426E-40dd-AFC4-6F175D3DCCD1}">
-                <a14:hiddenFill xmlns:a14="http://schemas.microsoft.com/office/drawing/2010/main" xmlns="">
+                <a14:hiddenFill xmlns="" xmlns:a14="http://schemas.microsoft.com/office/drawing/2010/main">
                   <a:solidFill>
                     <a:srgbClr val="FFFFFF"/>
                   </a:solidFill>
                 </a14:hiddenFill>
               </a:ext>
               <a:ext uri="{91240B29-F687-4f45-9708-019B960494DF}">
-                <a14:hiddenLine xmlns:a14="http://schemas.microsoft.com/office/drawing/2010/main" xmlns="" w="9525">
+                <a14:hiddenLine xmlns="" xmlns:a14="http://schemas.microsoft.com/office/drawing/2010/main" w="9525">
                   <a:solidFill>
                     <a:srgbClr val="000000"/>
                   </a:solidFill>
@@ -29141,14 +30318,14 @@
             </a:ln>
             <a:extLst>
               <a:ext uri="{909E8E84-426E-40dd-AFC4-6F175D3DCCD1}">
-                <a14:hiddenFill xmlns:a14="http://schemas.microsoft.com/office/drawing/2010/main" xmlns="">
+                <a14:hiddenFill xmlns="" xmlns:a14="http://schemas.microsoft.com/office/drawing/2010/main">
                   <a:solidFill>
                     <a:srgbClr val="FFFFFF"/>
                   </a:solidFill>
                 </a14:hiddenFill>
               </a:ext>
               <a:ext uri="{91240B29-F687-4f45-9708-019B960494DF}">
-                <a14:hiddenLine xmlns:a14="http://schemas.microsoft.com/office/drawing/2010/main" xmlns="" w="9525">
+                <a14:hiddenLine xmlns="" xmlns:a14="http://schemas.microsoft.com/office/drawing/2010/main" w="9525">
                   <a:solidFill>
                     <a:srgbClr val="000000"/>
                   </a:solidFill>
@@ -29211,7 +30388,7 @@
             </a:ln>
             <a:extLst>
               <a:ext uri="{909E8E84-426E-40dd-AFC4-6F175D3DCCD1}">
-                <a14:hiddenFill xmlns:a14="http://schemas.microsoft.com/office/drawing/2010/main" xmlns="">
+                <a14:hiddenFill xmlns="" xmlns:a14="http://schemas.microsoft.com/office/drawing/2010/main">
                   <a:noFill/>
                 </a14:hiddenFill>
               </a:ext>
@@ -29252,7 +30429,7 @@
             </a:ln>
             <a:extLst>
               <a:ext uri="{909E8E84-426E-40dd-AFC4-6F175D3DCCD1}">
-                <a14:hiddenFill xmlns:a14="http://schemas.microsoft.com/office/drawing/2010/main" xmlns="">
+                <a14:hiddenFill xmlns="" xmlns:a14="http://schemas.microsoft.com/office/drawing/2010/main">
                   <a:noFill/>
                 </a14:hiddenFill>
               </a:ext>
@@ -29293,7 +30470,7 @@
             </a:ln>
             <a:extLst>
               <a:ext uri="{909E8E84-426E-40dd-AFC4-6F175D3DCCD1}">
-                <a14:hiddenFill xmlns:a14="http://schemas.microsoft.com/office/drawing/2010/main" xmlns="">
+                <a14:hiddenFill xmlns="" xmlns:a14="http://schemas.microsoft.com/office/drawing/2010/main">
                   <a:noFill/>
                 </a14:hiddenFill>
               </a:ext>
@@ -29334,7 +30511,7 @@
             </a:ln>
             <a:extLst>
               <a:ext uri="{909E8E84-426E-40dd-AFC4-6F175D3DCCD1}">
-                <a14:hiddenFill xmlns:a14="http://schemas.microsoft.com/office/drawing/2010/main" xmlns="">
+                <a14:hiddenFill xmlns="" xmlns:a14="http://schemas.microsoft.com/office/drawing/2010/main">
                   <a:noFill/>
                 </a14:hiddenFill>
               </a:ext>
@@ -29375,7 +30552,7 @@
             </a:ln>
             <a:extLst>
               <a:ext uri="{909E8E84-426E-40dd-AFC4-6F175D3DCCD1}">
-                <a14:hiddenFill xmlns:a14="http://schemas.microsoft.com/office/drawing/2010/main" xmlns="">
+                <a14:hiddenFill xmlns="" xmlns:a14="http://schemas.microsoft.com/office/drawing/2010/main">
                   <a:noFill/>
                 </a14:hiddenFill>
               </a:ext>
@@ -29411,14 +30588,14 @@
             </a:ln>
             <a:extLst>
               <a:ext uri="{909E8E84-426E-40dd-AFC4-6F175D3DCCD1}">
-                <a14:hiddenFill xmlns:a14="http://schemas.microsoft.com/office/drawing/2010/main" xmlns="">
+                <a14:hiddenFill xmlns="" xmlns:a14="http://schemas.microsoft.com/office/drawing/2010/main">
                   <a:solidFill>
                     <a:srgbClr val="FFFFFF"/>
                   </a:solidFill>
                 </a14:hiddenFill>
               </a:ext>
               <a:ext uri="{91240B29-F687-4f45-9708-019B960494DF}">
-                <a14:hiddenLine xmlns:a14="http://schemas.microsoft.com/office/drawing/2010/main" xmlns="" w="9525">
+                <a14:hiddenLine xmlns="" xmlns:a14="http://schemas.microsoft.com/office/drawing/2010/main" w="9525">
                   <a:solidFill>
                     <a:srgbClr val="000000"/>
                   </a:solidFill>
@@ -29476,14 +30653,14 @@
             </a:ln>
             <a:extLst>
               <a:ext uri="{909E8E84-426E-40dd-AFC4-6F175D3DCCD1}">
-                <a14:hiddenFill xmlns:a14="http://schemas.microsoft.com/office/drawing/2010/main" xmlns="">
+                <a14:hiddenFill xmlns="" xmlns:a14="http://schemas.microsoft.com/office/drawing/2010/main">
                   <a:solidFill>
                     <a:srgbClr val="FFFFFF"/>
                   </a:solidFill>
                 </a14:hiddenFill>
               </a:ext>
               <a:ext uri="{91240B29-F687-4f45-9708-019B960494DF}">
-                <a14:hiddenLine xmlns:a14="http://schemas.microsoft.com/office/drawing/2010/main" xmlns="" w="9525">
+                <a14:hiddenLine xmlns="" xmlns:a14="http://schemas.microsoft.com/office/drawing/2010/main" w="9525">
                   <a:solidFill>
                     <a:srgbClr val="000000"/>
                   </a:solidFill>
@@ -29541,14 +30718,14 @@
             </a:ln>
             <a:extLst>
               <a:ext uri="{909E8E84-426E-40dd-AFC4-6F175D3DCCD1}">
-                <a14:hiddenFill xmlns:a14="http://schemas.microsoft.com/office/drawing/2010/main" xmlns="">
+                <a14:hiddenFill xmlns="" xmlns:a14="http://schemas.microsoft.com/office/drawing/2010/main">
                   <a:solidFill>
                     <a:srgbClr val="FFFFFF"/>
                   </a:solidFill>
                 </a14:hiddenFill>
               </a:ext>
               <a:ext uri="{91240B29-F687-4f45-9708-019B960494DF}">
-                <a14:hiddenLine xmlns:a14="http://schemas.microsoft.com/office/drawing/2010/main" xmlns="" w="9525">
+                <a14:hiddenLine xmlns="" xmlns:a14="http://schemas.microsoft.com/office/drawing/2010/main" w="9525">
                   <a:solidFill>
                     <a:srgbClr val="000000"/>
                   </a:solidFill>
@@ -29606,14 +30783,14 @@
             </a:ln>
             <a:extLst>
               <a:ext uri="{909E8E84-426E-40dd-AFC4-6F175D3DCCD1}">
-                <a14:hiddenFill xmlns:a14="http://schemas.microsoft.com/office/drawing/2010/main" xmlns="">
+                <a14:hiddenFill xmlns="" xmlns:a14="http://schemas.microsoft.com/office/drawing/2010/main">
                   <a:solidFill>
                     <a:srgbClr val="FFFFFF"/>
                   </a:solidFill>
                 </a14:hiddenFill>
               </a:ext>
               <a:ext uri="{91240B29-F687-4f45-9708-019B960494DF}">
-                <a14:hiddenLine xmlns:a14="http://schemas.microsoft.com/office/drawing/2010/main" xmlns="" w="9525">
+                <a14:hiddenLine xmlns="" xmlns:a14="http://schemas.microsoft.com/office/drawing/2010/main" w="9525">
                   <a:solidFill>
                     <a:srgbClr val="000000"/>
                   </a:solidFill>
@@ -29671,14 +30848,14 @@
             </a:ln>
             <a:extLst>
               <a:ext uri="{909E8E84-426E-40dd-AFC4-6F175D3DCCD1}">
-                <a14:hiddenFill xmlns:a14="http://schemas.microsoft.com/office/drawing/2010/main" xmlns="">
+                <a14:hiddenFill xmlns="" xmlns:a14="http://schemas.microsoft.com/office/drawing/2010/main">
                   <a:solidFill>
                     <a:srgbClr val="FFFFFF"/>
                   </a:solidFill>
                 </a14:hiddenFill>
               </a:ext>
               <a:ext uri="{91240B29-F687-4f45-9708-019B960494DF}">
-                <a14:hiddenLine xmlns:a14="http://schemas.microsoft.com/office/drawing/2010/main" xmlns="" w="9525">
+                <a14:hiddenLine xmlns="" xmlns:a14="http://schemas.microsoft.com/office/drawing/2010/main" w="9525">
                   <a:solidFill>
                     <a:srgbClr val="000000"/>
                   </a:solidFill>
@@ -29927,7 +31104,7 @@
             </a:ln>
             <a:extLst>
               <a:ext uri="{909E8E84-426E-40dd-AFC4-6F175D3DCCD1}">
-                <a14:hiddenFill xmlns:a14="http://schemas.microsoft.com/office/drawing/2010/main" xmlns="">
+                <a14:hiddenFill xmlns="" xmlns:a14="http://schemas.microsoft.com/office/drawing/2010/main">
                   <a:solidFill>
                     <a:srgbClr val="FFFFFF"/>
                   </a:solidFill>
@@ -30147,7 +31324,7 @@
             </a:ln>
             <a:extLst>
               <a:ext uri="{909E8E84-426E-40dd-AFC4-6F175D3DCCD1}">
-                <a14:hiddenFill xmlns:a14="http://schemas.microsoft.com/office/drawing/2010/main" xmlns="">
+                <a14:hiddenFill xmlns="" xmlns:a14="http://schemas.microsoft.com/office/drawing/2010/main">
                   <a:solidFill>
                     <a:srgbClr val="FFFFFF"/>
                   </a:solidFill>
@@ -30177,7 +31354,176 @@
 </p:sld>
 </file>
 
-<file path=ppt/slides/slide39.xml><?xml version="1.0" encoding="utf-8"?>
+<file path=ppt/slides/slide4.xml><?xml version="1.0" encoding="utf-8"?>
+<p:sld xmlns:a="http://schemas.openxmlformats.org/drawingml/2006/main" xmlns:r="http://schemas.openxmlformats.org/officeDocument/2006/relationships" xmlns:p="http://schemas.openxmlformats.org/presentationml/2006/main">
+  <p:cSld>
+    <p:spTree>
+      <p:nvGrpSpPr>
+        <p:cNvPr id="1" name=""/>
+        <p:cNvGrpSpPr/>
+        <p:nvPr/>
+      </p:nvGrpSpPr>
+      <p:grpSpPr>
+        <a:xfrm>
+          <a:off x="0" y="0"/>
+          <a:ext cx="0" cy="0"/>
+          <a:chOff x="0" y="0"/>
+          <a:chExt cx="0" cy="0"/>
+        </a:xfrm>
+      </p:grpSpPr>
+      <p:sp>
+        <p:nvSpPr>
+          <p:cNvPr id="2" name="Title 1"/>
+          <p:cNvSpPr>
+            <a:spLocks noGrp="1"/>
+          </p:cNvSpPr>
+          <p:nvPr>
+            <p:ph type="title"/>
+          </p:nvPr>
+        </p:nvSpPr>
+        <p:spPr/>
+        <p:txBody>
+          <a:bodyPr/>
+          <a:lstStyle/>
+          <a:p>
+            <a:r>
+              <a:rPr lang="en-US" dirty="0"/>
+              <a:t>Questions</a:t>
+            </a:r>
+          </a:p>
+        </p:txBody>
+      </p:sp>
+      <p:sp>
+        <p:nvSpPr>
+          <p:cNvPr id="3" name="Content Placeholder 2"/>
+          <p:cNvSpPr>
+            <a:spLocks noGrp="1"/>
+          </p:cNvSpPr>
+          <p:nvPr>
+            <p:ph idx="1"/>
+          </p:nvPr>
+        </p:nvSpPr>
+        <p:spPr>
+          <a:xfrm>
+            <a:off x="457200" y="1417638"/>
+            <a:ext cx="8432800" cy="4986784"/>
+          </a:xfrm>
+        </p:spPr>
+        <p:txBody>
+          <a:bodyPr>
+            <a:normAutofit/>
+          </a:bodyPr>
+          <a:lstStyle/>
+          <a:p>
+            <a:r>
+              <a:rPr lang="en-US" dirty="0"/>
+              <a:t> Database (DB) vs. knowledge base (KB)?</a:t>
+            </a:r>
+          </a:p>
+          <a:p>
+            <a:pPr lvl="1"/>
+            <a:r>
+              <a:rPr lang="en-US" dirty="0"/>
+              <a:t>TL;DR: DBs have facts, KBs have general knowledge and (maybe) facts</a:t>
+            </a:r>
+          </a:p>
+          <a:p>
+            <a:pPr lvl="1"/>
+            <a:r>
+              <a:rPr lang="en-US" dirty="0"/>
+              <a:t>DBs typically have simple schemas (knowledge) and lots of data (facts)</a:t>
+            </a:r>
+          </a:p>
+          <a:p>
+            <a:pPr lvl="1"/>
+            <a:r>
+              <a:rPr lang="en-US" dirty="0"/>
+              <a:t>KBs have complex schemas (aka ontologies) and may or may not have a lot of instances (data)</a:t>
+            </a:r>
+          </a:p>
+          <a:p>
+            <a:r>
+              <a:rPr lang="en-US" dirty="0"/>
+              <a:t>KBs support inference, e.g., </a:t>
+            </a:r>
+          </a:p>
+          <a:p>
+            <a:pPr marL="288925" lvl="1" indent="0">
+              <a:buNone/>
+            </a:pPr>
+            <a:r>
+              <a:rPr lang="en-US" sz="2000" dirty="0"/>
+              <a:t>parent(?</a:t>
+            </a:r>
+            <a:r>
+              <a:rPr lang="en-US" sz="2000" dirty="0" err="1"/>
+              <a:t>x,?y</a:t>
+            </a:r>
+            <a:r>
+              <a:rPr lang="en-US" sz="2000" dirty="0"/>
+              <a:t>) =&gt; person(?x), person(?y), child(?</a:t>
+            </a:r>
+            <a:r>
+              <a:rPr lang="en-US" sz="2000" dirty="0" err="1"/>
+              <a:t>y,?x</a:t>
+            </a:r>
+            <a:r>
+              <a:rPr lang="en-US" sz="2000" dirty="0"/>
+              <a:t>), older(?</a:t>
+            </a:r>
+            <a:r>
+              <a:rPr lang="en-US" sz="2000" dirty="0" err="1"/>
+              <a:t>x,?y</a:t>
+            </a:r>
+            <a:r>
+              <a:rPr lang="en-US" sz="2000" dirty="0"/>
+              <a:t>), ?x≠?y</a:t>
+            </a:r>
+          </a:p>
+          <a:p>
+            <a:pPr marL="288925" lvl="1" indent="0">
+              <a:buNone/>
+            </a:pPr>
+            <a:r>
+              <a:rPr lang="en-US" sz="2000" dirty="0"/>
+              <a:t>Parent(</a:t>
+            </a:r>
+            <a:r>
+              <a:rPr lang="en-US" sz="2000" dirty="0" err="1"/>
+              <a:t>john,mary</a:t>
+            </a:r>
+            <a:r>
+              <a:rPr lang="en-US" sz="2000" dirty="0"/>
+              <a:t>) =&gt; person(john), child(</a:t>
+            </a:r>
+            <a:r>
+              <a:rPr lang="en-US" sz="2000" dirty="0" err="1"/>
+              <a:t>mary,john</a:t>
+            </a:r>
+            <a:r>
+              <a:rPr lang="en-US" sz="2000" dirty="0"/>
+              <a:t>), …</a:t>
+            </a:r>
+          </a:p>
+          <a:p>
+            <a:endParaRPr lang="en-US" dirty="0"/>
+          </a:p>
+        </p:txBody>
+      </p:sp>
+    </p:spTree>
+    <p:extLst>
+      <p:ext uri="{BB962C8B-B14F-4D97-AF65-F5344CB8AC3E}">
+        <p14:creationId xmlns:p14="http://schemas.microsoft.com/office/powerpoint/2010/main" val="3281663463"/>
+      </p:ext>
+    </p:extLst>
+  </p:cSld>
+  <p:clrMapOvr>
+    <a:masterClrMapping/>
+  </p:clrMapOvr>
+</p:sld>
+</file>
+
+<file path=ppt/slides/slide40.xml><?xml version="1.0" encoding="utf-8"?>
 <p:sld xmlns:a="http://schemas.openxmlformats.org/drawingml/2006/main" xmlns:r="http://schemas.openxmlformats.org/officeDocument/2006/relationships" xmlns:p="http://schemas.openxmlformats.org/presentationml/2006/main">
   <p:cSld>
     <p:spTree>
@@ -31153,176 +32499,7 @@
 </p:sld>
 </file>
 
-<file path=ppt/slides/slide4.xml><?xml version="1.0" encoding="utf-8"?>
-<p:sld xmlns:a="http://schemas.openxmlformats.org/drawingml/2006/main" xmlns:r="http://schemas.openxmlformats.org/officeDocument/2006/relationships" xmlns:p="http://schemas.openxmlformats.org/presentationml/2006/main">
-  <p:cSld>
-    <p:spTree>
-      <p:nvGrpSpPr>
-        <p:cNvPr id="1" name=""/>
-        <p:cNvGrpSpPr/>
-        <p:nvPr/>
-      </p:nvGrpSpPr>
-      <p:grpSpPr>
-        <a:xfrm>
-          <a:off x="0" y="0"/>
-          <a:ext cx="0" cy="0"/>
-          <a:chOff x="0" y="0"/>
-          <a:chExt cx="0" cy="0"/>
-        </a:xfrm>
-      </p:grpSpPr>
-      <p:sp>
-        <p:nvSpPr>
-          <p:cNvPr id="2" name="Title 1"/>
-          <p:cNvSpPr>
-            <a:spLocks noGrp="1"/>
-          </p:cNvSpPr>
-          <p:nvPr>
-            <p:ph type="title"/>
-          </p:nvPr>
-        </p:nvSpPr>
-        <p:spPr/>
-        <p:txBody>
-          <a:bodyPr/>
-          <a:lstStyle/>
-          <a:p>
-            <a:r>
-              <a:rPr lang="en-US" dirty="0"/>
-              <a:t>Questions</a:t>
-            </a:r>
-          </a:p>
-        </p:txBody>
-      </p:sp>
-      <p:sp>
-        <p:nvSpPr>
-          <p:cNvPr id="3" name="Content Placeholder 2"/>
-          <p:cNvSpPr>
-            <a:spLocks noGrp="1"/>
-          </p:cNvSpPr>
-          <p:nvPr>
-            <p:ph idx="1"/>
-          </p:nvPr>
-        </p:nvSpPr>
-        <p:spPr>
-          <a:xfrm>
-            <a:off x="457200" y="1417638"/>
-            <a:ext cx="8432800" cy="4986784"/>
-          </a:xfrm>
-        </p:spPr>
-        <p:txBody>
-          <a:bodyPr>
-            <a:normAutofit/>
-          </a:bodyPr>
-          <a:lstStyle/>
-          <a:p>
-            <a:r>
-              <a:rPr lang="en-US" dirty="0"/>
-              <a:t> Database (DB) vs. knowledge base (KB)?</a:t>
-            </a:r>
-          </a:p>
-          <a:p>
-            <a:pPr lvl="1"/>
-            <a:r>
-              <a:rPr lang="en-US" dirty="0"/>
-              <a:t>TL;DR: DBs have facts, KBs have general knowledge and (maybe) facts</a:t>
-            </a:r>
-          </a:p>
-          <a:p>
-            <a:pPr lvl="1"/>
-            <a:r>
-              <a:rPr lang="en-US" dirty="0"/>
-              <a:t>DBs typically have simple schemas (knowledge) and lots of data (facts)</a:t>
-            </a:r>
-          </a:p>
-          <a:p>
-            <a:pPr lvl="1"/>
-            <a:r>
-              <a:rPr lang="en-US" dirty="0"/>
-              <a:t>KBs have complex schemas (aka ontologies) and may or may not have a lot of instances (data)</a:t>
-            </a:r>
-          </a:p>
-          <a:p>
-            <a:r>
-              <a:rPr lang="en-US" dirty="0"/>
-              <a:t>KBs support inference, e.g., </a:t>
-            </a:r>
-          </a:p>
-          <a:p>
-            <a:pPr marL="288925" lvl="1" indent="0">
-              <a:buNone/>
-            </a:pPr>
-            <a:r>
-              <a:rPr lang="en-US" sz="2000" dirty="0"/>
-              <a:t>parent(?</a:t>
-            </a:r>
-            <a:r>
-              <a:rPr lang="en-US" sz="2000" dirty="0" err="1"/>
-              <a:t>x,?y</a:t>
-            </a:r>
-            <a:r>
-              <a:rPr lang="en-US" sz="2000" dirty="0"/>
-              <a:t>) =&gt; person(?x), person(?y), child(?</a:t>
-            </a:r>
-            <a:r>
-              <a:rPr lang="en-US" sz="2000" dirty="0" err="1"/>
-              <a:t>y,?x</a:t>
-            </a:r>
-            <a:r>
-              <a:rPr lang="en-US" sz="2000" dirty="0"/>
-              <a:t>), older(?</a:t>
-            </a:r>
-            <a:r>
-              <a:rPr lang="en-US" sz="2000" dirty="0" err="1"/>
-              <a:t>x,?y</a:t>
-            </a:r>
-            <a:r>
-              <a:rPr lang="en-US" sz="2000" dirty="0"/>
-              <a:t>), ?x≠?y</a:t>
-            </a:r>
-          </a:p>
-          <a:p>
-            <a:pPr marL="288925" lvl="1" indent="0">
-              <a:buNone/>
-            </a:pPr>
-            <a:r>
-              <a:rPr lang="en-US" sz="2000" dirty="0"/>
-              <a:t>Parent(</a:t>
-            </a:r>
-            <a:r>
-              <a:rPr lang="en-US" sz="2000" dirty="0" err="1"/>
-              <a:t>john,mary</a:t>
-            </a:r>
-            <a:r>
-              <a:rPr lang="en-US" sz="2000" dirty="0"/>
-              <a:t>) =&gt; person(john), child(</a:t>
-            </a:r>
-            <a:r>
-              <a:rPr lang="en-US" sz="2000" dirty="0" err="1"/>
-              <a:t>mary,john</a:t>
-            </a:r>
-            <a:r>
-              <a:rPr lang="en-US" sz="2000" dirty="0"/>
-              <a:t>), …</a:t>
-            </a:r>
-          </a:p>
-          <a:p>
-            <a:endParaRPr lang="en-US" dirty="0"/>
-          </a:p>
-        </p:txBody>
-      </p:sp>
-    </p:spTree>
-    <p:extLst>
-      <p:ext uri="{BB962C8B-B14F-4D97-AF65-F5344CB8AC3E}">
-        <p14:creationId xmlns:p14="http://schemas.microsoft.com/office/powerpoint/2010/main" val="3281663463"/>
-      </p:ext>
-    </p:extLst>
-  </p:cSld>
-  <p:clrMapOvr>
-    <a:masterClrMapping/>
-  </p:clrMapOvr>
-</p:sld>
-</file>
-
-<file path=ppt/slides/slide40.xml><?xml version="1.0" encoding="utf-8"?>
+<file path=ppt/slides/slide41.xml><?xml version="1.0" encoding="utf-8"?>
 <p:sld xmlns:a="http://schemas.openxmlformats.org/drawingml/2006/main" xmlns:r="http://schemas.openxmlformats.org/officeDocument/2006/relationships" xmlns:p="http://schemas.openxmlformats.org/presentationml/2006/main" show="0">
   <p:cSld>
     <p:spTree>
@@ -33387,7 +34564,7 @@
 </p:sld>
 </file>
 
-<file path=ppt/slides/slide41.xml><?xml version="1.0" encoding="utf-8"?>
+<file path=ppt/slides/slide42.xml><?xml version="1.0" encoding="utf-8"?>
 <p:sld xmlns:a="http://schemas.openxmlformats.org/drawingml/2006/main" xmlns:r="http://schemas.openxmlformats.org/officeDocument/2006/relationships" xmlns:p="http://schemas.openxmlformats.org/presentationml/2006/main">
   <p:cSld>
     <p:spTree>
@@ -33687,7 +34864,7 @@
 </p:sld>
 </file>
 
-<file path=ppt/slides/slide42.xml><?xml version="1.0" encoding="utf-8"?>
+<file path=ppt/slides/slide43.xml><?xml version="1.0" encoding="utf-8"?>
 <p:sld xmlns:a="http://schemas.openxmlformats.org/drawingml/2006/main" xmlns:r="http://schemas.openxmlformats.org/officeDocument/2006/relationships" xmlns:p="http://schemas.openxmlformats.org/presentationml/2006/main">
   <p:cSld>
     <p:spTree>
@@ -33738,7 +34915,7 @@
           <a:blip r:embed="rId2">
             <a:extLst>
               <a:ext uri="{28A0092B-C50C-407E-A947-70E740481C1C}">
-                <a14:useLocalDpi xmlns:a14="http://schemas.microsoft.com/office/drawing/2010/main" val="0"/>
+                <a14:useLocalDpi xmlns:a14="http://schemas.microsoft.com/office/drawing/2010/main"/>
               </a:ext>
             </a:extLst>
           </a:blip>
@@ -33769,7 +34946,7 @@
 </p:sld>
 </file>
 
-<file path=ppt/slides/slide43.xml><?xml version="1.0" encoding="utf-8"?>
+<file path=ppt/slides/slide44.xml><?xml version="1.0" encoding="utf-8"?>
 <p:sld xmlns:a="http://schemas.openxmlformats.org/drawingml/2006/main" xmlns:r="http://schemas.openxmlformats.org/officeDocument/2006/relationships" xmlns:p="http://schemas.openxmlformats.org/presentationml/2006/main">
   <p:cSld>
     <p:spTree>
@@ -34435,7 +35612,7 @@
 </p:sld>
 </file>
 
-<file path=ppt/slides/slide44.xml><?xml version="1.0" encoding="utf-8"?>
+<file path=ppt/slides/slide45.xml><?xml version="1.0" encoding="utf-8"?>
 <p:sld xmlns:a="http://schemas.openxmlformats.org/drawingml/2006/main" xmlns:r="http://schemas.openxmlformats.org/officeDocument/2006/relationships" xmlns:p="http://schemas.openxmlformats.org/presentationml/2006/main">
   <p:cSld>
     <p:spTree>
@@ -34669,7 +35846,7 @@
 </p:sld>
 </file>
 
-<file path=ppt/slides/slide45.xml><?xml version="1.0" encoding="utf-8"?>
+<file path=ppt/slides/slide46.xml><?xml version="1.0" encoding="utf-8"?>
 <p:sld xmlns:a="http://schemas.openxmlformats.org/drawingml/2006/main" xmlns:r="http://schemas.openxmlformats.org/officeDocument/2006/relationships" xmlns:p="http://schemas.openxmlformats.org/presentationml/2006/main" showMasterPhAnim="0">
   <p:cSld>
     <p:spTree>
@@ -34879,7 +36056,7 @@
 </p:sld>
 </file>
 
-<file path=ppt/slides/slide46.xml><?xml version="1.0" encoding="utf-8"?>
+<file path=ppt/slides/slide47.xml><?xml version="1.0" encoding="utf-8"?>
 <p:sld xmlns:a="http://schemas.openxmlformats.org/drawingml/2006/main" xmlns:r="http://schemas.openxmlformats.org/officeDocument/2006/relationships" xmlns:p="http://schemas.openxmlformats.org/presentationml/2006/main">
   <p:cSld>
     <p:spTree>
@@ -35010,95 +36187,6 @@
     <p:extLst>
       <p:ext uri="{BB962C8B-B14F-4D97-AF65-F5344CB8AC3E}">
         <p14:creationId xmlns:p14="http://schemas.microsoft.com/office/powerpoint/2010/main" val="2639680280"/>
-      </p:ext>
-    </p:extLst>
-  </p:cSld>
-  <p:clrMapOvr>
-    <a:masterClrMapping/>
-  </p:clrMapOvr>
-</p:sld>
-</file>
-
-<file path=ppt/slides/slide47.xml><?xml version="1.0" encoding="utf-8"?>
-<p:sld xmlns:a="http://schemas.openxmlformats.org/drawingml/2006/main" xmlns:r="http://schemas.openxmlformats.org/officeDocument/2006/relationships" xmlns:p="http://schemas.openxmlformats.org/presentationml/2006/main">
-  <p:cSld>
-    <p:spTree>
-      <p:nvGrpSpPr>
-        <p:cNvPr id="1" name=""/>
-        <p:cNvGrpSpPr/>
-        <p:nvPr/>
-      </p:nvGrpSpPr>
-      <p:grpSpPr>
-        <a:xfrm>
-          <a:off x="0" y="0"/>
-          <a:ext cx="0" cy="0"/>
-          <a:chOff x="0" y="0"/>
-          <a:chExt cx="0" cy="0"/>
-        </a:xfrm>
-      </p:grpSpPr>
-      <p:sp>
-        <p:nvSpPr>
-          <p:cNvPr id="2" name="Title 1"/>
-          <p:cNvSpPr>
-            <a:spLocks noGrp="1"/>
-          </p:cNvSpPr>
-          <p:nvPr>
-            <p:ph type="title"/>
-          </p:nvPr>
-        </p:nvSpPr>
-        <p:spPr>
-          <a:xfrm>
-            <a:off x="0" y="99454"/>
-            <a:ext cx="9144000" cy="1143000"/>
-          </a:xfrm>
-        </p:spPr>
-        <p:txBody>
-          <a:bodyPr>
-            <a:normAutofit/>
-          </a:bodyPr>
-          <a:lstStyle/>
-          <a:p>
-            <a:r>
-              <a:rPr lang="en-US" dirty="0"/>
-              <a:t>Detecting semantic data via a browser</a:t>
-            </a:r>
-          </a:p>
-        </p:txBody>
-      </p:sp>
-      <p:pic>
-        <p:nvPicPr>
-          <p:cNvPr id="4" name="Picture 3" descr="Screen Shot 2014-01-29 at 1.26.05 PM.png"/>
-          <p:cNvPicPr>
-            <a:picLocks noChangeAspect="1"/>
-          </p:cNvPicPr>
-          <p:nvPr/>
-        </p:nvPicPr>
-        <p:blipFill>
-          <a:blip r:embed="rId2">
-            <a:extLst>
-              <a:ext uri="{28A0092B-C50C-407E-A947-70E740481C1C}">
-                <a14:useLocalDpi xmlns:a14="http://schemas.microsoft.com/office/drawing/2010/main" val="0"/>
-              </a:ext>
-            </a:extLst>
-          </a:blip>
-          <a:stretch>
-            <a:fillRect/>
-          </a:stretch>
-        </p:blipFill>
-        <p:spPr>
-          <a:xfrm>
-            <a:off x="766332" y="1001582"/>
-            <a:ext cx="7778571" cy="5992959"/>
-          </a:xfrm>
-          <a:prstGeom prst="rect">
-            <a:avLst/>
-          </a:prstGeom>
-        </p:spPr>
-      </p:pic>
-    </p:spTree>
-    <p:extLst>
-      <p:ext uri="{BB962C8B-B14F-4D97-AF65-F5344CB8AC3E}">
-        <p14:creationId xmlns:p14="http://schemas.microsoft.com/office/powerpoint/2010/main" val="3286018260"/>
       </p:ext>
     </p:extLst>
   </p:cSld>
@@ -35164,10 +36252,99 @@
         </p:nvPicPr>
         <p:blipFill>
           <a:blip r:embed="rId2">
+            <a:extLst>
+              <a:ext uri="{28A0092B-C50C-407E-A947-70E740481C1C}">
+                <a14:useLocalDpi xmlns:a14="http://schemas.microsoft.com/office/drawing/2010/main"/>
+              </a:ext>
+            </a:extLst>
+          </a:blip>
+          <a:stretch>
+            <a:fillRect/>
+          </a:stretch>
+        </p:blipFill>
+        <p:spPr>
+          <a:xfrm>
+            <a:off x="766332" y="1001582"/>
+            <a:ext cx="7778571" cy="5992959"/>
+          </a:xfrm>
+          <a:prstGeom prst="rect">
+            <a:avLst/>
+          </a:prstGeom>
+        </p:spPr>
+      </p:pic>
+    </p:spTree>
+    <p:extLst>
+      <p:ext uri="{BB962C8B-B14F-4D97-AF65-F5344CB8AC3E}">
+        <p14:creationId xmlns:p14="http://schemas.microsoft.com/office/powerpoint/2010/main" val="3286018260"/>
+      </p:ext>
+    </p:extLst>
+  </p:cSld>
+  <p:clrMapOvr>
+    <a:masterClrMapping/>
+  </p:clrMapOvr>
+</p:sld>
+</file>
+
+<file path=ppt/slides/slide49.xml><?xml version="1.0" encoding="utf-8"?>
+<p:sld xmlns:a="http://schemas.openxmlformats.org/drawingml/2006/main" xmlns:r="http://schemas.openxmlformats.org/officeDocument/2006/relationships" xmlns:p="http://schemas.openxmlformats.org/presentationml/2006/main">
+  <p:cSld>
+    <p:spTree>
+      <p:nvGrpSpPr>
+        <p:cNvPr id="1" name=""/>
+        <p:cNvGrpSpPr/>
+        <p:nvPr/>
+      </p:nvGrpSpPr>
+      <p:grpSpPr>
+        <a:xfrm>
+          <a:off x="0" y="0"/>
+          <a:ext cx="0" cy="0"/>
+          <a:chOff x="0" y="0"/>
+          <a:chExt cx="0" cy="0"/>
+        </a:xfrm>
+      </p:grpSpPr>
+      <p:sp>
+        <p:nvSpPr>
+          <p:cNvPr id="2" name="Title 1"/>
+          <p:cNvSpPr>
+            <a:spLocks noGrp="1"/>
+          </p:cNvSpPr>
+          <p:nvPr>
+            <p:ph type="title"/>
+          </p:nvPr>
+        </p:nvSpPr>
+        <p:spPr>
+          <a:xfrm>
+            <a:off x="0" y="99454"/>
+            <a:ext cx="9144000" cy="1143000"/>
+          </a:xfrm>
+        </p:spPr>
+        <p:txBody>
+          <a:bodyPr>
+            <a:normAutofit/>
+          </a:bodyPr>
+          <a:lstStyle/>
+          <a:p>
+            <a:r>
+              <a:rPr lang="en-US" dirty="0"/>
+              <a:t>Detecting semantic data via a browser</a:t>
+            </a:r>
+          </a:p>
+        </p:txBody>
+      </p:sp>
+      <p:pic>
+        <p:nvPicPr>
+          <p:cNvPr id="4" name="Picture 3" descr="Screen Shot 2014-01-29 at 1.26.05 PM.png"/>
+          <p:cNvPicPr>
+            <a:picLocks noChangeAspect="1"/>
+          </p:cNvPicPr>
+          <p:nvPr/>
+        </p:nvPicPr>
+        <p:blipFill>
+          <a:blip r:embed="rId2">
             <a:alphaModFix amt="39000"/>
             <a:extLst>
               <a:ext uri="{28A0092B-C50C-407E-A947-70E740481C1C}">
-                <a14:useLocalDpi xmlns:a14="http://schemas.microsoft.com/office/drawing/2010/main" val="0"/>
+                <a14:useLocalDpi xmlns:a14="http://schemas.microsoft.com/office/drawing/2010/main"/>
               </a:ext>
             </a:extLst>
           </a:blip>
@@ -35197,7 +36374,7 @@
           <a:blip r:embed="rId3">
             <a:extLst>
               <a:ext uri="{28A0092B-C50C-407E-A947-70E740481C1C}">
-                <a14:useLocalDpi xmlns:a14="http://schemas.microsoft.com/office/drawing/2010/main" val="0"/>
+                <a14:useLocalDpi xmlns:a14="http://schemas.microsoft.com/office/drawing/2010/main"/>
               </a:ext>
             </a:extLst>
           </a:blip>
@@ -35349,90 +36526,6 @@
 </p:sld>
 </file>
 
-<file path=ppt/slides/slide49.xml><?xml version="1.0" encoding="utf-8"?>
-<p:sld xmlns:a="http://schemas.openxmlformats.org/drawingml/2006/main" xmlns:r="http://schemas.openxmlformats.org/officeDocument/2006/relationships" xmlns:p="http://schemas.openxmlformats.org/presentationml/2006/main">
-  <p:cSld>
-    <p:spTree>
-      <p:nvGrpSpPr>
-        <p:cNvPr id="1" name=""/>
-        <p:cNvGrpSpPr/>
-        <p:nvPr/>
-      </p:nvGrpSpPr>
-      <p:grpSpPr>
-        <a:xfrm>
-          <a:off x="0" y="0"/>
-          <a:ext cx="0" cy="0"/>
-          <a:chOff x="0" y="0"/>
-          <a:chExt cx="0" cy="0"/>
-        </a:xfrm>
-      </p:grpSpPr>
-      <p:sp>
-        <p:nvSpPr>
-          <p:cNvPr id="2" name="Title 1"/>
-          <p:cNvSpPr>
-            <a:spLocks noGrp="1"/>
-          </p:cNvSpPr>
-          <p:nvPr>
-            <p:ph type="title"/>
-          </p:nvPr>
-        </p:nvSpPr>
-        <p:spPr/>
-        <p:txBody>
-          <a:bodyPr/>
-          <a:lstStyle/>
-          <a:p>
-            <a:r>
-              <a:rPr lang="en-US" dirty="0"/>
-              <a:t>Semantic Data Browser/Query</a:t>
-            </a:r>
-          </a:p>
-        </p:txBody>
-      </p:sp>
-      <p:pic>
-        <p:nvPicPr>
-          <p:cNvPr id="3" name="Picture 2" descr="Screen Shot 2016-09-12 at 3.20.59 PM.png">
-            <a:hlinkClick r:id="rId3"/>
-          </p:cNvPr>
-          <p:cNvPicPr>
-            <a:picLocks noChangeAspect="1"/>
-          </p:cNvPicPr>
-          <p:nvPr/>
-        </p:nvPicPr>
-        <p:blipFill>
-          <a:blip r:embed="rId4">
-            <a:extLst>
-              <a:ext uri="{28A0092B-C50C-407E-A947-70E740481C1C}">
-                <a14:useLocalDpi xmlns:a14="http://schemas.microsoft.com/office/drawing/2010/main" val="0"/>
-              </a:ext>
-            </a:extLst>
-          </a:blip>
-          <a:stretch>
-            <a:fillRect/>
-          </a:stretch>
-        </p:blipFill>
-        <p:spPr>
-          <a:xfrm>
-            <a:off x="0" y="1151299"/>
-            <a:ext cx="9144000" cy="6210000"/>
-          </a:xfrm>
-          <a:prstGeom prst="rect">
-            <a:avLst/>
-          </a:prstGeom>
-        </p:spPr>
-      </p:pic>
-    </p:spTree>
-    <p:extLst>
-      <p:ext uri="{BB962C8B-B14F-4D97-AF65-F5344CB8AC3E}">
-        <p14:creationId xmlns:p14="http://schemas.microsoft.com/office/powerpoint/2010/main" val="274226392"/>
-      </p:ext>
-    </p:extLst>
-  </p:cSld>
-  <p:clrMapOvr>
-    <a:masterClrMapping/>
-  </p:clrMapOvr>
-</p:sld>
-</file>
-
 <file path=ppt/slides/slide5.xml><?xml version="1.0" encoding="utf-8"?>
 <p:sld xmlns:a="http://schemas.openxmlformats.org/drawingml/2006/main" xmlns:r="http://schemas.openxmlformats.org/officeDocument/2006/relationships" xmlns:p="http://schemas.openxmlformats.org/presentationml/2006/main">
   <p:cSld>
@@ -35506,6 +36599,12 @@
             <a:r>
               <a:rPr lang="en-US" sz="2800" dirty="0"/>
               <a:t>Natural language</a:t>
+            </a:r>
+          </a:p>
+          <a:p>
+            <a:r>
+              <a:rPr lang="en-US" sz="2800" dirty="0"/>
+              <a:t>Program code</a:t>
             </a:r>
           </a:p>
           <a:p>
@@ -35584,96 +36683,37 @@
           <a:p>
             <a:r>
               <a:rPr lang="en-US" dirty="0"/>
-              <a:t>Ontology Editor</a:t>
-            </a:r>
-          </a:p>
-        </p:txBody>
-      </p:sp>
-      <p:sp>
-        <p:nvSpPr>
-          <p:cNvPr id="3" name="Content Placeholder 2"/>
-          <p:cNvSpPr>
-            <a:spLocks noGrp="1"/>
-          </p:cNvSpPr>
-          <p:nvPr>
-            <p:ph idx="1"/>
-          </p:nvPr>
-        </p:nvSpPr>
-        <p:spPr>
-          <a:xfrm>
-            <a:off x="310444" y="1417638"/>
-            <a:ext cx="8229600" cy="4986784"/>
-          </a:xfrm>
-        </p:spPr>
-        <p:txBody>
-          <a:bodyPr/>
-          <a:lstStyle/>
-          <a:p>
-            <a:r>
-              <a:rPr lang="en-US" dirty="0"/>
-              <a:t>There are a number of editors available for creating and editing ontologies and data</a:t>
-            </a:r>
-          </a:p>
-          <a:p>
-            <a:r>
-              <a:rPr lang="en-US" dirty="0"/>
-              <a:t>We recommend using </a:t>
-            </a:r>
-            <a:r>
-              <a:rPr lang="en-US" dirty="0">
-                <a:hlinkClick r:id="rId2"/>
-              </a:rPr>
-              <a:t>Protégé</a:t>
-            </a:r>
-            <a:r>
-              <a:rPr lang="en-US" dirty="0"/>
-              <a:t>, a java-based free system developed at Stanford</a:t>
-            </a:r>
-          </a:p>
-          <a:p>
-            <a:pPr lvl="1"/>
-            <a:r>
-              <a:rPr lang="en-US" dirty="0"/>
-              <a:t>Good support for </a:t>
-            </a:r>
-            <a:br>
-              <a:rPr lang="en-US" dirty="0"/>
-            </a:br>
-            <a:r>
-              <a:rPr lang="en-US" dirty="0"/>
-              <a:t>reasoning</a:t>
-            </a:r>
-          </a:p>
-          <a:p>
-            <a:pPr lvl="1"/>
-            <a:r>
-              <a:rPr lang="en-US" dirty="0"/>
-              <a:t>Lots of plugins</a:t>
-            </a:r>
-          </a:p>
-          <a:p>
-            <a:endParaRPr lang="en-US" dirty="0"/>
+              <a:t>Semantic Data Browser/Query</a:t>
+            </a:r>
           </a:p>
         </p:txBody>
       </p:sp>
       <p:pic>
         <p:nvPicPr>
-          <p:cNvPr id="4" name="Picture 3"/>
+          <p:cNvPr id="3" name="Picture 2" descr="Screen Shot 2016-09-12 at 3.20.59 PM.png">
+            <a:hlinkClick r:id="rId3"/>
+          </p:cNvPr>
           <p:cNvPicPr>
             <a:picLocks noChangeAspect="1"/>
           </p:cNvPicPr>
           <p:nvPr/>
         </p:nvPicPr>
         <p:blipFill>
-          <a:blip r:embed="rId3"/>
+          <a:blip r:embed="rId4">
+            <a:extLst>
+              <a:ext uri="{28A0092B-C50C-407E-A947-70E740481C1C}">
+                <a14:useLocalDpi xmlns:a14="http://schemas.microsoft.com/office/drawing/2010/main"/>
+              </a:ext>
+            </a:extLst>
+          </a:blip>
           <a:stretch>
             <a:fillRect/>
           </a:stretch>
         </p:blipFill>
         <p:spPr>
           <a:xfrm>
-            <a:off x="3714044" y="3651858"/>
-            <a:ext cx="5276407" cy="3155292"/>
+            <a:off x="0" y="1151299"/>
+            <a:ext cx="9144000" cy="6210000"/>
           </a:xfrm>
           <a:prstGeom prst="rect">
             <a:avLst/>
@@ -35683,7 +36723,7 @@
     </p:spTree>
     <p:extLst>
       <p:ext uri="{BB962C8B-B14F-4D97-AF65-F5344CB8AC3E}">
-        <p14:creationId xmlns:p14="http://schemas.microsoft.com/office/powerpoint/2010/main" val="1784481997"/>
+        <p14:creationId xmlns:p14="http://schemas.microsoft.com/office/powerpoint/2010/main" val="274226392"/>
       </p:ext>
     </p:extLst>
   </p:cSld>
@@ -35727,7 +36767,7 @@
           <a:p>
             <a:r>
               <a:rPr lang="en-US" dirty="0"/>
-              <a:t>Triple Stores</a:t>
+              <a:t>Ontology Editor</a:t>
             </a:r>
           </a:p>
         </p:txBody>
@@ -35744,108 +36784,89 @@
         </p:nvSpPr>
         <p:spPr>
           <a:xfrm>
-            <a:off x="457200" y="1417638"/>
+            <a:off x="310444" y="1417638"/>
             <a:ext cx="8229600" cy="4986784"/>
           </a:xfrm>
         </p:spPr>
         <p:txBody>
-          <a:bodyPr>
-            <a:normAutofit lnSpcReduction="10000"/>
-          </a:bodyPr>
+          <a:bodyPr/>
           <a:lstStyle/>
           <a:p>
             <a:r>
               <a:rPr lang="en-US" dirty="0"/>
-              <a:t>A triple store is a database for RDF triples</a:t>
+              <a:t>There are a number of editors available for creating and editing ontologies and data</a:t>
             </a:r>
           </a:p>
           <a:p>
             <a:r>
               <a:rPr lang="en-US" dirty="0"/>
-              <a:t>It usually has a native API and often accepts SPARQL queries</a:t>
-            </a:r>
-          </a:p>
-          <a:p>
-            <a:r>
-              <a:rPr lang="en-US" dirty="0"/>
-              <a:t>It might do reasoning, either in an </a:t>
-            </a:r>
-            <a:r>
-              <a:rPr lang="en-US" i="1" dirty="0"/>
-              <a:t>eager</a:t>
-            </a:r>
-            <a:r>
-              <a:rPr lang="en-US" dirty="0"/>
-              <a:t> manner (as triples are loaded) or </a:t>
-            </a:r>
-            <a:r>
-              <a:rPr lang="en-US" i="1" dirty="0"/>
-              <a:t>on demand </a:t>
-            </a:r>
-            <a:r>
-              <a:rPr lang="en-US" dirty="0"/>
-              <a:t>(to answer queries), </a:t>
-            </a:r>
-            <a:r>
-              <a:rPr lang="en-US" dirty="0" err="1"/>
-              <a:t>etc</a:t>
-            </a:r>
-            <a:endParaRPr lang="en-US" dirty="0"/>
-          </a:p>
-          <a:p>
-            <a:r>
-              <a:rPr lang="en-US" dirty="0"/>
-              <a:t>Some stores focus on scalability and others on flexibility and features</a:t>
-            </a:r>
-          </a:p>
-          <a:p>
-            <a:r>
-              <a:rPr lang="en-US" dirty="0"/>
-              <a:t>We’ll look at several, including </a:t>
+              <a:t>We recommend using </a:t>
             </a:r>
             <a:r>
               <a:rPr lang="en-US" dirty="0">
                 <a:hlinkClick r:id="rId2"/>
               </a:rPr>
-              <a:t>Sesame</a:t>
+              <a:t>Protégé</a:t>
             </a:r>
             <a:r>
               <a:rPr lang="en-US" dirty="0"/>
-              <a:t>, Apache </a:t>
-            </a:r>
-            <a:r>
-              <a:rPr lang="en-US" dirty="0">
-                <a:hlinkClick r:id="rId3"/>
-              </a:rPr>
-              <a:t>Jena</a:t>
-            </a:r>
+              <a:t>, a java-based free system developed at Stanford</a:t>
+            </a:r>
+          </a:p>
+          <a:p>
+            <a:pPr lvl="1"/>
             <a:r>
               <a:rPr lang="en-US" dirty="0"/>
-              <a:t> and </a:t>
-            </a:r>
-            <a:r>
-              <a:rPr lang="en-US" dirty="0">
-                <a:hlinkClick r:id="rId4"/>
-              </a:rPr>
-              <a:t>stardog</a:t>
-            </a:r>
-            <a:r>
+              <a:t>Good support for </a:t>
+            </a:r>
+            <a:br>
               <a:rPr lang="en-US" dirty="0"/>
-              <a:t> </a:t>
-            </a:r>
-          </a:p>
-          <a:p>
-            <a:endParaRPr lang="en-US" dirty="0"/>
+            </a:br>
+            <a:r>
+              <a:rPr lang="en-US" dirty="0"/>
+              <a:t>reasoning</a:t>
+            </a:r>
+          </a:p>
+          <a:p>
+            <a:pPr lvl="1"/>
+            <a:r>
+              <a:rPr lang="en-US" dirty="0"/>
+              <a:t>Lots of plugins</a:t>
+            </a:r>
           </a:p>
           <a:p>
             <a:endParaRPr lang="en-US" dirty="0"/>
           </a:p>
         </p:txBody>
       </p:sp>
+      <p:pic>
+        <p:nvPicPr>
+          <p:cNvPr id="4" name="Picture 3"/>
+          <p:cNvPicPr>
+            <a:picLocks noChangeAspect="1"/>
+          </p:cNvPicPr>
+          <p:nvPr/>
+        </p:nvPicPr>
+        <p:blipFill>
+          <a:blip r:embed="rId3"/>
+          <a:stretch>
+            <a:fillRect/>
+          </a:stretch>
+        </p:blipFill>
+        <p:spPr>
+          <a:xfrm>
+            <a:off x="3714044" y="3651858"/>
+            <a:ext cx="5276407" cy="3155292"/>
+          </a:xfrm>
+          <a:prstGeom prst="rect">
+            <a:avLst/>
+          </a:prstGeom>
+        </p:spPr>
+      </p:pic>
     </p:spTree>
     <p:extLst>
       <p:ext uri="{BB962C8B-B14F-4D97-AF65-F5344CB8AC3E}">
-        <p14:creationId xmlns:p14="http://schemas.microsoft.com/office/powerpoint/2010/main" val="1517265873"/>
+        <p14:creationId xmlns:p14="http://schemas.microsoft.com/office/powerpoint/2010/main" val="1784481997"/>
       </p:ext>
     </p:extLst>
   </p:cSld>
@@ -35889,6 +36910,168 @@
           <a:p>
             <a:r>
               <a:rPr lang="en-US" dirty="0"/>
+              <a:t>Triple Stores</a:t>
+            </a:r>
+          </a:p>
+        </p:txBody>
+      </p:sp>
+      <p:sp>
+        <p:nvSpPr>
+          <p:cNvPr id="3" name="Content Placeholder 2"/>
+          <p:cNvSpPr>
+            <a:spLocks noGrp="1"/>
+          </p:cNvSpPr>
+          <p:nvPr>
+            <p:ph idx="1"/>
+          </p:nvPr>
+        </p:nvSpPr>
+        <p:spPr>
+          <a:xfrm>
+            <a:off x="457200" y="1417638"/>
+            <a:ext cx="8229600" cy="4986784"/>
+          </a:xfrm>
+        </p:spPr>
+        <p:txBody>
+          <a:bodyPr>
+            <a:normAutofit lnSpcReduction="10000"/>
+          </a:bodyPr>
+          <a:lstStyle/>
+          <a:p>
+            <a:r>
+              <a:rPr lang="en-US" dirty="0"/>
+              <a:t>A triple store is a database for RDF triples</a:t>
+            </a:r>
+          </a:p>
+          <a:p>
+            <a:r>
+              <a:rPr lang="en-US" dirty="0"/>
+              <a:t>It usually has a native API and often accepts SPARQL queries</a:t>
+            </a:r>
+          </a:p>
+          <a:p>
+            <a:r>
+              <a:rPr lang="en-US" dirty="0"/>
+              <a:t>It might do reasoning, either in an </a:t>
+            </a:r>
+            <a:r>
+              <a:rPr lang="en-US" i="1" dirty="0"/>
+              <a:t>eager</a:t>
+            </a:r>
+            <a:r>
+              <a:rPr lang="en-US" dirty="0"/>
+              <a:t> manner (as triples are loaded) or </a:t>
+            </a:r>
+            <a:r>
+              <a:rPr lang="en-US" i="1" dirty="0"/>
+              <a:t>on demand </a:t>
+            </a:r>
+            <a:r>
+              <a:rPr lang="en-US" dirty="0"/>
+              <a:t>(to answer queries), </a:t>
+            </a:r>
+            <a:r>
+              <a:rPr lang="en-US" dirty="0" err="1"/>
+              <a:t>etc</a:t>
+            </a:r>
+            <a:endParaRPr lang="en-US" dirty="0"/>
+          </a:p>
+          <a:p>
+            <a:r>
+              <a:rPr lang="en-US" dirty="0"/>
+              <a:t>Some stores focus on scalability and others on flexibility and features</a:t>
+            </a:r>
+          </a:p>
+          <a:p>
+            <a:r>
+              <a:rPr lang="en-US" dirty="0"/>
+              <a:t>We’ll look at several, including </a:t>
+            </a:r>
+            <a:r>
+              <a:rPr lang="en-US" dirty="0">
+                <a:hlinkClick r:id="rId2"/>
+              </a:rPr>
+              <a:t>Sesame</a:t>
+            </a:r>
+            <a:r>
+              <a:rPr lang="en-US" dirty="0"/>
+              <a:t>, Apache </a:t>
+            </a:r>
+            <a:r>
+              <a:rPr lang="en-US" dirty="0">
+                <a:hlinkClick r:id="rId3"/>
+              </a:rPr>
+              <a:t>Jena</a:t>
+            </a:r>
+            <a:r>
+              <a:rPr lang="en-US" dirty="0"/>
+              <a:t> and </a:t>
+            </a:r>
+            <a:r>
+              <a:rPr lang="en-US" dirty="0">
+                <a:hlinkClick r:id="rId4"/>
+              </a:rPr>
+              <a:t>stardog</a:t>
+            </a:r>
+            <a:r>
+              <a:rPr lang="en-US" dirty="0"/>
+              <a:t> </a:t>
+            </a:r>
+          </a:p>
+          <a:p>
+            <a:endParaRPr lang="en-US" dirty="0"/>
+          </a:p>
+          <a:p>
+            <a:endParaRPr lang="en-US" dirty="0"/>
+          </a:p>
+        </p:txBody>
+      </p:sp>
+    </p:spTree>
+    <p:extLst>
+      <p:ext uri="{BB962C8B-B14F-4D97-AF65-F5344CB8AC3E}">
+        <p14:creationId xmlns:p14="http://schemas.microsoft.com/office/powerpoint/2010/main" val="1517265873"/>
+      </p:ext>
+    </p:extLst>
+  </p:cSld>
+  <p:clrMapOvr>
+    <a:masterClrMapping/>
+  </p:clrMapOvr>
+</p:sld>
+</file>
+
+<file path=ppt/slides/slide53.xml><?xml version="1.0" encoding="utf-8"?>
+<p:sld xmlns:a="http://schemas.openxmlformats.org/drawingml/2006/main" xmlns:r="http://schemas.openxmlformats.org/officeDocument/2006/relationships" xmlns:p="http://schemas.openxmlformats.org/presentationml/2006/main">
+  <p:cSld>
+    <p:spTree>
+      <p:nvGrpSpPr>
+        <p:cNvPr id="1" name=""/>
+        <p:cNvGrpSpPr/>
+        <p:nvPr/>
+      </p:nvGrpSpPr>
+      <p:grpSpPr>
+        <a:xfrm>
+          <a:off x="0" y="0"/>
+          <a:ext cx="0" cy="0"/>
+          <a:chOff x="0" y="0"/>
+          <a:chExt cx="0" cy="0"/>
+        </a:xfrm>
+      </p:grpSpPr>
+      <p:sp>
+        <p:nvSpPr>
+          <p:cNvPr id="2" name="Title 1"/>
+          <p:cNvSpPr>
+            <a:spLocks noGrp="1"/>
+          </p:cNvSpPr>
+          <p:nvPr>
+            <p:ph type="title"/>
+          </p:nvPr>
+        </p:nvSpPr>
+        <p:spPr/>
+        <p:txBody>
+          <a:bodyPr/>
+          <a:lstStyle/>
+          <a:p>
+            <a:r>
+              <a:rPr lang="en-US" dirty="0"/>
               <a:t>Frameworks and Libraries</a:t>
             </a:r>
           </a:p>
@@ -35950,7 +37133,7 @@
 </p:sld>
 </file>
 
-<file path=ppt/slides/slide53.xml><?xml version="1.0" encoding="utf-8"?>
+<file path=ppt/slides/slide54.xml><?xml version="1.0" encoding="utf-8"?>
 <p:sld xmlns:a="http://schemas.openxmlformats.org/drawingml/2006/main" xmlns:r="http://schemas.openxmlformats.org/officeDocument/2006/relationships" xmlns:p="http://schemas.openxmlformats.org/presentationml/2006/main">
   <p:cSld>
     <p:spTree>
@@ -36137,7 +37320,7 @@
             <a:pPr lvl="1"/>
             <a:r>
               <a:rPr lang="en-US" sz="2400" dirty="0"/>
-              <a:t>Classical logic has limitations: facts and relations and “rules” are either (always) True of False</a:t>
+              <a:t>Classical logic has limitations: facts and relations and “rules” are either (always) True or False for all time</a:t>
             </a:r>
           </a:p>
           <a:p>
@@ -36245,56 +37428,45 @@
               <a:buNone/>
             </a:pPr>
             <a:r>
-              <a:rPr lang="en-US" dirty="0"/>
-              <a:t>	</a:t>
-            </a:r>
-            <a:r>
               <a:rPr lang="en-US" sz="2800" dirty="0"/>
-              <a:t>+ Simple, well understood, good reasoning    </a:t>
+              <a:t>+ Simple, well understood, good reasoning algorithms</a:t>
+            </a:r>
+          </a:p>
+          <a:p>
+            <a:pPr marL="346075" indent="0">
+              <a:buNone/>
+            </a:pPr>
+            <a:r>
+              <a:rPr lang="en-US" sz="2800" dirty="0"/>
+              <a:t>-  No probabilities, adding extensions (e.g., for time) </a:t>
             </a:r>
             <a:br>
               <a:rPr lang="en-US" sz="2800" dirty="0"/>
             </a:br>
             <a:r>
               <a:rPr lang="en-US" sz="2800" dirty="0"/>
-              <a:t>     algorithms</a:t>
-            </a:r>
-          </a:p>
-          <a:p>
-            <a:pPr marL="463550" indent="0">
+              <a:t>   adds complexity</a:t>
+            </a:r>
+          </a:p>
+          <a:p>
+            <a:r>
+              <a:rPr lang="en-US" dirty="0"/>
+              <a:t>Knowledge represented as a graph</a:t>
+            </a:r>
+          </a:p>
+          <a:p>
+            <a:pPr marL="295275" indent="0">
               <a:buNone/>
             </a:pPr>
             <a:r>
               <a:rPr lang="en-US" sz="2800" dirty="0"/>
-              <a:t>-  No probabilities, adding extensions (e.g., for time) </a:t>
+              <a:t>+ Simple, good tool support</a:t>
             </a:r>
             <a:br>
               <a:rPr lang="en-US" sz="2800" dirty="0"/>
             </a:br>
             <a:r>
               <a:rPr lang="en-US" sz="2800" dirty="0"/>
-              <a:t>   adds complexity</a:t>
-            </a:r>
-          </a:p>
-          <a:p>
-            <a:r>
-              <a:rPr lang="en-US" dirty="0"/>
-              <a:t>Knowledge represented as a graph</a:t>
-            </a:r>
-          </a:p>
-          <a:p>
-            <a:pPr marL="295275" indent="0">
-              <a:buNone/>
-            </a:pPr>
-            <a:r>
-              <a:rPr lang="en-US" dirty="0"/>
-              <a:t>+ Simple, good tool support</a:t>
-            </a:r>
-            <a:br>
-              <a:rPr lang="en-US" dirty="0"/>
-            </a:br>
-            <a:r>
-              <a:rPr lang="en-US" dirty="0"/>
               <a:t>-  May be too simple</a:t>
             </a:r>
           </a:p>
@@ -36412,7 +37584,7 @@
                 <a:latin typeface="Calibri"/>
                 <a:ea typeface="ＭＳ Ｐゴシック" charset="0"/>
               </a:rPr>
-              <a:t>May involve more AI (e.g., NLP)</a:t>
+              <a:t>May involve more AI (e.g., NLP, machine learning)</a:t>
             </a:r>
           </a:p>
           <a:p>
@@ -36461,7 +37633,7 @@
                 <a:latin typeface="Calibri"/>
                 <a:ea typeface="ＭＳ Ｐゴシック" charset="0"/>
               </a:rPr>
-              <a:t>By machines for machines with human oriented applications on top</a:t>
+              <a:t>By machines for machines with human-oriented applications on top</a:t>
             </a:r>
           </a:p>
         </p:txBody>
@@ -36530,7 +37702,7 @@
           <a:blip r:embed="rId2">
             <a:extLst>
               <a:ext uri="{28A0092B-C50C-407E-A947-70E740481C1C}">
-                <a14:useLocalDpi xmlns:a14="http://schemas.microsoft.com/office/drawing/2010/main" val="0"/>
+                <a14:useLocalDpi xmlns:a14="http://schemas.microsoft.com/office/drawing/2010/main"/>
               </a:ext>
             </a:extLst>
           </a:blip>
